--- a/Behavioral_Design_Patterns.pptx
+++ b/Behavioral_Design_Patterns.pptx
@@ -6,14 +6,28 @@
   </p:sldMasterIdLst>
   <p:sldIdLst>
     <p:sldId id="256" r:id="rId2"/>
-    <p:sldId id="257" r:id="rId3"/>
-    <p:sldId id="258" r:id="rId4"/>
-    <p:sldId id="259" r:id="rId5"/>
-    <p:sldId id="260" r:id="rId6"/>
-    <p:sldId id="261" r:id="rId7"/>
-    <p:sldId id="262" r:id="rId8"/>
-    <p:sldId id="263" r:id="rId9"/>
-    <p:sldId id="264" r:id="rId10"/>
+    <p:sldId id="265" r:id="rId3"/>
+    <p:sldId id="257" r:id="rId4"/>
+    <p:sldId id="258" r:id="rId5"/>
+    <p:sldId id="259" r:id="rId6"/>
+    <p:sldId id="260" r:id="rId7"/>
+    <p:sldId id="261" r:id="rId8"/>
+    <p:sldId id="262" r:id="rId9"/>
+    <p:sldId id="263" r:id="rId10"/>
+    <p:sldId id="264" r:id="rId11"/>
+    <p:sldId id="266" r:id="rId12"/>
+    <p:sldId id="267" r:id="rId13"/>
+    <p:sldId id="268" r:id="rId14"/>
+    <p:sldId id="269" r:id="rId15"/>
+    <p:sldId id="270" r:id="rId16"/>
+    <p:sldId id="271" r:id="rId17"/>
+    <p:sldId id="272" r:id="rId18"/>
+    <p:sldId id="273" r:id="rId19"/>
+    <p:sldId id="274" r:id="rId20"/>
+    <p:sldId id="276" r:id="rId21"/>
+    <p:sldId id="277" r:id="rId22"/>
+    <p:sldId id="278" r:id="rId23"/>
+    <p:sldId id="279" r:id="rId24"/>
   </p:sldIdLst>
   <p:sldSz cx="12192000" cy="6858000"/>
   <p:notesSz cx="6858000" cy="9144000"/>
@@ -865,7 +879,7 @@
           <a:p>
             <a:fld id="{4319D03E-64F6-47F9-B8C3-2A716DE325DF}" type="datetimeFigureOut">
               <a:rPr lang="sk-SK" smtClean="0"/>
-              <a:t>3. 10. 2022</a:t>
+              <a:t>4. 10. 2022</a:t>
             </a:fld>
             <a:endParaRPr lang="sk-SK"/>
           </a:p>
@@ -1116,7 +1130,7 @@
           <a:p>
             <a:fld id="{4319D03E-64F6-47F9-B8C3-2A716DE325DF}" type="datetimeFigureOut">
               <a:rPr lang="sk-SK" smtClean="0"/>
-              <a:t>3. 10. 2022</a:t>
+              <a:t>4. 10. 2022</a:t>
             </a:fld>
             <a:endParaRPr lang="sk-SK"/>
           </a:p>
@@ -1430,7 +1444,7 @@
           <a:p>
             <a:fld id="{4319D03E-64F6-47F9-B8C3-2A716DE325DF}" type="datetimeFigureOut">
               <a:rPr lang="sk-SK" smtClean="0"/>
-              <a:t>3. 10. 2022</a:t>
+              <a:t>4. 10. 2022</a:t>
             </a:fld>
             <a:endParaRPr lang="sk-SK"/>
           </a:p>
@@ -1763,7 +1777,7 @@
           <a:p>
             <a:fld id="{4319D03E-64F6-47F9-B8C3-2A716DE325DF}" type="datetimeFigureOut">
               <a:rPr lang="sk-SK" smtClean="0"/>
-              <a:t>3. 10. 2022</a:t>
+              <a:t>4. 10. 2022</a:t>
             </a:fld>
             <a:endParaRPr lang="sk-SK"/>
           </a:p>
@@ -2077,7 +2091,7 @@
           <a:p>
             <a:fld id="{4319D03E-64F6-47F9-B8C3-2A716DE325DF}" type="datetimeFigureOut">
               <a:rPr lang="sk-SK" smtClean="0"/>
-              <a:t>3. 10. 2022</a:t>
+              <a:t>4. 10. 2022</a:t>
             </a:fld>
             <a:endParaRPr lang="sk-SK"/>
           </a:p>
@@ -2470,7 +2484,7 @@
           <a:p>
             <a:fld id="{4319D03E-64F6-47F9-B8C3-2A716DE325DF}" type="datetimeFigureOut">
               <a:rPr lang="sk-SK" smtClean="0"/>
-              <a:t>3. 10. 2022</a:t>
+              <a:t>4. 10. 2022</a:t>
             </a:fld>
             <a:endParaRPr lang="sk-SK"/>
           </a:p>
@@ -2640,7 +2654,7 @@
           <a:p>
             <a:fld id="{4319D03E-64F6-47F9-B8C3-2A716DE325DF}" type="datetimeFigureOut">
               <a:rPr lang="sk-SK" smtClean="0"/>
-              <a:t>3. 10. 2022</a:t>
+              <a:t>4. 10. 2022</a:t>
             </a:fld>
             <a:endParaRPr lang="sk-SK"/>
           </a:p>
@@ -2820,7 +2834,7 @@
           <a:p>
             <a:fld id="{4319D03E-64F6-47F9-B8C3-2A716DE325DF}" type="datetimeFigureOut">
               <a:rPr lang="sk-SK" smtClean="0"/>
-              <a:t>3. 10. 2022</a:t>
+              <a:t>4. 10. 2022</a:t>
             </a:fld>
             <a:endParaRPr lang="sk-SK"/>
           </a:p>
@@ -2990,7 +3004,7 @@
           <a:p>
             <a:fld id="{4319D03E-64F6-47F9-B8C3-2A716DE325DF}" type="datetimeFigureOut">
               <a:rPr lang="sk-SK" smtClean="0"/>
-              <a:t>3. 10. 2022</a:t>
+              <a:t>4. 10. 2022</a:t>
             </a:fld>
             <a:endParaRPr lang="sk-SK"/>
           </a:p>
@@ -3237,7 +3251,7 @@
           <a:p>
             <a:fld id="{4319D03E-64F6-47F9-B8C3-2A716DE325DF}" type="datetimeFigureOut">
               <a:rPr lang="sk-SK" smtClean="0"/>
-              <a:t>3. 10. 2022</a:t>
+              <a:t>4. 10. 2022</a:t>
             </a:fld>
             <a:endParaRPr lang="sk-SK"/>
           </a:p>
@@ -3469,7 +3483,7 @@
           <a:p>
             <a:fld id="{4319D03E-64F6-47F9-B8C3-2A716DE325DF}" type="datetimeFigureOut">
               <a:rPr lang="sk-SK" smtClean="0"/>
-              <a:t>3. 10. 2022</a:t>
+              <a:t>4. 10. 2022</a:t>
             </a:fld>
             <a:endParaRPr lang="sk-SK"/>
           </a:p>
@@ -3843,7 +3857,7 @@
           <a:p>
             <a:fld id="{4319D03E-64F6-47F9-B8C3-2A716DE325DF}" type="datetimeFigureOut">
               <a:rPr lang="sk-SK" smtClean="0"/>
-              <a:t>3. 10. 2022</a:t>
+              <a:t>4. 10. 2022</a:t>
             </a:fld>
             <a:endParaRPr lang="sk-SK"/>
           </a:p>
@@ -3966,7 +3980,7 @@
           <a:p>
             <a:fld id="{4319D03E-64F6-47F9-B8C3-2A716DE325DF}" type="datetimeFigureOut">
               <a:rPr lang="sk-SK" smtClean="0"/>
-              <a:t>3. 10. 2022</a:t>
+              <a:t>4. 10. 2022</a:t>
             </a:fld>
             <a:endParaRPr lang="sk-SK"/>
           </a:p>
@@ -4061,7 +4075,7 @@
           <a:p>
             <a:fld id="{4319D03E-64F6-47F9-B8C3-2A716DE325DF}" type="datetimeFigureOut">
               <a:rPr lang="sk-SK" smtClean="0"/>
-              <a:t>3. 10. 2022</a:t>
+              <a:t>4. 10. 2022</a:t>
             </a:fld>
             <a:endParaRPr lang="sk-SK"/>
           </a:p>
@@ -4316,7 +4330,7 @@
           <a:p>
             <a:fld id="{4319D03E-64F6-47F9-B8C3-2A716DE325DF}" type="datetimeFigureOut">
               <a:rPr lang="sk-SK" smtClean="0"/>
-              <a:t>3. 10. 2022</a:t>
+              <a:t>4. 10. 2022</a:t>
             </a:fld>
             <a:endParaRPr lang="sk-SK"/>
           </a:p>
@@ -4621,7 +4635,7 @@
           <a:p>
             <a:fld id="{4319D03E-64F6-47F9-B8C3-2A716DE325DF}" type="datetimeFigureOut">
               <a:rPr lang="sk-SK" smtClean="0"/>
-              <a:t>3. 10. 2022</a:t>
+              <a:t>4. 10. 2022</a:t>
             </a:fld>
             <a:endParaRPr lang="sk-SK"/>
           </a:p>
@@ -5323,7 +5337,7 @@
           <a:p>
             <a:fld id="{4319D03E-64F6-47F9-B8C3-2A716DE325DF}" type="datetimeFigureOut">
               <a:rPr lang="sk-SK" smtClean="0"/>
-              <a:t>3. 10. 2022</a:t>
+              <a:t>4. 10. 2022</a:t>
             </a:fld>
             <a:endParaRPr lang="sk-SK"/>
           </a:p>
@@ -5934,6 +5948,1732 @@
 </p:sld>
 </file>
 
+<file path=ppt/slides/slide10.xml><?xml version="1.0" encoding="utf-8"?>
+<p:sld xmlns:a="http://schemas.openxmlformats.org/drawingml/2006/main" xmlns:r="http://schemas.openxmlformats.org/officeDocument/2006/relationships" xmlns:p="http://schemas.openxmlformats.org/presentationml/2006/main">
+  <p:cSld>
+    <p:spTree>
+      <p:nvGrpSpPr>
+        <p:cNvPr id="1" name=""/>
+        <p:cNvGrpSpPr/>
+        <p:nvPr/>
+      </p:nvGrpSpPr>
+      <p:grpSpPr>
+        <a:xfrm>
+          <a:off x="0" y="0"/>
+          <a:ext cx="0" cy="0"/>
+          <a:chOff x="0" y="0"/>
+          <a:chExt cx="0" cy="0"/>
+        </a:xfrm>
+      </p:grpSpPr>
+      <p:sp>
+        <p:nvSpPr>
+          <p:cNvPr id="2" name="Nadpis 1">
+            <a:extLst>
+              <a:ext uri="{FF2B5EF4-FFF2-40B4-BE49-F238E27FC236}">
+                <a16:creationId xmlns:a16="http://schemas.microsoft.com/office/drawing/2014/main" id="{591A6B69-96CE-55D5-96F6-D1DE5F9F0746}"/>
+              </a:ext>
+            </a:extLst>
+          </p:cNvPr>
+          <p:cNvSpPr>
+            <a:spLocks noGrp="1"/>
+          </p:cNvSpPr>
+          <p:nvPr>
+            <p:ph type="title"/>
+          </p:nvPr>
+        </p:nvSpPr>
+        <p:spPr/>
+        <p:txBody>
+          <a:bodyPr/>
+          <a:lstStyle/>
+          <a:p>
+            <a:r>
+              <a:rPr lang="sk-SK" dirty="0" err="1"/>
+              <a:t>Chain</a:t>
+            </a:r>
+            <a:r>
+              <a:rPr lang="sk-SK" dirty="0"/>
+              <a:t> of </a:t>
+            </a:r>
+            <a:r>
+              <a:rPr lang="sk-SK" dirty="0" err="1"/>
+              <a:t>Responibility</a:t>
+            </a:r>
+            <a:r>
+              <a:rPr lang="sk-SK" dirty="0"/>
+              <a:t> - štruktúra</a:t>
+            </a:r>
+          </a:p>
+        </p:txBody>
+      </p:sp>
+      <p:pic>
+        <p:nvPicPr>
+          <p:cNvPr id="4098" name="Picture 2" descr="Structure of the Chain Of Responsibility design pattern">
+            <a:extLst>
+              <a:ext uri="{FF2B5EF4-FFF2-40B4-BE49-F238E27FC236}">
+                <a16:creationId xmlns:a16="http://schemas.microsoft.com/office/drawing/2014/main" id="{49D6E090-7C4F-45B0-FE97-95D35FF11828}"/>
+              </a:ext>
+            </a:extLst>
+          </p:cNvPr>
+          <p:cNvPicPr>
+            <a:picLocks noGrp="1" noChangeAspect="1" noChangeArrowheads="1"/>
+          </p:cNvPicPr>
+          <p:nvPr>
+            <p:ph idx="1"/>
+          </p:nvPr>
+        </p:nvPicPr>
+        <p:blipFill>
+          <a:blip r:embed="rId2">
+            <a:extLst>
+              <a:ext uri="{28A0092B-C50C-407E-A947-70E740481C1C}">
+                <a14:useLocalDpi xmlns:a14="http://schemas.microsoft.com/office/drawing/2010/main" val="0"/>
+              </a:ext>
+            </a:extLst>
+          </a:blip>
+          <a:srcRect/>
+          <a:stretch>
+            <a:fillRect/>
+          </a:stretch>
+        </p:blipFill>
+        <p:spPr bwMode="auto">
+          <a:xfrm>
+            <a:off x="3177304" y="2160588"/>
+            <a:ext cx="3597429" cy="3881437"/>
+          </a:xfrm>
+          <a:prstGeom prst="rect">
+            <a:avLst/>
+          </a:prstGeom>
+          <a:noFill/>
+          <a:extLst>
+            <a:ext uri="{909E8E84-426E-40DD-AFC4-6F175D3DCCD1}">
+              <a14:hiddenFill xmlns:a14="http://schemas.microsoft.com/office/drawing/2010/main">
+                <a:solidFill>
+                  <a:srgbClr val="FFFFFF"/>
+                </a:solidFill>
+              </a14:hiddenFill>
+            </a:ext>
+          </a:extLst>
+        </p:spPr>
+      </p:pic>
+    </p:spTree>
+    <p:extLst>
+      <p:ext uri="{BB962C8B-B14F-4D97-AF65-F5344CB8AC3E}">
+        <p14:creationId xmlns:p14="http://schemas.microsoft.com/office/powerpoint/2010/main" val="773094169"/>
+      </p:ext>
+    </p:extLst>
+  </p:cSld>
+  <p:clrMapOvr>
+    <a:masterClrMapping/>
+  </p:clrMapOvr>
+</p:sld>
+</file>
+
+<file path=ppt/slides/slide11.xml><?xml version="1.0" encoding="utf-8"?>
+<p:sld xmlns:a="http://schemas.openxmlformats.org/drawingml/2006/main" xmlns:r="http://schemas.openxmlformats.org/officeDocument/2006/relationships" xmlns:p="http://schemas.openxmlformats.org/presentationml/2006/main">
+  <p:cSld>
+    <p:spTree>
+      <p:nvGrpSpPr>
+        <p:cNvPr id="1" name=""/>
+        <p:cNvGrpSpPr/>
+        <p:nvPr/>
+      </p:nvGrpSpPr>
+      <p:grpSpPr>
+        <a:xfrm>
+          <a:off x="0" y="0"/>
+          <a:ext cx="0" cy="0"/>
+          <a:chOff x="0" y="0"/>
+          <a:chExt cx="0" cy="0"/>
+        </a:xfrm>
+      </p:grpSpPr>
+      <p:sp>
+        <p:nvSpPr>
+          <p:cNvPr id="2" name="Title 1">
+            <a:extLst>
+              <a:ext uri="{FF2B5EF4-FFF2-40B4-BE49-F238E27FC236}">
+                <a16:creationId xmlns:a16="http://schemas.microsoft.com/office/drawing/2014/main" id="{DCD84134-5E9E-4D7C-95CC-F3BC1CA1D5EC}"/>
+              </a:ext>
+            </a:extLst>
+          </p:cNvPr>
+          <p:cNvSpPr>
+            <a:spLocks noGrp="1"/>
+          </p:cNvSpPr>
+          <p:nvPr>
+            <p:ph type="title"/>
+          </p:nvPr>
+        </p:nvSpPr>
+        <p:spPr/>
+        <p:txBody>
+          <a:bodyPr/>
+          <a:lstStyle/>
+          <a:p>
+            <a:r>
+              <a:rPr lang="en-US" dirty="0"/>
+              <a:t>Command</a:t>
+            </a:r>
+          </a:p>
+        </p:txBody>
+      </p:sp>
+      <p:sp>
+        <p:nvSpPr>
+          <p:cNvPr id="3" name="Content Placeholder 2">
+            <a:extLst>
+              <a:ext uri="{FF2B5EF4-FFF2-40B4-BE49-F238E27FC236}">
+                <a16:creationId xmlns:a16="http://schemas.microsoft.com/office/drawing/2014/main" id="{8FD20D94-A8A5-4E19-9EEA-AC7D02A3ED28}"/>
+              </a:ext>
+            </a:extLst>
+          </p:cNvPr>
+          <p:cNvSpPr>
+            <a:spLocks noGrp="1"/>
+          </p:cNvSpPr>
+          <p:nvPr>
+            <p:ph idx="1"/>
+          </p:nvPr>
+        </p:nvSpPr>
+        <p:spPr/>
+        <p:txBody>
+          <a:bodyPr/>
+          <a:lstStyle/>
+          <a:p>
+            <a:r>
+              <a:rPr lang="en-US" dirty="0" err="1"/>
+              <a:t>Mení</a:t>
+            </a:r>
+            <a:r>
+              <a:rPr lang="en-US" dirty="0"/>
+              <a:t> </a:t>
+            </a:r>
+            <a:r>
+              <a:rPr lang="en-US" dirty="0" err="1"/>
+              <a:t>požiadavku</a:t>
+            </a:r>
+            <a:r>
+              <a:rPr lang="en-US" dirty="0"/>
+              <a:t> </a:t>
+            </a:r>
+            <a:r>
+              <a:rPr lang="en-US" dirty="0" err="1"/>
+              <a:t>na</a:t>
+            </a:r>
+            <a:r>
+              <a:rPr lang="en-US" dirty="0"/>
+              <a:t> </a:t>
+            </a:r>
+            <a:r>
+              <a:rPr lang="en-US" dirty="0" err="1"/>
+              <a:t>samotný</a:t>
+            </a:r>
+            <a:r>
+              <a:rPr lang="en-US" dirty="0"/>
+              <a:t> </a:t>
+            </a:r>
+            <a:r>
+              <a:rPr lang="en-US" dirty="0" err="1"/>
+              <a:t>objekt</a:t>
+            </a:r>
+            <a:r>
+              <a:rPr lang="en-US" dirty="0"/>
+              <a:t> </a:t>
+            </a:r>
+            <a:r>
+              <a:rPr lang="en-US" dirty="0" err="1"/>
+              <a:t>ktorý</a:t>
+            </a:r>
+            <a:r>
+              <a:rPr lang="en-US" dirty="0"/>
+              <a:t> </a:t>
+            </a:r>
+            <a:r>
+              <a:rPr lang="en-US" dirty="0" err="1"/>
+              <a:t>obsahuje</a:t>
+            </a:r>
+            <a:r>
+              <a:rPr lang="en-US" dirty="0"/>
+              <a:t> </a:t>
+            </a:r>
+            <a:r>
+              <a:rPr lang="en-US" dirty="0" err="1"/>
+              <a:t>všetky</a:t>
+            </a:r>
+            <a:r>
+              <a:rPr lang="en-US" dirty="0"/>
+              <a:t> </a:t>
+            </a:r>
+            <a:r>
+              <a:rPr lang="en-US" dirty="0" err="1"/>
+              <a:t>potrebné</a:t>
+            </a:r>
+            <a:r>
+              <a:rPr lang="en-US" dirty="0"/>
+              <a:t> </a:t>
+            </a:r>
+            <a:r>
+              <a:rPr lang="en-US" dirty="0" err="1"/>
+              <a:t>informácie</a:t>
+            </a:r>
+            <a:endParaRPr lang="en-US" dirty="0"/>
+          </a:p>
+          <a:p>
+            <a:endParaRPr lang="en-US" dirty="0"/>
+          </a:p>
+        </p:txBody>
+      </p:sp>
+      <p:pic>
+        <p:nvPicPr>
+          <p:cNvPr id="5" name="Picture 4" descr="A picture containing text&#10;&#10;Description automatically generated">
+            <a:extLst>
+              <a:ext uri="{FF2B5EF4-FFF2-40B4-BE49-F238E27FC236}">
+                <a16:creationId xmlns:a16="http://schemas.microsoft.com/office/drawing/2014/main" id="{3EC78AEA-4607-4705-A895-5C7D17F70AB7}"/>
+              </a:ext>
+            </a:extLst>
+          </p:cNvPr>
+          <p:cNvPicPr>
+            <a:picLocks noChangeAspect="1"/>
+          </p:cNvPicPr>
+          <p:nvPr/>
+        </p:nvPicPr>
+        <p:blipFill>
+          <a:blip r:embed="rId2">
+            <a:extLst>
+              <a:ext uri="{28A0092B-C50C-407E-A947-70E740481C1C}">
+                <a14:useLocalDpi xmlns:a14="http://schemas.microsoft.com/office/drawing/2010/main" val="0"/>
+              </a:ext>
+            </a:extLst>
+          </a:blip>
+          <a:stretch>
+            <a:fillRect/>
+          </a:stretch>
+        </p:blipFill>
+        <p:spPr>
+          <a:xfrm>
+            <a:off x="2917998" y="2974108"/>
+            <a:ext cx="4784436" cy="2990273"/>
+          </a:xfrm>
+          <a:prstGeom prst="rect">
+            <a:avLst/>
+          </a:prstGeom>
+        </p:spPr>
+      </p:pic>
+    </p:spTree>
+    <p:extLst>
+      <p:ext uri="{BB962C8B-B14F-4D97-AF65-F5344CB8AC3E}">
+        <p14:creationId xmlns:p14="http://schemas.microsoft.com/office/powerpoint/2010/main" val="1898981524"/>
+      </p:ext>
+    </p:extLst>
+  </p:cSld>
+  <p:clrMapOvr>
+    <a:masterClrMapping/>
+  </p:clrMapOvr>
+</p:sld>
+</file>
+
+<file path=ppt/slides/slide12.xml><?xml version="1.0" encoding="utf-8"?>
+<p:sld xmlns:a="http://schemas.openxmlformats.org/drawingml/2006/main" xmlns:r="http://schemas.openxmlformats.org/officeDocument/2006/relationships" xmlns:p="http://schemas.openxmlformats.org/presentationml/2006/main">
+  <p:cSld>
+    <p:spTree>
+      <p:nvGrpSpPr>
+        <p:cNvPr id="1" name=""/>
+        <p:cNvGrpSpPr/>
+        <p:nvPr/>
+      </p:nvGrpSpPr>
+      <p:grpSpPr>
+        <a:xfrm>
+          <a:off x="0" y="0"/>
+          <a:ext cx="0" cy="0"/>
+          <a:chOff x="0" y="0"/>
+          <a:chExt cx="0" cy="0"/>
+        </a:xfrm>
+      </p:grpSpPr>
+      <p:sp>
+        <p:nvSpPr>
+          <p:cNvPr id="2" name="Title 1">
+            <a:extLst>
+              <a:ext uri="{FF2B5EF4-FFF2-40B4-BE49-F238E27FC236}">
+                <a16:creationId xmlns:a16="http://schemas.microsoft.com/office/drawing/2014/main" id="{DCD84134-5E9E-4D7C-95CC-F3BC1CA1D5EC}"/>
+              </a:ext>
+            </a:extLst>
+          </p:cNvPr>
+          <p:cNvSpPr>
+            <a:spLocks noGrp="1"/>
+          </p:cNvSpPr>
+          <p:nvPr>
+            <p:ph type="title"/>
+          </p:nvPr>
+        </p:nvSpPr>
+        <p:spPr/>
+        <p:txBody>
+          <a:bodyPr/>
+          <a:lstStyle/>
+          <a:p>
+            <a:r>
+              <a:rPr lang="en-US" dirty="0"/>
+              <a:t>Command - </a:t>
+            </a:r>
+            <a:r>
+              <a:rPr lang="en-US" dirty="0" err="1"/>
+              <a:t>problém</a:t>
+            </a:r>
+            <a:endParaRPr lang="en-US" dirty="0"/>
+          </a:p>
+        </p:txBody>
+      </p:sp>
+      <p:sp>
+        <p:nvSpPr>
+          <p:cNvPr id="3" name="Content Placeholder 2">
+            <a:extLst>
+              <a:ext uri="{FF2B5EF4-FFF2-40B4-BE49-F238E27FC236}">
+                <a16:creationId xmlns:a16="http://schemas.microsoft.com/office/drawing/2014/main" id="{8FD20D94-A8A5-4E19-9EEA-AC7D02A3ED28}"/>
+              </a:ext>
+            </a:extLst>
+          </p:cNvPr>
+          <p:cNvSpPr>
+            <a:spLocks noGrp="1"/>
+          </p:cNvSpPr>
+          <p:nvPr>
+            <p:ph idx="1"/>
+          </p:nvPr>
+        </p:nvSpPr>
+        <p:spPr/>
+        <p:txBody>
+          <a:bodyPr/>
+          <a:lstStyle/>
+          <a:p>
+            <a:r>
+              <a:rPr lang="en-US" dirty="0" err="1"/>
+              <a:t>Objekt</a:t>
+            </a:r>
+            <a:r>
+              <a:rPr lang="en-US" dirty="0"/>
+              <a:t> </a:t>
+            </a:r>
+            <a:r>
+              <a:rPr lang="en-US" dirty="0" err="1"/>
+              <a:t>má</a:t>
+            </a:r>
+            <a:r>
+              <a:rPr lang="en-US" dirty="0"/>
+              <a:t> pre </a:t>
+            </a:r>
+            <a:r>
+              <a:rPr lang="en-US" dirty="0" err="1"/>
+              <a:t>rôzne</a:t>
+            </a:r>
+            <a:r>
+              <a:rPr lang="en-US" dirty="0"/>
+              <a:t> </a:t>
+            </a:r>
+            <a:r>
+              <a:rPr lang="en-US" dirty="0" err="1"/>
+              <a:t>eventy</a:t>
+            </a:r>
+            <a:r>
+              <a:rPr lang="en-US" dirty="0"/>
+              <a:t> </a:t>
+            </a:r>
+            <a:r>
+              <a:rPr lang="en-US" dirty="0" err="1"/>
+              <a:t>vykonať</a:t>
+            </a:r>
+            <a:r>
+              <a:rPr lang="en-US" dirty="0"/>
+              <a:t> </a:t>
+            </a:r>
+            <a:r>
+              <a:rPr lang="en-US" dirty="0" err="1"/>
+              <a:t>rôzne</a:t>
+            </a:r>
+            <a:r>
+              <a:rPr lang="en-US" dirty="0"/>
+              <a:t> </a:t>
+            </a:r>
+            <a:r>
+              <a:rPr lang="en-US" dirty="0" err="1"/>
+              <a:t>úkony</a:t>
+            </a:r>
+            <a:endParaRPr lang="en-US" dirty="0"/>
+          </a:p>
+          <a:p>
+            <a:r>
+              <a:rPr lang="en-US" dirty="0" err="1"/>
+              <a:t>Veľké</a:t>
+            </a:r>
+            <a:r>
+              <a:rPr lang="en-US" dirty="0"/>
+              <a:t> </a:t>
+            </a:r>
+            <a:r>
+              <a:rPr lang="en-US" dirty="0" err="1"/>
+              <a:t>množstvo</a:t>
+            </a:r>
+            <a:r>
+              <a:rPr lang="en-US" dirty="0"/>
+              <a:t> </a:t>
+            </a:r>
+            <a:r>
+              <a:rPr lang="en-US" dirty="0" err="1"/>
+              <a:t>podtried</a:t>
+            </a:r>
+            <a:endParaRPr lang="en-US" dirty="0"/>
+          </a:p>
+          <a:p>
+            <a:endParaRPr lang="en-US" dirty="0"/>
+          </a:p>
+          <a:p>
+            <a:endParaRPr lang="en-US" dirty="0"/>
+          </a:p>
+        </p:txBody>
+      </p:sp>
+      <p:pic>
+        <p:nvPicPr>
+          <p:cNvPr id="6" name="Picture 5" descr="Diagram, text&#10;&#10;Description automatically generated">
+            <a:extLst>
+              <a:ext uri="{FF2B5EF4-FFF2-40B4-BE49-F238E27FC236}">
+                <a16:creationId xmlns:a16="http://schemas.microsoft.com/office/drawing/2014/main" id="{F709E812-F2E0-4B27-B962-E87D35146F1A}"/>
+              </a:ext>
+            </a:extLst>
+          </p:cNvPr>
+          <p:cNvPicPr>
+            <a:picLocks noChangeAspect="1"/>
+          </p:cNvPicPr>
+          <p:nvPr/>
+        </p:nvPicPr>
+        <p:blipFill>
+          <a:blip r:embed="rId2">
+            <a:extLst>
+              <a:ext uri="{28A0092B-C50C-407E-A947-70E740481C1C}">
+                <a14:useLocalDpi xmlns:a14="http://schemas.microsoft.com/office/drawing/2010/main" val="0"/>
+              </a:ext>
+            </a:extLst>
+          </a:blip>
+          <a:stretch>
+            <a:fillRect/>
+          </a:stretch>
+        </p:blipFill>
+        <p:spPr>
+          <a:xfrm>
+            <a:off x="2917998" y="3225800"/>
+            <a:ext cx="4481945" cy="2128924"/>
+          </a:xfrm>
+          <a:prstGeom prst="rect">
+            <a:avLst/>
+          </a:prstGeom>
+        </p:spPr>
+      </p:pic>
+    </p:spTree>
+    <p:extLst>
+      <p:ext uri="{BB962C8B-B14F-4D97-AF65-F5344CB8AC3E}">
+        <p14:creationId xmlns:p14="http://schemas.microsoft.com/office/powerpoint/2010/main" val="651923377"/>
+      </p:ext>
+    </p:extLst>
+  </p:cSld>
+  <p:clrMapOvr>
+    <a:masterClrMapping/>
+  </p:clrMapOvr>
+</p:sld>
+</file>
+
+<file path=ppt/slides/slide13.xml><?xml version="1.0" encoding="utf-8"?>
+<p:sld xmlns:a="http://schemas.openxmlformats.org/drawingml/2006/main" xmlns:r="http://schemas.openxmlformats.org/officeDocument/2006/relationships" xmlns:p="http://schemas.openxmlformats.org/presentationml/2006/main">
+  <p:cSld>
+    <p:spTree>
+      <p:nvGrpSpPr>
+        <p:cNvPr id="1" name=""/>
+        <p:cNvGrpSpPr/>
+        <p:nvPr/>
+      </p:nvGrpSpPr>
+      <p:grpSpPr>
+        <a:xfrm>
+          <a:off x="0" y="0"/>
+          <a:ext cx="0" cy="0"/>
+          <a:chOff x="0" y="0"/>
+          <a:chExt cx="0" cy="0"/>
+        </a:xfrm>
+      </p:grpSpPr>
+      <p:sp>
+        <p:nvSpPr>
+          <p:cNvPr id="2" name="Title 1">
+            <a:extLst>
+              <a:ext uri="{FF2B5EF4-FFF2-40B4-BE49-F238E27FC236}">
+                <a16:creationId xmlns:a16="http://schemas.microsoft.com/office/drawing/2014/main" id="{DCD84134-5E9E-4D7C-95CC-F3BC1CA1D5EC}"/>
+              </a:ext>
+            </a:extLst>
+          </p:cNvPr>
+          <p:cNvSpPr>
+            <a:spLocks noGrp="1"/>
+          </p:cNvSpPr>
+          <p:nvPr>
+            <p:ph type="title"/>
+          </p:nvPr>
+        </p:nvSpPr>
+        <p:spPr/>
+        <p:txBody>
+          <a:bodyPr/>
+          <a:lstStyle/>
+          <a:p>
+            <a:r>
+              <a:rPr lang="en-US" dirty="0"/>
+              <a:t>Command - </a:t>
+            </a:r>
+            <a:r>
+              <a:rPr lang="en-US" dirty="0" err="1"/>
+              <a:t>riešenie</a:t>
+            </a:r>
+            <a:endParaRPr lang="en-US" dirty="0"/>
+          </a:p>
+        </p:txBody>
+      </p:sp>
+      <p:sp>
+        <p:nvSpPr>
+          <p:cNvPr id="3" name="Content Placeholder 2">
+            <a:extLst>
+              <a:ext uri="{FF2B5EF4-FFF2-40B4-BE49-F238E27FC236}">
+                <a16:creationId xmlns:a16="http://schemas.microsoft.com/office/drawing/2014/main" id="{8FD20D94-A8A5-4E19-9EEA-AC7D02A3ED28}"/>
+              </a:ext>
+            </a:extLst>
+          </p:cNvPr>
+          <p:cNvSpPr>
+            <a:spLocks noGrp="1"/>
+          </p:cNvSpPr>
+          <p:nvPr>
+            <p:ph idx="1"/>
+          </p:nvPr>
+        </p:nvSpPr>
+        <p:spPr/>
+        <p:txBody>
+          <a:bodyPr/>
+          <a:lstStyle/>
+          <a:p>
+            <a:r>
+              <a:rPr lang="en-US" dirty="0" err="1"/>
+              <a:t>Extrakcia</a:t>
+            </a:r>
+            <a:r>
+              <a:rPr lang="en-US" dirty="0"/>
+              <a:t> </a:t>
+            </a:r>
+            <a:r>
+              <a:rPr lang="en-US" dirty="0" err="1"/>
+              <a:t>detailov</a:t>
+            </a:r>
+            <a:r>
+              <a:rPr lang="en-US" dirty="0"/>
+              <a:t> </a:t>
+            </a:r>
+            <a:r>
+              <a:rPr lang="en-US" dirty="0" err="1"/>
+              <a:t>požiadavky</a:t>
+            </a:r>
+            <a:r>
+              <a:rPr lang="en-US" dirty="0"/>
+              <a:t> do </a:t>
+            </a:r>
+            <a:r>
+              <a:rPr lang="en-US" dirty="0" err="1"/>
+              <a:t>jednej</a:t>
+            </a:r>
+            <a:r>
+              <a:rPr lang="en-US" dirty="0"/>
+              <a:t> </a:t>
+            </a:r>
+            <a:r>
+              <a:rPr lang="en-US" dirty="0" err="1"/>
+              <a:t>metódy</a:t>
+            </a:r>
+            <a:r>
+              <a:rPr lang="en-US" dirty="0"/>
+              <a:t> v command </a:t>
+            </a:r>
+            <a:r>
+              <a:rPr lang="en-US" dirty="0" err="1"/>
+              <a:t>triede</a:t>
+            </a:r>
+            <a:endParaRPr lang="en-US" dirty="0"/>
+          </a:p>
+          <a:p>
+            <a:r>
+              <a:rPr lang="en-US" dirty="0"/>
+              <a:t>Command </a:t>
+            </a:r>
+            <a:r>
+              <a:rPr lang="en-US" dirty="0" err="1"/>
+              <a:t>ako</a:t>
+            </a:r>
+            <a:r>
+              <a:rPr lang="en-US" dirty="0"/>
+              <a:t> </a:t>
+            </a:r>
+            <a:r>
+              <a:rPr lang="en-US" dirty="0" err="1"/>
+              <a:t>prostredník</a:t>
+            </a:r>
+            <a:r>
+              <a:rPr lang="en-US" dirty="0"/>
+              <a:t> </a:t>
+            </a:r>
+            <a:r>
+              <a:rPr lang="en-US" dirty="0" err="1"/>
+              <a:t>medzi</a:t>
+            </a:r>
+            <a:r>
+              <a:rPr lang="en-US" dirty="0"/>
+              <a:t> GUI a business logic</a:t>
+            </a:r>
+          </a:p>
+          <a:p>
+            <a:endParaRPr lang="en-US" dirty="0"/>
+          </a:p>
+          <a:p>
+            <a:endParaRPr lang="en-US" dirty="0"/>
+          </a:p>
+        </p:txBody>
+      </p:sp>
+      <p:pic>
+        <p:nvPicPr>
+          <p:cNvPr id="5" name="Picture 4" descr="Diagram&#10;&#10;Description automatically generated">
+            <a:extLst>
+              <a:ext uri="{FF2B5EF4-FFF2-40B4-BE49-F238E27FC236}">
+                <a16:creationId xmlns:a16="http://schemas.microsoft.com/office/drawing/2014/main" id="{0F278E00-C290-48B8-9C59-96CE105A28AC}"/>
+              </a:ext>
+            </a:extLst>
+          </p:cNvPr>
+          <p:cNvPicPr>
+            <a:picLocks noChangeAspect="1"/>
+          </p:cNvPicPr>
+          <p:nvPr/>
+        </p:nvPicPr>
+        <p:blipFill>
+          <a:blip r:embed="rId2">
+            <a:extLst>
+              <a:ext uri="{28A0092B-C50C-407E-A947-70E740481C1C}">
+                <a14:useLocalDpi xmlns:a14="http://schemas.microsoft.com/office/drawing/2010/main" val="0"/>
+              </a:ext>
+            </a:extLst>
+          </a:blip>
+          <a:stretch>
+            <a:fillRect/>
+          </a:stretch>
+        </p:blipFill>
+        <p:spPr>
+          <a:xfrm>
+            <a:off x="2356292" y="3429000"/>
+            <a:ext cx="5720851" cy="1976294"/>
+          </a:xfrm>
+          <a:prstGeom prst="rect">
+            <a:avLst/>
+          </a:prstGeom>
+        </p:spPr>
+      </p:pic>
+    </p:spTree>
+    <p:extLst>
+      <p:ext uri="{BB962C8B-B14F-4D97-AF65-F5344CB8AC3E}">
+        <p14:creationId xmlns:p14="http://schemas.microsoft.com/office/powerpoint/2010/main" val="4022655717"/>
+      </p:ext>
+    </p:extLst>
+  </p:cSld>
+  <p:clrMapOvr>
+    <a:masterClrMapping/>
+  </p:clrMapOvr>
+</p:sld>
+</file>
+
+<file path=ppt/slides/slide14.xml><?xml version="1.0" encoding="utf-8"?>
+<p:sld xmlns:a="http://schemas.openxmlformats.org/drawingml/2006/main" xmlns:r="http://schemas.openxmlformats.org/officeDocument/2006/relationships" xmlns:p="http://schemas.openxmlformats.org/presentationml/2006/main">
+  <p:cSld>
+    <p:spTree>
+      <p:nvGrpSpPr>
+        <p:cNvPr id="1" name=""/>
+        <p:cNvGrpSpPr/>
+        <p:nvPr/>
+      </p:nvGrpSpPr>
+      <p:grpSpPr>
+        <a:xfrm>
+          <a:off x="0" y="0"/>
+          <a:ext cx="0" cy="0"/>
+          <a:chOff x="0" y="0"/>
+          <a:chExt cx="0" cy="0"/>
+        </a:xfrm>
+      </p:grpSpPr>
+      <p:sp>
+        <p:nvSpPr>
+          <p:cNvPr id="2" name="Title 1">
+            <a:extLst>
+              <a:ext uri="{FF2B5EF4-FFF2-40B4-BE49-F238E27FC236}">
+                <a16:creationId xmlns:a16="http://schemas.microsoft.com/office/drawing/2014/main" id="{DCD84134-5E9E-4D7C-95CC-F3BC1CA1D5EC}"/>
+              </a:ext>
+            </a:extLst>
+          </p:cNvPr>
+          <p:cNvSpPr>
+            <a:spLocks noGrp="1"/>
+          </p:cNvSpPr>
+          <p:nvPr>
+            <p:ph type="title"/>
+          </p:nvPr>
+        </p:nvSpPr>
+        <p:spPr/>
+        <p:txBody>
+          <a:bodyPr/>
+          <a:lstStyle/>
+          <a:p>
+            <a:r>
+              <a:rPr lang="en-US" dirty="0"/>
+              <a:t>Command - </a:t>
+            </a:r>
+            <a:r>
+              <a:rPr lang="sk-SK" dirty="0"/>
+              <a:t>príklad z reálneho sveta</a:t>
+            </a:r>
+            <a:endParaRPr lang="en-US" dirty="0"/>
+          </a:p>
+        </p:txBody>
+      </p:sp>
+      <p:sp>
+        <p:nvSpPr>
+          <p:cNvPr id="3" name="Content Placeholder 2">
+            <a:extLst>
+              <a:ext uri="{FF2B5EF4-FFF2-40B4-BE49-F238E27FC236}">
+                <a16:creationId xmlns:a16="http://schemas.microsoft.com/office/drawing/2014/main" id="{8FD20D94-A8A5-4E19-9EEA-AC7D02A3ED28}"/>
+              </a:ext>
+            </a:extLst>
+          </p:cNvPr>
+          <p:cNvSpPr>
+            <a:spLocks noGrp="1"/>
+          </p:cNvSpPr>
+          <p:nvPr>
+            <p:ph idx="1"/>
+          </p:nvPr>
+        </p:nvSpPr>
+        <p:spPr>
+          <a:xfrm>
+            <a:off x="803169" y="2303202"/>
+            <a:ext cx="8596668" cy="3880773"/>
+          </a:xfrm>
+        </p:spPr>
+        <p:txBody>
+          <a:bodyPr/>
+          <a:lstStyle/>
+          <a:p>
+            <a:pPr marL="0" indent="0">
+              <a:buNone/>
+            </a:pPr>
+            <a:endParaRPr lang="en-US" dirty="0"/>
+          </a:p>
+          <a:p>
+            <a:endParaRPr lang="en-US" dirty="0"/>
+          </a:p>
+        </p:txBody>
+      </p:sp>
+      <p:pic>
+        <p:nvPicPr>
+          <p:cNvPr id="6" name="Picture 5" descr="Diagram&#10;&#10;Description automatically generated">
+            <a:extLst>
+              <a:ext uri="{FF2B5EF4-FFF2-40B4-BE49-F238E27FC236}">
+                <a16:creationId xmlns:a16="http://schemas.microsoft.com/office/drawing/2014/main" id="{BE94A2A9-5C51-4928-9A4C-A3EB8ABF1789}"/>
+              </a:ext>
+            </a:extLst>
+          </p:cNvPr>
+          <p:cNvPicPr>
+            <a:picLocks noChangeAspect="1"/>
+          </p:cNvPicPr>
+          <p:nvPr/>
+        </p:nvPicPr>
+        <p:blipFill>
+          <a:blip r:embed="rId2">
+            <a:extLst>
+              <a:ext uri="{28A0092B-C50C-407E-A947-70E740481C1C}">
+                <a14:useLocalDpi xmlns:a14="http://schemas.microsoft.com/office/drawing/2010/main" val="0"/>
+              </a:ext>
+            </a:extLst>
+          </a:blip>
+          <a:stretch>
+            <a:fillRect/>
+          </a:stretch>
+        </p:blipFill>
+        <p:spPr>
+          <a:xfrm>
+            <a:off x="2244003" y="2303202"/>
+            <a:ext cx="5715000" cy="2857500"/>
+          </a:xfrm>
+          <a:prstGeom prst="rect">
+            <a:avLst/>
+          </a:prstGeom>
+        </p:spPr>
+      </p:pic>
+    </p:spTree>
+    <p:extLst>
+      <p:ext uri="{BB962C8B-B14F-4D97-AF65-F5344CB8AC3E}">
+        <p14:creationId xmlns:p14="http://schemas.microsoft.com/office/powerpoint/2010/main" val="1124589062"/>
+      </p:ext>
+    </p:extLst>
+  </p:cSld>
+  <p:clrMapOvr>
+    <a:masterClrMapping/>
+  </p:clrMapOvr>
+</p:sld>
+</file>
+
+<file path=ppt/slides/slide15.xml><?xml version="1.0" encoding="utf-8"?>
+<p:sld xmlns:a="http://schemas.openxmlformats.org/drawingml/2006/main" xmlns:r="http://schemas.openxmlformats.org/officeDocument/2006/relationships" xmlns:p="http://schemas.openxmlformats.org/presentationml/2006/main">
+  <p:cSld>
+    <p:spTree>
+      <p:nvGrpSpPr>
+        <p:cNvPr id="1" name=""/>
+        <p:cNvGrpSpPr/>
+        <p:nvPr/>
+      </p:nvGrpSpPr>
+      <p:grpSpPr>
+        <a:xfrm>
+          <a:off x="0" y="0"/>
+          <a:ext cx="0" cy="0"/>
+          <a:chOff x="0" y="0"/>
+          <a:chExt cx="0" cy="0"/>
+        </a:xfrm>
+      </p:grpSpPr>
+      <p:sp>
+        <p:nvSpPr>
+          <p:cNvPr id="2" name="Title 1">
+            <a:extLst>
+              <a:ext uri="{FF2B5EF4-FFF2-40B4-BE49-F238E27FC236}">
+                <a16:creationId xmlns:a16="http://schemas.microsoft.com/office/drawing/2014/main" id="{DCD84134-5E9E-4D7C-95CC-F3BC1CA1D5EC}"/>
+              </a:ext>
+            </a:extLst>
+          </p:cNvPr>
+          <p:cNvSpPr>
+            <a:spLocks noGrp="1"/>
+          </p:cNvSpPr>
+          <p:nvPr>
+            <p:ph type="title"/>
+          </p:nvPr>
+        </p:nvSpPr>
+        <p:spPr/>
+        <p:txBody>
+          <a:bodyPr/>
+          <a:lstStyle/>
+          <a:p>
+            <a:r>
+              <a:rPr lang="en-US" dirty="0"/>
+              <a:t>Command - </a:t>
+            </a:r>
+            <a:r>
+              <a:rPr lang="sk-SK" dirty="0"/>
+              <a:t>štruktúra</a:t>
+            </a:r>
+            <a:endParaRPr lang="en-US" dirty="0"/>
+          </a:p>
+        </p:txBody>
+      </p:sp>
+      <p:sp>
+        <p:nvSpPr>
+          <p:cNvPr id="3" name="Content Placeholder 2">
+            <a:extLst>
+              <a:ext uri="{FF2B5EF4-FFF2-40B4-BE49-F238E27FC236}">
+                <a16:creationId xmlns:a16="http://schemas.microsoft.com/office/drawing/2014/main" id="{8FD20D94-A8A5-4E19-9EEA-AC7D02A3ED28}"/>
+              </a:ext>
+            </a:extLst>
+          </p:cNvPr>
+          <p:cNvSpPr>
+            <a:spLocks noGrp="1"/>
+          </p:cNvSpPr>
+          <p:nvPr>
+            <p:ph idx="1"/>
+          </p:nvPr>
+        </p:nvSpPr>
+        <p:spPr>
+          <a:xfrm>
+            <a:off x="803169" y="2303202"/>
+            <a:ext cx="8596668" cy="3880773"/>
+          </a:xfrm>
+        </p:spPr>
+        <p:txBody>
+          <a:bodyPr/>
+          <a:lstStyle/>
+          <a:p>
+            <a:pPr marL="0" indent="0">
+              <a:buNone/>
+            </a:pPr>
+            <a:endParaRPr lang="en-US" dirty="0"/>
+          </a:p>
+          <a:p>
+            <a:endParaRPr lang="en-US" dirty="0"/>
+          </a:p>
+        </p:txBody>
+      </p:sp>
+      <p:pic>
+        <p:nvPicPr>
+          <p:cNvPr id="5" name="Picture 4" descr="Diagram&#10;&#10;Description automatically generated">
+            <a:extLst>
+              <a:ext uri="{FF2B5EF4-FFF2-40B4-BE49-F238E27FC236}">
+                <a16:creationId xmlns:a16="http://schemas.microsoft.com/office/drawing/2014/main" id="{4A0A03B4-E9FE-4998-86EB-FF3422259190}"/>
+              </a:ext>
+            </a:extLst>
+          </p:cNvPr>
+          <p:cNvPicPr>
+            <a:picLocks noChangeAspect="1"/>
+          </p:cNvPicPr>
+          <p:nvPr/>
+        </p:nvPicPr>
+        <p:blipFill>
+          <a:blip r:embed="rId2">
+            <a:extLst>
+              <a:ext uri="{28A0092B-C50C-407E-A947-70E740481C1C}">
+                <a14:useLocalDpi xmlns:a14="http://schemas.microsoft.com/office/drawing/2010/main" val="0"/>
+              </a:ext>
+            </a:extLst>
+          </a:blip>
+          <a:stretch>
+            <a:fillRect/>
+          </a:stretch>
+        </p:blipFill>
+        <p:spPr>
+          <a:xfrm>
+            <a:off x="2101128" y="1930400"/>
+            <a:ext cx="6000750" cy="3524250"/>
+          </a:xfrm>
+          <a:prstGeom prst="rect">
+            <a:avLst/>
+          </a:prstGeom>
+        </p:spPr>
+      </p:pic>
+    </p:spTree>
+    <p:extLst>
+      <p:ext uri="{BB962C8B-B14F-4D97-AF65-F5344CB8AC3E}">
+        <p14:creationId xmlns:p14="http://schemas.microsoft.com/office/powerpoint/2010/main" val="464244041"/>
+      </p:ext>
+    </p:extLst>
+  </p:cSld>
+  <p:clrMapOvr>
+    <a:masterClrMapping/>
+  </p:clrMapOvr>
+</p:sld>
+</file>
+
+<file path=ppt/slides/slide16.xml><?xml version="1.0" encoding="utf-8"?>
+<p:sld xmlns:a="http://schemas.openxmlformats.org/drawingml/2006/main" xmlns:r="http://schemas.openxmlformats.org/officeDocument/2006/relationships" xmlns:p="http://schemas.openxmlformats.org/presentationml/2006/main">
+  <p:cSld>
+    <p:spTree>
+      <p:nvGrpSpPr>
+        <p:cNvPr id="1" name=""/>
+        <p:cNvGrpSpPr/>
+        <p:nvPr/>
+      </p:nvGrpSpPr>
+      <p:grpSpPr>
+        <a:xfrm>
+          <a:off x="0" y="0"/>
+          <a:ext cx="0" cy="0"/>
+          <a:chOff x="0" y="0"/>
+          <a:chExt cx="0" cy="0"/>
+        </a:xfrm>
+      </p:grpSpPr>
+      <p:sp>
+        <p:nvSpPr>
+          <p:cNvPr id="2" name="Title 1">
+            <a:extLst>
+              <a:ext uri="{FF2B5EF4-FFF2-40B4-BE49-F238E27FC236}">
+                <a16:creationId xmlns:a16="http://schemas.microsoft.com/office/drawing/2014/main" id="{DCD84134-5E9E-4D7C-95CC-F3BC1CA1D5EC}"/>
+              </a:ext>
+            </a:extLst>
+          </p:cNvPr>
+          <p:cNvSpPr>
+            <a:spLocks noGrp="1"/>
+          </p:cNvSpPr>
+          <p:nvPr>
+            <p:ph type="title"/>
+          </p:nvPr>
+        </p:nvSpPr>
+        <p:spPr/>
+        <p:txBody>
+          <a:bodyPr/>
+          <a:lstStyle/>
+          <a:p>
+            <a:r>
+              <a:rPr lang="en-US" dirty="0"/>
+              <a:t>Interpreter</a:t>
+            </a:r>
+          </a:p>
+        </p:txBody>
+      </p:sp>
+      <p:sp>
+        <p:nvSpPr>
+          <p:cNvPr id="9" name="Content Placeholder 8">
+            <a:extLst>
+              <a:ext uri="{FF2B5EF4-FFF2-40B4-BE49-F238E27FC236}">
+                <a16:creationId xmlns:a16="http://schemas.microsoft.com/office/drawing/2014/main" id="{BC61987B-D497-4FD4-ADA6-A3766854C0D3}"/>
+              </a:ext>
+            </a:extLst>
+          </p:cNvPr>
+          <p:cNvSpPr>
+            <a:spLocks noGrp="1"/>
+          </p:cNvSpPr>
+          <p:nvPr>
+            <p:ph idx="1"/>
+          </p:nvPr>
+        </p:nvSpPr>
+        <p:spPr/>
+        <p:txBody>
+          <a:bodyPr/>
+          <a:lstStyle/>
+          <a:p>
+            <a:r>
+              <a:rPr lang="en-US" dirty="0" err="1"/>
+              <a:t>Reprezentácia</a:t>
+            </a:r>
+            <a:r>
+              <a:rPr lang="en-US" dirty="0"/>
+              <a:t> </a:t>
+            </a:r>
+            <a:r>
+              <a:rPr lang="en-US" dirty="0" err="1"/>
+              <a:t>gramatiky</a:t>
+            </a:r>
+            <a:r>
+              <a:rPr lang="en-US" dirty="0"/>
+              <a:t> </a:t>
+            </a:r>
+            <a:r>
+              <a:rPr lang="en-US" dirty="0" err="1"/>
+              <a:t>jazyka</a:t>
+            </a:r>
+            <a:r>
+              <a:rPr lang="en-US" dirty="0"/>
+              <a:t> </a:t>
+            </a:r>
+            <a:r>
+              <a:rPr lang="en-US" dirty="0" err="1"/>
+              <a:t>spolu</a:t>
+            </a:r>
+            <a:r>
+              <a:rPr lang="en-US" dirty="0"/>
+              <a:t> s </a:t>
+            </a:r>
+            <a:r>
+              <a:rPr lang="en-US" dirty="0" err="1"/>
+              <a:t>tlmočníkom</a:t>
+            </a:r>
+            <a:r>
+              <a:rPr lang="en-US" dirty="0"/>
+              <a:t>, </a:t>
+            </a:r>
+            <a:r>
+              <a:rPr lang="en-US" dirty="0" err="1"/>
+              <a:t>ktorý</a:t>
+            </a:r>
+            <a:r>
+              <a:rPr lang="en-US" dirty="0"/>
+              <a:t> </a:t>
+            </a:r>
+            <a:r>
+              <a:rPr lang="en-US" dirty="0" err="1"/>
+              <a:t>túto</a:t>
+            </a:r>
+            <a:r>
+              <a:rPr lang="en-US" dirty="0"/>
+              <a:t> </a:t>
+            </a:r>
+            <a:r>
+              <a:rPr lang="en-US" dirty="0" err="1"/>
+              <a:t>reprezentáciu</a:t>
+            </a:r>
+            <a:r>
+              <a:rPr lang="en-US" dirty="0"/>
+              <a:t> </a:t>
+            </a:r>
+            <a:r>
+              <a:rPr lang="en-US" dirty="0" err="1"/>
+              <a:t>používa</a:t>
+            </a:r>
+            <a:r>
+              <a:rPr lang="en-US" dirty="0"/>
+              <a:t> </a:t>
+            </a:r>
+            <a:r>
+              <a:rPr lang="en-US" dirty="0" err="1"/>
+              <a:t>na</a:t>
+            </a:r>
+            <a:r>
+              <a:rPr lang="en-US" dirty="0"/>
+              <a:t> </a:t>
+            </a:r>
+            <a:r>
+              <a:rPr lang="en-US" dirty="0" err="1"/>
+              <a:t>interpretáciu</a:t>
+            </a:r>
+            <a:r>
+              <a:rPr lang="en-US" dirty="0"/>
+              <a:t> </a:t>
+            </a:r>
+            <a:r>
+              <a:rPr lang="en-US" dirty="0" err="1"/>
+              <a:t>viet</a:t>
+            </a:r>
+            <a:r>
+              <a:rPr lang="en-US" dirty="0"/>
+              <a:t> v </a:t>
+            </a:r>
+            <a:r>
+              <a:rPr lang="en-US" dirty="0" err="1"/>
+              <a:t>jazyku</a:t>
+            </a:r>
+            <a:endParaRPr lang="en-US" dirty="0"/>
+          </a:p>
+          <a:p>
+            <a:r>
+              <a:rPr lang="en-US" dirty="0" err="1"/>
+              <a:t>Limitovaná</a:t>
+            </a:r>
+            <a:r>
+              <a:rPr lang="en-US" dirty="0"/>
+              <a:t> </a:t>
+            </a:r>
+            <a:r>
+              <a:rPr lang="en-US" dirty="0" err="1"/>
+              <a:t>oblasť</a:t>
+            </a:r>
+            <a:r>
+              <a:rPr lang="en-US" dirty="0"/>
+              <a:t> </a:t>
+            </a:r>
+            <a:r>
+              <a:rPr lang="en-US" dirty="0" err="1"/>
+              <a:t>využitia</a:t>
+            </a:r>
+            <a:endParaRPr lang="en-US" dirty="0"/>
+          </a:p>
+          <a:p>
+            <a:endParaRPr lang="en-US" dirty="0"/>
+          </a:p>
+          <a:p>
+            <a:endParaRPr lang="en-US" dirty="0"/>
+          </a:p>
+        </p:txBody>
+      </p:sp>
+    </p:spTree>
+    <p:extLst>
+      <p:ext uri="{BB962C8B-B14F-4D97-AF65-F5344CB8AC3E}">
+        <p14:creationId xmlns:p14="http://schemas.microsoft.com/office/powerpoint/2010/main" val="1467439837"/>
+      </p:ext>
+    </p:extLst>
+  </p:cSld>
+  <p:clrMapOvr>
+    <a:masterClrMapping/>
+  </p:clrMapOvr>
+</p:sld>
+</file>
+
+<file path=ppt/slides/slide17.xml><?xml version="1.0" encoding="utf-8"?>
+<p:sld xmlns:a="http://schemas.openxmlformats.org/drawingml/2006/main" xmlns:r="http://schemas.openxmlformats.org/officeDocument/2006/relationships" xmlns:p="http://schemas.openxmlformats.org/presentationml/2006/main">
+  <p:cSld>
+    <p:spTree>
+      <p:nvGrpSpPr>
+        <p:cNvPr id="1" name=""/>
+        <p:cNvGrpSpPr/>
+        <p:nvPr/>
+      </p:nvGrpSpPr>
+      <p:grpSpPr>
+        <a:xfrm>
+          <a:off x="0" y="0"/>
+          <a:ext cx="0" cy="0"/>
+          <a:chOff x="0" y="0"/>
+          <a:chExt cx="0" cy="0"/>
+        </a:xfrm>
+      </p:grpSpPr>
+      <p:sp>
+        <p:nvSpPr>
+          <p:cNvPr id="2" name="Title 1">
+            <a:extLst>
+              <a:ext uri="{FF2B5EF4-FFF2-40B4-BE49-F238E27FC236}">
+                <a16:creationId xmlns:a16="http://schemas.microsoft.com/office/drawing/2014/main" id="{DCD84134-5E9E-4D7C-95CC-F3BC1CA1D5EC}"/>
+              </a:ext>
+            </a:extLst>
+          </p:cNvPr>
+          <p:cNvSpPr>
+            <a:spLocks noGrp="1"/>
+          </p:cNvSpPr>
+          <p:nvPr>
+            <p:ph type="title"/>
+          </p:nvPr>
+        </p:nvSpPr>
+        <p:spPr/>
+        <p:txBody>
+          <a:bodyPr/>
+          <a:lstStyle/>
+          <a:p>
+            <a:r>
+              <a:rPr lang="en-US" dirty="0"/>
+              <a:t>Iterator</a:t>
+            </a:r>
+          </a:p>
+        </p:txBody>
+      </p:sp>
+      <p:sp>
+        <p:nvSpPr>
+          <p:cNvPr id="9" name="Content Placeholder 8">
+            <a:extLst>
+              <a:ext uri="{FF2B5EF4-FFF2-40B4-BE49-F238E27FC236}">
+                <a16:creationId xmlns:a16="http://schemas.microsoft.com/office/drawing/2014/main" id="{BC61987B-D497-4FD4-ADA6-A3766854C0D3}"/>
+              </a:ext>
+            </a:extLst>
+          </p:cNvPr>
+          <p:cNvSpPr>
+            <a:spLocks noGrp="1"/>
+          </p:cNvSpPr>
+          <p:nvPr>
+            <p:ph idx="1"/>
+          </p:nvPr>
+        </p:nvSpPr>
+        <p:spPr/>
+        <p:txBody>
+          <a:bodyPr/>
+          <a:lstStyle/>
+          <a:p>
+            <a:r>
+              <a:rPr lang="en-US" dirty="0" err="1"/>
+              <a:t>Umožnuje</a:t>
+            </a:r>
+            <a:r>
+              <a:rPr lang="en-US" dirty="0"/>
+              <a:t> </a:t>
+            </a:r>
+            <a:r>
+              <a:rPr lang="en-US" dirty="0" err="1"/>
+              <a:t>sekvenčné</a:t>
+            </a:r>
+            <a:r>
+              <a:rPr lang="en-US" dirty="0"/>
+              <a:t> </a:t>
+            </a:r>
+            <a:r>
+              <a:rPr lang="en-US" dirty="0" err="1"/>
+              <a:t>prehľadávanie</a:t>
+            </a:r>
+            <a:r>
+              <a:rPr lang="en-US" dirty="0"/>
+              <a:t> </a:t>
+            </a:r>
+            <a:r>
+              <a:rPr lang="en-US" dirty="0" err="1"/>
+              <a:t>prvkov</a:t>
+            </a:r>
+            <a:r>
+              <a:rPr lang="en-US" dirty="0"/>
+              <a:t> bez </a:t>
+            </a:r>
+            <a:r>
+              <a:rPr lang="en-US" dirty="0" err="1"/>
+              <a:t>sprístupnenia</a:t>
+            </a:r>
+            <a:r>
+              <a:rPr lang="en-US" dirty="0"/>
+              <a:t> </a:t>
+            </a:r>
+            <a:r>
+              <a:rPr lang="en-US" dirty="0" err="1"/>
+              <a:t>kolekcie</a:t>
+            </a:r>
+            <a:endParaRPr lang="en-US" dirty="0"/>
+          </a:p>
+          <a:p>
+            <a:endParaRPr lang="en-US" dirty="0"/>
+          </a:p>
+        </p:txBody>
+      </p:sp>
+      <p:pic>
+        <p:nvPicPr>
+          <p:cNvPr id="4" name="Picture 3" descr="A picture containing text&#10;&#10;Description automatically generated">
+            <a:extLst>
+              <a:ext uri="{FF2B5EF4-FFF2-40B4-BE49-F238E27FC236}">
+                <a16:creationId xmlns:a16="http://schemas.microsoft.com/office/drawing/2014/main" id="{DCB997B6-208F-4316-B53B-E2683CD9640E}"/>
+              </a:ext>
+            </a:extLst>
+          </p:cNvPr>
+          <p:cNvPicPr>
+            <a:picLocks noChangeAspect="1"/>
+          </p:cNvPicPr>
+          <p:nvPr/>
+        </p:nvPicPr>
+        <p:blipFill>
+          <a:blip r:embed="rId2">
+            <a:extLst>
+              <a:ext uri="{28A0092B-C50C-407E-A947-70E740481C1C}">
+                <a14:useLocalDpi xmlns:a14="http://schemas.microsoft.com/office/drawing/2010/main" val="0"/>
+              </a:ext>
+            </a:extLst>
+          </a:blip>
+          <a:stretch>
+            <a:fillRect/>
+          </a:stretch>
+        </p:blipFill>
+        <p:spPr>
+          <a:xfrm>
+            <a:off x="2609850" y="2651389"/>
+            <a:ext cx="4685155" cy="2928222"/>
+          </a:xfrm>
+          <a:prstGeom prst="rect">
+            <a:avLst/>
+          </a:prstGeom>
+        </p:spPr>
+      </p:pic>
+    </p:spTree>
+    <p:extLst>
+      <p:ext uri="{BB962C8B-B14F-4D97-AF65-F5344CB8AC3E}">
+        <p14:creationId xmlns:p14="http://schemas.microsoft.com/office/powerpoint/2010/main" val="1636327240"/>
+      </p:ext>
+    </p:extLst>
+  </p:cSld>
+  <p:clrMapOvr>
+    <a:masterClrMapping/>
+  </p:clrMapOvr>
+</p:sld>
+</file>
+
+<file path=ppt/slides/slide18.xml><?xml version="1.0" encoding="utf-8"?>
+<p:sld xmlns:a="http://schemas.openxmlformats.org/drawingml/2006/main" xmlns:r="http://schemas.openxmlformats.org/officeDocument/2006/relationships" xmlns:p="http://schemas.openxmlformats.org/presentationml/2006/main">
+  <p:cSld>
+    <p:spTree>
+      <p:nvGrpSpPr>
+        <p:cNvPr id="1" name=""/>
+        <p:cNvGrpSpPr/>
+        <p:nvPr/>
+      </p:nvGrpSpPr>
+      <p:grpSpPr>
+        <a:xfrm>
+          <a:off x="0" y="0"/>
+          <a:ext cx="0" cy="0"/>
+          <a:chOff x="0" y="0"/>
+          <a:chExt cx="0" cy="0"/>
+        </a:xfrm>
+      </p:grpSpPr>
+      <p:sp>
+        <p:nvSpPr>
+          <p:cNvPr id="2" name="Title 1">
+            <a:extLst>
+              <a:ext uri="{FF2B5EF4-FFF2-40B4-BE49-F238E27FC236}">
+                <a16:creationId xmlns:a16="http://schemas.microsoft.com/office/drawing/2014/main" id="{DCD84134-5E9E-4D7C-95CC-F3BC1CA1D5EC}"/>
+              </a:ext>
+            </a:extLst>
+          </p:cNvPr>
+          <p:cNvSpPr>
+            <a:spLocks noGrp="1"/>
+          </p:cNvSpPr>
+          <p:nvPr>
+            <p:ph type="title"/>
+          </p:nvPr>
+        </p:nvSpPr>
+        <p:spPr/>
+        <p:txBody>
+          <a:bodyPr/>
+          <a:lstStyle/>
+          <a:p>
+            <a:r>
+              <a:rPr lang="en-US" dirty="0"/>
+              <a:t>Iterator - </a:t>
+            </a:r>
+            <a:r>
+              <a:rPr lang="en-US" dirty="0" err="1"/>
+              <a:t>problém</a:t>
+            </a:r>
+            <a:endParaRPr lang="en-US" dirty="0"/>
+          </a:p>
+        </p:txBody>
+      </p:sp>
+      <p:sp>
+        <p:nvSpPr>
+          <p:cNvPr id="9" name="Content Placeholder 8">
+            <a:extLst>
+              <a:ext uri="{FF2B5EF4-FFF2-40B4-BE49-F238E27FC236}">
+                <a16:creationId xmlns:a16="http://schemas.microsoft.com/office/drawing/2014/main" id="{BC61987B-D497-4FD4-ADA6-A3766854C0D3}"/>
+              </a:ext>
+            </a:extLst>
+          </p:cNvPr>
+          <p:cNvSpPr>
+            <a:spLocks noGrp="1"/>
+          </p:cNvSpPr>
+          <p:nvPr>
+            <p:ph idx="1"/>
+          </p:nvPr>
+        </p:nvSpPr>
+        <p:spPr>
+          <a:xfrm>
+            <a:off x="677334" y="2179639"/>
+            <a:ext cx="8596668" cy="3880773"/>
+          </a:xfrm>
+        </p:spPr>
+        <p:txBody>
+          <a:bodyPr/>
+          <a:lstStyle/>
+          <a:p>
+            <a:r>
+              <a:rPr lang="en-US" dirty="0" err="1"/>
+              <a:t>Komplexná</a:t>
+            </a:r>
+            <a:r>
+              <a:rPr lang="en-US" dirty="0"/>
+              <a:t> </a:t>
+            </a:r>
+            <a:r>
+              <a:rPr lang="en-US" dirty="0" err="1"/>
+              <a:t>dátová</a:t>
+            </a:r>
+            <a:r>
+              <a:rPr lang="en-US" dirty="0"/>
+              <a:t> </a:t>
+            </a:r>
+            <a:r>
+              <a:rPr lang="en-US" dirty="0" err="1"/>
+              <a:t>štruktúra</a:t>
+            </a:r>
+            <a:endParaRPr lang="en-US" dirty="0"/>
+          </a:p>
+          <a:p>
+            <a:r>
+              <a:rPr lang="en-US" dirty="0" err="1"/>
+              <a:t>Viaceré</a:t>
+            </a:r>
+            <a:r>
+              <a:rPr lang="en-US" dirty="0"/>
+              <a:t> </a:t>
+            </a:r>
+            <a:r>
+              <a:rPr lang="en-US" dirty="0" err="1"/>
+              <a:t>spôsoby</a:t>
+            </a:r>
+            <a:r>
+              <a:rPr lang="en-US" dirty="0"/>
+              <a:t> </a:t>
+            </a:r>
+            <a:r>
+              <a:rPr lang="en-US" dirty="0" err="1"/>
+              <a:t>prehľadávania</a:t>
+            </a:r>
+            <a:endParaRPr lang="en-US" dirty="0"/>
+          </a:p>
+          <a:p>
+            <a:endParaRPr lang="en-US" dirty="0"/>
+          </a:p>
+        </p:txBody>
+      </p:sp>
+      <p:pic>
+        <p:nvPicPr>
+          <p:cNvPr id="5" name="Picture 4" descr="A picture containing icon&#10;&#10;Description automatically generated">
+            <a:extLst>
+              <a:ext uri="{FF2B5EF4-FFF2-40B4-BE49-F238E27FC236}">
+                <a16:creationId xmlns:a16="http://schemas.microsoft.com/office/drawing/2014/main" id="{ECE99C56-D4DC-48E4-960B-FC145A0B75DB}"/>
+              </a:ext>
+            </a:extLst>
+          </p:cNvPr>
+          <p:cNvPicPr>
+            <a:picLocks noChangeAspect="1"/>
+          </p:cNvPicPr>
+          <p:nvPr/>
+        </p:nvPicPr>
+        <p:blipFill>
+          <a:blip r:embed="rId2">
+            <a:extLst>
+              <a:ext uri="{28A0092B-C50C-407E-A947-70E740481C1C}">
+                <a14:useLocalDpi xmlns:a14="http://schemas.microsoft.com/office/drawing/2010/main" val="0"/>
+              </a:ext>
+            </a:extLst>
+          </a:blip>
+          <a:stretch>
+            <a:fillRect/>
+          </a:stretch>
+        </p:blipFill>
+        <p:spPr>
+          <a:xfrm>
+            <a:off x="1913652" y="3303487"/>
+            <a:ext cx="6124031" cy="1633075"/>
+          </a:xfrm>
+          <a:prstGeom prst="rect">
+            <a:avLst/>
+          </a:prstGeom>
+        </p:spPr>
+      </p:pic>
+    </p:spTree>
+    <p:extLst>
+      <p:ext uri="{BB962C8B-B14F-4D97-AF65-F5344CB8AC3E}">
+        <p14:creationId xmlns:p14="http://schemas.microsoft.com/office/powerpoint/2010/main" val="3907310690"/>
+      </p:ext>
+    </p:extLst>
+  </p:cSld>
+  <p:clrMapOvr>
+    <a:masterClrMapping/>
+  </p:clrMapOvr>
+</p:sld>
+</file>
+
+<file path=ppt/slides/slide19.xml><?xml version="1.0" encoding="utf-8"?>
+<p:sld xmlns:a="http://schemas.openxmlformats.org/drawingml/2006/main" xmlns:r="http://schemas.openxmlformats.org/officeDocument/2006/relationships" xmlns:p="http://schemas.openxmlformats.org/presentationml/2006/main">
+  <p:cSld>
+    <p:spTree>
+      <p:nvGrpSpPr>
+        <p:cNvPr id="1" name=""/>
+        <p:cNvGrpSpPr/>
+        <p:nvPr/>
+      </p:nvGrpSpPr>
+      <p:grpSpPr>
+        <a:xfrm>
+          <a:off x="0" y="0"/>
+          <a:ext cx="0" cy="0"/>
+          <a:chOff x="0" y="0"/>
+          <a:chExt cx="0" cy="0"/>
+        </a:xfrm>
+      </p:grpSpPr>
+      <p:sp>
+        <p:nvSpPr>
+          <p:cNvPr id="2" name="Title 1">
+            <a:extLst>
+              <a:ext uri="{FF2B5EF4-FFF2-40B4-BE49-F238E27FC236}">
+                <a16:creationId xmlns:a16="http://schemas.microsoft.com/office/drawing/2014/main" id="{DCD84134-5E9E-4D7C-95CC-F3BC1CA1D5EC}"/>
+              </a:ext>
+            </a:extLst>
+          </p:cNvPr>
+          <p:cNvSpPr>
+            <a:spLocks noGrp="1"/>
+          </p:cNvSpPr>
+          <p:nvPr>
+            <p:ph type="title"/>
+          </p:nvPr>
+        </p:nvSpPr>
+        <p:spPr/>
+        <p:txBody>
+          <a:bodyPr/>
+          <a:lstStyle/>
+          <a:p>
+            <a:r>
+              <a:rPr lang="en-US" dirty="0"/>
+              <a:t>Iterator - </a:t>
+            </a:r>
+            <a:r>
+              <a:rPr lang="en-US" dirty="0" err="1"/>
+              <a:t>riešenie</a:t>
+            </a:r>
+            <a:endParaRPr lang="en-US" dirty="0"/>
+          </a:p>
+        </p:txBody>
+      </p:sp>
+      <p:sp>
+        <p:nvSpPr>
+          <p:cNvPr id="9" name="Content Placeholder 8">
+            <a:extLst>
+              <a:ext uri="{FF2B5EF4-FFF2-40B4-BE49-F238E27FC236}">
+                <a16:creationId xmlns:a16="http://schemas.microsoft.com/office/drawing/2014/main" id="{BC61987B-D497-4FD4-ADA6-A3766854C0D3}"/>
+              </a:ext>
+            </a:extLst>
+          </p:cNvPr>
+          <p:cNvSpPr>
+            <a:spLocks noGrp="1"/>
+          </p:cNvSpPr>
+          <p:nvPr>
+            <p:ph idx="1"/>
+          </p:nvPr>
+        </p:nvSpPr>
+        <p:spPr>
+          <a:xfrm>
+            <a:off x="677334" y="1665289"/>
+            <a:ext cx="8596668" cy="3880773"/>
+          </a:xfrm>
+        </p:spPr>
+        <p:txBody>
+          <a:bodyPr/>
+          <a:lstStyle/>
+          <a:p>
+            <a:r>
+              <a:rPr lang="en-US" dirty="0" err="1"/>
+              <a:t>Extrakcia</a:t>
+            </a:r>
+            <a:r>
+              <a:rPr lang="en-US" dirty="0"/>
+              <a:t> </a:t>
+            </a:r>
+            <a:r>
+              <a:rPr lang="en-US" dirty="0" err="1"/>
+              <a:t>prehľadávania</a:t>
+            </a:r>
+            <a:r>
+              <a:rPr lang="en-US" dirty="0"/>
+              <a:t> </a:t>
+            </a:r>
+            <a:r>
+              <a:rPr lang="en-US" dirty="0" err="1"/>
+              <a:t>kolekcie</a:t>
+            </a:r>
+            <a:r>
+              <a:rPr lang="en-US" dirty="0"/>
+              <a:t> do </a:t>
+            </a:r>
+            <a:r>
+              <a:rPr lang="en-US" dirty="0" err="1"/>
+              <a:t>objektu</a:t>
+            </a:r>
+            <a:r>
+              <a:rPr lang="en-US" dirty="0"/>
+              <a:t> (</a:t>
+            </a:r>
+            <a:r>
+              <a:rPr lang="en-US" dirty="0" err="1"/>
+              <a:t>iterátora</a:t>
+            </a:r>
+            <a:r>
+              <a:rPr lang="en-US" dirty="0"/>
+              <a:t>)</a:t>
+            </a:r>
+          </a:p>
+          <a:p>
+            <a:pPr marL="0" indent="0">
+              <a:buNone/>
+            </a:pPr>
+            <a:endParaRPr lang="en-US" dirty="0"/>
+          </a:p>
+          <a:p>
+            <a:endParaRPr lang="en-US" dirty="0"/>
+          </a:p>
+        </p:txBody>
+      </p:sp>
+      <p:pic>
+        <p:nvPicPr>
+          <p:cNvPr id="4" name="Picture 3" descr="Diagram&#10;&#10;Description automatically generated with medium confidence">
+            <a:extLst>
+              <a:ext uri="{FF2B5EF4-FFF2-40B4-BE49-F238E27FC236}">
+                <a16:creationId xmlns:a16="http://schemas.microsoft.com/office/drawing/2014/main" id="{A3CA4ADE-29CD-4C7E-90AE-4AE49367C6BE}"/>
+              </a:ext>
+            </a:extLst>
+          </p:cNvPr>
+          <p:cNvPicPr>
+            <a:picLocks noChangeAspect="1"/>
+          </p:cNvPicPr>
+          <p:nvPr/>
+        </p:nvPicPr>
+        <p:blipFill>
+          <a:blip r:embed="rId2">
+            <a:extLst>
+              <a:ext uri="{28A0092B-C50C-407E-A947-70E740481C1C}">
+                <a14:useLocalDpi xmlns:a14="http://schemas.microsoft.com/office/drawing/2010/main" val="0"/>
+              </a:ext>
+            </a:extLst>
+          </a:blip>
+          <a:stretch>
+            <a:fillRect/>
+          </a:stretch>
+        </p:blipFill>
+        <p:spPr>
+          <a:xfrm>
+            <a:off x="3306072" y="2206625"/>
+            <a:ext cx="3339192" cy="3923550"/>
+          </a:xfrm>
+          <a:prstGeom prst="rect">
+            <a:avLst/>
+          </a:prstGeom>
+        </p:spPr>
+      </p:pic>
+    </p:spTree>
+    <p:extLst>
+      <p:ext uri="{BB962C8B-B14F-4D97-AF65-F5344CB8AC3E}">
+        <p14:creationId xmlns:p14="http://schemas.microsoft.com/office/powerpoint/2010/main" val="2784331936"/>
+      </p:ext>
+    </p:extLst>
+  </p:cSld>
+  <p:clrMapOvr>
+    <a:masterClrMapping/>
+  </p:clrMapOvr>
+</p:sld>
+</file>
+
 <file path=ppt/slides/slide2.xml><?xml version="1.0" encoding="utf-8"?>
 <p:sld xmlns:a="http://schemas.openxmlformats.org/drawingml/2006/main" xmlns:r="http://schemas.openxmlformats.org/officeDocument/2006/relationships" xmlns:p="http://schemas.openxmlformats.org/presentationml/2006/main">
   <p:cSld>
@@ -5953,6 +7693,628 @@
       </p:grpSpPr>
       <p:sp>
         <p:nvSpPr>
+          <p:cNvPr id="2" name="Title 1">
+            <a:extLst>
+              <a:ext uri="{FF2B5EF4-FFF2-40B4-BE49-F238E27FC236}">
+                <a16:creationId xmlns:a16="http://schemas.microsoft.com/office/drawing/2014/main" id="{A01D8AAE-336F-4908-A7C8-4921CC071189}"/>
+              </a:ext>
+            </a:extLst>
+          </p:cNvPr>
+          <p:cNvSpPr>
+            <a:spLocks noGrp="1"/>
+          </p:cNvSpPr>
+          <p:nvPr>
+            <p:ph type="title"/>
+          </p:nvPr>
+        </p:nvSpPr>
+        <p:spPr/>
+        <p:txBody>
+          <a:bodyPr/>
+          <a:lstStyle/>
+          <a:p>
+            <a:r>
+              <a:rPr lang="en-US" dirty="0" err="1"/>
+              <a:t>Návrhový</a:t>
+            </a:r>
+            <a:r>
+              <a:rPr lang="en-US" dirty="0"/>
+              <a:t> </a:t>
+            </a:r>
+            <a:r>
+              <a:rPr lang="en-US" dirty="0" err="1"/>
+              <a:t>vzor</a:t>
+            </a:r>
+            <a:endParaRPr lang="en-US" dirty="0"/>
+          </a:p>
+        </p:txBody>
+      </p:sp>
+      <p:sp>
+        <p:nvSpPr>
+          <p:cNvPr id="3" name="Content Placeholder 2">
+            <a:extLst>
+              <a:ext uri="{FF2B5EF4-FFF2-40B4-BE49-F238E27FC236}">
+                <a16:creationId xmlns:a16="http://schemas.microsoft.com/office/drawing/2014/main" id="{079F5400-8DBD-46ED-9F6D-EEEC122BE1C2}"/>
+              </a:ext>
+            </a:extLst>
+          </p:cNvPr>
+          <p:cNvSpPr>
+            <a:spLocks noGrp="1"/>
+          </p:cNvSpPr>
+          <p:nvPr>
+            <p:ph idx="1"/>
+          </p:nvPr>
+        </p:nvSpPr>
+        <p:spPr/>
+        <p:txBody>
+          <a:bodyPr/>
+          <a:lstStyle/>
+          <a:p>
+            <a:r>
+              <a:rPr lang="en-US" dirty="0" err="1"/>
+              <a:t>Šablóna</a:t>
+            </a:r>
+            <a:r>
+              <a:rPr lang="en-US" dirty="0"/>
+              <a:t> </a:t>
+            </a:r>
+            <a:r>
+              <a:rPr lang="en-US" dirty="0" err="1"/>
+              <a:t>ktorú</a:t>
+            </a:r>
+            <a:r>
+              <a:rPr lang="en-US" dirty="0"/>
+              <a:t> je </a:t>
+            </a:r>
+            <a:r>
+              <a:rPr lang="en-US" dirty="0" err="1"/>
+              <a:t>možné</a:t>
+            </a:r>
+            <a:r>
+              <a:rPr lang="en-US" dirty="0"/>
+              <a:t> </a:t>
+            </a:r>
+            <a:r>
+              <a:rPr lang="en-US" dirty="0" err="1"/>
+              <a:t>použiť</a:t>
+            </a:r>
+            <a:r>
+              <a:rPr lang="en-US" dirty="0"/>
+              <a:t> v </a:t>
+            </a:r>
+            <a:r>
+              <a:rPr lang="en-US" dirty="0" err="1"/>
+              <a:t>rôznych</a:t>
+            </a:r>
+            <a:r>
+              <a:rPr lang="en-US" dirty="0"/>
+              <a:t> </a:t>
+            </a:r>
+            <a:r>
+              <a:rPr lang="en-US" dirty="0" err="1"/>
+              <a:t>situáciach</a:t>
+            </a:r>
+            <a:endParaRPr lang="en-US" dirty="0"/>
+          </a:p>
+          <a:p>
+            <a:r>
+              <a:rPr lang="en-US" dirty="0" err="1"/>
+              <a:t>Zrýchluje</a:t>
+            </a:r>
+            <a:r>
+              <a:rPr lang="en-US" dirty="0"/>
+              <a:t> </a:t>
+            </a:r>
+            <a:r>
+              <a:rPr lang="en-US" dirty="0" err="1"/>
+              <a:t>proces</a:t>
+            </a:r>
+            <a:r>
+              <a:rPr lang="en-US" dirty="0"/>
+              <a:t> </a:t>
+            </a:r>
+            <a:r>
+              <a:rPr lang="en-US" dirty="0" err="1"/>
+              <a:t>vývoja</a:t>
+            </a:r>
+            <a:r>
+              <a:rPr lang="en-US" dirty="0"/>
+              <a:t> </a:t>
+            </a:r>
+            <a:r>
+              <a:rPr lang="en-US" dirty="0" err="1"/>
+              <a:t>aplikácie</a:t>
+            </a:r>
+            <a:endParaRPr lang="en-US" dirty="0"/>
+          </a:p>
+          <a:p>
+            <a:r>
+              <a:rPr lang="en-US" dirty="0" err="1"/>
+              <a:t>Poskytuje</a:t>
+            </a:r>
+            <a:r>
+              <a:rPr lang="en-US" dirty="0"/>
+              <a:t> </a:t>
+            </a:r>
+            <a:r>
+              <a:rPr lang="en-US" dirty="0" err="1"/>
+              <a:t>overené</a:t>
+            </a:r>
+            <a:r>
+              <a:rPr lang="en-US" dirty="0"/>
+              <a:t> </a:t>
+            </a:r>
+            <a:r>
+              <a:rPr lang="en-US" dirty="0" err="1"/>
+              <a:t>riešenia</a:t>
+            </a:r>
+            <a:endParaRPr lang="en-US" dirty="0"/>
+          </a:p>
+          <a:p>
+            <a:r>
+              <a:rPr lang="en-US" dirty="0" err="1"/>
+              <a:t>Základné</a:t>
+            </a:r>
+            <a:r>
+              <a:rPr lang="en-US" dirty="0"/>
+              <a:t> </a:t>
+            </a:r>
+            <a:r>
+              <a:rPr lang="en-US" dirty="0" err="1"/>
+              <a:t>typy</a:t>
+            </a:r>
+            <a:r>
+              <a:rPr lang="en-US" dirty="0"/>
+              <a:t>:</a:t>
+            </a:r>
+          </a:p>
+          <a:p>
+            <a:pPr lvl="1"/>
+            <a:r>
+              <a:rPr lang="en-US" dirty="0"/>
+              <a:t>Creational Patterns</a:t>
+            </a:r>
+          </a:p>
+          <a:p>
+            <a:pPr lvl="1"/>
+            <a:r>
+              <a:rPr lang="en-US" dirty="0"/>
+              <a:t>Structural Patterns </a:t>
+            </a:r>
+          </a:p>
+          <a:p>
+            <a:pPr lvl="1"/>
+            <a:r>
+              <a:rPr lang="en-US" dirty="0"/>
+              <a:t>Behavioral Patterns</a:t>
+            </a:r>
+          </a:p>
+        </p:txBody>
+      </p:sp>
+    </p:spTree>
+    <p:extLst>
+      <p:ext uri="{BB962C8B-B14F-4D97-AF65-F5344CB8AC3E}">
+        <p14:creationId xmlns:p14="http://schemas.microsoft.com/office/powerpoint/2010/main" val="3152537057"/>
+      </p:ext>
+    </p:extLst>
+  </p:cSld>
+  <p:clrMapOvr>
+    <a:masterClrMapping/>
+  </p:clrMapOvr>
+</p:sld>
+</file>
+
+<file path=ppt/slides/slide20.xml><?xml version="1.0" encoding="utf-8"?>
+<p:sld xmlns:a="http://schemas.openxmlformats.org/drawingml/2006/main" xmlns:r="http://schemas.openxmlformats.org/officeDocument/2006/relationships" xmlns:p="http://schemas.openxmlformats.org/presentationml/2006/main">
+  <p:cSld>
+    <p:spTree>
+      <p:nvGrpSpPr>
+        <p:cNvPr id="1" name=""/>
+        <p:cNvGrpSpPr/>
+        <p:nvPr/>
+      </p:nvGrpSpPr>
+      <p:grpSpPr>
+        <a:xfrm>
+          <a:off x="0" y="0"/>
+          <a:ext cx="0" cy="0"/>
+          <a:chOff x="0" y="0"/>
+          <a:chExt cx="0" cy="0"/>
+        </a:xfrm>
+      </p:grpSpPr>
+      <p:sp>
+        <p:nvSpPr>
+          <p:cNvPr id="2" name="Title 1">
+            <a:extLst>
+              <a:ext uri="{FF2B5EF4-FFF2-40B4-BE49-F238E27FC236}">
+                <a16:creationId xmlns:a16="http://schemas.microsoft.com/office/drawing/2014/main" id="{DCD84134-5E9E-4D7C-95CC-F3BC1CA1D5EC}"/>
+              </a:ext>
+            </a:extLst>
+          </p:cNvPr>
+          <p:cNvSpPr>
+            <a:spLocks noGrp="1"/>
+          </p:cNvSpPr>
+          <p:nvPr>
+            <p:ph type="title"/>
+          </p:nvPr>
+        </p:nvSpPr>
+        <p:spPr/>
+        <p:txBody>
+          <a:bodyPr/>
+          <a:lstStyle/>
+          <a:p>
+            <a:r>
+              <a:rPr lang="en-US" dirty="0"/>
+              <a:t>Iterator - </a:t>
+            </a:r>
+            <a:r>
+              <a:rPr lang="sk-SK" dirty="0"/>
+              <a:t>príklad z reálneho sveta</a:t>
+            </a:r>
+            <a:endParaRPr lang="en-US" dirty="0"/>
+          </a:p>
+        </p:txBody>
+      </p:sp>
+      <p:pic>
+        <p:nvPicPr>
+          <p:cNvPr id="4" name="Content Placeholder 3" descr="A picture containing text&#10;&#10;Description automatically generated">
+            <a:extLst>
+              <a:ext uri="{FF2B5EF4-FFF2-40B4-BE49-F238E27FC236}">
+                <a16:creationId xmlns:a16="http://schemas.microsoft.com/office/drawing/2014/main" id="{9198997C-20B9-44B7-A541-A5EBC11E1E40}"/>
+              </a:ext>
+            </a:extLst>
+          </p:cNvPr>
+          <p:cNvPicPr>
+            <a:picLocks noGrp="1" noChangeAspect="1"/>
+          </p:cNvPicPr>
+          <p:nvPr>
+            <p:ph idx="1"/>
+          </p:nvPr>
+        </p:nvPicPr>
+        <p:blipFill>
+          <a:blip r:embed="rId2">
+            <a:extLst>
+              <a:ext uri="{28A0092B-C50C-407E-A947-70E740481C1C}">
+                <a14:useLocalDpi xmlns:a14="http://schemas.microsoft.com/office/drawing/2010/main" val="0"/>
+              </a:ext>
+            </a:extLst>
+          </a:blip>
+          <a:stretch>
+            <a:fillRect/>
+          </a:stretch>
+        </p:blipFill>
+        <p:spPr>
+          <a:xfrm>
+            <a:off x="1749021" y="1930400"/>
+            <a:ext cx="6453293" cy="3024981"/>
+          </a:xfrm>
+        </p:spPr>
+      </p:pic>
+    </p:spTree>
+    <p:extLst>
+      <p:ext uri="{BB962C8B-B14F-4D97-AF65-F5344CB8AC3E}">
+        <p14:creationId xmlns:p14="http://schemas.microsoft.com/office/powerpoint/2010/main" val="3928641898"/>
+      </p:ext>
+    </p:extLst>
+  </p:cSld>
+  <p:clrMapOvr>
+    <a:masterClrMapping/>
+  </p:clrMapOvr>
+</p:sld>
+</file>
+
+<file path=ppt/slides/slide21.xml><?xml version="1.0" encoding="utf-8"?>
+<p:sld xmlns:a="http://schemas.openxmlformats.org/drawingml/2006/main" xmlns:r="http://schemas.openxmlformats.org/officeDocument/2006/relationships" xmlns:p="http://schemas.openxmlformats.org/presentationml/2006/main">
+  <p:cSld>
+    <p:spTree>
+      <p:nvGrpSpPr>
+        <p:cNvPr id="1" name=""/>
+        <p:cNvGrpSpPr/>
+        <p:nvPr/>
+      </p:nvGrpSpPr>
+      <p:grpSpPr>
+        <a:xfrm>
+          <a:off x="0" y="0"/>
+          <a:ext cx="0" cy="0"/>
+          <a:chOff x="0" y="0"/>
+          <a:chExt cx="0" cy="0"/>
+        </a:xfrm>
+      </p:grpSpPr>
+      <p:sp>
+        <p:nvSpPr>
+          <p:cNvPr id="2" name="Title 1">
+            <a:extLst>
+              <a:ext uri="{FF2B5EF4-FFF2-40B4-BE49-F238E27FC236}">
+                <a16:creationId xmlns:a16="http://schemas.microsoft.com/office/drawing/2014/main" id="{DCD84134-5E9E-4D7C-95CC-F3BC1CA1D5EC}"/>
+              </a:ext>
+            </a:extLst>
+          </p:cNvPr>
+          <p:cNvSpPr>
+            <a:spLocks noGrp="1"/>
+          </p:cNvSpPr>
+          <p:nvPr>
+            <p:ph type="title"/>
+          </p:nvPr>
+        </p:nvSpPr>
+        <p:spPr/>
+        <p:txBody>
+          <a:bodyPr/>
+          <a:lstStyle/>
+          <a:p>
+            <a:r>
+              <a:rPr lang="en-US" dirty="0"/>
+              <a:t>Iterator - </a:t>
+            </a:r>
+            <a:r>
+              <a:rPr lang="en-US" dirty="0" err="1"/>
+              <a:t>štruktúra</a:t>
+            </a:r>
+            <a:endParaRPr lang="en-US" dirty="0"/>
+          </a:p>
+        </p:txBody>
+      </p:sp>
+      <p:pic>
+        <p:nvPicPr>
+          <p:cNvPr id="7" name="Content Placeholder 6" descr="Diagram&#10;&#10;Description automatically generated">
+            <a:extLst>
+              <a:ext uri="{FF2B5EF4-FFF2-40B4-BE49-F238E27FC236}">
+                <a16:creationId xmlns:a16="http://schemas.microsoft.com/office/drawing/2014/main" id="{7E155FDA-A12D-483A-9ACE-099CA053F1BC}"/>
+              </a:ext>
+            </a:extLst>
+          </p:cNvPr>
+          <p:cNvPicPr>
+            <a:picLocks noGrp="1" noChangeAspect="1"/>
+          </p:cNvPicPr>
+          <p:nvPr>
+            <p:ph idx="1"/>
+          </p:nvPr>
+        </p:nvPicPr>
+        <p:blipFill>
+          <a:blip r:embed="rId2">
+            <a:extLst>
+              <a:ext uri="{28A0092B-C50C-407E-A947-70E740481C1C}">
+                <a14:useLocalDpi xmlns:a14="http://schemas.microsoft.com/office/drawing/2010/main" val="0"/>
+              </a:ext>
+            </a:extLst>
+          </a:blip>
+          <a:stretch>
+            <a:fillRect/>
+          </a:stretch>
+        </p:blipFill>
+        <p:spPr>
+          <a:xfrm>
+            <a:off x="2809285" y="1930400"/>
+            <a:ext cx="4332766" cy="3881437"/>
+          </a:xfrm>
+        </p:spPr>
+      </p:pic>
+    </p:spTree>
+    <p:extLst>
+      <p:ext uri="{BB962C8B-B14F-4D97-AF65-F5344CB8AC3E}">
+        <p14:creationId xmlns:p14="http://schemas.microsoft.com/office/powerpoint/2010/main" val="1352413348"/>
+      </p:ext>
+    </p:extLst>
+  </p:cSld>
+  <p:clrMapOvr>
+    <a:masterClrMapping/>
+  </p:clrMapOvr>
+</p:sld>
+</file>
+
+<file path=ppt/slides/slide22.xml><?xml version="1.0" encoding="utf-8"?>
+<p:sld xmlns:a="http://schemas.openxmlformats.org/drawingml/2006/main" xmlns:r="http://schemas.openxmlformats.org/officeDocument/2006/relationships" xmlns:p="http://schemas.openxmlformats.org/presentationml/2006/main">
+  <p:cSld>
+    <p:spTree>
+      <p:nvGrpSpPr>
+        <p:cNvPr id="1" name=""/>
+        <p:cNvGrpSpPr/>
+        <p:nvPr/>
+      </p:nvGrpSpPr>
+      <p:grpSpPr>
+        <a:xfrm>
+          <a:off x="0" y="0"/>
+          <a:ext cx="0" cy="0"/>
+          <a:chOff x="0" y="0"/>
+          <a:chExt cx="0" cy="0"/>
+        </a:xfrm>
+      </p:grpSpPr>
+      <p:sp>
+        <p:nvSpPr>
+          <p:cNvPr id="6" name="Content Placeholder 5">
+            <a:extLst>
+              <a:ext uri="{FF2B5EF4-FFF2-40B4-BE49-F238E27FC236}">
+                <a16:creationId xmlns:a16="http://schemas.microsoft.com/office/drawing/2014/main" id="{06D6DC8E-9AAC-45D7-8E08-6ACB31D31E4A}"/>
+              </a:ext>
+            </a:extLst>
+          </p:cNvPr>
+          <p:cNvSpPr>
+            <a:spLocks noGrp="1"/>
+          </p:cNvSpPr>
+          <p:nvPr>
+            <p:ph idx="1"/>
+          </p:nvPr>
+        </p:nvSpPr>
+        <p:spPr>
+          <a:xfrm>
+            <a:off x="2877609" y="2874965"/>
+            <a:ext cx="5247216" cy="630235"/>
+          </a:xfrm>
+        </p:spPr>
+        <p:txBody>
+          <a:bodyPr>
+            <a:normAutofit/>
+          </a:bodyPr>
+          <a:lstStyle/>
+          <a:p>
+            <a:pPr marL="0" indent="0" algn="ctr">
+              <a:buNone/>
+            </a:pPr>
+            <a:r>
+              <a:rPr lang="en-US" sz="3200" dirty="0" err="1"/>
+              <a:t>Ďakujeme</a:t>
+            </a:r>
+            <a:r>
+              <a:rPr lang="en-US" sz="3200" dirty="0"/>
+              <a:t> za </a:t>
+            </a:r>
+            <a:r>
+              <a:rPr lang="en-US" sz="3200" dirty="0" err="1"/>
+              <a:t>pozornosť</a:t>
+            </a:r>
+            <a:r>
+              <a:rPr lang="en-US" sz="3200" dirty="0"/>
+              <a:t> </a:t>
+            </a:r>
+            <a:r>
+              <a:rPr lang="en-US" sz="3200" dirty="0">
+                <a:sym typeface="Wingdings" panose="05000000000000000000" pitchFamily="2" charset="2"/>
+              </a:rPr>
+              <a:t></a:t>
+            </a:r>
+            <a:endParaRPr lang="en-US" sz="3200" dirty="0"/>
+          </a:p>
+        </p:txBody>
+      </p:sp>
+    </p:spTree>
+    <p:extLst>
+      <p:ext uri="{BB962C8B-B14F-4D97-AF65-F5344CB8AC3E}">
+        <p14:creationId xmlns:p14="http://schemas.microsoft.com/office/powerpoint/2010/main" val="3723738481"/>
+      </p:ext>
+    </p:extLst>
+  </p:cSld>
+  <p:clrMapOvr>
+    <a:masterClrMapping/>
+  </p:clrMapOvr>
+</p:sld>
+</file>
+
+<file path=ppt/slides/slide23.xml><?xml version="1.0" encoding="utf-8"?>
+<p:sld xmlns:a="http://schemas.openxmlformats.org/drawingml/2006/main" xmlns:r="http://schemas.openxmlformats.org/officeDocument/2006/relationships" xmlns:p="http://schemas.openxmlformats.org/presentationml/2006/main">
+  <p:cSld>
+    <p:spTree>
+      <p:nvGrpSpPr>
+        <p:cNvPr id="1" name=""/>
+        <p:cNvGrpSpPr/>
+        <p:nvPr/>
+      </p:nvGrpSpPr>
+      <p:grpSpPr>
+        <a:xfrm>
+          <a:off x="0" y="0"/>
+          <a:ext cx="0" cy="0"/>
+          <a:chOff x="0" y="0"/>
+          <a:chExt cx="0" cy="0"/>
+        </a:xfrm>
+      </p:grpSpPr>
+      <p:sp>
+        <p:nvSpPr>
+          <p:cNvPr id="3" name="Content Placeholder 2">
+            <a:extLst>
+              <a:ext uri="{FF2B5EF4-FFF2-40B4-BE49-F238E27FC236}">
+                <a16:creationId xmlns:a16="http://schemas.microsoft.com/office/drawing/2014/main" id="{E24841CD-DE6F-492E-8B27-145AD86A16B2}"/>
+              </a:ext>
+            </a:extLst>
+          </p:cNvPr>
+          <p:cNvSpPr>
+            <a:spLocks noGrp="1"/>
+          </p:cNvSpPr>
+          <p:nvPr>
+            <p:ph idx="1"/>
+          </p:nvPr>
+        </p:nvSpPr>
+        <p:spPr/>
+        <p:txBody>
+          <a:bodyPr/>
+          <a:lstStyle/>
+          <a:p>
+            <a:r>
+              <a:rPr lang="en-US" dirty="0" err="1"/>
+              <a:t>Zdroje</a:t>
+            </a:r>
+            <a:r>
+              <a:rPr lang="en-US" dirty="0"/>
+              <a:t>:</a:t>
+            </a:r>
+          </a:p>
+          <a:p>
+            <a:pPr marL="0" indent="0">
+              <a:buNone/>
+            </a:pPr>
+            <a:r>
+              <a:rPr lang="en-US" dirty="0">
+                <a:hlinkClick r:id="rId2"/>
+              </a:rPr>
+              <a:t>https://refactoring.guru/design-patterns/iterator</a:t>
+            </a:r>
+            <a:endParaRPr lang="en-US" dirty="0"/>
+          </a:p>
+          <a:p>
+            <a:pPr marL="0" indent="0">
+              <a:buNone/>
+            </a:pPr>
+            <a:r>
+              <a:rPr lang="en-US" dirty="0">
+                <a:hlinkClick r:id="rId3"/>
+              </a:rPr>
+              <a:t>https://refactoring.guru/design-patterns/chain-of-responsibility</a:t>
+            </a:r>
+            <a:endParaRPr lang="en-US" dirty="0"/>
+          </a:p>
+          <a:p>
+            <a:pPr marL="0" indent="0">
+              <a:buNone/>
+            </a:pPr>
+            <a:r>
+              <a:rPr lang="en-US" dirty="0">
+                <a:hlinkClick r:id="rId4"/>
+              </a:rPr>
+              <a:t>https://refactoring.guru/design-patterns/command</a:t>
+            </a:r>
+            <a:endParaRPr lang="en-US" dirty="0"/>
+          </a:p>
+          <a:p>
+            <a:pPr marL="0" indent="0">
+              <a:buNone/>
+            </a:pPr>
+            <a:r>
+              <a:rPr lang="en-US" dirty="0">
+                <a:hlinkClick r:id="rId5"/>
+              </a:rPr>
+              <a:t>https://www.tutorialspoint.com/design_pattern/interpreter_pattern.htm</a:t>
+            </a:r>
+            <a:endParaRPr lang="en-US" dirty="0"/>
+          </a:p>
+        </p:txBody>
+      </p:sp>
+    </p:spTree>
+    <p:extLst>
+      <p:ext uri="{BB962C8B-B14F-4D97-AF65-F5344CB8AC3E}">
+        <p14:creationId xmlns:p14="http://schemas.microsoft.com/office/powerpoint/2010/main" val="1504870091"/>
+      </p:ext>
+    </p:extLst>
+  </p:cSld>
+  <p:clrMapOvr>
+    <a:masterClrMapping/>
+  </p:clrMapOvr>
+</p:sld>
+</file>
+
+<file path=ppt/slides/slide3.xml><?xml version="1.0" encoding="utf-8"?>
+<p:sld xmlns:a="http://schemas.openxmlformats.org/drawingml/2006/main" xmlns:r="http://schemas.openxmlformats.org/officeDocument/2006/relationships" xmlns:p="http://schemas.openxmlformats.org/presentationml/2006/main">
+  <p:cSld>
+    <p:spTree>
+      <p:nvGrpSpPr>
+        <p:cNvPr id="1" name=""/>
+        <p:cNvGrpSpPr/>
+        <p:nvPr/>
+      </p:nvGrpSpPr>
+      <p:grpSpPr>
+        <a:xfrm>
+          <a:off x="0" y="0"/>
+          <a:ext cx="0" cy="0"/>
+          <a:chOff x="0" y="0"/>
+          <a:chExt cx="0" cy="0"/>
+        </a:xfrm>
+      </p:grpSpPr>
+      <p:sp>
+        <p:nvSpPr>
           <p:cNvPr id="2" name="Nadpis 1">
             <a:extLst>
               <a:ext uri="{FF2B5EF4-FFF2-40B4-BE49-F238E27FC236}">
@@ -6013,20 +8375,8 @@
           <a:lstStyle/>
           <a:p>
             <a:r>
-              <a:rPr lang="sk-SK" dirty="0" err="1"/>
-              <a:t>Behavioral</a:t>
-            </a:r>
-            <a:r>
               <a:rPr lang="sk-SK" dirty="0"/>
-              <a:t> </a:t>
-            </a:r>
-            <a:r>
-              <a:rPr lang="sk-SK" dirty="0" err="1"/>
-              <a:t>Patterns</a:t>
-            </a:r>
-            <a:r>
-              <a:rPr lang="sk-SK" dirty="0"/>
-              <a:t> sa zaujímajú o chovanie systému. </a:t>
+              <a:t>Behavioral Patterns sa zaujímajú o chovanie systému</a:t>
             </a:r>
           </a:p>
           <a:p>
@@ -6062,7 +8412,7 @@
 </p:sld>
 </file>
 
-<file path=ppt/slides/slide3.xml><?xml version="1.0" encoding="utf-8"?>
+<file path=ppt/slides/slide4.xml><?xml version="1.0" encoding="utf-8"?>
 <p:sld xmlns:a="http://schemas.openxmlformats.org/drawingml/2006/main" xmlns:r="http://schemas.openxmlformats.org/officeDocument/2006/relationships" xmlns:p="http://schemas.openxmlformats.org/presentationml/2006/main">
   <p:cSld>
     <p:spTree>
@@ -6178,7 +8528,7 @@
 </p:sld>
 </file>
 
-<file path=ppt/slides/slide4.xml><?xml version="1.0" encoding="utf-8"?>
+<file path=ppt/slides/slide5.xml><?xml version="1.0" encoding="utf-8"?>
 <p:sld xmlns:a="http://schemas.openxmlformats.org/drawingml/2006/main" xmlns:r="http://schemas.openxmlformats.org/officeDocument/2006/relationships" xmlns:p="http://schemas.openxmlformats.org/presentationml/2006/main">
   <p:cSld>
     <p:spTree>
@@ -6297,7 +8647,7 @@
 </p:sld>
 </file>
 
-<file path=ppt/slides/slide5.xml><?xml version="1.0" encoding="utf-8"?>
+<file path=ppt/slides/slide6.xml><?xml version="1.0" encoding="utf-8"?>
 <p:sld xmlns:a="http://schemas.openxmlformats.org/drawingml/2006/main" xmlns:r="http://schemas.openxmlformats.org/officeDocument/2006/relationships" xmlns:p="http://schemas.openxmlformats.org/presentationml/2006/main">
   <p:cSld>
     <p:spTree>
@@ -6416,7 +8766,7 @@
 </p:sld>
 </file>
 
-<file path=ppt/slides/slide6.xml><?xml version="1.0" encoding="utf-8"?>
+<file path=ppt/slides/slide7.xml><?xml version="1.0" encoding="utf-8"?>
 <p:sld xmlns:a="http://schemas.openxmlformats.org/drawingml/2006/main" xmlns:r="http://schemas.openxmlformats.org/officeDocument/2006/relationships" xmlns:p="http://schemas.openxmlformats.org/presentationml/2006/main">
   <p:cSld>
     <p:spTree>
@@ -6535,7 +8885,7 @@
 </p:sld>
 </file>
 
-<file path=ppt/slides/slide7.xml><?xml version="1.0" encoding="utf-8"?>
+<file path=ppt/slides/slide8.xml><?xml version="1.0" encoding="utf-8"?>
 <p:sld xmlns:a="http://schemas.openxmlformats.org/drawingml/2006/main" xmlns:r="http://schemas.openxmlformats.org/officeDocument/2006/relationships" xmlns:p="http://schemas.openxmlformats.org/presentationml/2006/main">
   <p:cSld>
     <p:spTree>
@@ -6654,7 +9004,7 @@
 </p:sld>
 </file>
 
-<file path=ppt/slides/slide8.xml><?xml version="1.0" encoding="utf-8"?>
+<file path=ppt/slides/slide9.xml><?xml version="1.0" encoding="utf-8"?>
 <p:sld xmlns:a="http://schemas.openxmlformats.org/drawingml/2006/main" xmlns:r="http://schemas.openxmlformats.org/officeDocument/2006/relationships" xmlns:p="http://schemas.openxmlformats.org/presentationml/2006/main">
   <p:cSld>
     <p:spTree>
@@ -6764,125 +9114,6 @@
     <p:extLst>
       <p:ext uri="{BB962C8B-B14F-4D97-AF65-F5344CB8AC3E}">
         <p14:creationId xmlns:p14="http://schemas.microsoft.com/office/powerpoint/2010/main" val="111544870"/>
-      </p:ext>
-    </p:extLst>
-  </p:cSld>
-  <p:clrMapOvr>
-    <a:masterClrMapping/>
-  </p:clrMapOvr>
-</p:sld>
-</file>
-
-<file path=ppt/slides/slide9.xml><?xml version="1.0" encoding="utf-8"?>
-<p:sld xmlns:a="http://schemas.openxmlformats.org/drawingml/2006/main" xmlns:r="http://schemas.openxmlformats.org/officeDocument/2006/relationships" xmlns:p="http://schemas.openxmlformats.org/presentationml/2006/main">
-  <p:cSld>
-    <p:spTree>
-      <p:nvGrpSpPr>
-        <p:cNvPr id="1" name=""/>
-        <p:cNvGrpSpPr/>
-        <p:nvPr/>
-      </p:nvGrpSpPr>
-      <p:grpSpPr>
-        <a:xfrm>
-          <a:off x="0" y="0"/>
-          <a:ext cx="0" cy="0"/>
-          <a:chOff x="0" y="0"/>
-          <a:chExt cx="0" cy="0"/>
-        </a:xfrm>
-      </p:grpSpPr>
-      <p:sp>
-        <p:nvSpPr>
-          <p:cNvPr id="2" name="Nadpis 1">
-            <a:extLst>
-              <a:ext uri="{FF2B5EF4-FFF2-40B4-BE49-F238E27FC236}">
-                <a16:creationId xmlns:a16="http://schemas.microsoft.com/office/drawing/2014/main" id="{591A6B69-96CE-55D5-96F6-D1DE5F9F0746}"/>
-              </a:ext>
-            </a:extLst>
-          </p:cNvPr>
-          <p:cNvSpPr>
-            <a:spLocks noGrp="1"/>
-          </p:cNvSpPr>
-          <p:nvPr>
-            <p:ph type="title"/>
-          </p:nvPr>
-        </p:nvSpPr>
-        <p:spPr/>
-        <p:txBody>
-          <a:bodyPr/>
-          <a:lstStyle/>
-          <a:p>
-            <a:r>
-              <a:rPr lang="sk-SK" dirty="0" err="1"/>
-              <a:t>Chain</a:t>
-            </a:r>
-            <a:r>
-              <a:rPr lang="sk-SK" dirty="0"/>
-              <a:t> of </a:t>
-            </a:r>
-            <a:r>
-              <a:rPr lang="sk-SK" dirty="0" err="1"/>
-              <a:t>Responibility</a:t>
-            </a:r>
-            <a:r>
-              <a:rPr lang="sk-SK" dirty="0"/>
-              <a:t> - štruktúra</a:t>
-            </a:r>
-          </a:p>
-        </p:txBody>
-      </p:sp>
-      <p:pic>
-        <p:nvPicPr>
-          <p:cNvPr id="4098" name="Picture 2" descr="Structure of the Chain Of Responsibility design pattern">
-            <a:extLst>
-              <a:ext uri="{FF2B5EF4-FFF2-40B4-BE49-F238E27FC236}">
-                <a16:creationId xmlns:a16="http://schemas.microsoft.com/office/drawing/2014/main" id="{49D6E090-7C4F-45B0-FE97-95D35FF11828}"/>
-              </a:ext>
-            </a:extLst>
-          </p:cNvPr>
-          <p:cNvPicPr>
-            <a:picLocks noGrp="1" noChangeAspect="1" noChangeArrowheads="1"/>
-          </p:cNvPicPr>
-          <p:nvPr>
-            <p:ph idx="1"/>
-          </p:nvPr>
-        </p:nvPicPr>
-        <p:blipFill>
-          <a:blip r:embed="rId2">
-            <a:extLst>
-              <a:ext uri="{28A0092B-C50C-407E-A947-70E740481C1C}">
-                <a14:useLocalDpi xmlns:a14="http://schemas.microsoft.com/office/drawing/2010/main" val="0"/>
-              </a:ext>
-            </a:extLst>
-          </a:blip>
-          <a:srcRect/>
-          <a:stretch>
-            <a:fillRect/>
-          </a:stretch>
-        </p:blipFill>
-        <p:spPr bwMode="auto">
-          <a:xfrm>
-            <a:off x="3177304" y="2160588"/>
-            <a:ext cx="3597429" cy="3881437"/>
-          </a:xfrm>
-          <a:prstGeom prst="rect">
-            <a:avLst/>
-          </a:prstGeom>
-          <a:noFill/>
-          <a:extLst>
-            <a:ext uri="{909E8E84-426E-40DD-AFC4-6F175D3DCCD1}">
-              <a14:hiddenFill xmlns:a14="http://schemas.microsoft.com/office/drawing/2010/main">
-                <a:solidFill>
-                  <a:srgbClr val="FFFFFF"/>
-                </a:solidFill>
-              </a14:hiddenFill>
-            </a:ext>
-          </a:extLst>
-        </p:spPr>
-      </p:pic>
-    </p:spTree>
-    <p:extLst>
-      <p:ext uri="{BB962C8B-B14F-4D97-AF65-F5344CB8AC3E}">
-        <p14:creationId xmlns:p14="http://schemas.microsoft.com/office/powerpoint/2010/main" val="773094169"/>
       </p:ext>
     </p:extLst>
   </p:cSld>

--- a/Behavioral_Design_Patterns.pptx
+++ b/Behavioral_Design_Patterns.pptx
@@ -30,8 +30,9 @@
     <p:sldId id="274" r:id="rId24"/>
     <p:sldId id="276" r:id="rId25"/>
     <p:sldId id="277" r:id="rId26"/>
-    <p:sldId id="278" r:id="rId27"/>
-    <p:sldId id="279" r:id="rId28"/>
+    <p:sldId id="291" r:id="rId27"/>
+    <p:sldId id="278" r:id="rId28"/>
+    <p:sldId id="279" r:id="rId29"/>
   </p:sldIdLst>
   <p:sldSz cx="12192000" cy="6858000"/>
   <p:notesSz cx="6858000" cy="9144000"/>
@@ -132,7 +133,18 @@
   </p:defaultTextStyle>
   <p:extLst>
     <p:ext uri="{EFAFB233-063F-42B5-8137-9DF3F51BA10A}">
-      <p15:sldGuideLst xmlns:p15="http://schemas.microsoft.com/office/powerpoint/2012/main" xmlns=""/>
+      <p15:sldGuideLst xmlns:p15="http://schemas.microsoft.com/office/powerpoint/2012/main">
+        <p15:guide id="1" orient="horz" pos="2160">
+          <p15:clr>
+            <a:srgbClr val="A4A3A4"/>
+          </p15:clr>
+        </p15:guide>
+        <p15:guide id="2" pos="3840">
+          <p15:clr>
+            <a:srgbClr val="A4A3A4"/>
+          </p15:clr>
+        </p15:guide>
+      </p15:sldGuideLst>
     </p:ext>
   </p:extLst>
 </p:presentation>
@@ -5878,7 +5890,7 @@
           <p:cNvPr id="2" name="Nadpis 1">
             <a:extLst>
               <a:ext uri="{FF2B5EF4-FFF2-40B4-BE49-F238E27FC236}">
-                <a16:creationId xmlns:a16="http://schemas.microsoft.com/office/drawing/2014/main" xmlns="" id="{5DF173C9-E5F0-3A1D-8C79-EBEE118BCF78}"/>
+                <a16:creationId xmlns:a16="http://schemas.microsoft.com/office/drawing/2014/main" id="{5DF173C9-E5F0-3A1D-8C79-EBEE118BCF78}"/>
               </a:ext>
             </a:extLst>
           </p:cNvPr>
@@ -5913,7 +5925,7 @@
           <p:cNvPr id="3" name="Podnadpis 2">
             <a:extLst>
               <a:ext uri="{FF2B5EF4-FFF2-40B4-BE49-F238E27FC236}">
-                <a16:creationId xmlns:a16="http://schemas.microsoft.com/office/drawing/2014/main" xmlns="" id="{80307C1B-8642-AB9F-3439-728B2D3CB2F1}"/>
+                <a16:creationId xmlns:a16="http://schemas.microsoft.com/office/drawing/2014/main" id="{80307C1B-8642-AB9F-3439-728B2D3CB2F1}"/>
               </a:ext>
             </a:extLst>
           </p:cNvPr>
@@ -6124,10 +6136,10 @@
           <p:cNvPr id="10" name="Group 9">
             <a:extLst>
               <a:ext uri="{FF2B5EF4-FFF2-40B4-BE49-F238E27FC236}">
-                <a16:creationId xmlns:a16="http://schemas.microsoft.com/office/drawing/2014/main" xmlns="" id="{D6280969-F024-466D-A1DB-4F848C51DEF6}"/>
+                <a16:creationId xmlns:a16="http://schemas.microsoft.com/office/drawing/2014/main" id="{D6280969-F024-466D-A1DB-4F848C51DEF6}"/>
               </a:ext>
               <a:ext uri="{C183D7F6-B498-43B3-948B-1728B52AA6E4}">
-                <adec:decorative xmlns:adec="http://schemas.microsoft.com/office/drawing/2017/decorative" xmlns="" val="1"/>
+                <adec:decorative xmlns:adec="http://schemas.microsoft.com/office/drawing/2017/decorative" val="1"/>
               </a:ext>
             </a:extLst>
           </p:cNvPr>
@@ -6137,7 +6149,7 @@
           <p:nvPr>
             <p:extLst>
               <p:ext uri="{386F3935-93C4-4BCD-93E2-E3B085C9AB24}">
-                <p16:designElem xmlns:p16="http://schemas.microsoft.com/office/powerpoint/2015/main" xmlns="" val="1"/>
+                <p16:designElem xmlns:p16="http://schemas.microsoft.com/office/powerpoint/2015/main" val="1"/>
               </p:ext>
             </p:extLst>
           </p:nvPr>
@@ -6155,10 +6167,10 @@
             <p:cNvPr id="11" name="Straight Connector 10">
               <a:extLst>
                 <a:ext uri="{FF2B5EF4-FFF2-40B4-BE49-F238E27FC236}">
-                  <a16:creationId xmlns:a16="http://schemas.microsoft.com/office/drawing/2014/main" xmlns="" id="{63FDD802-E6D8-4979-A1B9-BA705AE4DA87}"/>
+                  <a16:creationId xmlns:a16="http://schemas.microsoft.com/office/drawing/2014/main" id="{63FDD802-E6D8-4979-A1B9-BA705AE4DA87}"/>
                 </a:ext>
                 <a:ext uri="{C183D7F6-B498-43B3-948B-1728B52AA6E4}">
-                  <adec:decorative xmlns:adec="http://schemas.microsoft.com/office/drawing/2017/decorative" xmlns="" val="1"/>
+                  <adec:decorative xmlns:adec="http://schemas.microsoft.com/office/drawing/2017/decorative" val="1"/>
                 </a:ext>
               </a:extLst>
             </p:cNvPr>
@@ -6166,7 +6178,7 @@
             <p:nvPr>
               <p:extLst>
                 <p:ext uri="{386F3935-93C4-4BCD-93E2-E3B085C9AB24}">
-                  <p16:designElem xmlns:p16="http://schemas.microsoft.com/office/powerpoint/2015/main" xmlns="" val="1"/>
+                  <p16:designElem xmlns:p16="http://schemas.microsoft.com/office/powerpoint/2015/main" val="1"/>
                 </p:ext>
               </p:extLst>
             </p:nvPr>
@@ -6207,10 +6219,10 @@
             <p:cNvPr id="12" name="Straight Connector 11">
               <a:extLst>
                 <a:ext uri="{FF2B5EF4-FFF2-40B4-BE49-F238E27FC236}">
-                  <a16:creationId xmlns:a16="http://schemas.microsoft.com/office/drawing/2014/main" xmlns="" id="{BDE509DD-4B76-45F0-8144-02F1D7E1AE0C}"/>
+                  <a16:creationId xmlns:a16="http://schemas.microsoft.com/office/drawing/2014/main" id="{BDE509DD-4B76-45F0-8144-02F1D7E1AE0C}"/>
                 </a:ext>
                 <a:ext uri="{C183D7F6-B498-43B3-948B-1728B52AA6E4}">
-                  <adec:decorative xmlns:adec="http://schemas.microsoft.com/office/drawing/2017/decorative" xmlns="" val="1"/>
+                  <adec:decorative xmlns:adec="http://schemas.microsoft.com/office/drawing/2017/decorative" val="1"/>
                 </a:ext>
               </a:extLst>
             </p:cNvPr>
@@ -6218,7 +6230,7 @@
             <p:nvPr>
               <p:extLst>
                 <p:ext uri="{386F3935-93C4-4BCD-93E2-E3B085C9AB24}">
-                  <p16:designElem xmlns:p16="http://schemas.microsoft.com/office/powerpoint/2015/main" xmlns="" val="1"/>
+                  <p16:designElem xmlns:p16="http://schemas.microsoft.com/office/powerpoint/2015/main" val="1"/>
                 </p:ext>
               </p:extLst>
             </p:nvPr>
@@ -6259,10 +6271,10 @@
             <p:cNvPr id="13" name="Rectangle 23">
               <a:extLst>
                 <a:ext uri="{FF2B5EF4-FFF2-40B4-BE49-F238E27FC236}">
-                  <a16:creationId xmlns:a16="http://schemas.microsoft.com/office/drawing/2014/main" xmlns="" id="{FEAEFD53-0220-48B1-9EA8-3EAE151E84E1}"/>
+                  <a16:creationId xmlns:a16="http://schemas.microsoft.com/office/drawing/2014/main" id="{FEAEFD53-0220-48B1-9EA8-3EAE151E84E1}"/>
                 </a:ext>
                 <a:ext uri="{C183D7F6-B498-43B3-948B-1728B52AA6E4}">
-                  <adec:decorative xmlns:adec="http://schemas.microsoft.com/office/drawing/2017/decorative" xmlns="" val="1"/>
+                  <adec:decorative xmlns:adec="http://schemas.microsoft.com/office/drawing/2017/decorative" val="1"/>
                 </a:ext>
               </a:extLst>
             </p:cNvPr>
@@ -6270,7 +6282,7 @@
             <p:nvPr>
               <p:extLst>
                 <p:ext uri="{386F3935-93C4-4BCD-93E2-E3B085C9AB24}">
-                  <p16:designElem xmlns:p16="http://schemas.microsoft.com/office/powerpoint/2015/main" xmlns="" val="1"/>
+                  <p16:designElem xmlns:p16="http://schemas.microsoft.com/office/powerpoint/2015/main" val="1"/>
                 </p:ext>
               </p:extLst>
             </p:nvPr>
@@ -6337,10 +6349,10 @@
             <p:cNvPr id="14" name="Rectangle 25">
               <a:extLst>
                 <a:ext uri="{FF2B5EF4-FFF2-40B4-BE49-F238E27FC236}">
-                  <a16:creationId xmlns:a16="http://schemas.microsoft.com/office/drawing/2014/main" xmlns="" id="{92E7FABD-916D-4FF9-B5F3-44E53AFD39EB}"/>
+                  <a16:creationId xmlns:a16="http://schemas.microsoft.com/office/drawing/2014/main" id="{92E7FABD-916D-4FF9-B5F3-44E53AFD39EB}"/>
                 </a:ext>
                 <a:ext uri="{C183D7F6-B498-43B3-948B-1728B52AA6E4}">
-                  <adec:decorative xmlns:adec="http://schemas.microsoft.com/office/drawing/2017/decorative" xmlns="" val="1"/>
+                  <adec:decorative xmlns:adec="http://schemas.microsoft.com/office/drawing/2017/decorative" val="1"/>
                 </a:ext>
               </a:extLst>
             </p:cNvPr>
@@ -6348,7 +6360,7 @@
             <p:nvPr>
               <p:extLst>
                 <p:ext uri="{386F3935-93C4-4BCD-93E2-E3B085C9AB24}">
-                  <p16:designElem xmlns:p16="http://schemas.microsoft.com/office/powerpoint/2015/main" xmlns="" val="1"/>
+                  <p16:designElem xmlns:p16="http://schemas.microsoft.com/office/powerpoint/2015/main" val="1"/>
                 </p:ext>
               </p:extLst>
             </p:nvPr>
@@ -6415,10 +6427,10 @@
             <p:cNvPr id="15" name="Isosceles Triangle 14">
               <a:extLst>
                 <a:ext uri="{FF2B5EF4-FFF2-40B4-BE49-F238E27FC236}">
-                  <a16:creationId xmlns:a16="http://schemas.microsoft.com/office/drawing/2014/main" xmlns="" id="{826F9772-AEFE-4C6D-82B6-1207069B86DC}"/>
+                  <a16:creationId xmlns:a16="http://schemas.microsoft.com/office/drawing/2014/main" id="{826F9772-AEFE-4C6D-82B6-1207069B86DC}"/>
                 </a:ext>
                 <a:ext uri="{C183D7F6-B498-43B3-948B-1728B52AA6E4}">
-                  <adec:decorative xmlns:adec="http://schemas.microsoft.com/office/drawing/2017/decorative" xmlns="" val="1"/>
+                  <adec:decorative xmlns:adec="http://schemas.microsoft.com/office/drawing/2017/decorative" val="1"/>
                 </a:ext>
               </a:extLst>
             </p:cNvPr>
@@ -6426,7 +6438,7 @@
             <p:nvPr>
               <p:extLst>
                 <p:ext uri="{386F3935-93C4-4BCD-93E2-E3B085C9AB24}">
-                  <p16:designElem xmlns:p16="http://schemas.microsoft.com/office/powerpoint/2015/main" xmlns="" val="1"/>
+                  <p16:designElem xmlns:p16="http://schemas.microsoft.com/office/powerpoint/2015/main" val="1"/>
                 </p:ext>
               </p:extLst>
             </p:nvPr>
@@ -6472,10 +6484,10 @@
             <p:cNvPr id="16" name="Rectangle 27">
               <a:extLst>
                 <a:ext uri="{FF2B5EF4-FFF2-40B4-BE49-F238E27FC236}">
-                  <a16:creationId xmlns:a16="http://schemas.microsoft.com/office/drawing/2014/main" xmlns="" id="{ACFBF3A9-B76A-4B4B-B6D7-CA4651F5C9DF}"/>
+                  <a16:creationId xmlns:a16="http://schemas.microsoft.com/office/drawing/2014/main" id="{ACFBF3A9-B76A-4B4B-B6D7-CA4651F5C9DF}"/>
                 </a:ext>
                 <a:ext uri="{C183D7F6-B498-43B3-948B-1728B52AA6E4}">
-                  <adec:decorative xmlns:adec="http://schemas.microsoft.com/office/drawing/2017/decorative" xmlns="" val="1"/>
+                  <adec:decorative xmlns:adec="http://schemas.microsoft.com/office/drawing/2017/decorative" val="1"/>
                 </a:ext>
               </a:extLst>
             </p:cNvPr>
@@ -6483,7 +6495,7 @@
             <p:nvPr>
               <p:extLst>
                 <p:ext uri="{386F3935-93C4-4BCD-93E2-E3B085C9AB24}">
-                  <p16:designElem xmlns:p16="http://schemas.microsoft.com/office/powerpoint/2015/main" xmlns="" val="1"/>
+                  <p16:designElem xmlns:p16="http://schemas.microsoft.com/office/powerpoint/2015/main" val="1"/>
                 </p:ext>
               </p:extLst>
             </p:nvPr>
@@ -6551,10 +6563,10 @@
             <p:cNvPr id="17" name="Rectangle 28">
               <a:extLst>
                 <a:ext uri="{FF2B5EF4-FFF2-40B4-BE49-F238E27FC236}">
-                  <a16:creationId xmlns:a16="http://schemas.microsoft.com/office/drawing/2014/main" xmlns="" id="{BF0FAA0A-B682-4A83-BDD8-BCE0AB41C2B4}"/>
+                  <a16:creationId xmlns:a16="http://schemas.microsoft.com/office/drawing/2014/main" id="{BF0FAA0A-B682-4A83-BDD8-BCE0AB41C2B4}"/>
                 </a:ext>
                 <a:ext uri="{C183D7F6-B498-43B3-948B-1728B52AA6E4}">
-                  <adec:decorative xmlns:adec="http://schemas.microsoft.com/office/drawing/2017/decorative" xmlns="" val="1"/>
+                  <adec:decorative xmlns:adec="http://schemas.microsoft.com/office/drawing/2017/decorative" val="1"/>
                 </a:ext>
               </a:extLst>
             </p:cNvPr>
@@ -6562,7 +6574,7 @@
             <p:nvPr>
               <p:extLst>
                 <p:ext uri="{386F3935-93C4-4BCD-93E2-E3B085C9AB24}">
-                  <p16:designElem xmlns:p16="http://schemas.microsoft.com/office/powerpoint/2015/main" xmlns="" val="1"/>
+                  <p16:designElem xmlns:p16="http://schemas.microsoft.com/office/powerpoint/2015/main" val="1"/>
                 </p:ext>
               </p:extLst>
             </p:nvPr>
@@ -6629,10 +6641,10 @@
             <p:cNvPr id="18" name="Rectangle 29">
               <a:extLst>
                 <a:ext uri="{FF2B5EF4-FFF2-40B4-BE49-F238E27FC236}">
-                  <a16:creationId xmlns:a16="http://schemas.microsoft.com/office/drawing/2014/main" xmlns="" id="{7874A013-E5E2-4AE1-8E93-029A2B41EB78}"/>
+                  <a16:creationId xmlns:a16="http://schemas.microsoft.com/office/drawing/2014/main" id="{7874A013-E5E2-4AE1-8E93-029A2B41EB78}"/>
                 </a:ext>
                 <a:ext uri="{C183D7F6-B498-43B3-948B-1728B52AA6E4}">
-                  <adec:decorative xmlns:adec="http://schemas.microsoft.com/office/drawing/2017/decorative" xmlns="" val="1"/>
+                  <adec:decorative xmlns:adec="http://schemas.microsoft.com/office/drawing/2017/decorative" val="1"/>
                 </a:ext>
               </a:extLst>
             </p:cNvPr>
@@ -6640,7 +6652,7 @@
             <p:nvPr>
               <p:extLst>
                 <p:ext uri="{386F3935-93C4-4BCD-93E2-E3B085C9AB24}">
-                  <p16:designElem xmlns:p16="http://schemas.microsoft.com/office/powerpoint/2015/main" xmlns="" val="1"/>
+                  <p16:designElem xmlns:p16="http://schemas.microsoft.com/office/powerpoint/2015/main" val="1"/>
                 </p:ext>
               </p:extLst>
             </p:nvPr>
@@ -6708,10 +6720,10 @@
             <p:cNvPr id="19" name="Isosceles Triangle 18">
               <a:extLst>
                 <a:ext uri="{FF2B5EF4-FFF2-40B4-BE49-F238E27FC236}">
-                  <a16:creationId xmlns:a16="http://schemas.microsoft.com/office/drawing/2014/main" xmlns="" id="{4355329E-E608-4F7A-B4EF-8FEF07D75522}"/>
+                  <a16:creationId xmlns:a16="http://schemas.microsoft.com/office/drawing/2014/main" id="{4355329E-E608-4F7A-B4EF-8FEF07D75522}"/>
                 </a:ext>
                 <a:ext uri="{C183D7F6-B498-43B3-948B-1728B52AA6E4}">
-                  <adec:decorative xmlns:adec="http://schemas.microsoft.com/office/drawing/2017/decorative" xmlns="" val="1"/>
+                  <adec:decorative xmlns:adec="http://schemas.microsoft.com/office/drawing/2017/decorative" val="1"/>
                 </a:ext>
               </a:extLst>
             </p:cNvPr>
@@ -6719,7 +6731,7 @@
             <p:nvPr>
               <p:extLst>
                 <p:ext uri="{386F3935-93C4-4BCD-93E2-E3B085C9AB24}">
-                  <p16:designElem xmlns:p16="http://schemas.microsoft.com/office/powerpoint/2015/main" xmlns="" val="1"/>
+                  <p16:designElem xmlns:p16="http://schemas.microsoft.com/office/powerpoint/2015/main" val="1"/>
                 </p:ext>
               </p:extLst>
             </p:nvPr>
@@ -6765,10 +6777,10 @@
             <p:cNvPr id="20" name="Isosceles Triangle 19">
               <a:extLst>
                 <a:ext uri="{FF2B5EF4-FFF2-40B4-BE49-F238E27FC236}">
-                  <a16:creationId xmlns:a16="http://schemas.microsoft.com/office/drawing/2014/main" xmlns="" id="{53D9BFDF-B250-44FF-9BD7-C204EFBFC193}"/>
+                  <a16:creationId xmlns:a16="http://schemas.microsoft.com/office/drawing/2014/main" id="{53D9BFDF-B250-44FF-9BD7-C204EFBFC193}"/>
                 </a:ext>
                 <a:ext uri="{C183D7F6-B498-43B3-948B-1728B52AA6E4}">
-                  <adec:decorative xmlns:adec="http://schemas.microsoft.com/office/drawing/2017/decorative" xmlns="" val="1"/>
+                  <adec:decorative xmlns:adec="http://schemas.microsoft.com/office/drawing/2017/decorative" val="1"/>
                 </a:ext>
               </a:extLst>
             </p:cNvPr>
@@ -6776,7 +6788,7 @@
             <p:nvPr>
               <p:extLst>
                 <p:ext uri="{386F3935-93C4-4BCD-93E2-E3B085C9AB24}">
-                  <p16:designElem xmlns:p16="http://schemas.microsoft.com/office/powerpoint/2015/main" xmlns="" val="1"/>
+                  <p16:designElem xmlns:p16="http://schemas.microsoft.com/office/powerpoint/2015/main" val="1"/>
                 </p:ext>
               </p:extLst>
             </p:nvPr>
@@ -6822,10 +6834,10 @@
           <p:cNvPr id="22" name="Rectangle 21">
             <a:extLst>
               <a:ext uri="{FF2B5EF4-FFF2-40B4-BE49-F238E27FC236}">
-                <a16:creationId xmlns:a16="http://schemas.microsoft.com/office/drawing/2014/main" xmlns="" id="{9F4444CE-BC8D-4D61-B303-4C05614E62AB}"/>
+                <a16:creationId xmlns:a16="http://schemas.microsoft.com/office/drawing/2014/main" id="{9F4444CE-BC8D-4D61-B303-4C05614E62AB}"/>
               </a:ext>
               <a:ext uri="{C183D7F6-B498-43B3-948B-1728B52AA6E4}">
-                <adec:decorative xmlns:adec="http://schemas.microsoft.com/office/drawing/2017/decorative" xmlns="" val="1"/>
+                <adec:decorative xmlns:adec="http://schemas.microsoft.com/office/drawing/2017/decorative" val="1"/>
               </a:ext>
             </a:extLst>
           </p:cNvPr>
@@ -6835,7 +6847,7 @@
           <p:nvPr>
             <p:extLst>
               <p:ext uri="{386F3935-93C4-4BCD-93E2-E3B085C9AB24}">
-                <p16:designElem xmlns:p16="http://schemas.microsoft.com/office/powerpoint/2015/main" xmlns="" val="1"/>
+                <p16:designElem xmlns:p16="http://schemas.microsoft.com/office/powerpoint/2015/main" val="1"/>
               </p:ext>
             </p:extLst>
           </p:nvPr>
@@ -6911,10 +6923,10 @@
           <p:cNvPr id="24" name="Rectangle 23">
             <a:extLst>
               <a:ext uri="{FF2B5EF4-FFF2-40B4-BE49-F238E27FC236}">
-                <a16:creationId xmlns:a16="http://schemas.microsoft.com/office/drawing/2014/main" xmlns="" id="{62423CA5-E2E1-4789-B759-9906C1C94063}"/>
+                <a16:creationId xmlns:a16="http://schemas.microsoft.com/office/drawing/2014/main" id="{62423CA5-E2E1-4789-B759-9906C1C94063}"/>
               </a:ext>
               <a:ext uri="{C183D7F6-B498-43B3-948B-1728B52AA6E4}">
-                <adec:decorative xmlns:adec="http://schemas.microsoft.com/office/drawing/2017/decorative" xmlns="" val="1"/>
+                <adec:decorative xmlns:adec="http://schemas.microsoft.com/office/drawing/2017/decorative" val="1"/>
               </a:ext>
             </a:extLst>
           </p:cNvPr>
@@ -6924,7 +6936,7 @@
           <p:nvPr>
             <p:extLst>
               <p:ext uri="{386F3935-93C4-4BCD-93E2-E3B085C9AB24}">
-                <p16:designElem xmlns:p16="http://schemas.microsoft.com/office/powerpoint/2015/main" xmlns="" val="1"/>
+                <p16:designElem xmlns:p16="http://schemas.microsoft.com/office/powerpoint/2015/main" val="1"/>
               </p:ext>
             </p:extLst>
           </p:nvPr>
@@ -7002,10 +7014,10 @@
           <p:cNvPr id="26" name="Isosceles Triangle 25">
             <a:extLst>
               <a:ext uri="{FF2B5EF4-FFF2-40B4-BE49-F238E27FC236}">
-                <a16:creationId xmlns:a16="http://schemas.microsoft.com/office/drawing/2014/main" xmlns="" id="{73772B81-181F-48B7-8826-4D9686D15DF5}"/>
+                <a16:creationId xmlns:a16="http://schemas.microsoft.com/office/drawing/2014/main" id="{73772B81-181F-48B7-8826-4D9686D15DF5}"/>
               </a:ext>
               <a:ext uri="{C183D7F6-B498-43B3-948B-1728B52AA6E4}">
-                <adec:decorative xmlns:adec="http://schemas.microsoft.com/office/drawing/2017/decorative" xmlns="" val="1"/>
+                <adec:decorative xmlns:adec="http://schemas.microsoft.com/office/drawing/2017/decorative" val="1"/>
               </a:ext>
             </a:extLst>
           </p:cNvPr>
@@ -7015,7 +7027,7 @@
           <p:nvPr>
             <p:extLst>
               <p:ext uri="{386F3935-93C4-4BCD-93E2-E3B085C9AB24}">
-                <p16:designElem xmlns:p16="http://schemas.microsoft.com/office/powerpoint/2015/main" xmlns="" val="1"/>
+                <p16:designElem xmlns:p16="http://schemas.microsoft.com/office/powerpoint/2015/main" val="1"/>
               </p:ext>
             </p:extLst>
           </p:nvPr>
@@ -7095,7 +7107,7 @@
           <p:cNvPr id="2" name="Nadpis 1">
             <a:extLst>
               <a:ext uri="{FF2B5EF4-FFF2-40B4-BE49-F238E27FC236}">
-                <a16:creationId xmlns:a16="http://schemas.microsoft.com/office/drawing/2014/main" xmlns="" id="{EBD0EEEF-9D75-A935-8D7A-8E75B24A44D0}"/>
+                <a16:creationId xmlns:a16="http://schemas.microsoft.com/office/drawing/2014/main" id="{EBD0EEEF-9D75-A935-8D7A-8E75B24A44D0}"/>
               </a:ext>
             </a:extLst>
           </p:cNvPr>
@@ -7131,7 +7143,7 @@
           <p:cNvPr id="3" name="Zástupný objekt pre obsah 2">
             <a:extLst>
               <a:ext uri="{FF2B5EF4-FFF2-40B4-BE49-F238E27FC236}">
-                <a16:creationId xmlns:a16="http://schemas.microsoft.com/office/drawing/2014/main" xmlns="" id="{0F4B63D0-3E39-DCE5-DB51-26E1623B6C9B}"/>
+                <a16:creationId xmlns:a16="http://schemas.microsoft.com/office/drawing/2014/main" id="{0F4B63D0-3E39-DCE5-DB51-26E1623B6C9B}"/>
               </a:ext>
             </a:extLst>
           </p:cNvPr>
@@ -7259,7 +7271,7 @@
           <p:cNvPr id="5" name="Picture 2" descr="A chain can be formed from a branch of an object tree">
             <a:extLst>
               <a:ext uri="{FF2B5EF4-FFF2-40B4-BE49-F238E27FC236}">
-                <a16:creationId xmlns:a16="http://schemas.microsoft.com/office/drawing/2014/main" xmlns="" id="{ED78544C-D128-E6A9-51CE-BCD6F213FAD6}"/>
+                <a16:creationId xmlns:a16="http://schemas.microsoft.com/office/drawing/2014/main" id="{ED78544C-D128-E6A9-51CE-BCD6F213FAD6}"/>
               </a:ext>
             </a:extLst>
           </p:cNvPr>
@@ -7307,10 +7319,10 @@
           <p:cNvPr id="28" name="Isosceles Triangle 27">
             <a:extLst>
               <a:ext uri="{FF2B5EF4-FFF2-40B4-BE49-F238E27FC236}">
-                <a16:creationId xmlns:a16="http://schemas.microsoft.com/office/drawing/2014/main" xmlns="" id="{B2205F6E-03C6-4E92-877C-E2482F6599AA}"/>
+                <a16:creationId xmlns:a16="http://schemas.microsoft.com/office/drawing/2014/main" id="{B2205F6E-03C6-4E92-877C-E2482F6599AA}"/>
               </a:ext>
               <a:ext uri="{C183D7F6-B498-43B3-948B-1728B52AA6E4}">
-                <adec:decorative xmlns:adec="http://schemas.microsoft.com/office/drawing/2017/decorative" xmlns="" val="1"/>
+                <adec:decorative xmlns:adec="http://schemas.microsoft.com/office/drawing/2017/decorative" val="1"/>
               </a:ext>
             </a:extLst>
           </p:cNvPr>
@@ -7320,7 +7332,7 @@
           <p:nvPr>
             <p:extLst>
               <p:ext uri="{386F3935-93C4-4BCD-93E2-E3B085C9AB24}">
-                <p16:designElem xmlns:p16="http://schemas.microsoft.com/office/powerpoint/2015/main" xmlns="" val="1"/>
+                <p16:designElem xmlns:p16="http://schemas.microsoft.com/office/powerpoint/2015/main" val="1"/>
               </p:ext>
             </p:extLst>
           </p:nvPr>
@@ -7442,7 +7454,7 @@
           <p:cNvPr id="2" name="Nadpis 1">
             <a:extLst>
               <a:ext uri="{FF2B5EF4-FFF2-40B4-BE49-F238E27FC236}">
-                <a16:creationId xmlns:a16="http://schemas.microsoft.com/office/drawing/2014/main" xmlns="" id="{591A6B69-96CE-55D5-96F6-D1DE5F9F0746}"/>
+                <a16:creationId xmlns:a16="http://schemas.microsoft.com/office/drawing/2014/main" id="{591A6B69-96CE-55D5-96F6-D1DE5F9F0746}"/>
               </a:ext>
             </a:extLst>
           </p:cNvPr>
@@ -7471,7 +7483,7 @@
           <p:cNvPr id="4098" name="Picture 2" descr="Structure of the Chain Of Responsibility design pattern">
             <a:extLst>
               <a:ext uri="{FF2B5EF4-FFF2-40B4-BE49-F238E27FC236}">
-                <a16:creationId xmlns:a16="http://schemas.microsoft.com/office/drawing/2014/main" xmlns="" id="{49D6E090-7C4F-45B0-FE97-95D35FF11828}"/>
+                <a16:creationId xmlns:a16="http://schemas.microsoft.com/office/drawing/2014/main" id="{49D6E090-7C4F-45B0-FE97-95D35FF11828}"/>
               </a:ext>
             </a:extLst>
           </p:cNvPr>
@@ -7567,7 +7579,7 @@
           <p:cNvPr id="3" name="Obrázok 2" descr="Obrázok, na ktorom je text&#10;&#10;Automaticky generovaný popis">
             <a:extLst>
               <a:ext uri="{FF2B5EF4-FFF2-40B4-BE49-F238E27FC236}">
-                <a16:creationId xmlns:a16="http://schemas.microsoft.com/office/drawing/2014/main" xmlns="" id="{C03E4947-D700-EFDD-1E9A-E15C6FFF8DD5}"/>
+                <a16:creationId xmlns:a16="http://schemas.microsoft.com/office/drawing/2014/main" id="{C03E4947-D700-EFDD-1E9A-E15C6FFF8DD5}"/>
               </a:ext>
             </a:extLst>
           </p:cNvPr>
@@ -7597,7 +7609,7 @@
           <p:cNvPr id="5" name="Obrázok 4" descr="Obrázok, na ktorom je text&#10;&#10;Automaticky generovaný popis">
             <a:extLst>
               <a:ext uri="{FF2B5EF4-FFF2-40B4-BE49-F238E27FC236}">
-                <a16:creationId xmlns:a16="http://schemas.microsoft.com/office/drawing/2014/main" xmlns="" id="{E529C041-8C04-E567-CB9F-C96BEBA2AC35}"/>
+                <a16:creationId xmlns:a16="http://schemas.microsoft.com/office/drawing/2014/main" id="{E529C041-8C04-E567-CB9F-C96BEBA2AC35}"/>
               </a:ext>
             </a:extLst>
           </p:cNvPr>
@@ -7627,10 +7639,10 @@
           <p:cNvPr id="12" name="Rectangle 11">
             <a:extLst>
               <a:ext uri="{FF2B5EF4-FFF2-40B4-BE49-F238E27FC236}">
-                <a16:creationId xmlns:a16="http://schemas.microsoft.com/office/drawing/2014/main" xmlns="" id="{799448F2-0E5B-42DA-B2D1-11A14E947BD4}"/>
+                <a16:creationId xmlns:a16="http://schemas.microsoft.com/office/drawing/2014/main" id="{799448F2-0E5B-42DA-B2D1-11A14E947BD4}"/>
               </a:ext>
               <a:ext uri="{C183D7F6-B498-43B3-948B-1728B52AA6E4}">
-                <adec:decorative xmlns:adec="http://schemas.microsoft.com/office/drawing/2017/decorative" xmlns="" val="1"/>
+                <adec:decorative xmlns:adec="http://schemas.microsoft.com/office/drawing/2017/decorative" val="1"/>
               </a:ext>
             </a:extLst>
           </p:cNvPr>
@@ -7640,7 +7652,7 @@
           <p:nvPr>
             <p:extLst>
               <p:ext uri="{386F3935-93C4-4BCD-93E2-E3B085C9AB24}">
-                <p16:designElem xmlns:p16="http://schemas.microsoft.com/office/powerpoint/2015/main" xmlns="" val="1"/>
+                <p16:designElem xmlns:p16="http://schemas.microsoft.com/office/powerpoint/2015/main" val="1"/>
               </p:ext>
             </p:extLst>
           </p:nvPr>
@@ -7693,10 +7705,10 @@
           <p:cNvPr id="14" name="Rectangle 13">
             <a:extLst>
               <a:ext uri="{FF2B5EF4-FFF2-40B4-BE49-F238E27FC236}">
-                <a16:creationId xmlns:a16="http://schemas.microsoft.com/office/drawing/2014/main" xmlns="" id="{4E8A7552-20E1-4F34-ADAB-C1DB6634D47E}"/>
+                <a16:creationId xmlns:a16="http://schemas.microsoft.com/office/drawing/2014/main" id="{4E8A7552-20E1-4F34-ADAB-C1DB6634D47E}"/>
               </a:ext>
               <a:ext uri="{C183D7F6-B498-43B3-948B-1728B52AA6E4}">
-                <adec:decorative xmlns:adec="http://schemas.microsoft.com/office/drawing/2017/decorative" xmlns="" val="1"/>
+                <adec:decorative xmlns:adec="http://schemas.microsoft.com/office/drawing/2017/decorative" val="1"/>
               </a:ext>
             </a:extLst>
           </p:cNvPr>
@@ -7706,7 +7718,7 @@
           <p:nvPr>
             <p:extLst>
               <p:ext uri="{386F3935-93C4-4BCD-93E2-E3B085C9AB24}">
-                <p16:designElem xmlns:p16="http://schemas.microsoft.com/office/powerpoint/2015/main" xmlns="" val="1"/>
+                <p16:designElem xmlns:p16="http://schemas.microsoft.com/office/powerpoint/2015/main" val="1"/>
               </p:ext>
             </p:extLst>
           </p:nvPr>
@@ -7759,7 +7771,7 @@
           <p:cNvPr id="7" name="Obrázok 6" descr="Obrázok, na ktorom je text&#10;&#10;Automaticky generovaný popis">
             <a:extLst>
               <a:ext uri="{FF2B5EF4-FFF2-40B4-BE49-F238E27FC236}">
-                <a16:creationId xmlns:a16="http://schemas.microsoft.com/office/drawing/2014/main" xmlns="" id="{25F4696C-63C5-F61F-ED17-0B55DA6F89C7}"/>
+                <a16:creationId xmlns:a16="http://schemas.microsoft.com/office/drawing/2014/main" id="{25F4696C-63C5-F61F-ED17-0B55DA6F89C7}"/>
               </a:ext>
             </a:extLst>
           </p:cNvPr>
@@ -7829,7 +7841,7 @@
           <p:cNvPr id="2" name="Nadpis 1">
             <a:extLst>
               <a:ext uri="{FF2B5EF4-FFF2-40B4-BE49-F238E27FC236}">
-                <a16:creationId xmlns:a16="http://schemas.microsoft.com/office/drawing/2014/main" xmlns="" id="{B8CF9536-21B0-3E3C-2074-E37AD057189C}"/>
+                <a16:creationId xmlns:a16="http://schemas.microsoft.com/office/drawing/2014/main" id="{B8CF9536-21B0-3E3C-2074-E37AD057189C}"/>
               </a:ext>
             </a:extLst>
           </p:cNvPr>
@@ -7866,7 +7878,7 @@
           <p:cNvPr id="3" name="Zástupný text 2">
             <a:extLst>
               <a:ext uri="{FF2B5EF4-FFF2-40B4-BE49-F238E27FC236}">
-                <a16:creationId xmlns:a16="http://schemas.microsoft.com/office/drawing/2014/main" xmlns="" id="{033CDD1B-E79C-F92E-6114-17838F537F3B}"/>
+                <a16:creationId xmlns:a16="http://schemas.microsoft.com/office/drawing/2014/main" id="{033CDD1B-E79C-F92E-6114-17838F537F3B}"/>
               </a:ext>
             </a:extLst>
           </p:cNvPr>
@@ -7898,7 +7910,7 @@
           <p:cNvPr id="4" name="Zástupný objekt pre obsah 3">
             <a:extLst>
               <a:ext uri="{FF2B5EF4-FFF2-40B4-BE49-F238E27FC236}">
-                <a16:creationId xmlns:a16="http://schemas.microsoft.com/office/drawing/2014/main" xmlns="" id="{F9D7ED3C-B657-FC53-65DE-90472936DBCE}"/>
+                <a16:creationId xmlns:a16="http://schemas.microsoft.com/office/drawing/2014/main" id="{F9D7ED3C-B657-FC53-65DE-90472936DBCE}"/>
               </a:ext>
             </a:extLst>
           </p:cNvPr>
@@ -8128,7 +8140,7 @@
           <p:cNvPr id="5" name="Zástupný text 4">
             <a:extLst>
               <a:ext uri="{FF2B5EF4-FFF2-40B4-BE49-F238E27FC236}">
-                <a16:creationId xmlns:a16="http://schemas.microsoft.com/office/drawing/2014/main" xmlns="" id="{7D344D9E-9DAE-14B0-15E7-8961B8E58CE2}"/>
+                <a16:creationId xmlns:a16="http://schemas.microsoft.com/office/drawing/2014/main" id="{7D344D9E-9DAE-14B0-15E7-8961B8E58CE2}"/>
               </a:ext>
             </a:extLst>
           </p:cNvPr>
@@ -8160,7 +8172,7 @@
           <p:cNvPr id="6" name="Zástupný objekt pre obsah 5">
             <a:extLst>
               <a:ext uri="{FF2B5EF4-FFF2-40B4-BE49-F238E27FC236}">
-                <a16:creationId xmlns:a16="http://schemas.microsoft.com/office/drawing/2014/main" xmlns="" id="{9C426188-F9CA-9C0E-EB7C-814CAEB39C31}"/>
+                <a16:creationId xmlns:a16="http://schemas.microsoft.com/office/drawing/2014/main" id="{9C426188-F9CA-9C0E-EB7C-814CAEB39C31}"/>
               </a:ext>
             </a:extLst>
           </p:cNvPr>
@@ -8248,7 +8260,7 @@
           <p:cNvPr id="2" name="Nadpis 1">
             <a:extLst>
               <a:ext uri="{FF2B5EF4-FFF2-40B4-BE49-F238E27FC236}">
-                <a16:creationId xmlns:a16="http://schemas.microsoft.com/office/drawing/2014/main" xmlns="" id="{FFA098DB-6E22-6F8C-BEA5-007FD4717787}"/>
+                <a16:creationId xmlns:a16="http://schemas.microsoft.com/office/drawing/2014/main" id="{FFA098DB-6E22-6F8C-BEA5-007FD4717787}"/>
               </a:ext>
             </a:extLst>
           </p:cNvPr>
@@ -8276,7 +8288,7 @@
           <p:cNvPr id="3074" name="Picture 2" descr="Talking with tech support can be hard">
             <a:extLst>
               <a:ext uri="{FF2B5EF4-FFF2-40B4-BE49-F238E27FC236}">
-                <a16:creationId xmlns:a16="http://schemas.microsoft.com/office/drawing/2014/main" xmlns="" id="{CE6A747E-17BD-885C-9030-15BF34C8A994}"/>
+                <a16:creationId xmlns:a16="http://schemas.microsoft.com/office/drawing/2014/main" id="{CE6A747E-17BD-885C-9030-15BF34C8A994}"/>
               </a:ext>
             </a:extLst>
           </p:cNvPr>
@@ -8363,10 +8375,10 @@
           <p:cNvPr id="10" name="Rectangle 9">
             <a:extLst>
               <a:ext uri="{FF2B5EF4-FFF2-40B4-BE49-F238E27FC236}">
-                <a16:creationId xmlns:a16="http://schemas.microsoft.com/office/drawing/2014/main" xmlns="" id="{9F4444CE-BC8D-4D61-B303-4C05614E62AB}"/>
+                <a16:creationId xmlns:a16="http://schemas.microsoft.com/office/drawing/2014/main" id="{9F4444CE-BC8D-4D61-B303-4C05614E62AB}"/>
               </a:ext>
               <a:ext uri="{C183D7F6-B498-43B3-948B-1728B52AA6E4}">
-                <adec:decorative xmlns:adec="http://schemas.microsoft.com/office/drawing/2017/decorative" xmlns="" val="1"/>
+                <adec:decorative xmlns:adec="http://schemas.microsoft.com/office/drawing/2017/decorative" val="1"/>
               </a:ext>
             </a:extLst>
           </p:cNvPr>
@@ -8376,7 +8388,7 @@
           <p:nvPr>
             <p:extLst>
               <p:ext uri="{386F3935-93C4-4BCD-93E2-E3B085C9AB24}">
-                <p16:designElem xmlns:p16="http://schemas.microsoft.com/office/powerpoint/2015/main" xmlns="" val="1"/>
+                <p16:designElem xmlns:p16="http://schemas.microsoft.com/office/powerpoint/2015/main" val="1"/>
               </p:ext>
             </p:extLst>
           </p:nvPr>
@@ -8423,10 +8435,10 @@
           <p:cNvPr id="12" name="Rectangle 11">
             <a:extLst>
               <a:ext uri="{FF2B5EF4-FFF2-40B4-BE49-F238E27FC236}">
-                <a16:creationId xmlns:a16="http://schemas.microsoft.com/office/drawing/2014/main" xmlns="" id="{62423CA5-E2E1-4789-B759-9906C1C94063}"/>
+                <a16:creationId xmlns:a16="http://schemas.microsoft.com/office/drawing/2014/main" id="{62423CA5-E2E1-4789-B759-9906C1C94063}"/>
               </a:ext>
               <a:ext uri="{C183D7F6-B498-43B3-948B-1728B52AA6E4}">
-                <adec:decorative xmlns:adec="http://schemas.microsoft.com/office/drawing/2017/decorative" xmlns="" val="1"/>
+                <adec:decorative xmlns:adec="http://schemas.microsoft.com/office/drawing/2017/decorative" val="1"/>
               </a:ext>
             </a:extLst>
           </p:cNvPr>
@@ -8436,7 +8448,7 @@
           <p:nvPr>
             <p:extLst>
               <p:ext uri="{386F3935-93C4-4BCD-93E2-E3B085C9AB24}">
-                <p16:designElem xmlns:p16="http://schemas.microsoft.com/office/powerpoint/2015/main" xmlns="" val="1"/>
+                <p16:designElem xmlns:p16="http://schemas.microsoft.com/office/powerpoint/2015/main" val="1"/>
               </p:ext>
             </p:extLst>
           </p:nvPr>
@@ -8484,10 +8496,10 @@
           <p:cNvPr id="14" name="Isosceles Triangle 13">
             <a:extLst>
               <a:ext uri="{FF2B5EF4-FFF2-40B4-BE49-F238E27FC236}">
-                <a16:creationId xmlns:a16="http://schemas.microsoft.com/office/drawing/2014/main" xmlns="" id="{73772B81-181F-48B7-8826-4D9686D15DF5}"/>
+                <a16:creationId xmlns:a16="http://schemas.microsoft.com/office/drawing/2014/main" id="{73772B81-181F-48B7-8826-4D9686D15DF5}"/>
               </a:ext>
               <a:ext uri="{C183D7F6-B498-43B3-948B-1728B52AA6E4}">
-                <adec:decorative xmlns:adec="http://schemas.microsoft.com/office/drawing/2017/decorative" xmlns="" val="1"/>
+                <adec:decorative xmlns:adec="http://schemas.microsoft.com/office/drawing/2017/decorative" val="1"/>
               </a:ext>
             </a:extLst>
           </p:cNvPr>
@@ -8497,7 +8509,7 @@
           <p:nvPr>
             <p:extLst>
               <p:ext uri="{386F3935-93C4-4BCD-93E2-E3B085C9AB24}">
-                <p16:designElem xmlns:p16="http://schemas.microsoft.com/office/powerpoint/2015/main" xmlns="" val="1"/>
+                <p16:designElem xmlns:p16="http://schemas.microsoft.com/office/powerpoint/2015/main" val="1"/>
               </p:ext>
             </p:extLst>
           </p:nvPr>
@@ -8547,7 +8559,7 @@
           <p:cNvPr id="2" name="Title 1">
             <a:extLst>
               <a:ext uri="{FF2B5EF4-FFF2-40B4-BE49-F238E27FC236}">
-                <a16:creationId xmlns:a16="http://schemas.microsoft.com/office/drawing/2014/main" xmlns="" id="{DCD84134-5E9E-4D7C-95CC-F3BC1CA1D5EC}"/>
+                <a16:creationId xmlns:a16="http://schemas.microsoft.com/office/drawing/2014/main" id="{DCD84134-5E9E-4D7C-95CC-F3BC1CA1D5EC}"/>
               </a:ext>
             </a:extLst>
           </p:cNvPr>
@@ -8582,7 +8594,7 @@
           <p:cNvPr id="3" name="Content Placeholder 2">
             <a:extLst>
               <a:ext uri="{FF2B5EF4-FFF2-40B4-BE49-F238E27FC236}">
-                <a16:creationId xmlns:a16="http://schemas.microsoft.com/office/drawing/2014/main" xmlns="" id="{8FD20D94-A8A5-4E19-9EEA-AC7D02A3ED28}"/>
+                <a16:creationId xmlns:a16="http://schemas.microsoft.com/office/drawing/2014/main" id="{8FD20D94-A8A5-4E19-9EEA-AC7D02A3ED28}"/>
               </a:ext>
             </a:extLst>
           </p:cNvPr>
@@ -8628,7 +8640,7 @@
           <p:cNvPr id="5" name="Picture 4" descr="A picture containing text&#10;&#10;Description automatically generated">
             <a:extLst>
               <a:ext uri="{FF2B5EF4-FFF2-40B4-BE49-F238E27FC236}">
-                <a16:creationId xmlns:a16="http://schemas.microsoft.com/office/drawing/2014/main" xmlns="" id="{3EC78AEA-4607-4705-A895-5C7D17F70AB7}"/>
+                <a16:creationId xmlns:a16="http://schemas.microsoft.com/office/drawing/2014/main" id="{3EC78AEA-4607-4705-A895-5C7D17F70AB7}"/>
               </a:ext>
             </a:extLst>
           </p:cNvPr>
@@ -8664,10 +8676,10 @@
           <p:cNvPr id="16" name="Isosceles Triangle 15">
             <a:extLst>
               <a:ext uri="{FF2B5EF4-FFF2-40B4-BE49-F238E27FC236}">
-                <a16:creationId xmlns:a16="http://schemas.microsoft.com/office/drawing/2014/main" xmlns="" id="{B2205F6E-03C6-4E92-877C-E2482F6599AA}"/>
+                <a16:creationId xmlns:a16="http://schemas.microsoft.com/office/drawing/2014/main" id="{B2205F6E-03C6-4E92-877C-E2482F6599AA}"/>
               </a:ext>
               <a:ext uri="{C183D7F6-B498-43B3-948B-1728B52AA6E4}">
-                <adec:decorative xmlns:adec="http://schemas.microsoft.com/office/drawing/2017/decorative" xmlns="" val="1"/>
+                <adec:decorative xmlns:adec="http://schemas.microsoft.com/office/drawing/2017/decorative" val="1"/>
               </a:ext>
             </a:extLst>
           </p:cNvPr>
@@ -8677,7 +8689,7 @@
           <p:nvPr>
             <p:extLst>
               <p:ext uri="{386F3935-93C4-4BCD-93E2-E3B085C9AB24}">
-                <p16:designElem xmlns:p16="http://schemas.microsoft.com/office/powerpoint/2015/main" xmlns="" val="1"/>
+                <p16:designElem xmlns:p16="http://schemas.microsoft.com/office/powerpoint/2015/main" val="1"/>
               </p:ext>
             </p:extLst>
           </p:nvPr>
@@ -8767,10 +8779,10 @@
           <p:cNvPr id="11" name="Rectangle 10">
             <a:extLst>
               <a:ext uri="{FF2B5EF4-FFF2-40B4-BE49-F238E27FC236}">
-                <a16:creationId xmlns:a16="http://schemas.microsoft.com/office/drawing/2014/main" xmlns="" id="{9F4444CE-BC8D-4D61-B303-4C05614E62AB}"/>
+                <a16:creationId xmlns:a16="http://schemas.microsoft.com/office/drawing/2014/main" id="{9F4444CE-BC8D-4D61-B303-4C05614E62AB}"/>
               </a:ext>
               <a:ext uri="{C183D7F6-B498-43B3-948B-1728B52AA6E4}">
-                <adec:decorative xmlns:adec="http://schemas.microsoft.com/office/drawing/2017/decorative" xmlns="" val="1"/>
+                <adec:decorative xmlns:adec="http://schemas.microsoft.com/office/drawing/2017/decorative" val="1"/>
               </a:ext>
             </a:extLst>
           </p:cNvPr>
@@ -8780,7 +8792,7 @@
           <p:nvPr>
             <p:extLst>
               <p:ext uri="{386F3935-93C4-4BCD-93E2-E3B085C9AB24}">
-                <p16:designElem xmlns:p16="http://schemas.microsoft.com/office/powerpoint/2015/main" xmlns="" val="1"/>
+                <p16:designElem xmlns:p16="http://schemas.microsoft.com/office/powerpoint/2015/main" val="1"/>
               </p:ext>
             </p:extLst>
           </p:nvPr>
@@ -8827,10 +8839,10 @@
           <p:cNvPr id="13" name="Rectangle 12">
             <a:extLst>
               <a:ext uri="{FF2B5EF4-FFF2-40B4-BE49-F238E27FC236}">
-                <a16:creationId xmlns:a16="http://schemas.microsoft.com/office/drawing/2014/main" xmlns="" id="{62423CA5-E2E1-4789-B759-9906C1C94063}"/>
+                <a16:creationId xmlns:a16="http://schemas.microsoft.com/office/drawing/2014/main" id="{62423CA5-E2E1-4789-B759-9906C1C94063}"/>
               </a:ext>
               <a:ext uri="{C183D7F6-B498-43B3-948B-1728B52AA6E4}">
-                <adec:decorative xmlns:adec="http://schemas.microsoft.com/office/drawing/2017/decorative" xmlns="" val="1"/>
+                <adec:decorative xmlns:adec="http://schemas.microsoft.com/office/drawing/2017/decorative" val="1"/>
               </a:ext>
             </a:extLst>
           </p:cNvPr>
@@ -8840,7 +8852,7 @@
           <p:nvPr>
             <p:extLst>
               <p:ext uri="{386F3935-93C4-4BCD-93E2-E3B085C9AB24}">
-                <p16:designElem xmlns:p16="http://schemas.microsoft.com/office/powerpoint/2015/main" xmlns="" val="1"/>
+                <p16:designElem xmlns:p16="http://schemas.microsoft.com/office/powerpoint/2015/main" val="1"/>
               </p:ext>
             </p:extLst>
           </p:nvPr>
@@ -8888,10 +8900,10 @@
           <p:cNvPr id="15" name="Isosceles Triangle 14">
             <a:extLst>
               <a:ext uri="{FF2B5EF4-FFF2-40B4-BE49-F238E27FC236}">
-                <a16:creationId xmlns:a16="http://schemas.microsoft.com/office/drawing/2014/main" xmlns="" id="{73772B81-181F-48B7-8826-4D9686D15DF5}"/>
+                <a16:creationId xmlns:a16="http://schemas.microsoft.com/office/drawing/2014/main" id="{73772B81-181F-48B7-8826-4D9686D15DF5}"/>
               </a:ext>
               <a:ext uri="{C183D7F6-B498-43B3-948B-1728B52AA6E4}">
-                <adec:decorative xmlns:adec="http://schemas.microsoft.com/office/drawing/2017/decorative" xmlns="" val="1"/>
+                <adec:decorative xmlns:adec="http://schemas.microsoft.com/office/drawing/2017/decorative" val="1"/>
               </a:ext>
             </a:extLst>
           </p:cNvPr>
@@ -8901,7 +8913,7 @@
           <p:nvPr>
             <p:extLst>
               <p:ext uri="{386F3935-93C4-4BCD-93E2-E3B085C9AB24}">
-                <p16:designElem xmlns:p16="http://schemas.microsoft.com/office/powerpoint/2015/main" xmlns="" val="1"/>
+                <p16:designElem xmlns:p16="http://schemas.microsoft.com/office/powerpoint/2015/main" val="1"/>
               </p:ext>
             </p:extLst>
           </p:nvPr>
@@ -8951,7 +8963,7 @@
           <p:cNvPr id="2" name="Title 1">
             <a:extLst>
               <a:ext uri="{FF2B5EF4-FFF2-40B4-BE49-F238E27FC236}">
-                <a16:creationId xmlns:a16="http://schemas.microsoft.com/office/drawing/2014/main" xmlns="" id="{DCD84134-5E9E-4D7C-95CC-F3BC1CA1D5EC}"/>
+                <a16:creationId xmlns:a16="http://schemas.microsoft.com/office/drawing/2014/main" id="{DCD84134-5E9E-4D7C-95CC-F3BC1CA1D5EC}"/>
               </a:ext>
             </a:extLst>
           </p:cNvPr>
@@ -8991,7 +9003,7 @@
           <p:cNvPr id="3" name="Content Placeholder 2">
             <a:extLst>
               <a:ext uri="{FF2B5EF4-FFF2-40B4-BE49-F238E27FC236}">
-                <a16:creationId xmlns:a16="http://schemas.microsoft.com/office/drawing/2014/main" xmlns="" id="{8FD20D94-A8A5-4E19-9EEA-AC7D02A3ED28}"/>
+                <a16:creationId xmlns:a16="http://schemas.microsoft.com/office/drawing/2014/main" id="{8FD20D94-A8A5-4E19-9EEA-AC7D02A3ED28}"/>
               </a:ext>
             </a:extLst>
           </p:cNvPr>
@@ -9054,7 +9066,7 @@
           <p:cNvPr id="6" name="Picture 5" descr="Diagram, text&#10;&#10;Description automatically generated">
             <a:extLst>
               <a:ext uri="{FF2B5EF4-FFF2-40B4-BE49-F238E27FC236}">
-                <a16:creationId xmlns:a16="http://schemas.microsoft.com/office/drawing/2014/main" xmlns="" id="{F709E812-F2E0-4B27-B962-E87D35146F1A}"/>
+                <a16:creationId xmlns:a16="http://schemas.microsoft.com/office/drawing/2014/main" id="{F709E812-F2E0-4B27-B962-E87D35146F1A}"/>
               </a:ext>
             </a:extLst>
           </p:cNvPr>
@@ -9090,10 +9102,10 @@
           <p:cNvPr id="17" name="Isosceles Triangle 16">
             <a:extLst>
               <a:ext uri="{FF2B5EF4-FFF2-40B4-BE49-F238E27FC236}">
-                <a16:creationId xmlns:a16="http://schemas.microsoft.com/office/drawing/2014/main" xmlns="" id="{B2205F6E-03C6-4E92-877C-E2482F6599AA}"/>
+                <a16:creationId xmlns:a16="http://schemas.microsoft.com/office/drawing/2014/main" id="{B2205F6E-03C6-4E92-877C-E2482F6599AA}"/>
               </a:ext>
               <a:ext uri="{C183D7F6-B498-43B3-948B-1728B52AA6E4}">
-                <adec:decorative xmlns:adec="http://schemas.microsoft.com/office/drawing/2017/decorative" xmlns="" val="1"/>
+                <adec:decorative xmlns:adec="http://schemas.microsoft.com/office/drawing/2017/decorative" val="1"/>
               </a:ext>
             </a:extLst>
           </p:cNvPr>
@@ -9103,7 +9115,7 @@
           <p:nvPr>
             <p:extLst>
               <p:ext uri="{386F3935-93C4-4BCD-93E2-E3B085C9AB24}">
-                <p16:designElem xmlns:p16="http://schemas.microsoft.com/office/powerpoint/2015/main" xmlns="" val="1"/>
+                <p16:designElem xmlns:p16="http://schemas.microsoft.com/office/powerpoint/2015/main" val="1"/>
               </p:ext>
             </p:extLst>
           </p:nvPr>
@@ -9193,10 +9205,10 @@
           <p:cNvPr id="10" name="Rectangle 9">
             <a:extLst>
               <a:ext uri="{FF2B5EF4-FFF2-40B4-BE49-F238E27FC236}">
-                <a16:creationId xmlns:a16="http://schemas.microsoft.com/office/drawing/2014/main" xmlns="" id="{9F4444CE-BC8D-4D61-B303-4C05614E62AB}"/>
+                <a16:creationId xmlns:a16="http://schemas.microsoft.com/office/drawing/2014/main" id="{9F4444CE-BC8D-4D61-B303-4C05614E62AB}"/>
               </a:ext>
               <a:ext uri="{C183D7F6-B498-43B3-948B-1728B52AA6E4}">
-                <adec:decorative xmlns:adec="http://schemas.microsoft.com/office/drawing/2017/decorative" xmlns="" val="1"/>
+                <adec:decorative xmlns:adec="http://schemas.microsoft.com/office/drawing/2017/decorative" val="1"/>
               </a:ext>
             </a:extLst>
           </p:cNvPr>
@@ -9206,7 +9218,7 @@
           <p:nvPr>
             <p:extLst>
               <p:ext uri="{386F3935-93C4-4BCD-93E2-E3B085C9AB24}">
-                <p16:designElem xmlns:p16="http://schemas.microsoft.com/office/powerpoint/2015/main" xmlns="" val="1"/>
+                <p16:designElem xmlns:p16="http://schemas.microsoft.com/office/powerpoint/2015/main" val="1"/>
               </p:ext>
             </p:extLst>
           </p:nvPr>
@@ -9253,10 +9265,10 @@
           <p:cNvPr id="12" name="Rectangle 11">
             <a:extLst>
               <a:ext uri="{FF2B5EF4-FFF2-40B4-BE49-F238E27FC236}">
-                <a16:creationId xmlns:a16="http://schemas.microsoft.com/office/drawing/2014/main" xmlns="" id="{62423CA5-E2E1-4789-B759-9906C1C94063}"/>
+                <a16:creationId xmlns:a16="http://schemas.microsoft.com/office/drawing/2014/main" id="{62423CA5-E2E1-4789-B759-9906C1C94063}"/>
               </a:ext>
               <a:ext uri="{C183D7F6-B498-43B3-948B-1728B52AA6E4}">
-                <adec:decorative xmlns:adec="http://schemas.microsoft.com/office/drawing/2017/decorative" xmlns="" val="1"/>
+                <adec:decorative xmlns:adec="http://schemas.microsoft.com/office/drawing/2017/decorative" val="1"/>
               </a:ext>
             </a:extLst>
           </p:cNvPr>
@@ -9266,7 +9278,7 @@
           <p:nvPr>
             <p:extLst>
               <p:ext uri="{386F3935-93C4-4BCD-93E2-E3B085C9AB24}">
-                <p16:designElem xmlns:p16="http://schemas.microsoft.com/office/powerpoint/2015/main" xmlns="" val="1"/>
+                <p16:designElem xmlns:p16="http://schemas.microsoft.com/office/powerpoint/2015/main" val="1"/>
               </p:ext>
             </p:extLst>
           </p:nvPr>
@@ -9314,10 +9326,10 @@
           <p:cNvPr id="14" name="Isosceles Triangle 13">
             <a:extLst>
               <a:ext uri="{FF2B5EF4-FFF2-40B4-BE49-F238E27FC236}">
-                <a16:creationId xmlns:a16="http://schemas.microsoft.com/office/drawing/2014/main" xmlns="" id="{73772B81-181F-48B7-8826-4D9686D15DF5}"/>
+                <a16:creationId xmlns:a16="http://schemas.microsoft.com/office/drawing/2014/main" id="{73772B81-181F-48B7-8826-4D9686D15DF5}"/>
               </a:ext>
               <a:ext uri="{C183D7F6-B498-43B3-948B-1728B52AA6E4}">
-                <adec:decorative xmlns:adec="http://schemas.microsoft.com/office/drawing/2017/decorative" xmlns="" val="1"/>
+                <adec:decorative xmlns:adec="http://schemas.microsoft.com/office/drawing/2017/decorative" val="1"/>
               </a:ext>
             </a:extLst>
           </p:cNvPr>
@@ -9327,7 +9339,7 @@
           <p:nvPr>
             <p:extLst>
               <p:ext uri="{386F3935-93C4-4BCD-93E2-E3B085C9AB24}">
-                <p16:designElem xmlns:p16="http://schemas.microsoft.com/office/powerpoint/2015/main" xmlns="" val="1"/>
+                <p16:designElem xmlns:p16="http://schemas.microsoft.com/office/powerpoint/2015/main" val="1"/>
               </p:ext>
             </p:extLst>
           </p:nvPr>
@@ -9377,7 +9389,7 @@
           <p:cNvPr id="2" name="Title 1">
             <a:extLst>
               <a:ext uri="{FF2B5EF4-FFF2-40B4-BE49-F238E27FC236}">
-                <a16:creationId xmlns:a16="http://schemas.microsoft.com/office/drawing/2014/main" xmlns="" id="{DCD84134-5E9E-4D7C-95CC-F3BC1CA1D5EC}"/>
+                <a16:creationId xmlns:a16="http://schemas.microsoft.com/office/drawing/2014/main" id="{DCD84134-5E9E-4D7C-95CC-F3BC1CA1D5EC}"/>
               </a:ext>
             </a:extLst>
           </p:cNvPr>
@@ -9417,7 +9429,7 @@
           <p:cNvPr id="3" name="Content Placeholder 2">
             <a:extLst>
               <a:ext uri="{FF2B5EF4-FFF2-40B4-BE49-F238E27FC236}">
-                <a16:creationId xmlns:a16="http://schemas.microsoft.com/office/drawing/2014/main" xmlns="" id="{8FD20D94-A8A5-4E19-9EEA-AC7D02A3ED28}"/>
+                <a16:creationId xmlns:a16="http://schemas.microsoft.com/office/drawing/2014/main" id="{8FD20D94-A8A5-4E19-9EEA-AC7D02A3ED28}"/>
               </a:ext>
             </a:extLst>
           </p:cNvPr>
@@ -9480,7 +9492,7 @@
           <p:cNvPr id="5" name="Picture 4" descr="Diagram&#10;&#10;Description automatically generated">
             <a:extLst>
               <a:ext uri="{FF2B5EF4-FFF2-40B4-BE49-F238E27FC236}">
-                <a16:creationId xmlns:a16="http://schemas.microsoft.com/office/drawing/2014/main" xmlns="" id="{0F278E00-C290-48B8-9C59-96CE105A28AC}"/>
+                <a16:creationId xmlns:a16="http://schemas.microsoft.com/office/drawing/2014/main" id="{0F278E00-C290-48B8-9C59-96CE105A28AC}"/>
               </a:ext>
             </a:extLst>
           </p:cNvPr>
@@ -9516,10 +9528,10 @@
           <p:cNvPr id="16" name="Isosceles Triangle 15">
             <a:extLst>
               <a:ext uri="{FF2B5EF4-FFF2-40B4-BE49-F238E27FC236}">
-                <a16:creationId xmlns:a16="http://schemas.microsoft.com/office/drawing/2014/main" xmlns="" id="{B2205F6E-03C6-4E92-877C-E2482F6599AA}"/>
+                <a16:creationId xmlns:a16="http://schemas.microsoft.com/office/drawing/2014/main" id="{B2205F6E-03C6-4E92-877C-E2482F6599AA}"/>
               </a:ext>
               <a:ext uri="{C183D7F6-B498-43B3-948B-1728B52AA6E4}">
-                <adec:decorative xmlns:adec="http://schemas.microsoft.com/office/drawing/2017/decorative" xmlns="" val="1"/>
+                <adec:decorative xmlns:adec="http://schemas.microsoft.com/office/drawing/2017/decorative" val="1"/>
               </a:ext>
             </a:extLst>
           </p:cNvPr>
@@ -9529,7 +9541,7 @@
           <p:nvPr>
             <p:extLst>
               <p:ext uri="{386F3935-93C4-4BCD-93E2-E3B085C9AB24}">
-                <p16:designElem xmlns:p16="http://schemas.microsoft.com/office/powerpoint/2015/main" xmlns="" val="1"/>
+                <p16:designElem xmlns:p16="http://schemas.microsoft.com/office/powerpoint/2015/main" val="1"/>
               </p:ext>
             </p:extLst>
           </p:nvPr>
@@ -9621,7 +9633,7 @@
           <p:cNvPr id="2" name="Title 1">
             <a:extLst>
               <a:ext uri="{FF2B5EF4-FFF2-40B4-BE49-F238E27FC236}">
-                <a16:creationId xmlns:a16="http://schemas.microsoft.com/office/drawing/2014/main" xmlns="" id="{DCD84134-5E9E-4D7C-95CC-F3BC1CA1D5EC}"/>
+                <a16:creationId xmlns:a16="http://schemas.microsoft.com/office/drawing/2014/main" id="{DCD84134-5E9E-4D7C-95CC-F3BC1CA1D5EC}"/>
               </a:ext>
             </a:extLst>
           </p:cNvPr>
@@ -9654,7 +9666,7 @@
           <p:cNvPr id="3" name="Content Placeholder 2">
             <a:extLst>
               <a:ext uri="{FF2B5EF4-FFF2-40B4-BE49-F238E27FC236}">
-                <a16:creationId xmlns:a16="http://schemas.microsoft.com/office/drawing/2014/main" xmlns="" id="{8FD20D94-A8A5-4E19-9EEA-AC7D02A3ED28}"/>
+                <a16:creationId xmlns:a16="http://schemas.microsoft.com/office/drawing/2014/main" id="{8FD20D94-A8A5-4E19-9EEA-AC7D02A3ED28}"/>
               </a:ext>
             </a:extLst>
           </p:cNvPr>
@@ -9690,7 +9702,7 @@
           <p:cNvPr id="6" name="Picture 5" descr="Diagram&#10;&#10;Description automatically generated">
             <a:extLst>
               <a:ext uri="{FF2B5EF4-FFF2-40B4-BE49-F238E27FC236}">
-                <a16:creationId xmlns:a16="http://schemas.microsoft.com/office/drawing/2014/main" xmlns="" id="{BE94A2A9-5C51-4928-9A4C-A3EB8ABF1789}"/>
+                <a16:creationId xmlns:a16="http://schemas.microsoft.com/office/drawing/2014/main" id="{BE94A2A9-5C51-4928-9A4C-A3EB8ABF1789}"/>
               </a:ext>
             </a:extLst>
           </p:cNvPr>
@@ -9766,7 +9778,7 @@
           <p:cNvPr id="2" name="Title 1">
             <a:extLst>
               <a:ext uri="{FF2B5EF4-FFF2-40B4-BE49-F238E27FC236}">
-                <a16:creationId xmlns:a16="http://schemas.microsoft.com/office/drawing/2014/main" xmlns="" id="{DCD84134-5E9E-4D7C-95CC-F3BC1CA1D5EC}"/>
+                <a16:creationId xmlns:a16="http://schemas.microsoft.com/office/drawing/2014/main" id="{DCD84134-5E9E-4D7C-95CC-F3BC1CA1D5EC}"/>
               </a:ext>
             </a:extLst>
           </p:cNvPr>
@@ -9799,7 +9811,7 @@
           <p:cNvPr id="3" name="Content Placeholder 2">
             <a:extLst>
               <a:ext uri="{FF2B5EF4-FFF2-40B4-BE49-F238E27FC236}">
-                <a16:creationId xmlns:a16="http://schemas.microsoft.com/office/drawing/2014/main" xmlns="" id="{8FD20D94-A8A5-4E19-9EEA-AC7D02A3ED28}"/>
+                <a16:creationId xmlns:a16="http://schemas.microsoft.com/office/drawing/2014/main" id="{8FD20D94-A8A5-4E19-9EEA-AC7D02A3ED28}"/>
               </a:ext>
             </a:extLst>
           </p:cNvPr>
@@ -9835,7 +9847,7 @@
           <p:cNvPr id="5" name="Picture 4" descr="Diagram&#10;&#10;Description automatically generated">
             <a:extLst>
               <a:ext uri="{FF2B5EF4-FFF2-40B4-BE49-F238E27FC236}">
-                <a16:creationId xmlns:a16="http://schemas.microsoft.com/office/drawing/2014/main" xmlns="" id="{4A0A03B4-E9FE-4998-86EB-FF3422259190}"/>
+                <a16:creationId xmlns:a16="http://schemas.microsoft.com/office/drawing/2014/main" id="{4A0A03B4-E9FE-4998-86EB-FF3422259190}"/>
               </a:ext>
             </a:extLst>
           </p:cNvPr>
@@ -9916,10 +9928,10 @@
           <p:cNvPr id="31" name="Rectangle 30">
             <a:extLst>
               <a:ext uri="{FF2B5EF4-FFF2-40B4-BE49-F238E27FC236}">
-                <a16:creationId xmlns:a16="http://schemas.microsoft.com/office/drawing/2014/main" xmlns="" id="{86C16C40-7C29-4ACC-B851-7E08E459B596}"/>
+                <a16:creationId xmlns:a16="http://schemas.microsoft.com/office/drawing/2014/main" id="{86C16C40-7C29-4ACC-B851-7E08E459B596}"/>
               </a:ext>
               <a:ext uri="{C183D7F6-B498-43B3-948B-1728B52AA6E4}">
-                <adec:decorative xmlns:adec="http://schemas.microsoft.com/office/drawing/2017/decorative" xmlns="" val="1"/>
+                <adec:decorative xmlns:adec="http://schemas.microsoft.com/office/drawing/2017/decorative" val="1"/>
               </a:ext>
             </a:extLst>
           </p:cNvPr>
@@ -9929,7 +9941,7 @@
           <p:nvPr>
             <p:extLst>
               <p:ext uri="{386F3935-93C4-4BCD-93E2-E3B085C9AB24}">
-                <p16:designElem xmlns:p16="http://schemas.microsoft.com/office/powerpoint/2015/main" xmlns="" val="1"/>
+                <p16:designElem xmlns:p16="http://schemas.microsoft.com/office/powerpoint/2015/main" val="1"/>
               </p:ext>
             </p:extLst>
           </p:nvPr>
@@ -9976,10 +9988,10 @@
           <p:cNvPr id="33" name="Group 32">
             <a:extLst>
               <a:ext uri="{FF2B5EF4-FFF2-40B4-BE49-F238E27FC236}">
-                <a16:creationId xmlns:a16="http://schemas.microsoft.com/office/drawing/2014/main" xmlns="" id="{648049AD-9827-49E8-8BF5-32E175C8EA8A}"/>
+                <a16:creationId xmlns:a16="http://schemas.microsoft.com/office/drawing/2014/main" id="{648049AD-9827-49E8-8BF5-32E175C8EA8A}"/>
               </a:ext>
               <a:ext uri="{C183D7F6-B498-43B3-948B-1728B52AA6E4}">
-                <adec:decorative xmlns:adec="http://schemas.microsoft.com/office/drawing/2017/decorative" xmlns="" val="1"/>
+                <adec:decorative xmlns:adec="http://schemas.microsoft.com/office/drawing/2017/decorative" val="1"/>
               </a:ext>
             </a:extLst>
           </p:cNvPr>
@@ -9989,7 +10001,7 @@
           <p:nvPr>
             <p:extLst>
               <p:ext uri="{386F3935-93C4-4BCD-93E2-E3B085C9AB24}">
-                <p16:designElem xmlns:p16="http://schemas.microsoft.com/office/powerpoint/2015/main" xmlns="" val="1"/>
+                <p16:designElem xmlns:p16="http://schemas.microsoft.com/office/powerpoint/2015/main" val="1"/>
               </p:ext>
             </p:extLst>
           </p:nvPr>
@@ -10007,10 +10019,10 @@
             <p:cNvPr id="34" name="Straight Connector 33">
               <a:extLst>
                 <a:ext uri="{FF2B5EF4-FFF2-40B4-BE49-F238E27FC236}">
-                  <a16:creationId xmlns:a16="http://schemas.microsoft.com/office/drawing/2014/main" xmlns="" id="{3AA99CFD-13BA-4D43-8274-E720ACDBED4B}"/>
+                  <a16:creationId xmlns:a16="http://schemas.microsoft.com/office/drawing/2014/main" id="{3AA99CFD-13BA-4D43-8274-E720ACDBED4B}"/>
                 </a:ext>
                 <a:ext uri="{C183D7F6-B498-43B3-948B-1728B52AA6E4}">
-                  <adec:decorative xmlns:adec="http://schemas.microsoft.com/office/drawing/2017/decorative" xmlns="" val="1"/>
+                  <adec:decorative xmlns:adec="http://schemas.microsoft.com/office/drawing/2017/decorative" val="1"/>
                 </a:ext>
               </a:extLst>
             </p:cNvPr>
@@ -10018,7 +10030,7 @@
             <p:nvPr>
               <p:extLst>
                 <p:ext uri="{386F3935-93C4-4BCD-93E2-E3B085C9AB24}">
-                  <p16:designElem xmlns:p16="http://schemas.microsoft.com/office/powerpoint/2015/main" xmlns="" val="1"/>
+                  <p16:designElem xmlns:p16="http://schemas.microsoft.com/office/powerpoint/2015/main" val="1"/>
                 </p:ext>
               </p:extLst>
             </p:nvPr>
@@ -10059,10 +10071,10 @@
             <p:cNvPr id="35" name="Straight Connector 34">
               <a:extLst>
                 <a:ext uri="{FF2B5EF4-FFF2-40B4-BE49-F238E27FC236}">
-                  <a16:creationId xmlns:a16="http://schemas.microsoft.com/office/drawing/2014/main" xmlns="" id="{946D58D6-64B0-4752-8159-24114F47A5FF}"/>
+                  <a16:creationId xmlns:a16="http://schemas.microsoft.com/office/drawing/2014/main" id="{946D58D6-64B0-4752-8159-24114F47A5FF}"/>
                 </a:ext>
                 <a:ext uri="{C183D7F6-B498-43B3-948B-1728B52AA6E4}">
-                  <adec:decorative xmlns:adec="http://schemas.microsoft.com/office/drawing/2017/decorative" xmlns="" val="1"/>
+                  <adec:decorative xmlns:adec="http://schemas.microsoft.com/office/drawing/2017/decorative" val="1"/>
                 </a:ext>
               </a:extLst>
             </p:cNvPr>
@@ -10070,7 +10082,7 @@
             <p:nvPr>
               <p:extLst>
                 <p:ext uri="{386F3935-93C4-4BCD-93E2-E3B085C9AB24}">
-                  <p16:designElem xmlns:p16="http://schemas.microsoft.com/office/powerpoint/2015/main" xmlns="" val="1"/>
+                  <p16:designElem xmlns:p16="http://schemas.microsoft.com/office/powerpoint/2015/main" val="1"/>
                 </p:ext>
               </p:extLst>
             </p:nvPr>
@@ -10111,10 +10123,10 @@
             <p:cNvPr id="36" name="Rectangle 23">
               <a:extLst>
                 <a:ext uri="{FF2B5EF4-FFF2-40B4-BE49-F238E27FC236}">
-                  <a16:creationId xmlns:a16="http://schemas.microsoft.com/office/drawing/2014/main" xmlns="" id="{C16801F7-F15E-4355-8767-26487BA8B6C5}"/>
+                  <a16:creationId xmlns:a16="http://schemas.microsoft.com/office/drawing/2014/main" id="{C16801F7-F15E-4355-8767-26487BA8B6C5}"/>
                 </a:ext>
                 <a:ext uri="{C183D7F6-B498-43B3-948B-1728B52AA6E4}">
-                  <adec:decorative xmlns:adec="http://schemas.microsoft.com/office/drawing/2017/decorative" xmlns="" val="1"/>
+                  <adec:decorative xmlns:adec="http://schemas.microsoft.com/office/drawing/2017/decorative" val="1"/>
                 </a:ext>
               </a:extLst>
             </p:cNvPr>
@@ -10122,7 +10134,7 @@
             <p:nvPr>
               <p:extLst>
                 <p:ext uri="{386F3935-93C4-4BCD-93E2-E3B085C9AB24}">
-                  <p16:designElem xmlns:p16="http://schemas.microsoft.com/office/powerpoint/2015/main" xmlns="" val="1"/>
+                  <p16:designElem xmlns:p16="http://schemas.microsoft.com/office/powerpoint/2015/main" val="1"/>
                 </p:ext>
               </p:extLst>
             </p:nvPr>
@@ -10189,10 +10201,10 @@
             <p:cNvPr id="37" name="Rectangle 25">
               <a:extLst>
                 <a:ext uri="{FF2B5EF4-FFF2-40B4-BE49-F238E27FC236}">
-                  <a16:creationId xmlns:a16="http://schemas.microsoft.com/office/drawing/2014/main" xmlns="" id="{14FF0578-E224-4225-8396-B99D4881FF8F}"/>
+                  <a16:creationId xmlns:a16="http://schemas.microsoft.com/office/drawing/2014/main" id="{14FF0578-E224-4225-8396-B99D4881FF8F}"/>
                 </a:ext>
                 <a:ext uri="{C183D7F6-B498-43B3-948B-1728B52AA6E4}">
-                  <adec:decorative xmlns:adec="http://schemas.microsoft.com/office/drawing/2017/decorative" xmlns="" val="1"/>
+                  <adec:decorative xmlns:adec="http://schemas.microsoft.com/office/drawing/2017/decorative" val="1"/>
                 </a:ext>
               </a:extLst>
             </p:cNvPr>
@@ -10200,7 +10212,7 @@
             <p:nvPr>
               <p:extLst>
                 <p:ext uri="{386F3935-93C4-4BCD-93E2-E3B085C9AB24}">
-                  <p16:designElem xmlns:p16="http://schemas.microsoft.com/office/powerpoint/2015/main" xmlns="" val="1"/>
+                  <p16:designElem xmlns:p16="http://schemas.microsoft.com/office/powerpoint/2015/main" val="1"/>
                 </p:ext>
               </p:extLst>
             </p:nvPr>
@@ -10267,10 +10279,10 @@
             <p:cNvPr id="38" name="Isosceles Triangle 37">
               <a:extLst>
                 <a:ext uri="{FF2B5EF4-FFF2-40B4-BE49-F238E27FC236}">
-                  <a16:creationId xmlns:a16="http://schemas.microsoft.com/office/drawing/2014/main" xmlns="" id="{4642C0E0-9644-41F1-8CF3-33779AA8A3F8}"/>
+                  <a16:creationId xmlns:a16="http://schemas.microsoft.com/office/drawing/2014/main" id="{4642C0E0-9644-41F1-8CF3-33779AA8A3F8}"/>
                 </a:ext>
                 <a:ext uri="{C183D7F6-B498-43B3-948B-1728B52AA6E4}">
-                  <adec:decorative xmlns:adec="http://schemas.microsoft.com/office/drawing/2017/decorative" xmlns="" val="1"/>
+                  <adec:decorative xmlns:adec="http://schemas.microsoft.com/office/drawing/2017/decorative" val="1"/>
                 </a:ext>
               </a:extLst>
             </p:cNvPr>
@@ -10278,7 +10290,7 @@
             <p:nvPr>
               <p:extLst>
                 <p:ext uri="{386F3935-93C4-4BCD-93E2-E3B085C9AB24}">
-                  <p16:designElem xmlns:p16="http://schemas.microsoft.com/office/powerpoint/2015/main" xmlns="" val="1"/>
+                  <p16:designElem xmlns:p16="http://schemas.microsoft.com/office/powerpoint/2015/main" val="1"/>
                 </p:ext>
               </p:extLst>
             </p:nvPr>
@@ -10324,10 +10336,10 @@
             <p:cNvPr id="39" name="Rectangle 27">
               <a:extLst>
                 <a:ext uri="{FF2B5EF4-FFF2-40B4-BE49-F238E27FC236}">
-                  <a16:creationId xmlns:a16="http://schemas.microsoft.com/office/drawing/2014/main" xmlns="" id="{5F77D9D3-628A-4607-B307-91AAA5603450}"/>
+                  <a16:creationId xmlns:a16="http://schemas.microsoft.com/office/drawing/2014/main" id="{5F77D9D3-628A-4607-B307-91AAA5603450}"/>
                 </a:ext>
                 <a:ext uri="{C183D7F6-B498-43B3-948B-1728B52AA6E4}">
-                  <adec:decorative xmlns:adec="http://schemas.microsoft.com/office/drawing/2017/decorative" xmlns="" val="1"/>
+                  <adec:decorative xmlns:adec="http://schemas.microsoft.com/office/drawing/2017/decorative" val="1"/>
                 </a:ext>
               </a:extLst>
             </p:cNvPr>
@@ -10335,7 +10347,7 @@
             <p:nvPr>
               <p:extLst>
                 <p:ext uri="{386F3935-93C4-4BCD-93E2-E3B085C9AB24}">
-                  <p16:designElem xmlns:p16="http://schemas.microsoft.com/office/powerpoint/2015/main" xmlns="" val="1"/>
+                  <p16:designElem xmlns:p16="http://schemas.microsoft.com/office/powerpoint/2015/main" val="1"/>
                 </p:ext>
               </p:extLst>
             </p:nvPr>
@@ -10403,10 +10415,10 @@
             <p:cNvPr id="40" name="Rectangle 28">
               <a:extLst>
                 <a:ext uri="{FF2B5EF4-FFF2-40B4-BE49-F238E27FC236}">
-                  <a16:creationId xmlns:a16="http://schemas.microsoft.com/office/drawing/2014/main" xmlns="" id="{0600759E-C22E-4F3D-8569-0DE8F1D4934F}"/>
+                  <a16:creationId xmlns:a16="http://schemas.microsoft.com/office/drawing/2014/main" id="{0600759E-C22E-4F3D-8569-0DE8F1D4934F}"/>
                 </a:ext>
                 <a:ext uri="{C183D7F6-B498-43B3-948B-1728B52AA6E4}">
-                  <adec:decorative xmlns:adec="http://schemas.microsoft.com/office/drawing/2017/decorative" xmlns="" val="1"/>
+                  <adec:decorative xmlns:adec="http://schemas.microsoft.com/office/drawing/2017/decorative" val="1"/>
                 </a:ext>
               </a:extLst>
             </p:cNvPr>
@@ -10414,7 +10426,7 @@
             <p:nvPr>
               <p:extLst>
                 <p:ext uri="{386F3935-93C4-4BCD-93E2-E3B085C9AB24}">
-                  <p16:designElem xmlns:p16="http://schemas.microsoft.com/office/powerpoint/2015/main" xmlns="" val="1"/>
+                  <p16:designElem xmlns:p16="http://schemas.microsoft.com/office/powerpoint/2015/main" val="1"/>
                 </p:ext>
               </p:extLst>
             </p:nvPr>
@@ -10481,10 +10493,10 @@
             <p:cNvPr id="41" name="Rectangle 29">
               <a:extLst>
                 <a:ext uri="{FF2B5EF4-FFF2-40B4-BE49-F238E27FC236}">
-                  <a16:creationId xmlns:a16="http://schemas.microsoft.com/office/drawing/2014/main" xmlns="" id="{9A4E951D-EAB0-4F6B-84AE-B5B25684FD61}"/>
+                  <a16:creationId xmlns:a16="http://schemas.microsoft.com/office/drawing/2014/main" id="{9A4E951D-EAB0-4F6B-84AE-B5B25684FD61}"/>
                 </a:ext>
                 <a:ext uri="{C183D7F6-B498-43B3-948B-1728B52AA6E4}">
-                  <adec:decorative xmlns:adec="http://schemas.microsoft.com/office/drawing/2017/decorative" xmlns="" val="1"/>
+                  <adec:decorative xmlns:adec="http://schemas.microsoft.com/office/drawing/2017/decorative" val="1"/>
                 </a:ext>
               </a:extLst>
             </p:cNvPr>
@@ -10492,7 +10504,7 @@
             <p:nvPr>
               <p:extLst>
                 <p:ext uri="{386F3935-93C4-4BCD-93E2-E3B085C9AB24}">
-                  <p16:designElem xmlns:p16="http://schemas.microsoft.com/office/powerpoint/2015/main" xmlns="" val="1"/>
+                  <p16:designElem xmlns:p16="http://schemas.microsoft.com/office/powerpoint/2015/main" val="1"/>
                 </p:ext>
               </p:extLst>
             </p:nvPr>
@@ -10560,10 +10572,10 @@
             <p:cNvPr id="42" name="Isosceles Triangle 41">
               <a:extLst>
                 <a:ext uri="{FF2B5EF4-FFF2-40B4-BE49-F238E27FC236}">
-                  <a16:creationId xmlns:a16="http://schemas.microsoft.com/office/drawing/2014/main" xmlns="" id="{B953BEA8-1B45-419E-BACD-49DB8888B1DE}"/>
+                  <a16:creationId xmlns:a16="http://schemas.microsoft.com/office/drawing/2014/main" id="{B953BEA8-1B45-419E-BACD-49DB8888B1DE}"/>
                 </a:ext>
                 <a:ext uri="{C183D7F6-B498-43B3-948B-1728B52AA6E4}">
-                  <adec:decorative xmlns:adec="http://schemas.microsoft.com/office/drawing/2017/decorative" xmlns="" val="1"/>
+                  <adec:decorative xmlns:adec="http://schemas.microsoft.com/office/drawing/2017/decorative" val="1"/>
                 </a:ext>
               </a:extLst>
             </p:cNvPr>
@@ -10571,7 +10583,7 @@
             <p:nvPr>
               <p:extLst>
                 <p:ext uri="{386F3935-93C4-4BCD-93E2-E3B085C9AB24}">
-                  <p16:designElem xmlns:p16="http://schemas.microsoft.com/office/powerpoint/2015/main" xmlns="" val="1"/>
+                  <p16:designElem xmlns:p16="http://schemas.microsoft.com/office/powerpoint/2015/main" val="1"/>
                 </p:ext>
               </p:extLst>
             </p:nvPr>
@@ -10617,10 +10629,10 @@
             <p:cNvPr id="43" name="Isosceles Triangle 42">
               <a:extLst>
                 <a:ext uri="{FF2B5EF4-FFF2-40B4-BE49-F238E27FC236}">
-                  <a16:creationId xmlns:a16="http://schemas.microsoft.com/office/drawing/2014/main" xmlns="" id="{72B7FA08-1FF3-4AED-B4E9-587D81D6B1B9}"/>
+                  <a16:creationId xmlns:a16="http://schemas.microsoft.com/office/drawing/2014/main" id="{72B7FA08-1FF3-4AED-B4E9-587D81D6B1B9}"/>
                 </a:ext>
                 <a:ext uri="{C183D7F6-B498-43B3-948B-1728B52AA6E4}">
-                  <adec:decorative xmlns:adec="http://schemas.microsoft.com/office/drawing/2017/decorative" xmlns="" val="1"/>
+                  <adec:decorative xmlns:adec="http://schemas.microsoft.com/office/drawing/2017/decorative" val="1"/>
                 </a:ext>
               </a:extLst>
             </p:cNvPr>
@@ -10628,7 +10640,7 @@
             <p:nvPr>
               <p:extLst>
                 <p:ext uri="{386F3935-93C4-4BCD-93E2-E3B085C9AB24}">
-                  <p16:designElem xmlns:p16="http://schemas.microsoft.com/office/powerpoint/2015/main" xmlns="" val="1"/>
+                  <p16:designElem xmlns:p16="http://schemas.microsoft.com/office/powerpoint/2015/main" val="1"/>
                 </p:ext>
               </p:extLst>
             </p:nvPr>
@@ -10674,7 +10686,7 @@
           <p:cNvPr id="2" name="Title 1">
             <a:extLst>
               <a:ext uri="{FF2B5EF4-FFF2-40B4-BE49-F238E27FC236}">
-                <a16:creationId xmlns:a16="http://schemas.microsoft.com/office/drawing/2014/main" xmlns="" id="{A01D8AAE-336F-4908-A7C8-4921CC071189}"/>
+                <a16:creationId xmlns:a16="http://schemas.microsoft.com/office/drawing/2014/main" id="{A01D8AAE-336F-4908-A7C8-4921CC071189}"/>
               </a:ext>
             </a:extLst>
           </p:cNvPr>
@@ -10698,10 +10710,9 @@
           <a:lstStyle/>
           <a:p>
             <a:r>
-              <a:rPr lang="sk-SK" dirty="0" smtClean="0"/>
+              <a:rPr lang="sk-SK" dirty="0"/>
               <a:t>Návrhový vzor</a:t>
             </a:r>
-            <a:endParaRPr lang="sk-SK" dirty="0"/>
           </a:p>
         </p:txBody>
       </p:sp>
@@ -10710,7 +10721,7 @@
           <p:cNvPr id="3" name="Content Placeholder 2">
             <a:extLst>
               <a:ext uri="{FF2B5EF4-FFF2-40B4-BE49-F238E27FC236}">
-                <a16:creationId xmlns:a16="http://schemas.microsoft.com/office/drawing/2014/main" xmlns="" id="{079F5400-8DBD-46ED-9F6D-EEEC122BE1C2}"/>
+                <a16:creationId xmlns:a16="http://schemas.microsoft.com/office/drawing/2014/main" id="{079F5400-8DBD-46ED-9F6D-EEEC122BE1C2}"/>
               </a:ext>
             </a:extLst>
           </p:cNvPr>
@@ -10734,34 +10745,32 @@
           <a:lstStyle/>
           <a:p>
             <a:r>
-              <a:rPr lang="sk-SK" dirty="0" smtClean="0"/>
+              <a:rPr lang="sk-SK" dirty="0"/>
               <a:t>Návrhové vzory vo všeobecnosti</a:t>
             </a:r>
-            <a:endParaRPr lang="sk-SK" dirty="0"/>
-          </a:p>
-          <a:p>
-            <a:r>
-              <a:rPr lang="sk-SK" dirty="0" smtClean="0"/>
+          </a:p>
+          <a:p>
+            <a:r>
+              <a:rPr lang="sk-SK" dirty="0"/>
               <a:t>Šablóna, ktorú je možné použiť v rôznych situáciách</a:t>
             </a:r>
           </a:p>
           <a:p>
             <a:r>
-              <a:rPr lang="sk-SK" dirty="0" smtClean="0"/>
+              <a:rPr lang="sk-SK" dirty="0"/>
               <a:t>Veľké množstvo návrhových vzorov</a:t>
             </a:r>
-            <a:endParaRPr lang="sk-SK" dirty="0"/>
-          </a:p>
-          <a:p>
-            <a:r>
-              <a:rPr lang="sk-SK" dirty="0" smtClean="0"/>
+          </a:p>
+          <a:p>
+            <a:r>
+              <a:rPr lang="sk-SK" dirty="0"/>
               <a:t>Výhody použitia</a:t>
             </a:r>
             <a:endParaRPr lang="en-US" dirty="0"/>
           </a:p>
           <a:p>
             <a:r>
-              <a:rPr lang="sk-SK" dirty="0" smtClean="0"/>
+              <a:rPr lang="sk-SK" dirty="0"/>
               <a:t>Nevýhody použitia</a:t>
             </a:r>
             <a:endParaRPr lang="en-US" dirty="0"/>
@@ -10810,15 +10819,6 @@
           <a:effectLst>
             <a:reflection blurRad="12700" stA="38000" endPos="28000" dist="5000" dir="5400000" sy="-100000" algn="bl" rotWithShape="0"/>
           </a:effectLst>
-          <a:extLst>
-            <a:ext uri="{909E8E84-426E-40DD-AFC4-6F175D3DCCD1}">
-              <a14:hiddenFill xmlns:a14="http://schemas.microsoft.com/office/drawing/2010/main">
-                <a:solidFill>
-                  <a:srgbClr val="FFFFFF"/>
-                </a:solidFill>
-              </a14:hiddenFill>
-            </a:ext>
-          </a:extLst>
         </p:spPr>
       </p:pic>
     </p:spTree>
@@ -10831,13 +10831,6 @@
   <p:clrMapOvr>
     <a:overrideClrMapping bg1="dk1" tx1="lt1" bg2="dk2" tx2="lt2" accent1="accent1" accent2="accent2" accent3="accent3" accent4="accent4" accent5="accent5" accent6="accent6" hlink="hlink" folHlink="folHlink"/>
   </p:clrMapOvr>
-  <p:timing>
-    <p:tnLst>
-      <p:par>
-        <p:cTn id="1" dur="indefinite" restart="never" nodeType="tmRoot"/>
-      </p:par>
-    </p:tnLst>
-  </p:timing>
 </p:sld>
 </file>
 
@@ -10871,10 +10864,10 @@
           <p:cNvPr id="14" name="Rectangle 13">
             <a:extLst>
               <a:ext uri="{FF2B5EF4-FFF2-40B4-BE49-F238E27FC236}">
-                <a16:creationId xmlns:a16="http://schemas.microsoft.com/office/drawing/2014/main" xmlns="" id="{86C16C40-7C29-4ACC-B851-7E08E459B596}"/>
+                <a16:creationId xmlns:a16="http://schemas.microsoft.com/office/drawing/2014/main" id="{86C16C40-7C29-4ACC-B851-7E08E459B596}"/>
               </a:ext>
               <a:ext uri="{C183D7F6-B498-43B3-948B-1728B52AA6E4}">
-                <adec:decorative xmlns:adec="http://schemas.microsoft.com/office/drawing/2017/decorative" xmlns="" val="1"/>
+                <adec:decorative xmlns:adec="http://schemas.microsoft.com/office/drawing/2017/decorative" val="1"/>
               </a:ext>
             </a:extLst>
           </p:cNvPr>
@@ -10884,7 +10877,7 @@
           <p:nvPr>
             <p:extLst>
               <p:ext uri="{386F3935-93C4-4BCD-93E2-E3B085C9AB24}">
-                <p16:designElem xmlns:p16="http://schemas.microsoft.com/office/powerpoint/2015/main" xmlns="" val="1"/>
+                <p16:designElem xmlns:p16="http://schemas.microsoft.com/office/powerpoint/2015/main" val="1"/>
               </p:ext>
             </p:extLst>
           </p:nvPr>
@@ -10931,10 +10924,10 @@
           <p:cNvPr id="16" name="Group 15">
             <a:extLst>
               <a:ext uri="{FF2B5EF4-FFF2-40B4-BE49-F238E27FC236}">
-                <a16:creationId xmlns:a16="http://schemas.microsoft.com/office/drawing/2014/main" xmlns="" id="{648049AD-9827-49E8-8BF5-32E175C8EA8A}"/>
+                <a16:creationId xmlns:a16="http://schemas.microsoft.com/office/drawing/2014/main" id="{648049AD-9827-49E8-8BF5-32E175C8EA8A}"/>
               </a:ext>
               <a:ext uri="{C183D7F6-B498-43B3-948B-1728B52AA6E4}">
-                <adec:decorative xmlns:adec="http://schemas.microsoft.com/office/drawing/2017/decorative" xmlns="" val="1"/>
+                <adec:decorative xmlns:adec="http://schemas.microsoft.com/office/drawing/2017/decorative" val="1"/>
               </a:ext>
             </a:extLst>
           </p:cNvPr>
@@ -10944,7 +10937,7 @@
           <p:nvPr>
             <p:extLst>
               <p:ext uri="{386F3935-93C4-4BCD-93E2-E3B085C9AB24}">
-                <p16:designElem xmlns:p16="http://schemas.microsoft.com/office/powerpoint/2015/main" xmlns="" val="1"/>
+                <p16:designElem xmlns:p16="http://schemas.microsoft.com/office/powerpoint/2015/main" val="1"/>
               </p:ext>
             </p:extLst>
           </p:nvPr>
@@ -10962,10 +10955,10 @@
             <p:cNvPr id="17" name="Straight Connector 16">
               <a:extLst>
                 <a:ext uri="{FF2B5EF4-FFF2-40B4-BE49-F238E27FC236}">
-                  <a16:creationId xmlns:a16="http://schemas.microsoft.com/office/drawing/2014/main" xmlns="" id="{3AA99CFD-13BA-4D43-8274-E720ACDBED4B}"/>
+                  <a16:creationId xmlns:a16="http://schemas.microsoft.com/office/drawing/2014/main" id="{3AA99CFD-13BA-4D43-8274-E720ACDBED4B}"/>
                 </a:ext>
                 <a:ext uri="{C183D7F6-B498-43B3-948B-1728B52AA6E4}">
-                  <adec:decorative xmlns:adec="http://schemas.microsoft.com/office/drawing/2017/decorative" xmlns="" val="1"/>
+                  <adec:decorative xmlns:adec="http://schemas.microsoft.com/office/drawing/2017/decorative" val="1"/>
                 </a:ext>
               </a:extLst>
             </p:cNvPr>
@@ -10973,7 +10966,7 @@
             <p:nvPr>
               <p:extLst>
                 <p:ext uri="{386F3935-93C4-4BCD-93E2-E3B085C9AB24}">
-                  <p16:designElem xmlns:p16="http://schemas.microsoft.com/office/powerpoint/2015/main" xmlns="" val="1"/>
+                  <p16:designElem xmlns:p16="http://schemas.microsoft.com/office/powerpoint/2015/main" val="1"/>
                 </p:ext>
               </p:extLst>
             </p:nvPr>
@@ -11014,10 +11007,10 @@
             <p:cNvPr id="18" name="Straight Connector 17">
               <a:extLst>
                 <a:ext uri="{FF2B5EF4-FFF2-40B4-BE49-F238E27FC236}">
-                  <a16:creationId xmlns:a16="http://schemas.microsoft.com/office/drawing/2014/main" xmlns="" id="{946D58D6-64B0-4752-8159-24114F47A5FF}"/>
+                  <a16:creationId xmlns:a16="http://schemas.microsoft.com/office/drawing/2014/main" id="{946D58D6-64B0-4752-8159-24114F47A5FF}"/>
                 </a:ext>
                 <a:ext uri="{C183D7F6-B498-43B3-948B-1728B52AA6E4}">
-                  <adec:decorative xmlns:adec="http://schemas.microsoft.com/office/drawing/2017/decorative" xmlns="" val="1"/>
+                  <adec:decorative xmlns:adec="http://schemas.microsoft.com/office/drawing/2017/decorative" val="1"/>
                 </a:ext>
               </a:extLst>
             </p:cNvPr>
@@ -11025,7 +11018,7 @@
             <p:nvPr>
               <p:extLst>
                 <p:ext uri="{386F3935-93C4-4BCD-93E2-E3B085C9AB24}">
-                  <p16:designElem xmlns:p16="http://schemas.microsoft.com/office/powerpoint/2015/main" xmlns="" val="1"/>
+                  <p16:designElem xmlns:p16="http://schemas.microsoft.com/office/powerpoint/2015/main" val="1"/>
                 </p:ext>
               </p:extLst>
             </p:nvPr>
@@ -11066,10 +11059,10 @@
             <p:cNvPr id="19" name="Rectangle 23">
               <a:extLst>
                 <a:ext uri="{FF2B5EF4-FFF2-40B4-BE49-F238E27FC236}">
-                  <a16:creationId xmlns:a16="http://schemas.microsoft.com/office/drawing/2014/main" xmlns="" id="{C16801F7-F15E-4355-8767-26487BA8B6C5}"/>
+                  <a16:creationId xmlns:a16="http://schemas.microsoft.com/office/drawing/2014/main" id="{C16801F7-F15E-4355-8767-26487BA8B6C5}"/>
                 </a:ext>
                 <a:ext uri="{C183D7F6-B498-43B3-948B-1728B52AA6E4}">
-                  <adec:decorative xmlns:adec="http://schemas.microsoft.com/office/drawing/2017/decorative" xmlns="" val="1"/>
+                  <adec:decorative xmlns:adec="http://schemas.microsoft.com/office/drawing/2017/decorative" val="1"/>
                 </a:ext>
               </a:extLst>
             </p:cNvPr>
@@ -11077,7 +11070,7 @@
             <p:nvPr>
               <p:extLst>
                 <p:ext uri="{386F3935-93C4-4BCD-93E2-E3B085C9AB24}">
-                  <p16:designElem xmlns:p16="http://schemas.microsoft.com/office/powerpoint/2015/main" xmlns="" val="1"/>
+                  <p16:designElem xmlns:p16="http://schemas.microsoft.com/office/powerpoint/2015/main" val="1"/>
                 </p:ext>
               </p:extLst>
             </p:nvPr>
@@ -11144,10 +11137,10 @@
             <p:cNvPr id="20" name="Rectangle 25">
               <a:extLst>
                 <a:ext uri="{FF2B5EF4-FFF2-40B4-BE49-F238E27FC236}">
-                  <a16:creationId xmlns:a16="http://schemas.microsoft.com/office/drawing/2014/main" xmlns="" id="{14FF0578-E224-4225-8396-B99D4881FF8F}"/>
+                  <a16:creationId xmlns:a16="http://schemas.microsoft.com/office/drawing/2014/main" id="{14FF0578-E224-4225-8396-B99D4881FF8F}"/>
                 </a:ext>
                 <a:ext uri="{C183D7F6-B498-43B3-948B-1728B52AA6E4}">
-                  <adec:decorative xmlns:adec="http://schemas.microsoft.com/office/drawing/2017/decorative" xmlns="" val="1"/>
+                  <adec:decorative xmlns:adec="http://schemas.microsoft.com/office/drawing/2017/decorative" val="1"/>
                 </a:ext>
               </a:extLst>
             </p:cNvPr>
@@ -11155,7 +11148,7 @@
             <p:nvPr>
               <p:extLst>
                 <p:ext uri="{386F3935-93C4-4BCD-93E2-E3B085C9AB24}">
-                  <p16:designElem xmlns:p16="http://schemas.microsoft.com/office/powerpoint/2015/main" xmlns="" val="1"/>
+                  <p16:designElem xmlns:p16="http://schemas.microsoft.com/office/powerpoint/2015/main" val="1"/>
                 </p:ext>
               </p:extLst>
             </p:nvPr>
@@ -11222,10 +11215,10 @@
             <p:cNvPr id="21" name="Isosceles Triangle 20">
               <a:extLst>
                 <a:ext uri="{FF2B5EF4-FFF2-40B4-BE49-F238E27FC236}">
-                  <a16:creationId xmlns:a16="http://schemas.microsoft.com/office/drawing/2014/main" xmlns="" id="{4642C0E0-9644-41F1-8CF3-33779AA8A3F8}"/>
+                  <a16:creationId xmlns:a16="http://schemas.microsoft.com/office/drawing/2014/main" id="{4642C0E0-9644-41F1-8CF3-33779AA8A3F8}"/>
                 </a:ext>
                 <a:ext uri="{C183D7F6-B498-43B3-948B-1728B52AA6E4}">
-                  <adec:decorative xmlns:adec="http://schemas.microsoft.com/office/drawing/2017/decorative" xmlns="" val="1"/>
+                  <adec:decorative xmlns:adec="http://schemas.microsoft.com/office/drawing/2017/decorative" val="1"/>
                 </a:ext>
               </a:extLst>
             </p:cNvPr>
@@ -11233,7 +11226,7 @@
             <p:nvPr>
               <p:extLst>
                 <p:ext uri="{386F3935-93C4-4BCD-93E2-E3B085C9AB24}">
-                  <p16:designElem xmlns:p16="http://schemas.microsoft.com/office/powerpoint/2015/main" xmlns="" val="1"/>
+                  <p16:designElem xmlns:p16="http://schemas.microsoft.com/office/powerpoint/2015/main" val="1"/>
                 </p:ext>
               </p:extLst>
             </p:nvPr>
@@ -11279,10 +11272,10 @@
             <p:cNvPr id="22" name="Rectangle 27">
               <a:extLst>
                 <a:ext uri="{FF2B5EF4-FFF2-40B4-BE49-F238E27FC236}">
-                  <a16:creationId xmlns:a16="http://schemas.microsoft.com/office/drawing/2014/main" xmlns="" id="{5F77D9D3-628A-4607-B307-91AAA5603450}"/>
+                  <a16:creationId xmlns:a16="http://schemas.microsoft.com/office/drawing/2014/main" id="{5F77D9D3-628A-4607-B307-91AAA5603450}"/>
                 </a:ext>
                 <a:ext uri="{C183D7F6-B498-43B3-948B-1728B52AA6E4}">
-                  <adec:decorative xmlns:adec="http://schemas.microsoft.com/office/drawing/2017/decorative" xmlns="" val="1"/>
+                  <adec:decorative xmlns:adec="http://schemas.microsoft.com/office/drawing/2017/decorative" val="1"/>
                 </a:ext>
               </a:extLst>
             </p:cNvPr>
@@ -11290,7 +11283,7 @@
             <p:nvPr>
               <p:extLst>
                 <p:ext uri="{386F3935-93C4-4BCD-93E2-E3B085C9AB24}">
-                  <p16:designElem xmlns:p16="http://schemas.microsoft.com/office/powerpoint/2015/main" xmlns="" val="1"/>
+                  <p16:designElem xmlns:p16="http://schemas.microsoft.com/office/powerpoint/2015/main" val="1"/>
                 </p:ext>
               </p:extLst>
             </p:nvPr>
@@ -11358,10 +11351,10 @@
             <p:cNvPr id="23" name="Rectangle 28">
               <a:extLst>
                 <a:ext uri="{FF2B5EF4-FFF2-40B4-BE49-F238E27FC236}">
-                  <a16:creationId xmlns:a16="http://schemas.microsoft.com/office/drawing/2014/main" xmlns="" id="{0600759E-C22E-4F3D-8569-0DE8F1D4934F}"/>
+                  <a16:creationId xmlns:a16="http://schemas.microsoft.com/office/drawing/2014/main" id="{0600759E-C22E-4F3D-8569-0DE8F1D4934F}"/>
                 </a:ext>
                 <a:ext uri="{C183D7F6-B498-43B3-948B-1728B52AA6E4}">
-                  <adec:decorative xmlns:adec="http://schemas.microsoft.com/office/drawing/2017/decorative" xmlns="" val="1"/>
+                  <adec:decorative xmlns:adec="http://schemas.microsoft.com/office/drawing/2017/decorative" val="1"/>
                 </a:ext>
               </a:extLst>
             </p:cNvPr>
@@ -11369,7 +11362,7 @@
             <p:nvPr>
               <p:extLst>
                 <p:ext uri="{386F3935-93C4-4BCD-93E2-E3B085C9AB24}">
-                  <p16:designElem xmlns:p16="http://schemas.microsoft.com/office/powerpoint/2015/main" xmlns="" val="1"/>
+                  <p16:designElem xmlns:p16="http://schemas.microsoft.com/office/powerpoint/2015/main" val="1"/>
                 </p:ext>
               </p:extLst>
             </p:nvPr>
@@ -11436,10 +11429,10 @@
             <p:cNvPr id="24" name="Rectangle 29">
               <a:extLst>
                 <a:ext uri="{FF2B5EF4-FFF2-40B4-BE49-F238E27FC236}">
-                  <a16:creationId xmlns:a16="http://schemas.microsoft.com/office/drawing/2014/main" xmlns="" id="{9A4E951D-EAB0-4F6B-84AE-B5B25684FD61}"/>
+                  <a16:creationId xmlns:a16="http://schemas.microsoft.com/office/drawing/2014/main" id="{9A4E951D-EAB0-4F6B-84AE-B5B25684FD61}"/>
                 </a:ext>
                 <a:ext uri="{C183D7F6-B498-43B3-948B-1728B52AA6E4}">
-                  <adec:decorative xmlns:adec="http://schemas.microsoft.com/office/drawing/2017/decorative" xmlns="" val="1"/>
+                  <adec:decorative xmlns:adec="http://schemas.microsoft.com/office/drawing/2017/decorative" val="1"/>
                 </a:ext>
               </a:extLst>
             </p:cNvPr>
@@ -11447,7 +11440,7 @@
             <p:nvPr>
               <p:extLst>
                 <p:ext uri="{386F3935-93C4-4BCD-93E2-E3B085C9AB24}">
-                  <p16:designElem xmlns:p16="http://schemas.microsoft.com/office/powerpoint/2015/main" xmlns="" val="1"/>
+                  <p16:designElem xmlns:p16="http://schemas.microsoft.com/office/powerpoint/2015/main" val="1"/>
                 </p:ext>
               </p:extLst>
             </p:nvPr>
@@ -11515,10 +11508,10 @@
             <p:cNvPr id="25" name="Isosceles Triangle 24">
               <a:extLst>
                 <a:ext uri="{FF2B5EF4-FFF2-40B4-BE49-F238E27FC236}">
-                  <a16:creationId xmlns:a16="http://schemas.microsoft.com/office/drawing/2014/main" xmlns="" id="{B953BEA8-1B45-419E-BACD-49DB8888B1DE}"/>
+                  <a16:creationId xmlns:a16="http://schemas.microsoft.com/office/drawing/2014/main" id="{B953BEA8-1B45-419E-BACD-49DB8888B1DE}"/>
                 </a:ext>
                 <a:ext uri="{C183D7F6-B498-43B3-948B-1728B52AA6E4}">
-                  <adec:decorative xmlns:adec="http://schemas.microsoft.com/office/drawing/2017/decorative" xmlns="" val="1"/>
+                  <adec:decorative xmlns:adec="http://schemas.microsoft.com/office/drawing/2017/decorative" val="1"/>
                 </a:ext>
               </a:extLst>
             </p:cNvPr>
@@ -11526,7 +11519,7 @@
             <p:nvPr>
               <p:extLst>
                 <p:ext uri="{386F3935-93C4-4BCD-93E2-E3B085C9AB24}">
-                  <p16:designElem xmlns:p16="http://schemas.microsoft.com/office/powerpoint/2015/main" xmlns="" val="1"/>
+                  <p16:designElem xmlns:p16="http://schemas.microsoft.com/office/powerpoint/2015/main" val="1"/>
                 </p:ext>
               </p:extLst>
             </p:nvPr>
@@ -11572,10 +11565,10 @@
             <p:cNvPr id="26" name="Isosceles Triangle 25">
               <a:extLst>
                 <a:ext uri="{FF2B5EF4-FFF2-40B4-BE49-F238E27FC236}">
-                  <a16:creationId xmlns:a16="http://schemas.microsoft.com/office/drawing/2014/main" xmlns="" id="{72B7FA08-1FF3-4AED-B4E9-587D81D6B1B9}"/>
+                  <a16:creationId xmlns:a16="http://schemas.microsoft.com/office/drawing/2014/main" id="{72B7FA08-1FF3-4AED-B4E9-587D81D6B1B9}"/>
                 </a:ext>
                 <a:ext uri="{C183D7F6-B498-43B3-948B-1728B52AA6E4}">
-                  <adec:decorative xmlns:adec="http://schemas.microsoft.com/office/drawing/2017/decorative" xmlns="" val="1"/>
+                  <adec:decorative xmlns:adec="http://schemas.microsoft.com/office/drawing/2017/decorative" val="1"/>
                 </a:ext>
               </a:extLst>
             </p:cNvPr>
@@ -11583,7 +11576,7 @@
             <p:nvPr>
               <p:extLst>
                 <p:ext uri="{386F3935-93C4-4BCD-93E2-E3B085C9AB24}">
-                  <p16:designElem xmlns:p16="http://schemas.microsoft.com/office/powerpoint/2015/main" xmlns="" val="1"/>
+                  <p16:designElem xmlns:p16="http://schemas.microsoft.com/office/powerpoint/2015/main" val="1"/>
                 </p:ext>
               </p:extLst>
             </p:nvPr>
@@ -11629,7 +11622,7 @@
           <p:cNvPr id="2" name="Title 1">
             <a:extLst>
               <a:ext uri="{FF2B5EF4-FFF2-40B4-BE49-F238E27FC236}">
-                <a16:creationId xmlns:a16="http://schemas.microsoft.com/office/drawing/2014/main" xmlns="" id="{DCD84134-5E9E-4D7C-95CC-F3BC1CA1D5EC}"/>
+                <a16:creationId xmlns:a16="http://schemas.microsoft.com/office/drawing/2014/main" id="{DCD84134-5E9E-4D7C-95CC-F3BC1CA1D5EC}"/>
               </a:ext>
             </a:extLst>
           </p:cNvPr>
@@ -11664,7 +11657,7 @@
           <p:cNvPr id="9" name="Content Placeholder 8">
             <a:extLst>
               <a:ext uri="{FF2B5EF4-FFF2-40B4-BE49-F238E27FC236}">
-                <a16:creationId xmlns:a16="http://schemas.microsoft.com/office/drawing/2014/main" xmlns="" id="{BC61987B-D497-4FD4-ADA6-A3766854C0D3}"/>
+                <a16:creationId xmlns:a16="http://schemas.microsoft.com/office/drawing/2014/main" id="{BC61987B-D497-4FD4-ADA6-A3766854C0D3}"/>
               </a:ext>
             </a:extLst>
           </p:cNvPr>
@@ -11863,10 +11856,10 @@
           <p:cNvPr id="14" name="Rectangle 13">
             <a:extLst>
               <a:ext uri="{FF2B5EF4-FFF2-40B4-BE49-F238E27FC236}">
-                <a16:creationId xmlns:a16="http://schemas.microsoft.com/office/drawing/2014/main" xmlns="" id="{9F4444CE-BC8D-4D61-B303-4C05614E62AB}"/>
+                <a16:creationId xmlns:a16="http://schemas.microsoft.com/office/drawing/2014/main" id="{9F4444CE-BC8D-4D61-B303-4C05614E62AB}"/>
               </a:ext>
               <a:ext uri="{C183D7F6-B498-43B3-948B-1728B52AA6E4}">
-                <adec:decorative xmlns:adec="http://schemas.microsoft.com/office/drawing/2017/decorative" xmlns="" val="1"/>
+                <adec:decorative xmlns:adec="http://schemas.microsoft.com/office/drawing/2017/decorative" val="1"/>
               </a:ext>
             </a:extLst>
           </p:cNvPr>
@@ -11876,7 +11869,7 @@
           <p:nvPr>
             <p:extLst>
               <p:ext uri="{386F3935-93C4-4BCD-93E2-E3B085C9AB24}">
-                <p16:designElem xmlns:p16="http://schemas.microsoft.com/office/powerpoint/2015/main" xmlns="" val="1"/>
+                <p16:designElem xmlns:p16="http://schemas.microsoft.com/office/powerpoint/2015/main" val="1"/>
               </p:ext>
             </p:extLst>
           </p:nvPr>
@@ -11923,10 +11916,10 @@
           <p:cNvPr id="16" name="Rectangle 15">
             <a:extLst>
               <a:ext uri="{FF2B5EF4-FFF2-40B4-BE49-F238E27FC236}">
-                <a16:creationId xmlns:a16="http://schemas.microsoft.com/office/drawing/2014/main" xmlns="" id="{62423CA5-E2E1-4789-B759-9906C1C94063}"/>
+                <a16:creationId xmlns:a16="http://schemas.microsoft.com/office/drawing/2014/main" id="{62423CA5-E2E1-4789-B759-9906C1C94063}"/>
               </a:ext>
               <a:ext uri="{C183D7F6-B498-43B3-948B-1728B52AA6E4}">
-                <adec:decorative xmlns:adec="http://schemas.microsoft.com/office/drawing/2017/decorative" xmlns="" val="1"/>
+                <adec:decorative xmlns:adec="http://schemas.microsoft.com/office/drawing/2017/decorative" val="1"/>
               </a:ext>
             </a:extLst>
           </p:cNvPr>
@@ -11936,7 +11929,7 @@
           <p:nvPr>
             <p:extLst>
               <p:ext uri="{386F3935-93C4-4BCD-93E2-E3B085C9AB24}">
-                <p16:designElem xmlns:p16="http://schemas.microsoft.com/office/powerpoint/2015/main" xmlns="" val="1"/>
+                <p16:designElem xmlns:p16="http://schemas.microsoft.com/office/powerpoint/2015/main" val="1"/>
               </p:ext>
             </p:extLst>
           </p:nvPr>
@@ -11984,10 +11977,10 @@
           <p:cNvPr id="18" name="Isosceles Triangle 17">
             <a:extLst>
               <a:ext uri="{FF2B5EF4-FFF2-40B4-BE49-F238E27FC236}">
-                <a16:creationId xmlns:a16="http://schemas.microsoft.com/office/drawing/2014/main" xmlns="" id="{73772B81-181F-48B7-8826-4D9686D15DF5}"/>
+                <a16:creationId xmlns:a16="http://schemas.microsoft.com/office/drawing/2014/main" id="{73772B81-181F-48B7-8826-4D9686D15DF5}"/>
               </a:ext>
               <a:ext uri="{C183D7F6-B498-43B3-948B-1728B52AA6E4}">
-                <adec:decorative xmlns:adec="http://schemas.microsoft.com/office/drawing/2017/decorative" xmlns="" val="1"/>
+                <adec:decorative xmlns:adec="http://schemas.microsoft.com/office/drawing/2017/decorative" val="1"/>
               </a:ext>
             </a:extLst>
           </p:cNvPr>
@@ -11997,7 +11990,7 @@
           <p:nvPr>
             <p:extLst>
               <p:ext uri="{386F3935-93C4-4BCD-93E2-E3B085C9AB24}">
-                <p16:designElem xmlns:p16="http://schemas.microsoft.com/office/powerpoint/2015/main" xmlns="" val="1"/>
+                <p16:designElem xmlns:p16="http://schemas.microsoft.com/office/powerpoint/2015/main" val="1"/>
               </p:ext>
             </p:extLst>
           </p:nvPr>
@@ -12047,7 +12040,7 @@
           <p:cNvPr id="2" name="Title 1">
             <a:extLst>
               <a:ext uri="{FF2B5EF4-FFF2-40B4-BE49-F238E27FC236}">
-                <a16:creationId xmlns:a16="http://schemas.microsoft.com/office/drawing/2014/main" xmlns="" id="{DCD84134-5E9E-4D7C-95CC-F3BC1CA1D5EC}"/>
+                <a16:creationId xmlns:a16="http://schemas.microsoft.com/office/drawing/2014/main" id="{DCD84134-5E9E-4D7C-95CC-F3BC1CA1D5EC}"/>
               </a:ext>
             </a:extLst>
           </p:cNvPr>
@@ -12082,7 +12075,7 @@
           <p:cNvPr id="9" name="Content Placeholder 8">
             <a:extLst>
               <a:ext uri="{FF2B5EF4-FFF2-40B4-BE49-F238E27FC236}">
-                <a16:creationId xmlns:a16="http://schemas.microsoft.com/office/drawing/2014/main" xmlns="" id="{BC61987B-D497-4FD4-ADA6-A3766854C0D3}"/>
+                <a16:creationId xmlns:a16="http://schemas.microsoft.com/office/drawing/2014/main" id="{BC61987B-D497-4FD4-ADA6-A3766854C0D3}"/>
               </a:ext>
             </a:extLst>
           </p:cNvPr>
@@ -12128,7 +12121,7 @@
           <p:cNvPr id="4" name="Picture 3" descr="A picture containing text&#10;&#10;Description automatically generated">
             <a:extLst>
               <a:ext uri="{FF2B5EF4-FFF2-40B4-BE49-F238E27FC236}">
-                <a16:creationId xmlns:a16="http://schemas.microsoft.com/office/drawing/2014/main" xmlns="" id="{DCB997B6-208F-4316-B53B-E2683CD9640E}"/>
+                <a16:creationId xmlns:a16="http://schemas.microsoft.com/office/drawing/2014/main" id="{DCB997B6-208F-4316-B53B-E2683CD9640E}"/>
               </a:ext>
             </a:extLst>
           </p:cNvPr>
@@ -12164,10 +12157,10 @@
           <p:cNvPr id="20" name="Isosceles Triangle 19">
             <a:extLst>
               <a:ext uri="{FF2B5EF4-FFF2-40B4-BE49-F238E27FC236}">
-                <a16:creationId xmlns:a16="http://schemas.microsoft.com/office/drawing/2014/main" xmlns="" id="{B2205F6E-03C6-4E92-877C-E2482F6599AA}"/>
+                <a16:creationId xmlns:a16="http://schemas.microsoft.com/office/drawing/2014/main" id="{B2205F6E-03C6-4E92-877C-E2482F6599AA}"/>
               </a:ext>
               <a:ext uri="{C183D7F6-B498-43B3-948B-1728B52AA6E4}">
-                <adec:decorative xmlns:adec="http://schemas.microsoft.com/office/drawing/2017/decorative" xmlns="" val="1"/>
+                <adec:decorative xmlns:adec="http://schemas.microsoft.com/office/drawing/2017/decorative" val="1"/>
               </a:ext>
             </a:extLst>
           </p:cNvPr>
@@ -12177,7 +12170,7 @@
           <p:nvPr>
             <p:extLst>
               <p:ext uri="{386F3935-93C4-4BCD-93E2-E3B085C9AB24}">
-                <p16:designElem xmlns:p16="http://schemas.microsoft.com/office/powerpoint/2015/main" xmlns="" val="1"/>
+                <p16:designElem xmlns:p16="http://schemas.microsoft.com/office/powerpoint/2015/main" val="1"/>
               </p:ext>
             </p:extLst>
           </p:nvPr>
@@ -12267,10 +12260,10 @@
           <p:cNvPr id="14" name="Rectangle 13">
             <a:extLst>
               <a:ext uri="{FF2B5EF4-FFF2-40B4-BE49-F238E27FC236}">
-                <a16:creationId xmlns:a16="http://schemas.microsoft.com/office/drawing/2014/main" xmlns="" id="{9F4444CE-BC8D-4D61-B303-4C05614E62AB}"/>
+                <a16:creationId xmlns:a16="http://schemas.microsoft.com/office/drawing/2014/main" id="{9F4444CE-BC8D-4D61-B303-4C05614E62AB}"/>
               </a:ext>
               <a:ext uri="{C183D7F6-B498-43B3-948B-1728B52AA6E4}">
-                <adec:decorative xmlns:adec="http://schemas.microsoft.com/office/drawing/2017/decorative" xmlns="" val="1"/>
+                <adec:decorative xmlns:adec="http://schemas.microsoft.com/office/drawing/2017/decorative" val="1"/>
               </a:ext>
             </a:extLst>
           </p:cNvPr>
@@ -12280,7 +12273,7 @@
           <p:nvPr>
             <p:extLst>
               <p:ext uri="{386F3935-93C4-4BCD-93E2-E3B085C9AB24}">
-                <p16:designElem xmlns:p16="http://schemas.microsoft.com/office/powerpoint/2015/main" xmlns="" val="1"/>
+                <p16:designElem xmlns:p16="http://schemas.microsoft.com/office/powerpoint/2015/main" val="1"/>
               </p:ext>
             </p:extLst>
           </p:nvPr>
@@ -12327,10 +12320,10 @@
           <p:cNvPr id="16" name="Rectangle 15">
             <a:extLst>
               <a:ext uri="{FF2B5EF4-FFF2-40B4-BE49-F238E27FC236}">
-                <a16:creationId xmlns:a16="http://schemas.microsoft.com/office/drawing/2014/main" xmlns="" id="{62423CA5-E2E1-4789-B759-9906C1C94063}"/>
+                <a16:creationId xmlns:a16="http://schemas.microsoft.com/office/drawing/2014/main" id="{62423CA5-E2E1-4789-B759-9906C1C94063}"/>
               </a:ext>
               <a:ext uri="{C183D7F6-B498-43B3-948B-1728B52AA6E4}">
-                <adec:decorative xmlns:adec="http://schemas.microsoft.com/office/drawing/2017/decorative" xmlns="" val="1"/>
+                <adec:decorative xmlns:adec="http://schemas.microsoft.com/office/drawing/2017/decorative" val="1"/>
               </a:ext>
             </a:extLst>
           </p:cNvPr>
@@ -12340,7 +12333,7 @@
           <p:nvPr>
             <p:extLst>
               <p:ext uri="{386F3935-93C4-4BCD-93E2-E3B085C9AB24}">
-                <p16:designElem xmlns:p16="http://schemas.microsoft.com/office/powerpoint/2015/main" xmlns="" val="1"/>
+                <p16:designElem xmlns:p16="http://schemas.microsoft.com/office/powerpoint/2015/main" val="1"/>
               </p:ext>
             </p:extLst>
           </p:nvPr>
@@ -12388,10 +12381,10 @@
           <p:cNvPr id="18" name="Isosceles Triangle 17">
             <a:extLst>
               <a:ext uri="{FF2B5EF4-FFF2-40B4-BE49-F238E27FC236}">
-                <a16:creationId xmlns:a16="http://schemas.microsoft.com/office/drawing/2014/main" xmlns="" id="{73772B81-181F-48B7-8826-4D9686D15DF5}"/>
+                <a16:creationId xmlns:a16="http://schemas.microsoft.com/office/drawing/2014/main" id="{73772B81-181F-48B7-8826-4D9686D15DF5}"/>
               </a:ext>
               <a:ext uri="{C183D7F6-B498-43B3-948B-1728B52AA6E4}">
-                <adec:decorative xmlns:adec="http://schemas.microsoft.com/office/drawing/2017/decorative" xmlns="" val="1"/>
+                <adec:decorative xmlns:adec="http://schemas.microsoft.com/office/drawing/2017/decorative" val="1"/>
               </a:ext>
             </a:extLst>
           </p:cNvPr>
@@ -12401,7 +12394,7 @@
           <p:nvPr>
             <p:extLst>
               <p:ext uri="{386F3935-93C4-4BCD-93E2-E3B085C9AB24}">
-                <p16:designElem xmlns:p16="http://schemas.microsoft.com/office/powerpoint/2015/main" xmlns="" val="1"/>
+                <p16:designElem xmlns:p16="http://schemas.microsoft.com/office/powerpoint/2015/main" val="1"/>
               </p:ext>
             </p:extLst>
           </p:nvPr>
@@ -12451,7 +12444,7 @@
           <p:cNvPr id="2" name="Title 1">
             <a:extLst>
               <a:ext uri="{FF2B5EF4-FFF2-40B4-BE49-F238E27FC236}">
-                <a16:creationId xmlns:a16="http://schemas.microsoft.com/office/drawing/2014/main" xmlns="" id="{DCD84134-5E9E-4D7C-95CC-F3BC1CA1D5EC}"/>
+                <a16:creationId xmlns:a16="http://schemas.microsoft.com/office/drawing/2014/main" id="{DCD84134-5E9E-4D7C-95CC-F3BC1CA1D5EC}"/>
               </a:ext>
             </a:extLst>
           </p:cNvPr>
@@ -12491,7 +12484,7 @@
           <p:cNvPr id="9" name="Content Placeholder 8">
             <a:extLst>
               <a:ext uri="{FF2B5EF4-FFF2-40B4-BE49-F238E27FC236}">
-                <a16:creationId xmlns:a16="http://schemas.microsoft.com/office/drawing/2014/main" xmlns="" id="{BC61987B-D497-4FD4-ADA6-A3766854C0D3}"/>
+                <a16:creationId xmlns:a16="http://schemas.microsoft.com/office/drawing/2014/main" id="{BC61987B-D497-4FD4-ADA6-A3766854C0D3}"/>
               </a:ext>
             </a:extLst>
           </p:cNvPr>
@@ -12547,7 +12540,7 @@
           <p:cNvPr id="5" name="Picture 4" descr="A picture containing icon&#10;&#10;Description automatically generated">
             <a:extLst>
               <a:ext uri="{FF2B5EF4-FFF2-40B4-BE49-F238E27FC236}">
-                <a16:creationId xmlns:a16="http://schemas.microsoft.com/office/drawing/2014/main" xmlns="" id="{ECE99C56-D4DC-48E4-960B-FC145A0B75DB}"/>
+                <a16:creationId xmlns:a16="http://schemas.microsoft.com/office/drawing/2014/main" id="{ECE99C56-D4DC-48E4-960B-FC145A0B75DB}"/>
               </a:ext>
             </a:extLst>
           </p:cNvPr>
@@ -12583,10 +12576,10 @@
           <p:cNvPr id="20" name="Isosceles Triangle 19">
             <a:extLst>
               <a:ext uri="{FF2B5EF4-FFF2-40B4-BE49-F238E27FC236}">
-                <a16:creationId xmlns:a16="http://schemas.microsoft.com/office/drawing/2014/main" xmlns="" id="{B2205F6E-03C6-4E92-877C-E2482F6599AA}"/>
+                <a16:creationId xmlns:a16="http://schemas.microsoft.com/office/drawing/2014/main" id="{B2205F6E-03C6-4E92-877C-E2482F6599AA}"/>
               </a:ext>
               <a:ext uri="{C183D7F6-B498-43B3-948B-1728B52AA6E4}">
-                <adec:decorative xmlns:adec="http://schemas.microsoft.com/office/drawing/2017/decorative" xmlns="" val="1"/>
+                <adec:decorative xmlns:adec="http://schemas.microsoft.com/office/drawing/2017/decorative" val="1"/>
               </a:ext>
             </a:extLst>
           </p:cNvPr>
@@ -12596,7 +12589,7 @@
           <p:nvPr>
             <p:extLst>
               <p:ext uri="{386F3935-93C4-4BCD-93E2-E3B085C9AB24}">
-                <p16:designElem xmlns:p16="http://schemas.microsoft.com/office/powerpoint/2015/main" xmlns="" val="1"/>
+                <p16:designElem xmlns:p16="http://schemas.microsoft.com/office/powerpoint/2015/main" val="1"/>
               </p:ext>
             </p:extLst>
           </p:nvPr>
@@ -12686,10 +12679,10 @@
           <p:cNvPr id="14" name="Rectangle 13">
             <a:extLst>
               <a:ext uri="{FF2B5EF4-FFF2-40B4-BE49-F238E27FC236}">
-                <a16:creationId xmlns:a16="http://schemas.microsoft.com/office/drawing/2014/main" xmlns="" id="{9F4444CE-BC8D-4D61-B303-4C05614E62AB}"/>
+                <a16:creationId xmlns:a16="http://schemas.microsoft.com/office/drawing/2014/main" id="{9F4444CE-BC8D-4D61-B303-4C05614E62AB}"/>
               </a:ext>
               <a:ext uri="{C183D7F6-B498-43B3-948B-1728B52AA6E4}">
-                <adec:decorative xmlns:adec="http://schemas.microsoft.com/office/drawing/2017/decorative" xmlns="" val="1"/>
+                <adec:decorative xmlns:adec="http://schemas.microsoft.com/office/drawing/2017/decorative" val="1"/>
               </a:ext>
             </a:extLst>
           </p:cNvPr>
@@ -12699,7 +12692,7 @@
           <p:nvPr>
             <p:extLst>
               <p:ext uri="{386F3935-93C4-4BCD-93E2-E3B085C9AB24}">
-                <p16:designElem xmlns:p16="http://schemas.microsoft.com/office/powerpoint/2015/main" xmlns="" val="1"/>
+                <p16:designElem xmlns:p16="http://schemas.microsoft.com/office/powerpoint/2015/main" val="1"/>
               </p:ext>
             </p:extLst>
           </p:nvPr>
@@ -12746,10 +12739,10 @@
           <p:cNvPr id="16" name="Rectangle 15">
             <a:extLst>
               <a:ext uri="{FF2B5EF4-FFF2-40B4-BE49-F238E27FC236}">
-                <a16:creationId xmlns:a16="http://schemas.microsoft.com/office/drawing/2014/main" xmlns="" id="{62423CA5-E2E1-4789-B759-9906C1C94063}"/>
+                <a16:creationId xmlns:a16="http://schemas.microsoft.com/office/drawing/2014/main" id="{62423CA5-E2E1-4789-B759-9906C1C94063}"/>
               </a:ext>
               <a:ext uri="{C183D7F6-B498-43B3-948B-1728B52AA6E4}">
-                <adec:decorative xmlns:adec="http://schemas.microsoft.com/office/drawing/2017/decorative" xmlns="" val="1"/>
+                <adec:decorative xmlns:adec="http://schemas.microsoft.com/office/drawing/2017/decorative" val="1"/>
               </a:ext>
             </a:extLst>
           </p:cNvPr>
@@ -12759,7 +12752,7 @@
           <p:nvPr>
             <p:extLst>
               <p:ext uri="{386F3935-93C4-4BCD-93E2-E3B085C9AB24}">
-                <p16:designElem xmlns:p16="http://schemas.microsoft.com/office/powerpoint/2015/main" xmlns="" val="1"/>
+                <p16:designElem xmlns:p16="http://schemas.microsoft.com/office/powerpoint/2015/main" val="1"/>
               </p:ext>
             </p:extLst>
           </p:nvPr>
@@ -12807,10 +12800,10 @@
           <p:cNvPr id="18" name="Isosceles Triangle 17">
             <a:extLst>
               <a:ext uri="{FF2B5EF4-FFF2-40B4-BE49-F238E27FC236}">
-                <a16:creationId xmlns:a16="http://schemas.microsoft.com/office/drawing/2014/main" xmlns="" id="{73772B81-181F-48B7-8826-4D9686D15DF5}"/>
+                <a16:creationId xmlns:a16="http://schemas.microsoft.com/office/drawing/2014/main" id="{73772B81-181F-48B7-8826-4D9686D15DF5}"/>
               </a:ext>
               <a:ext uri="{C183D7F6-B498-43B3-948B-1728B52AA6E4}">
-                <adec:decorative xmlns:adec="http://schemas.microsoft.com/office/drawing/2017/decorative" xmlns="" val="1"/>
+                <adec:decorative xmlns:adec="http://schemas.microsoft.com/office/drawing/2017/decorative" val="1"/>
               </a:ext>
             </a:extLst>
           </p:cNvPr>
@@ -12820,7 +12813,7 @@
           <p:nvPr>
             <p:extLst>
               <p:ext uri="{386F3935-93C4-4BCD-93E2-E3B085C9AB24}">
-                <p16:designElem xmlns:p16="http://schemas.microsoft.com/office/powerpoint/2015/main" xmlns="" val="1"/>
+                <p16:designElem xmlns:p16="http://schemas.microsoft.com/office/powerpoint/2015/main" val="1"/>
               </p:ext>
             </p:extLst>
           </p:nvPr>
@@ -12870,7 +12863,7 @@
           <p:cNvPr id="2" name="Title 1">
             <a:extLst>
               <a:ext uri="{FF2B5EF4-FFF2-40B4-BE49-F238E27FC236}">
-                <a16:creationId xmlns:a16="http://schemas.microsoft.com/office/drawing/2014/main" xmlns="" id="{DCD84134-5E9E-4D7C-95CC-F3BC1CA1D5EC}"/>
+                <a16:creationId xmlns:a16="http://schemas.microsoft.com/office/drawing/2014/main" id="{DCD84134-5E9E-4D7C-95CC-F3BC1CA1D5EC}"/>
               </a:ext>
             </a:extLst>
           </p:cNvPr>
@@ -12910,7 +12903,7 @@
           <p:cNvPr id="9" name="Content Placeholder 8">
             <a:extLst>
               <a:ext uri="{FF2B5EF4-FFF2-40B4-BE49-F238E27FC236}">
-                <a16:creationId xmlns:a16="http://schemas.microsoft.com/office/drawing/2014/main" xmlns="" id="{BC61987B-D497-4FD4-ADA6-A3766854C0D3}"/>
+                <a16:creationId xmlns:a16="http://schemas.microsoft.com/office/drawing/2014/main" id="{BC61987B-D497-4FD4-ADA6-A3766854C0D3}"/>
               </a:ext>
             </a:extLst>
           </p:cNvPr>
@@ -12966,7 +12959,7 @@
           <p:cNvPr id="4" name="Picture 3" descr="Diagram&#10;&#10;Description automatically generated with medium confidence">
             <a:extLst>
               <a:ext uri="{FF2B5EF4-FFF2-40B4-BE49-F238E27FC236}">
-                <a16:creationId xmlns:a16="http://schemas.microsoft.com/office/drawing/2014/main" xmlns="" id="{A3CA4ADE-29CD-4C7E-90AE-4AE49367C6BE}"/>
+                <a16:creationId xmlns:a16="http://schemas.microsoft.com/office/drawing/2014/main" id="{A3CA4ADE-29CD-4C7E-90AE-4AE49367C6BE}"/>
               </a:ext>
             </a:extLst>
           </p:cNvPr>
@@ -13002,10 +12995,10 @@
           <p:cNvPr id="20" name="Isosceles Triangle 19">
             <a:extLst>
               <a:ext uri="{FF2B5EF4-FFF2-40B4-BE49-F238E27FC236}">
-                <a16:creationId xmlns:a16="http://schemas.microsoft.com/office/drawing/2014/main" xmlns="" id="{B2205F6E-03C6-4E92-877C-E2482F6599AA}"/>
+                <a16:creationId xmlns:a16="http://schemas.microsoft.com/office/drawing/2014/main" id="{B2205F6E-03C6-4E92-877C-E2482F6599AA}"/>
               </a:ext>
               <a:ext uri="{C183D7F6-B498-43B3-948B-1728B52AA6E4}">
-                <adec:decorative xmlns:adec="http://schemas.microsoft.com/office/drawing/2017/decorative" xmlns="" val="1"/>
+                <adec:decorative xmlns:adec="http://schemas.microsoft.com/office/drawing/2017/decorative" val="1"/>
               </a:ext>
             </a:extLst>
           </p:cNvPr>
@@ -13015,7 +13008,7 @@
           <p:nvPr>
             <p:extLst>
               <p:ext uri="{386F3935-93C4-4BCD-93E2-E3B085C9AB24}">
-                <p16:designElem xmlns:p16="http://schemas.microsoft.com/office/powerpoint/2015/main" xmlns="" val="1"/>
+                <p16:designElem xmlns:p16="http://schemas.microsoft.com/office/powerpoint/2015/main" val="1"/>
               </p:ext>
             </p:extLst>
           </p:nvPr>
@@ -13107,7 +13100,7 @@
           <p:cNvPr id="2" name="Title 1">
             <a:extLst>
               <a:ext uri="{FF2B5EF4-FFF2-40B4-BE49-F238E27FC236}">
-                <a16:creationId xmlns:a16="http://schemas.microsoft.com/office/drawing/2014/main" xmlns="" id="{DCD84134-5E9E-4D7C-95CC-F3BC1CA1D5EC}"/>
+                <a16:creationId xmlns:a16="http://schemas.microsoft.com/office/drawing/2014/main" id="{DCD84134-5E9E-4D7C-95CC-F3BC1CA1D5EC}"/>
               </a:ext>
             </a:extLst>
           </p:cNvPr>
@@ -13140,7 +13133,7 @@
           <p:cNvPr id="4" name="Content Placeholder 3" descr="A picture containing text&#10;&#10;Description automatically generated">
             <a:extLst>
               <a:ext uri="{FF2B5EF4-FFF2-40B4-BE49-F238E27FC236}">
-                <a16:creationId xmlns:a16="http://schemas.microsoft.com/office/drawing/2014/main" xmlns="" id="{9198997C-20B9-44B7-A541-A5EBC11E1E40}"/>
+                <a16:creationId xmlns:a16="http://schemas.microsoft.com/office/drawing/2014/main" id="{9198997C-20B9-44B7-A541-A5EBC11E1E40}"/>
               </a:ext>
             </a:extLst>
           </p:cNvPr>
@@ -13215,7 +13208,7 @@
           <p:cNvPr id="2" name="Title 1">
             <a:extLst>
               <a:ext uri="{FF2B5EF4-FFF2-40B4-BE49-F238E27FC236}">
-                <a16:creationId xmlns:a16="http://schemas.microsoft.com/office/drawing/2014/main" xmlns="" id="{DCD84134-5E9E-4D7C-95CC-F3BC1CA1D5EC}"/>
+                <a16:creationId xmlns:a16="http://schemas.microsoft.com/office/drawing/2014/main" id="{DCD84134-5E9E-4D7C-95CC-F3BC1CA1D5EC}"/>
               </a:ext>
             </a:extLst>
           </p:cNvPr>
@@ -13248,7 +13241,7 @@
           <p:cNvPr id="7" name="Content Placeholder 6" descr="Diagram&#10;&#10;Description automatically generated">
             <a:extLst>
               <a:ext uri="{FF2B5EF4-FFF2-40B4-BE49-F238E27FC236}">
-                <a16:creationId xmlns:a16="http://schemas.microsoft.com/office/drawing/2014/main" xmlns="" id="{7E155FDA-A12D-483A-9ACE-099CA053F1BC}"/>
+                <a16:creationId xmlns:a16="http://schemas.microsoft.com/office/drawing/2014/main" id="{7E155FDA-A12D-483A-9ACE-099CA053F1BC}"/>
               </a:ext>
             </a:extLst>
           </p:cNvPr>
@@ -13327,10 +13320,43 @@
       </p:grpSpPr>
       <p:sp>
         <p:nvSpPr>
-          <p:cNvPr id="6" name="Content Placeholder 5">
+          <p:cNvPr id="2" name="Nadpis 1">
             <a:extLst>
               <a:ext uri="{FF2B5EF4-FFF2-40B4-BE49-F238E27FC236}">
-                <a16:creationId xmlns:a16="http://schemas.microsoft.com/office/drawing/2014/main" xmlns="" id="{06D6DC8E-9AAC-45D7-8E08-6ACB31D31E4A}"/>
+                <a16:creationId xmlns:a16="http://schemas.microsoft.com/office/drawing/2014/main" id="{D7D5518C-9959-DEFC-EFEC-FD204037AAAA}"/>
+              </a:ext>
+            </a:extLst>
+          </p:cNvPr>
+          <p:cNvSpPr>
+            <a:spLocks noGrp="1"/>
+          </p:cNvSpPr>
+          <p:nvPr>
+            <p:ph type="title"/>
+          </p:nvPr>
+        </p:nvSpPr>
+        <p:spPr/>
+        <p:txBody>
+          <a:bodyPr/>
+          <a:lstStyle/>
+          <a:p>
+            <a:r>
+              <a:rPr lang="sk-SK" dirty="0"/>
+              <a:t>Príklad implementácie </a:t>
+            </a:r>
+            <a:r>
+              <a:rPr lang="sk-SK" dirty="0" err="1"/>
+              <a:t>Iteratora</a:t>
+            </a:r>
+            <a:endParaRPr lang="sk-SK" dirty="0"/>
+          </a:p>
+        </p:txBody>
+      </p:sp>
+      <p:sp>
+        <p:nvSpPr>
+          <p:cNvPr id="3" name="Zástupný objekt pre obsah 2">
+            <a:extLst>
+              <a:ext uri="{FF2B5EF4-FFF2-40B4-BE49-F238E27FC236}">
+                <a16:creationId xmlns:a16="http://schemas.microsoft.com/office/drawing/2014/main" id="{1E174419-8FFF-B92F-2CD8-582DF97CE6B4}"/>
               </a:ext>
             </a:extLst>
           </p:cNvPr>
@@ -13341,74 +13367,79 @@
             <p:ph idx="1"/>
           </p:nvPr>
         </p:nvSpPr>
+        <p:spPr/>
+        <p:txBody>
+          <a:bodyPr/>
+          <a:lstStyle/>
+          <a:p>
+            <a:endParaRPr lang="sk-SK"/>
+          </a:p>
+        </p:txBody>
+      </p:sp>
+      <p:pic>
+        <p:nvPicPr>
+          <p:cNvPr id="5" name="Obrázok 4">
+            <a:extLst>
+              <a:ext uri="{FF2B5EF4-FFF2-40B4-BE49-F238E27FC236}">
+                <a16:creationId xmlns:a16="http://schemas.microsoft.com/office/drawing/2014/main" id="{328C3934-0370-26CD-2645-F2C9896389F5}"/>
+              </a:ext>
+            </a:extLst>
+          </p:cNvPr>
+          <p:cNvPicPr>
+            <a:picLocks noChangeAspect="1"/>
+          </p:cNvPicPr>
+          <p:nvPr/>
+        </p:nvPicPr>
+        <p:blipFill>
+          <a:blip r:embed="rId2"/>
+          <a:stretch>
+            <a:fillRect/>
+          </a:stretch>
+        </p:blipFill>
         <p:spPr>
           <a:xfrm>
-            <a:off x="2877609" y="2874965"/>
-            <a:ext cx="5247216" cy="630235"/>
+            <a:off x="225924" y="1562100"/>
+            <a:ext cx="5483051" cy="4911156"/>
           </a:xfrm>
+          <a:prstGeom prst="rect">
+            <a:avLst/>
+          </a:prstGeom>
         </p:spPr>
-        <p:txBody>
-          <a:bodyPr>
-            <a:normAutofit/>
-          </a:bodyPr>
-          <a:lstStyle/>
-          <a:p>
-            <a:pPr marL="0" indent="0" algn="ctr">
-              <a:buNone/>
-            </a:pPr>
-            <a:r>
-              <a:rPr lang="en-US" sz="3200" dirty="0" err="1">
-                <a:solidFill>
-                  <a:schemeClr val="accent1"/>
-                </a:solidFill>
-              </a:rPr>
-              <a:t>Ďakujeme</a:t>
-            </a:r>
-            <a:r>
-              <a:rPr lang="en-US" sz="3200" dirty="0">
-                <a:solidFill>
-                  <a:schemeClr val="accent1"/>
-                </a:solidFill>
-              </a:rPr>
-              <a:t> za </a:t>
-            </a:r>
-            <a:r>
-              <a:rPr lang="en-US" sz="3200" dirty="0" err="1">
-                <a:solidFill>
-                  <a:schemeClr val="accent1"/>
-                </a:solidFill>
-              </a:rPr>
-              <a:t>pozornosť</a:t>
-            </a:r>
-            <a:r>
-              <a:rPr lang="en-US" sz="3200" dirty="0">
-                <a:solidFill>
-                  <a:schemeClr val="accent1"/>
-                </a:solidFill>
-              </a:rPr>
-              <a:t> </a:t>
-            </a:r>
-            <a:r>
-              <a:rPr lang="en-US" sz="3200" dirty="0">
-                <a:solidFill>
-                  <a:schemeClr val="accent1"/>
-                </a:solidFill>
-                <a:sym typeface="Wingdings" panose="05000000000000000000" pitchFamily="2" charset="2"/>
-              </a:rPr>
-              <a:t></a:t>
-            </a:r>
-            <a:endParaRPr lang="en-US" sz="3200" dirty="0">
-              <a:solidFill>
-                <a:schemeClr val="accent1"/>
-              </a:solidFill>
-            </a:endParaRPr>
-          </a:p>
-        </p:txBody>
-      </p:sp>
+      </p:pic>
+      <p:pic>
+        <p:nvPicPr>
+          <p:cNvPr id="9" name="Obrázok 8">
+            <a:extLst>
+              <a:ext uri="{FF2B5EF4-FFF2-40B4-BE49-F238E27FC236}">
+                <a16:creationId xmlns:a16="http://schemas.microsoft.com/office/drawing/2014/main" id="{4135029C-B081-ECFA-6672-271A3C49B462}"/>
+              </a:ext>
+            </a:extLst>
+          </p:cNvPr>
+          <p:cNvPicPr>
+            <a:picLocks noChangeAspect="1"/>
+          </p:cNvPicPr>
+          <p:nvPr/>
+        </p:nvPicPr>
+        <p:blipFill>
+          <a:blip r:embed="rId3"/>
+          <a:stretch>
+            <a:fillRect/>
+          </a:stretch>
+        </p:blipFill>
+        <p:spPr>
+          <a:xfrm>
+            <a:off x="5781674" y="1562099"/>
+            <a:ext cx="6274327" cy="4911155"/>
+          </a:xfrm>
+          <a:prstGeom prst="rect">
+            <a:avLst/>
+          </a:prstGeom>
+        </p:spPr>
+      </p:pic>
     </p:spTree>
     <p:extLst>
       <p:ext uri="{BB962C8B-B14F-4D97-AF65-F5344CB8AC3E}">
-        <p14:creationId xmlns:p14="http://schemas.microsoft.com/office/powerpoint/2010/main" val="3723738481"/>
+        <p14:creationId xmlns:p14="http://schemas.microsoft.com/office/powerpoint/2010/main" val="1514317194"/>
       </p:ext>
     </p:extLst>
   </p:cSld>
@@ -13447,10 +13478,130 @@
       </p:grpSpPr>
       <p:sp>
         <p:nvSpPr>
+          <p:cNvPr id="6" name="Content Placeholder 5">
+            <a:extLst>
+              <a:ext uri="{FF2B5EF4-FFF2-40B4-BE49-F238E27FC236}">
+                <a16:creationId xmlns:a16="http://schemas.microsoft.com/office/drawing/2014/main" id="{06D6DC8E-9AAC-45D7-8E08-6ACB31D31E4A}"/>
+              </a:ext>
+            </a:extLst>
+          </p:cNvPr>
+          <p:cNvSpPr>
+            <a:spLocks noGrp="1"/>
+          </p:cNvSpPr>
+          <p:nvPr>
+            <p:ph idx="1"/>
+          </p:nvPr>
+        </p:nvSpPr>
+        <p:spPr>
+          <a:xfrm>
+            <a:off x="2877609" y="2874965"/>
+            <a:ext cx="5247216" cy="630235"/>
+          </a:xfrm>
+        </p:spPr>
+        <p:txBody>
+          <a:bodyPr>
+            <a:normAutofit/>
+          </a:bodyPr>
+          <a:lstStyle/>
+          <a:p>
+            <a:pPr marL="0" indent="0" algn="ctr">
+              <a:buNone/>
+            </a:pPr>
+            <a:r>
+              <a:rPr lang="en-US" sz="3200" dirty="0" err="1">
+                <a:solidFill>
+                  <a:schemeClr val="accent1"/>
+                </a:solidFill>
+              </a:rPr>
+              <a:t>Ďakujeme</a:t>
+            </a:r>
+            <a:r>
+              <a:rPr lang="en-US" sz="3200" dirty="0">
+                <a:solidFill>
+                  <a:schemeClr val="accent1"/>
+                </a:solidFill>
+              </a:rPr>
+              <a:t> za </a:t>
+            </a:r>
+            <a:r>
+              <a:rPr lang="en-US" sz="3200" dirty="0" err="1">
+                <a:solidFill>
+                  <a:schemeClr val="accent1"/>
+                </a:solidFill>
+              </a:rPr>
+              <a:t>pozornosť</a:t>
+            </a:r>
+            <a:r>
+              <a:rPr lang="en-US" sz="3200" dirty="0">
+                <a:solidFill>
+                  <a:schemeClr val="accent1"/>
+                </a:solidFill>
+              </a:rPr>
+              <a:t> </a:t>
+            </a:r>
+            <a:r>
+              <a:rPr lang="en-US" sz="3200" dirty="0">
+                <a:solidFill>
+                  <a:schemeClr val="accent1"/>
+                </a:solidFill>
+                <a:sym typeface="Wingdings" panose="05000000000000000000" pitchFamily="2" charset="2"/>
+              </a:rPr>
+              <a:t></a:t>
+            </a:r>
+            <a:endParaRPr lang="en-US" sz="3200" dirty="0">
+              <a:solidFill>
+                <a:schemeClr val="accent1"/>
+              </a:solidFill>
+            </a:endParaRPr>
+          </a:p>
+        </p:txBody>
+      </p:sp>
+    </p:spTree>
+    <p:extLst>
+      <p:ext uri="{BB962C8B-B14F-4D97-AF65-F5344CB8AC3E}">
+        <p14:creationId xmlns:p14="http://schemas.microsoft.com/office/powerpoint/2010/main" val="3723738481"/>
+      </p:ext>
+    </p:extLst>
+  </p:cSld>
+  <p:clrMapOvr>
+    <a:masterClrMapping/>
+  </p:clrMapOvr>
+</p:sld>
+</file>
+
+<file path=ppt/slides/slide28.xml><?xml version="1.0" encoding="utf-8"?>
+<p:sld xmlns:a="http://schemas.openxmlformats.org/drawingml/2006/main" xmlns:r="http://schemas.openxmlformats.org/officeDocument/2006/relationships" xmlns:p="http://schemas.openxmlformats.org/presentationml/2006/main">
+  <p:cSld>
+    <p:bg>
+      <p:bgPr>
+        <a:solidFill>
+          <a:schemeClr val="tx2">
+            <a:lumMod val="75000"/>
+          </a:schemeClr>
+        </a:solidFill>
+        <a:effectLst/>
+      </p:bgPr>
+    </p:bg>
+    <p:spTree>
+      <p:nvGrpSpPr>
+        <p:cNvPr id="1" name=""/>
+        <p:cNvGrpSpPr/>
+        <p:nvPr/>
+      </p:nvGrpSpPr>
+      <p:grpSpPr>
+        <a:xfrm>
+          <a:off x="0" y="0"/>
+          <a:ext cx="0" cy="0"/>
+          <a:chOff x="0" y="0"/>
+          <a:chExt cx="0" cy="0"/>
+        </a:xfrm>
+      </p:grpSpPr>
+      <p:sp>
+        <p:nvSpPr>
           <p:cNvPr id="3" name="Content Placeholder 2">
             <a:extLst>
               <a:ext uri="{FF2B5EF4-FFF2-40B4-BE49-F238E27FC236}">
-                <a16:creationId xmlns:a16="http://schemas.microsoft.com/office/drawing/2014/main" xmlns="" id="{E24841CD-DE6F-492E-8B27-145AD86A16B2}"/>
+                <a16:creationId xmlns:a16="http://schemas.microsoft.com/office/drawing/2014/main" id="{E24841CD-DE6F-492E-8B27-145AD86A16B2}"/>
               </a:ext>
             </a:extLst>
           </p:cNvPr>
@@ -13463,11 +13614,13 @@
         </p:nvSpPr>
         <p:spPr/>
         <p:txBody>
-          <a:bodyPr/>
+          <a:bodyPr>
+            <a:normAutofit fontScale="92500" lnSpcReduction="10000"/>
+          </a:bodyPr>
           <a:lstStyle/>
           <a:p>
             <a:r>
-              <a:rPr lang="en-US" dirty="0" err="1">
+              <a:rPr lang="en-US" sz="2400" b="1" dirty="0" err="1">
                 <a:solidFill>
                   <a:schemeClr val="accent1"/>
                 </a:solidFill>
@@ -13475,7 +13628,7 @@
               <a:t>Zdroje</a:t>
             </a:r>
             <a:r>
-              <a:rPr lang="en-US" dirty="0">
+              <a:rPr lang="en-US" sz="2400" b="1" dirty="0">
                 <a:solidFill>
                   <a:schemeClr val="accent1"/>
                 </a:solidFill>
@@ -13489,11 +13642,14 @@
             </a:pPr>
             <a:r>
               <a:rPr lang="en-US" dirty="0">
+                <a:latin typeface="+mj-lt"/>
                 <a:hlinkClick r:id="rId2"/>
               </a:rPr>
               <a:t>https://refactoring.guru/design-patterns/iterator</a:t>
             </a:r>
-            <a:endParaRPr lang="en-US" dirty="0"/>
+            <a:endParaRPr lang="en-US" dirty="0">
+              <a:latin typeface="+mj-lt"/>
+            </a:endParaRPr>
           </a:p>
           <a:p>
             <a:pPr marL="0" indent="0">
@@ -13501,11 +13657,14 @@
             </a:pPr>
             <a:r>
               <a:rPr lang="en-US" dirty="0">
+                <a:latin typeface="+mj-lt"/>
                 <a:hlinkClick r:id="rId3"/>
               </a:rPr>
               <a:t>https://refactoring.guru/design-patterns/chain-of-responsibility</a:t>
             </a:r>
-            <a:endParaRPr lang="en-US" dirty="0"/>
+            <a:endParaRPr lang="en-US" dirty="0">
+              <a:latin typeface="+mj-lt"/>
+            </a:endParaRPr>
           </a:p>
           <a:p>
             <a:pPr marL="0" indent="0">
@@ -13513,11 +13672,14 @@
             </a:pPr>
             <a:r>
               <a:rPr lang="en-US" dirty="0">
+                <a:latin typeface="+mj-lt"/>
                 <a:hlinkClick r:id="rId4"/>
               </a:rPr>
               <a:t>https://refactoring.guru/design-patterns/command</a:t>
             </a:r>
-            <a:endParaRPr lang="en-US" dirty="0"/>
+            <a:endParaRPr lang="en-US" dirty="0">
+              <a:latin typeface="+mj-lt"/>
+            </a:endParaRPr>
           </a:p>
           <a:p>
             <a:pPr marL="0" indent="0">
@@ -13525,11 +13687,146 @@
             </a:pPr>
             <a:r>
               <a:rPr lang="en-US" dirty="0">
+                <a:latin typeface="+mj-lt"/>
                 <a:hlinkClick r:id="rId5"/>
               </a:rPr>
               <a:t>https://www.tutorialspoint.com/design_pattern/interpreter_pattern.htm</a:t>
             </a:r>
-            <a:endParaRPr lang="en-US" dirty="0"/>
+            <a:endParaRPr lang="sk-SK" dirty="0">
+              <a:latin typeface="+mj-lt"/>
+            </a:endParaRPr>
+          </a:p>
+          <a:p>
+            <a:pPr marL="0" indent="0">
+              <a:buNone/>
+            </a:pPr>
+            <a:r>
+              <a:rPr lang="sk-SK" b="0" i="0" u="sng" dirty="0">
+                <a:solidFill>
+                  <a:srgbClr val="E4E6EB"/>
+                </a:solidFill>
+                <a:effectLst/>
+                <a:latin typeface="+mj-lt"/>
+                <a:hlinkClick r:id="rId6"/>
+              </a:rPr>
+              <a:t>https://www.algoritmy.net/article/51224/Navrhove-vzory</a:t>
+            </a:r>
+            <a:endParaRPr lang="sk-SK" b="0" i="0" u="sng" dirty="0">
+              <a:solidFill>
+                <a:srgbClr val="E4E6EB"/>
+              </a:solidFill>
+              <a:effectLst/>
+              <a:latin typeface="+mj-lt"/>
+            </a:endParaRPr>
+          </a:p>
+          <a:p>
+            <a:pPr marL="0" indent="0">
+              <a:buNone/>
+            </a:pPr>
+            <a:r>
+              <a:rPr lang="sk-SK" b="0" i="0" u="sng" dirty="0">
+                <a:solidFill>
+                  <a:srgbClr val="E4E6EB"/>
+                </a:solidFill>
+                <a:effectLst/>
+                <a:latin typeface="+mj-lt"/>
+                <a:hlinkClick r:id="rId7"/>
+              </a:rPr>
+              <a:t>https://www.acstechnologies.sk/vedomostna-databaza/item/82-navrhove-vzory</a:t>
+            </a:r>
+            <a:endParaRPr lang="sk-SK" b="0" i="0" u="sng" dirty="0">
+              <a:solidFill>
+                <a:srgbClr val="E4E6EB"/>
+              </a:solidFill>
+              <a:effectLst/>
+              <a:latin typeface="+mj-lt"/>
+            </a:endParaRPr>
+          </a:p>
+          <a:p>
+            <a:pPr marL="0" indent="0">
+              <a:buNone/>
+            </a:pPr>
+            <a:r>
+              <a:rPr lang="sk-SK" b="0" i="0" u="sng" dirty="0">
+                <a:solidFill>
+                  <a:srgbClr val="E4E6EB"/>
+                </a:solidFill>
+                <a:effectLst/>
+                <a:latin typeface="+mj-lt"/>
+                <a:hlinkClick r:id="rId8"/>
+              </a:rPr>
+              <a:t>https://cs.wikipedia.org/wiki/N%C3%A1vrhov%C3%BD_vzor</a:t>
+            </a:r>
+            <a:endParaRPr lang="sk-SK" b="0" i="0" u="sng" dirty="0">
+              <a:solidFill>
+                <a:srgbClr val="E4E6EB"/>
+              </a:solidFill>
+              <a:effectLst/>
+              <a:latin typeface="+mj-lt"/>
+            </a:endParaRPr>
+          </a:p>
+          <a:p>
+            <a:pPr marL="0" indent="0">
+              <a:buNone/>
+            </a:pPr>
+            <a:r>
+              <a:rPr lang="sk-SK" b="0" i="0" u="sng" dirty="0">
+                <a:solidFill>
+                  <a:srgbClr val="E4E6EB"/>
+                </a:solidFill>
+                <a:effectLst/>
+                <a:latin typeface="+mj-lt"/>
+                <a:hlinkClick r:id="rId9"/>
+              </a:rPr>
+              <a:t>https://en.wikipedia.org/wiki/Behavioral_pattern</a:t>
+            </a:r>
+            <a:endParaRPr lang="sk-SK" b="0" i="0" u="sng" dirty="0">
+              <a:solidFill>
+                <a:srgbClr val="E4E6EB"/>
+              </a:solidFill>
+              <a:effectLst/>
+              <a:latin typeface="+mj-lt"/>
+            </a:endParaRPr>
+          </a:p>
+          <a:p>
+            <a:pPr marL="0" indent="0">
+              <a:buNone/>
+            </a:pPr>
+            <a:r>
+              <a:rPr lang="sk-SK" b="0" i="0" u="sng" dirty="0">
+                <a:solidFill>
+                  <a:srgbClr val="E4E6EB"/>
+                </a:solidFill>
+                <a:effectLst/>
+                <a:latin typeface="+mj-lt"/>
+                <a:hlinkClick r:id="rId10"/>
+              </a:rPr>
+              <a:t>http://www.ut.fei.stuba.sk/study/tsikt/prednasky/prednaska_05/TSIKT18_PRED_05_01.pdf</a:t>
+            </a:r>
+            <a:r>
+              <a:rPr lang="sk-SK" b="0" i="0" dirty="0">
+                <a:solidFill>
+                  <a:srgbClr val="E4E6EB"/>
+                </a:solidFill>
+                <a:effectLst/>
+                <a:latin typeface="+mj-lt"/>
+              </a:rPr>
+              <a:t> </a:t>
+            </a:r>
+            <a:r>
+              <a:rPr lang="sk-SK" b="0" i="0" u="sng" dirty="0">
+                <a:solidFill>
+                  <a:srgbClr val="E4E6EB"/>
+                </a:solidFill>
+                <a:effectLst/>
+                <a:latin typeface="+mj-lt"/>
+                <a:hlinkClick r:id="rId11"/>
+              </a:rPr>
+              <a:t>http://voho.eu/wiki/navrhovy-vzor/</a:t>
+            </a:r>
+            <a:endParaRPr lang="en-US" dirty="0">
+              <a:latin typeface="+mj-lt"/>
+            </a:endParaRPr>
           </a:p>
         </p:txBody>
       </p:sp>
@@ -13576,10 +13873,10 @@
           <p:cNvPr id="31" name="Rectangle 30">
             <a:extLst>
               <a:ext uri="{FF2B5EF4-FFF2-40B4-BE49-F238E27FC236}">
-                <a16:creationId xmlns:a16="http://schemas.microsoft.com/office/drawing/2014/main" xmlns="" id="{86C16C40-7C29-4ACC-B851-7E08E459B596}"/>
+                <a16:creationId xmlns:a16="http://schemas.microsoft.com/office/drawing/2014/main" id="{86C16C40-7C29-4ACC-B851-7E08E459B596}"/>
               </a:ext>
               <a:ext uri="{C183D7F6-B498-43B3-948B-1728B52AA6E4}">
-                <adec:decorative xmlns:adec="http://schemas.microsoft.com/office/drawing/2017/decorative" xmlns="" val="1"/>
+                <adec:decorative xmlns:adec="http://schemas.microsoft.com/office/drawing/2017/decorative" val="1"/>
               </a:ext>
             </a:extLst>
           </p:cNvPr>
@@ -13589,7 +13886,7 @@
           <p:nvPr>
             <p:extLst>
               <p:ext uri="{386F3935-93C4-4BCD-93E2-E3B085C9AB24}">
-                <p16:designElem xmlns:p16="http://schemas.microsoft.com/office/powerpoint/2015/main" xmlns="" val="1"/>
+                <p16:designElem xmlns:p16="http://schemas.microsoft.com/office/powerpoint/2015/main" val="1"/>
               </p:ext>
             </p:extLst>
           </p:nvPr>
@@ -13636,10 +13933,10 @@
           <p:cNvPr id="33" name="Group 32">
             <a:extLst>
               <a:ext uri="{FF2B5EF4-FFF2-40B4-BE49-F238E27FC236}">
-                <a16:creationId xmlns:a16="http://schemas.microsoft.com/office/drawing/2014/main" xmlns="" id="{648049AD-9827-49E8-8BF5-32E175C8EA8A}"/>
+                <a16:creationId xmlns:a16="http://schemas.microsoft.com/office/drawing/2014/main" id="{648049AD-9827-49E8-8BF5-32E175C8EA8A}"/>
               </a:ext>
               <a:ext uri="{C183D7F6-B498-43B3-948B-1728B52AA6E4}">
-                <adec:decorative xmlns:adec="http://schemas.microsoft.com/office/drawing/2017/decorative" xmlns="" val="1"/>
+                <adec:decorative xmlns:adec="http://schemas.microsoft.com/office/drawing/2017/decorative" val="1"/>
               </a:ext>
             </a:extLst>
           </p:cNvPr>
@@ -13649,7 +13946,7 @@
           <p:nvPr>
             <p:extLst>
               <p:ext uri="{386F3935-93C4-4BCD-93E2-E3B085C9AB24}">
-                <p16:designElem xmlns:p16="http://schemas.microsoft.com/office/powerpoint/2015/main" xmlns="" val="1"/>
+                <p16:designElem xmlns:p16="http://schemas.microsoft.com/office/powerpoint/2015/main" val="1"/>
               </p:ext>
             </p:extLst>
           </p:nvPr>
@@ -13667,10 +13964,10 @@
             <p:cNvPr id="34" name="Straight Connector 33">
               <a:extLst>
                 <a:ext uri="{FF2B5EF4-FFF2-40B4-BE49-F238E27FC236}">
-                  <a16:creationId xmlns:a16="http://schemas.microsoft.com/office/drawing/2014/main" xmlns="" id="{3AA99CFD-13BA-4D43-8274-E720ACDBED4B}"/>
+                  <a16:creationId xmlns:a16="http://schemas.microsoft.com/office/drawing/2014/main" id="{3AA99CFD-13BA-4D43-8274-E720ACDBED4B}"/>
                 </a:ext>
                 <a:ext uri="{C183D7F6-B498-43B3-948B-1728B52AA6E4}">
-                  <adec:decorative xmlns:adec="http://schemas.microsoft.com/office/drawing/2017/decorative" xmlns="" val="1"/>
+                  <adec:decorative xmlns:adec="http://schemas.microsoft.com/office/drawing/2017/decorative" val="1"/>
                 </a:ext>
               </a:extLst>
             </p:cNvPr>
@@ -13678,7 +13975,7 @@
             <p:nvPr>
               <p:extLst>
                 <p:ext uri="{386F3935-93C4-4BCD-93E2-E3B085C9AB24}">
-                  <p16:designElem xmlns:p16="http://schemas.microsoft.com/office/powerpoint/2015/main" xmlns="" val="1"/>
+                  <p16:designElem xmlns:p16="http://schemas.microsoft.com/office/powerpoint/2015/main" val="1"/>
                 </p:ext>
               </p:extLst>
             </p:nvPr>
@@ -13719,10 +14016,10 @@
             <p:cNvPr id="35" name="Straight Connector 34">
               <a:extLst>
                 <a:ext uri="{FF2B5EF4-FFF2-40B4-BE49-F238E27FC236}">
-                  <a16:creationId xmlns:a16="http://schemas.microsoft.com/office/drawing/2014/main" xmlns="" id="{946D58D6-64B0-4752-8159-24114F47A5FF}"/>
+                  <a16:creationId xmlns:a16="http://schemas.microsoft.com/office/drawing/2014/main" id="{946D58D6-64B0-4752-8159-24114F47A5FF}"/>
                 </a:ext>
                 <a:ext uri="{C183D7F6-B498-43B3-948B-1728B52AA6E4}">
-                  <adec:decorative xmlns:adec="http://schemas.microsoft.com/office/drawing/2017/decorative" xmlns="" val="1"/>
+                  <adec:decorative xmlns:adec="http://schemas.microsoft.com/office/drawing/2017/decorative" val="1"/>
                 </a:ext>
               </a:extLst>
             </p:cNvPr>
@@ -13730,7 +14027,7 @@
             <p:nvPr>
               <p:extLst>
                 <p:ext uri="{386F3935-93C4-4BCD-93E2-E3B085C9AB24}">
-                  <p16:designElem xmlns:p16="http://schemas.microsoft.com/office/powerpoint/2015/main" xmlns="" val="1"/>
+                  <p16:designElem xmlns:p16="http://schemas.microsoft.com/office/powerpoint/2015/main" val="1"/>
                 </p:ext>
               </p:extLst>
             </p:nvPr>
@@ -13771,10 +14068,10 @@
             <p:cNvPr id="36" name="Rectangle 23">
               <a:extLst>
                 <a:ext uri="{FF2B5EF4-FFF2-40B4-BE49-F238E27FC236}">
-                  <a16:creationId xmlns:a16="http://schemas.microsoft.com/office/drawing/2014/main" xmlns="" id="{C16801F7-F15E-4355-8767-26487BA8B6C5}"/>
+                  <a16:creationId xmlns:a16="http://schemas.microsoft.com/office/drawing/2014/main" id="{C16801F7-F15E-4355-8767-26487BA8B6C5}"/>
                 </a:ext>
                 <a:ext uri="{C183D7F6-B498-43B3-948B-1728B52AA6E4}">
-                  <adec:decorative xmlns:adec="http://schemas.microsoft.com/office/drawing/2017/decorative" xmlns="" val="1"/>
+                  <adec:decorative xmlns:adec="http://schemas.microsoft.com/office/drawing/2017/decorative" val="1"/>
                 </a:ext>
               </a:extLst>
             </p:cNvPr>
@@ -13782,7 +14079,7 @@
             <p:nvPr>
               <p:extLst>
                 <p:ext uri="{386F3935-93C4-4BCD-93E2-E3B085C9AB24}">
-                  <p16:designElem xmlns:p16="http://schemas.microsoft.com/office/powerpoint/2015/main" xmlns="" val="1"/>
+                  <p16:designElem xmlns:p16="http://schemas.microsoft.com/office/powerpoint/2015/main" val="1"/>
                 </p:ext>
               </p:extLst>
             </p:nvPr>
@@ -13849,10 +14146,10 @@
             <p:cNvPr id="37" name="Rectangle 25">
               <a:extLst>
                 <a:ext uri="{FF2B5EF4-FFF2-40B4-BE49-F238E27FC236}">
-                  <a16:creationId xmlns:a16="http://schemas.microsoft.com/office/drawing/2014/main" xmlns="" id="{14FF0578-E224-4225-8396-B99D4881FF8F}"/>
+                  <a16:creationId xmlns:a16="http://schemas.microsoft.com/office/drawing/2014/main" id="{14FF0578-E224-4225-8396-B99D4881FF8F}"/>
                 </a:ext>
                 <a:ext uri="{C183D7F6-B498-43B3-948B-1728B52AA6E4}">
-                  <adec:decorative xmlns:adec="http://schemas.microsoft.com/office/drawing/2017/decorative" xmlns="" val="1"/>
+                  <adec:decorative xmlns:adec="http://schemas.microsoft.com/office/drawing/2017/decorative" val="1"/>
                 </a:ext>
               </a:extLst>
             </p:cNvPr>
@@ -13860,7 +14157,7 @@
             <p:nvPr>
               <p:extLst>
                 <p:ext uri="{386F3935-93C4-4BCD-93E2-E3B085C9AB24}">
-                  <p16:designElem xmlns:p16="http://schemas.microsoft.com/office/powerpoint/2015/main" xmlns="" val="1"/>
+                  <p16:designElem xmlns:p16="http://schemas.microsoft.com/office/powerpoint/2015/main" val="1"/>
                 </p:ext>
               </p:extLst>
             </p:nvPr>
@@ -13927,10 +14224,10 @@
             <p:cNvPr id="38" name="Isosceles Triangle 37">
               <a:extLst>
                 <a:ext uri="{FF2B5EF4-FFF2-40B4-BE49-F238E27FC236}">
-                  <a16:creationId xmlns:a16="http://schemas.microsoft.com/office/drawing/2014/main" xmlns="" id="{4642C0E0-9644-41F1-8CF3-33779AA8A3F8}"/>
+                  <a16:creationId xmlns:a16="http://schemas.microsoft.com/office/drawing/2014/main" id="{4642C0E0-9644-41F1-8CF3-33779AA8A3F8}"/>
                 </a:ext>
                 <a:ext uri="{C183D7F6-B498-43B3-948B-1728B52AA6E4}">
-                  <adec:decorative xmlns:adec="http://schemas.microsoft.com/office/drawing/2017/decorative" xmlns="" val="1"/>
+                  <adec:decorative xmlns:adec="http://schemas.microsoft.com/office/drawing/2017/decorative" val="1"/>
                 </a:ext>
               </a:extLst>
             </p:cNvPr>
@@ -13938,7 +14235,7 @@
             <p:nvPr>
               <p:extLst>
                 <p:ext uri="{386F3935-93C4-4BCD-93E2-E3B085C9AB24}">
-                  <p16:designElem xmlns:p16="http://schemas.microsoft.com/office/powerpoint/2015/main" xmlns="" val="1"/>
+                  <p16:designElem xmlns:p16="http://schemas.microsoft.com/office/powerpoint/2015/main" val="1"/>
                 </p:ext>
               </p:extLst>
             </p:nvPr>
@@ -13984,10 +14281,10 @@
             <p:cNvPr id="39" name="Rectangle 27">
               <a:extLst>
                 <a:ext uri="{FF2B5EF4-FFF2-40B4-BE49-F238E27FC236}">
-                  <a16:creationId xmlns:a16="http://schemas.microsoft.com/office/drawing/2014/main" xmlns="" id="{5F77D9D3-628A-4607-B307-91AAA5603450}"/>
+                  <a16:creationId xmlns:a16="http://schemas.microsoft.com/office/drawing/2014/main" id="{5F77D9D3-628A-4607-B307-91AAA5603450}"/>
                 </a:ext>
                 <a:ext uri="{C183D7F6-B498-43B3-948B-1728B52AA6E4}">
-                  <adec:decorative xmlns:adec="http://schemas.microsoft.com/office/drawing/2017/decorative" xmlns="" val="1"/>
+                  <adec:decorative xmlns:adec="http://schemas.microsoft.com/office/drawing/2017/decorative" val="1"/>
                 </a:ext>
               </a:extLst>
             </p:cNvPr>
@@ -13995,7 +14292,7 @@
             <p:nvPr>
               <p:extLst>
                 <p:ext uri="{386F3935-93C4-4BCD-93E2-E3B085C9AB24}">
-                  <p16:designElem xmlns:p16="http://schemas.microsoft.com/office/powerpoint/2015/main" xmlns="" val="1"/>
+                  <p16:designElem xmlns:p16="http://schemas.microsoft.com/office/powerpoint/2015/main" val="1"/>
                 </p:ext>
               </p:extLst>
             </p:nvPr>
@@ -14063,10 +14360,10 @@
             <p:cNvPr id="40" name="Rectangle 28">
               <a:extLst>
                 <a:ext uri="{FF2B5EF4-FFF2-40B4-BE49-F238E27FC236}">
-                  <a16:creationId xmlns:a16="http://schemas.microsoft.com/office/drawing/2014/main" xmlns="" id="{0600759E-C22E-4F3D-8569-0DE8F1D4934F}"/>
+                  <a16:creationId xmlns:a16="http://schemas.microsoft.com/office/drawing/2014/main" id="{0600759E-C22E-4F3D-8569-0DE8F1D4934F}"/>
                 </a:ext>
                 <a:ext uri="{C183D7F6-B498-43B3-948B-1728B52AA6E4}">
-                  <adec:decorative xmlns:adec="http://schemas.microsoft.com/office/drawing/2017/decorative" xmlns="" val="1"/>
+                  <adec:decorative xmlns:adec="http://schemas.microsoft.com/office/drawing/2017/decorative" val="1"/>
                 </a:ext>
               </a:extLst>
             </p:cNvPr>
@@ -14074,7 +14371,7 @@
             <p:nvPr>
               <p:extLst>
                 <p:ext uri="{386F3935-93C4-4BCD-93E2-E3B085C9AB24}">
-                  <p16:designElem xmlns:p16="http://schemas.microsoft.com/office/powerpoint/2015/main" xmlns="" val="1"/>
+                  <p16:designElem xmlns:p16="http://schemas.microsoft.com/office/powerpoint/2015/main" val="1"/>
                 </p:ext>
               </p:extLst>
             </p:nvPr>
@@ -14141,10 +14438,10 @@
             <p:cNvPr id="41" name="Rectangle 29">
               <a:extLst>
                 <a:ext uri="{FF2B5EF4-FFF2-40B4-BE49-F238E27FC236}">
-                  <a16:creationId xmlns:a16="http://schemas.microsoft.com/office/drawing/2014/main" xmlns="" id="{9A4E951D-EAB0-4F6B-84AE-B5B25684FD61}"/>
+                  <a16:creationId xmlns:a16="http://schemas.microsoft.com/office/drawing/2014/main" id="{9A4E951D-EAB0-4F6B-84AE-B5B25684FD61}"/>
                 </a:ext>
                 <a:ext uri="{C183D7F6-B498-43B3-948B-1728B52AA6E4}">
-                  <adec:decorative xmlns:adec="http://schemas.microsoft.com/office/drawing/2017/decorative" xmlns="" val="1"/>
+                  <adec:decorative xmlns:adec="http://schemas.microsoft.com/office/drawing/2017/decorative" val="1"/>
                 </a:ext>
               </a:extLst>
             </p:cNvPr>
@@ -14152,7 +14449,7 @@
             <p:nvPr>
               <p:extLst>
                 <p:ext uri="{386F3935-93C4-4BCD-93E2-E3B085C9AB24}">
-                  <p16:designElem xmlns:p16="http://schemas.microsoft.com/office/powerpoint/2015/main" xmlns="" val="1"/>
+                  <p16:designElem xmlns:p16="http://schemas.microsoft.com/office/powerpoint/2015/main" val="1"/>
                 </p:ext>
               </p:extLst>
             </p:nvPr>
@@ -14220,10 +14517,10 @@
             <p:cNvPr id="42" name="Isosceles Triangle 41">
               <a:extLst>
                 <a:ext uri="{FF2B5EF4-FFF2-40B4-BE49-F238E27FC236}">
-                  <a16:creationId xmlns:a16="http://schemas.microsoft.com/office/drawing/2014/main" xmlns="" id="{B953BEA8-1B45-419E-BACD-49DB8888B1DE}"/>
+                  <a16:creationId xmlns:a16="http://schemas.microsoft.com/office/drawing/2014/main" id="{B953BEA8-1B45-419E-BACD-49DB8888B1DE}"/>
                 </a:ext>
                 <a:ext uri="{C183D7F6-B498-43B3-948B-1728B52AA6E4}">
-                  <adec:decorative xmlns:adec="http://schemas.microsoft.com/office/drawing/2017/decorative" xmlns="" val="1"/>
+                  <adec:decorative xmlns:adec="http://schemas.microsoft.com/office/drawing/2017/decorative" val="1"/>
                 </a:ext>
               </a:extLst>
             </p:cNvPr>
@@ -14231,7 +14528,7 @@
             <p:nvPr>
               <p:extLst>
                 <p:ext uri="{386F3935-93C4-4BCD-93E2-E3B085C9AB24}">
-                  <p16:designElem xmlns:p16="http://schemas.microsoft.com/office/powerpoint/2015/main" xmlns="" val="1"/>
+                  <p16:designElem xmlns:p16="http://schemas.microsoft.com/office/powerpoint/2015/main" val="1"/>
                 </p:ext>
               </p:extLst>
             </p:nvPr>
@@ -14277,10 +14574,10 @@
             <p:cNvPr id="43" name="Isosceles Triangle 42">
               <a:extLst>
                 <a:ext uri="{FF2B5EF4-FFF2-40B4-BE49-F238E27FC236}">
-                  <a16:creationId xmlns:a16="http://schemas.microsoft.com/office/drawing/2014/main" xmlns="" id="{72B7FA08-1FF3-4AED-B4E9-587D81D6B1B9}"/>
+                  <a16:creationId xmlns:a16="http://schemas.microsoft.com/office/drawing/2014/main" id="{72B7FA08-1FF3-4AED-B4E9-587D81D6B1B9}"/>
                 </a:ext>
                 <a:ext uri="{C183D7F6-B498-43B3-948B-1728B52AA6E4}">
-                  <adec:decorative xmlns:adec="http://schemas.microsoft.com/office/drawing/2017/decorative" xmlns="" val="1"/>
+                  <adec:decorative xmlns:adec="http://schemas.microsoft.com/office/drawing/2017/decorative" val="1"/>
                 </a:ext>
               </a:extLst>
             </p:cNvPr>
@@ -14288,7 +14585,7 @@
             <p:nvPr>
               <p:extLst>
                 <p:ext uri="{386F3935-93C4-4BCD-93E2-E3B085C9AB24}">
-                  <p16:designElem xmlns:p16="http://schemas.microsoft.com/office/powerpoint/2015/main" xmlns="" val="1"/>
+                  <p16:designElem xmlns:p16="http://schemas.microsoft.com/office/powerpoint/2015/main" val="1"/>
                 </p:ext>
               </p:extLst>
             </p:nvPr>
@@ -14334,7 +14631,7 @@
           <p:cNvPr id="2" name="Title 1">
             <a:extLst>
               <a:ext uri="{FF2B5EF4-FFF2-40B4-BE49-F238E27FC236}">
-                <a16:creationId xmlns:a16="http://schemas.microsoft.com/office/drawing/2014/main" xmlns="" id="{A01D8AAE-336F-4908-A7C8-4921CC071189}"/>
+                <a16:creationId xmlns:a16="http://schemas.microsoft.com/office/drawing/2014/main" id="{A01D8AAE-336F-4908-A7C8-4921CC071189}"/>
               </a:ext>
             </a:extLst>
           </p:cNvPr>
@@ -14358,7 +14655,7 @@
           <a:lstStyle/>
           <a:p>
             <a:r>
-              <a:rPr lang="sk-SK" dirty="0" smtClean="0"/>
+              <a:rPr lang="sk-SK" dirty="0"/>
               <a:t>Niečo z histórie</a:t>
             </a:r>
             <a:endParaRPr lang="en-US" dirty="0"/>
@@ -14370,7 +14667,7 @@
           <p:cNvPr id="3" name="Content Placeholder 2">
             <a:extLst>
               <a:ext uri="{FF2B5EF4-FFF2-40B4-BE49-F238E27FC236}">
-                <a16:creationId xmlns:a16="http://schemas.microsoft.com/office/drawing/2014/main" xmlns="" id="{079F5400-8DBD-46ED-9F6D-EEEC122BE1C2}"/>
+                <a16:creationId xmlns:a16="http://schemas.microsoft.com/office/drawing/2014/main" id="{079F5400-8DBD-46ED-9F6D-EEEC122BE1C2}"/>
               </a:ext>
             </a:extLst>
           </p:cNvPr>
@@ -14394,21 +14691,21 @@
           <a:lstStyle/>
           <a:p>
             <a:r>
-              <a:rPr lang="sk-SK" dirty="0" smtClean="0"/>
+              <a:rPr lang="sk-SK" dirty="0"/>
               <a:t>Prvé návrhové vzory</a:t>
             </a:r>
           </a:p>
           <a:p>
             <a:pPr lvl="1"/>
             <a:r>
-              <a:rPr lang="sk-SK" dirty="0" smtClean="0"/>
+              <a:rPr lang="sk-SK" dirty="0"/>
               <a:t>Konferencia OOPSLA (1987)</a:t>
             </a:r>
           </a:p>
           <a:p>
             <a:pPr lvl="2"/>
             <a:r>
-              <a:rPr lang="sk-SK" dirty="0" err="1" smtClean="0"/>
+              <a:rPr lang="sk-SK" dirty="0" err="1"/>
               <a:t>Ward</a:t>
             </a:r>
             <a:r>
@@ -14416,10 +14713,10 @@
               <a:t> </a:t>
             </a:r>
             <a:r>
-              <a:rPr lang="sk-SK" dirty="0" err="1" smtClean="0"/>
+              <a:rPr lang="sk-SK" dirty="0" err="1"/>
               <a:t>Cunningham</a:t>
             </a:r>
-            <a:endParaRPr lang="sk-SK" dirty="0" smtClean="0"/>
+            <a:endParaRPr lang="sk-SK" dirty="0"/>
           </a:p>
           <a:p>
             <a:pPr lvl="2"/>
@@ -14439,7 +14736,7 @@
           </a:p>
           <a:p>
             <a:r>
-              <a:rPr lang="sk-SK" dirty="0" smtClean="0"/>
+              <a:rPr lang="sk-SK" dirty="0"/>
               <a:t>Prvé reálne použitie</a:t>
             </a:r>
           </a:p>
@@ -14447,14 +14744,10 @@
             <a:pPr lvl="1"/>
             <a:r>
               <a:rPr lang="en-US" dirty="0"/>
-              <a:t>Elements of Reusable Object-Oriented </a:t>
-            </a:r>
-            <a:r>
-              <a:rPr lang="en-US" dirty="0" smtClean="0"/>
-              <a:t>Software</a:t>
-            </a:r>
-            <a:r>
-              <a:rPr lang="sk-SK" dirty="0" smtClean="0"/>
+              <a:t>Elements of Reusable Object-Oriented Software</a:t>
+            </a:r>
+            <a:r>
+              <a:rPr lang="sk-SK" dirty="0"/>
               <a:t> (1994)</a:t>
             </a:r>
           </a:p>
@@ -14469,10 +14762,10 @@
               <a:t> </a:t>
             </a:r>
             <a:r>
-              <a:rPr lang="sk-SK" dirty="0" err="1" smtClean="0"/>
+              <a:rPr lang="sk-SK" dirty="0" err="1"/>
               <a:t>Gamma</a:t>
             </a:r>
-            <a:endParaRPr lang="sk-SK" dirty="0" smtClean="0"/>
+            <a:endParaRPr lang="sk-SK" dirty="0"/>
           </a:p>
           <a:p>
             <a:pPr lvl="2"/>
@@ -14481,10 +14774,10 @@
               <a:t>Richard </a:t>
             </a:r>
             <a:r>
-              <a:rPr lang="sk-SK" dirty="0" err="1" smtClean="0"/>
+              <a:rPr lang="sk-SK" dirty="0" err="1"/>
               <a:t>Helm</a:t>
             </a:r>
-            <a:endParaRPr lang="sk-SK" dirty="0" smtClean="0"/>
+            <a:endParaRPr lang="sk-SK" dirty="0"/>
           </a:p>
           <a:p>
             <a:pPr lvl="2"/>
@@ -14497,10 +14790,10 @@
               <a:t> </a:t>
             </a:r>
             <a:r>
-              <a:rPr lang="sk-SK" dirty="0" err="1" smtClean="0"/>
+              <a:rPr lang="sk-SK" dirty="0" err="1"/>
               <a:t>Johnson</a:t>
             </a:r>
-            <a:endParaRPr lang="sk-SK" dirty="0" smtClean="0"/>
+            <a:endParaRPr lang="sk-SK" dirty="0"/>
           </a:p>
           <a:p>
             <a:pPr lvl="2"/>
@@ -14516,7 +14809,7 @@
               <a:rPr lang="sk-SK" dirty="0" err="1"/>
               <a:t>Vlissides</a:t>
             </a:r>
-            <a:endParaRPr lang="sk-SK" dirty="0" smtClean="0"/>
+            <a:endParaRPr lang="sk-SK" dirty="0"/>
           </a:p>
         </p:txBody>
       </p:sp>
@@ -14571,13 +14864,6 @@
   <p:clrMapOvr>
     <a:overrideClrMapping bg1="dk1" tx1="lt1" bg2="dk2" tx2="lt2" accent1="accent1" accent2="accent2" accent3="accent3" accent4="accent4" accent5="accent5" accent6="accent6" hlink="hlink" folHlink="folHlink"/>
   </p:clrMapOvr>
-  <p:timing>
-    <p:tnLst>
-      <p:par>
-        <p:cTn id="1" dur="indefinite" restart="never" nodeType="tmRoot"/>
-      </p:par>
-    </p:tnLst>
-  </p:timing>
 </p:sld>
 </file>
 
@@ -14611,10 +14897,10 @@
           <p:cNvPr id="31" name="Rectangle 30">
             <a:extLst>
               <a:ext uri="{FF2B5EF4-FFF2-40B4-BE49-F238E27FC236}">
-                <a16:creationId xmlns:a16="http://schemas.microsoft.com/office/drawing/2014/main" xmlns="" id="{86C16C40-7C29-4ACC-B851-7E08E459B596}"/>
+                <a16:creationId xmlns:a16="http://schemas.microsoft.com/office/drawing/2014/main" id="{86C16C40-7C29-4ACC-B851-7E08E459B596}"/>
               </a:ext>
               <a:ext uri="{C183D7F6-B498-43B3-948B-1728B52AA6E4}">
-                <adec:decorative xmlns:adec="http://schemas.microsoft.com/office/drawing/2017/decorative" xmlns="" val="1"/>
+                <adec:decorative xmlns:adec="http://schemas.microsoft.com/office/drawing/2017/decorative" val="1"/>
               </a:ext>
             </a:extLst>
           </p:cNvPr>
@@ -14624,7 +14910,7 @@
           <p:nvPr>
             <p:extLst>
               <p:ext uri="{386F3935-93C4-4BCD-93E2-E3B085C9AB24}">
-                <p16:designElem xmlns:p16="http://schemas.microsoft.com/office/powerpoint/2015/main" xmlns="" val="1"/>
+                <p16:designElem xmlns:p16="http://schemas.microsoft.com/office/powerpoint/2015/main" val="1"/>
               </p:ext>
             </p:extLst>
           </p:nvPr>
@@ -14671,10 +14957,10 @@
           <p:cNvPr id="33" name="Group 32">
             <a:extLst>
               <a:ext uri="{FF2B5EF4-FFF2-40B4-BE49-F238E27FC236}">
-                <a16:creationId xmlns:a16="http://schemas.microsoft.com/office/drawing/2014/main" xmlns="" id="{648049AD-9827-49E8-8BF5-32E175C8EA8A}"/>
+                <a16:creationId xmlns:a16="http://schemas.microsoft.com/office/drawing/2014/main" id="{648049AD-9827-49E8-8BF5-32E175C8EA8A}"/>
               </a:ext>
               <a:ext uri="{C183D7F6-B498-43B3-948B-1728B52AA6E4}">
-                <adec:decorative xmlns:adec="http://schemas.microsoft.com/office/drawing/2017/decorative" xmlns="" val="1"/>
+                <adec:decorative xmlns:adec="http://schemas.microsoft.com/office/drawing/2017/decorative" val="1"/>
               </a:ext>
             </a:extLst>
           </p:cNvPr>
@@ -14684,7 +14970,7 @@
           <p:nvPr>
             <p:extLst>
               <p:ext uri="{386F3935-93C4-4BCD-93E2-E3B085C9AB24}">
-                <p16:designElem xmlns:p16="http://schemas.microsoft.com/office/powerpoint/2015/main" xmlns="" val="1"/>
+                <p16:designElem xmlns:p16="http://schemas.microsoft.com/office/powerpoint/2015/main" val="1"/>
               </p:ext>
             </p:extLst>
           </p:nvPr>
@@ -14702,10 +14988,10 @@
             <p:cNvPr id="34" name="Straight Connector 33">
               <a:extLst>
                 <a:ext uri="{FF2B5EF4-FFF2-40B4-BE49-F238E27FC236}">
-                  <a16:creationId xmlns:a16="http://schemas.microsoft.com/office/drawing/2014/main" xmlns="" id="{3AA99CFD-13BA-4D43-8274-E720ACDBED4B}"/>
+                  <a16:creationId xmlns:a16="http://schemas.microsoft.com/office/drawing/2014/main" id="{3AA99CFD-13BA-4D43-8274-E720ACDBED4B}"/>
                 </a:ext>
                 <a:ext uri="{C183D7F6-B498-43B3-948B-1728B52AA6E4}">
-                  <adec:decorative xmlns:adec="http://schemas.microsoft.com/office/drawing/2017/decorative" xmlns="" val="1"/>
+                  <adec:decorative xmlns:adec="http://schemas.microsoft.com/office/drawing/2017/decorative" val="1"/>
                 </a:ext>
               </a:extLst>
             </p:cNvPr>
@@ -14713,7 +14999,7 @@
             <p:nvPr>
               <p:extLst>
                 <p:ext uri="{386F3935-93C4-4BCD-93E2-E3B085C9AB24}">
-                  <p16:designElem xmlns:p16="http://schemas.microsoft.com/office/powerpoint/2015/main" xmlns="" val="1"/>
+                  <p16:designElem xmlns:p16="http://schemas.microsoft.com/office/powerpoint/2015/main" val="1"/>
                 </p:ext>
               </p:extLst>
             </p:nvPr>
@@ -14754,10 +15040,10 @@
             <p:cNvPr id="35" name="Straight Connector 34">
               <a:extLst>
                 <a:ext uri="{FF2B5EF4-FFF2-40B4-BE49-F238E27FC236}">
-                  <a16:creationId xmlns:a16="http://schemas.microsoft.com/office/drawing/2014/main" xmlns="" id="{946D58D6-64B0-4752-8159-24114F47A5FF}"/>
+                  <a16:creationId xmlns:a16="http://schemas.microsoft.com/office/drawing/2014/main" id="{946D58D6-64B0-4752-8159-24114F47A5FF}"/>
                 </a:ext>
                 <a:ext uri="{C183D7F6-B498-43B3-948B-1728B52AA6E4}">
-                  <adec:decorative xmlns:adec="http://schemas.microsoft.com/office/drawing/2017/decorative" xmlns="" val="1"/>
+                  <adec:decorative xmlns:adec="http://schemas.microsoft.com/office/drawing/2017/decorative" val="1"/>
                 </a:ext>
               </a:extLst>
             </p:cNvPr>
@@ -14765,7 +15051,7 @@
             <p:nvPr>
               <p:extLst>
                 <p:ext uri="{386F3935-93C4-4BCD-93E2-E3B085C9AB24}">
-                  <p16:designElem xmlns:p16="http://schemas.microsoft.com/office/powerpoint/2015/main" xmlns="" val="1"/>
+                  <p16:designElem xmlns:p16="http://schemas.microsoft.com/office/powerpoint/2015/main" val="1"/>
                 </p:ext>
               </p:extLst>
             </p:nvPr>
@@ -14806,10 +15092,10 @@
             <p:cNvPr id="36" name="Rectangle 23">
               <a:extLst>
                 <a:ext uri="{FF2B5EF4-FFF2-40B4-BE49-F238E27FC236}">
-                  <a16:creationId xmlns:a16="http://schemas.microsoft.com/office/drawing/2014/main" xmlns="" id="{C16801F7-F15E-4355-8767-26487BA8B6C5}"/>
+                  <a16:creationId xmlns:a16="http://schemas.microsoft.com/office/drawing/2014/main" id="{C16801F7-F15E-4355-8767-26487BA8B6C5}"/>
                 </a:ext>
                 <a:ext uri="{C183D7F6-B498-43B3-948B-1728B52AA6E4}">
-                  <adec:decorative xmlns:adec="http://schemas.microsoft.com/office/drawing/2017/decorative" xmlns="" val="1"/>
+                  <adec:decorative xmlns:adec="http://schemas.microsoft.com/office/drawing/2017/decorative" val="1"/>
                 </a:ext>
               </a:extLst>
             </p:cNvPr>
@@ -14817,7 +15103,7 @@
             <p:nvPr>
               <p:extLst>
                 <p:ext uri="{386F3935-93C4-4BCD-93E2-E3B085C9AB24}">
-                  <p16:designElem xmlns:p16="http://schemas.microsoft.com/office/powerpoint/2015/main" xmlns="" val="1"/>
+                  <p16:designElem xmlns:p16="http://schemas.microsoft.com/office/powerpoint/2015/main" val="1"/>
                 </p:ext>
               </p:extLst>
             </p:nvPr>
@@ -14884,10 +15170,10 @@
             <p:cNvPr id="37" name="Rectangle 25">
               <a:extLst>
                 <a:ext uri="{FF2B5EF4-FFF2-40B4-BE49-F238E27FC236}">
-                  <a16:creationId xmlns:a16="http://schemas.microsoft.com/office/drawing/2014/main" xmlns="" id="{14FF0578-E224-4225-8396-B99D4881FF8F}"/>
+                  <a16:creationId xmlns:a16="http://schemas.microsoft.com/office/drawing/2014/main" id="{14FF0578-E224-4225-8396-B99D4881FF8F}"/>
                 </a:ext>
                 <a:ext uri="{C183D7F6-B498-43B3-948B-1728B52AA6E4}">
-                  <adec:decorative xmlns:adec="http://schemas.microsoft.com/office/drawing/2017/decorative" xmlns="" val="1"/>
+                  <adec:decorative xmlns:adec="http://schemas.microsoft.com/office/drawing/2017/decorative" val="1"/>
                 </a:ext>
               </a:extLst>
             </p:cNvPr>
@@ -14895,7 +15181,7 @@
             <p:nvPr>
               <p:extLst>
                 <p:ext uri="{386F3935-93C4-4BCD-93E2-E3B085C9AB24}">
-                  <p16:designElem xmlns:p16="http://schemas.microsoft.com/office/powerpoint/2015/main" xmlns="" val="1"/>
+                  <p16:designElem xmlns:p16="http://schemas.microsoft.com/office/powerpoint/2015/main" val="1"/>
                 </p:ext>
               </p:extLst>
             </p:nvPr>
@@ -14962,10 +15248,10 @@
             <p:cNvPr id="38" name="Isosceles Triangle 37">
               <a:extLst>
                 <a:ext uri="{FF2B5EF4-FFF2-40B4-BE49-F238E27FC236}">
-                  <a16:creationId xmlns:a16="http://schemas.microsoft.com/office/drawing/2014/main" xmlns="" id="{4642C0E0-9644-41F1-8CF3-33779AA8A3F8}"/>
+                  <a16:creationId xmlns:a16="http://schemas.microsoft.com/office/drawing/2014/main" id="{4642C0E0-9644-41F1-8CF3-33779AA8A3F8}"/>
                 </a:ext>
                 <a:ext uri="{C183D7F6-B498-43B3-948B-1728B52AA6E4}">
-                  <adec:decorative xmlns:adec="http://schemas.microsoft.com/office/drawing/2017/decorative" xmlns="" val="1"/>
+                  <adec:decorative xmlns:adec="http://schemas.microsoft.com/office/drawing/2017/decorative" val="1"/>
                 </a:ext>
               </a:extLst>
             </p:cNvPr>
@@ -14973,7 +15259,7 @@
             <p:nvPr>
               <p:extLst>
                 <p:ext uri="{386F3935-93C4-4BCD-93E2-E3B085C9AB24}">
-                  <p16:designElem xmlns:p16="http://schemas.microsoft.com/office/powerpoint/2015/main" xmlns="" val="1"/>
+                  <p16:designElem xmlns:p16="http://schemas.microsoft.com/office/powerpoint/2015/main" val="1"/>
                 </p:ext>
               </p:extLst>
             </p:nvPr>
@@ -15019,10 +15305,10 @@
             <p:cNvPr id="39" name="Rectangle 27">
               <a:extLst>
                 <a:ext uri="{FF2B5EF4-FFF2-40B4-BE49-F238E27FC236}">
-                  <a16:creationId xmlns:a16="http://schemas.microsoft.com/office/drawing/2014/main" xmlns="" id="{5F77D9D3-628A-4607-B307-91AAA5603450}"/>
+                  <a16:creationId xmlns:a16="http://schemas.microsoft.com/office/drawing/2014/main" id="{5F77D9D3-628A-4607-B307-91AAA5603450}"/>
                 </a:ext>
                 <a:ext uri="{C183D7F6-B498-43B3-948B-1728B52AA6E4}">
-                  <adec:decorative xmlns:adec="http://schemas.microsoft.com/office/drawing/2017/decorative" xmlns="" val="1"/>
+                  <adec:decorative xmlns:adec="http://schemas.microsoft.com/office/drawing/2017/decorative" val="1"/>
                 </a:ext>
               </a:extLst>
             </p:cNvPr>
@@ -15030,7 +15316,7 @@
             <p:nvPr>
               <p:extLst>
                 <p:ext uri="{386F3935-93C4-4BCD-93E2-E3B085C9AB24}">
-                  <p16:designElem xmlns:p16="http://schemas.microsoft.com/office/powerpoint/2015/main" xmlns="" val="1"/>
+                  <p16:designElem xmlns:p16="http://schemas.microsoft.com/office/powerpoint/2015/main" val="1"/>
                 </p:ext>
               </p:extLst>
             </p:nvPr>
@@ -15098,10 +15384,10 @@
             <p:cNvPr id="40" name="Rectangle 28">
               <a:extLst>
                 <a:ext uri="{FF2B5EF4-FFF2-40B4-BE49-F238E27FC236}">
-                  <a16:creationId xmlns:a16="http://schemas.microsoft.com/office/drawing/2014/main" xmlns="" id="{0600759E-C22E-4F3D-8569-0DE8F1D4934F}"/>
+                  <a16:creationId xmlns:a16="http://schemas.microsoft.com/office/drawing/2014/main" id="{0600759E-C22E-4F3D-8569-0DE8F1D4934F}"/>
                 </a:ext>
                 <a:ext uri="{C183D7F6-B498-43B3-948B-1728B52AA6E4}">
-                  <adec:decorative xmlns:adec="http://schemas.microsoft.com/office/drawing/2017/decorative" xmlns="" val="1"/>
+                  <adec:decorative xmlns:adec="http://schemas.microsoft.com/office/drawing/2017/decorative" val="1"/>
                 </a:ext>
               </a:extLst>
             </p:cNvPr>
@@ -15109,7 +15395,7 @@
             <p:nvPr>
               <p:extLst>
                 <p:ext uri="{386F3935-93C4-4BCD-93E2-E3B085C9AB24}">
-                  <p16:designElem xmlns:p16="http://schemas.microsoft.com/office/powerpoint/2015/main" xmlns="" val="1"/>
+                  <p16:designElem xmlns:p16="http://schemas.microsoft.com/office/powerpoint/2015/main" val="1"/>
                 </p:ext>
               </p:extLst>
             </p:nvPr>
@@ -15176,10 +15462,10 @@
             <p:cNvPr id="41" name="Rectangle 29">
               <a:extLst>
                 <a:ext uri="{FF2B5EF4-FFF2-40B4-BE49-F238E27FC236}">
-                  <a16:creationId xmlns:a16="http://schemas.microsoft.com/office/drawing/2014/main" xmlns="" id="{9A4E951D-EAB0-4F6B-84AE-B5B25684FD61}"/>
+                  <a16:creationId xmlns:a16="http://schemas.microsoft.com/office/drawing/2014/main" id="{9A4E951D-EAB0-4F6B-84AE-B5B25684FD61}"/>
                 </a:ext>
                 <a:ext uri="{C183D7F6-B498-43B3-948B-1728B52AA6E4}">
-                  <adec:decorative xmlns:adec="http://schemas.microsoft.com/office/drawing/2017/decorative" xmlns="" val="1"/>
+                  <adec:decorative xmlns:adec="http://schemas.microsoft.com/office/drawing/2017/decorative" val="1"/>
                 </a:ext>
               </a:extLst>
             </p:cNvPr>
@@ -15187,7 +15473,7 @@
             <p:nvPr>
               <p:extLst>
                 <p:ext uri="{386F3935-93C4-4BCD-93E2-E3B085C9AB24}">
-                  <p16:designElem xmlns:p16="http://schemas.microsoft.com/office/powerpoint/2015/main" xmlns="" val="1"/>
+                  <p16:designElem xmlns:p16="http://schemas.microsoft.com/office/powerpoint/2015/main" val="1"/>
                 </p:ext>
               </p:extLst>
             </p:nvPr>
@@ -15255,10 +15541,10 @@
             <p:cNvPr id="42" name="Isosceles Triangle 41">
               <a:extLst>
                 <a:ext uri="{FF2B5EF4-FFF2-40B4-BE49-F238E27FC236}">
-                  <a16:creationId xmlns:a16="http://schemas.microsoft.com/office/drawing/2014/main" xmlns="" id="{B953BEA8-1B45-419E-BACD-49DB8888B1DE}"/>
+                  <a16:creationId xmlns:a16="http://schemas.microsoft.com/office/drawing/2014/main" id="{B953BEA8-1B45-419E-BACD-49DB8888B1DE}"/>
                 </a:ext>
                 <a:ext uri="{C183D7F6-B498-43B3-948B-1728B52AA6E4}">
-                  <adec:decorative xmlns:adec="http://schemas.microsoft.com/office/drawing/2017/decorative" xmlns="" val="1"/>
+                  <adec:decorative xmlns:adec="http://schemas.microsoft.com/office/drawing/2017/decorative" val="1"/>
                 </a:ext>
               </a:extLst>
             </p:cNvPr>
@@ -15266,7 +15552,7 @@
             <p:nvPr>
               <p:extLst>
                 <p:ext uri="{386F3935-93C4-4BCD-93E2-E3B085C9AB24}">
-                  <p16:designElem xmlns:p16="http://schemas.microsoft.com/office/powerpoint/2015/main" xmlns="" val="1"/>
+                  <p16:designElem xmlns:p16="http://schemas.microsoft.com/office/powerpoint/2015/main" val="1"/>
                 </p:ext>
               </p:extLst>
             </p:nvPr>
@@ -15312,10 +15598,10 @@
             <p:cNvPr id="43" name="Isosceles Triangle 42">
               <a:extLst>
                 <a:ext uri="{FF2B5EF4-FFF2-40B4-BE49-F238E27FC236}">
-                  <a16:creationId xmlns:a16="http://schemas.microsoft.com/office/drawing/2014/main" xmlns="" id="{72B7FA08-1FF3-4AED-B4E9-587D81D6B1B9}"/>
+                  <a16:creationId xmlns:a16="http://schemas.microsoft.com/office/drawing/2014/main" id="{72B7FA08-1FF3-4AED-B4E9-587D81D6B1B9}"/>
                 </a:ext>
                 <a:ext uri="{C183D7F6-B498-43B3-948B-1728B52AA6E4}">
-                  <adec:decorative xmlns:adec="http://schemas.microsoft.com/office/drawing/2017/decorative" xmlns="" val="1"/>
+                  <adec:decorative xmlns:adec="http://schemas.microsoft.com/office/drawing/2017/decorative" val="1"/>
                 </a:ext>
               </a:extLst>
             </p:cNvPr>
@@ -15323,7 +15609,7 @@
             <p:nvPr>
               <p:extLst>
                 <p:ext uri="{386F3935-93C4-4BCD-93E2-E3B085C9AB24}">
-                  <p16:designElem xmlns:p16="http://schemas.microsoft.com/office/powerpoint/2015/main" xmlns="" val="1"/>
+                  <p16:designElem xmlns:p16="http://schemas.microsoft.com/office/powerpoint/2015/main" val="1"/>
                 </p:ext>
               </p:extLst>
             </p:nvPr>
@@ -15369,7 +15655,7 @@
           <p:cNvPr id="2" name="Nadpis 1">
             <a:extLst>
               <a:ext uri="{FF2B5EF4-FFF2-40B4-BE49-F238E27FC236}">
-                <a16:creationId xmlns:a16="http://schemas.microsoft.com/office/drawing/2014/main" xmlns="" id="{8EDA3E3B-1AFC-21ED-0262-96F73C5421C5}"/>
+                <a16:creationId xmlns:a16="http://schemas.microsoft.com/office/drawing/2014/main" id="{8EDA3E3B-1AFC-21ED-0262-96F73C5421C5}"/>
               </a:ext>
             </a:extLst>
           </p:cNvPr>
@@ -15393,10 +15679,9 @@
           <a:lstStyle/>
           <a:p>
             <a:r>
-              <a:rPr lang="sk-SK" dirty="0" smtClean="0"/>
+              <a:rPr lang="sk-SK" dirty="0"/>
               <a:t>Základné typy</a:t>
             </a:r>
-            <a:endParaRPr lang="sk-SK" dirty="0"/>
           </a:p>
         </p:txBody>
       </p:sp>
@@ -15405,7 +15690,7 @@
           <p:cNvPr id="3" name="Zástupný objekt pre obsah 2">
             <a:extLst>
               <a:ext uri="{FF2B5EF4-FFF2-40B4-BE49-F238E27FC236}">
-                <a16:creationId xmlns:a16="http://schemas.microsoft.com/office/drawing/2014/main" xmlns="" id="{32EAF71E-D295-194B-17BB-4829E098D692}"/>
+                <a16:creationId xmlns:a16="http://schemas.microsoft.com/office/drawing/2014/main" id="{32EAF71E-D295-194B-17BB-4829E098D692}"/>
               </a:ext>
             </a:extLst>
           </p:cNvPr>
@@ -15429,70 +15714,69 @@
           <a:lstStyle/>
           <a:p>
             <a:r>
-              <a:rPr lang="sk-SK" dirty="0" smtClean="0"/>
+              <a:rPr lang="sk-SK" dirty="0"/>
               <a:t>Vzory na vytváranie (</a:t>
             </a:r>
             <a:r>
-              <a:rPr lang="sk-SK" dirty="0" err="1" smtClean="0"/>
+              <a:rPr lang="sk-SK" dirty="0" err="1"/>
               <a:t>creational</a:t>
             </a:r>
             <a:r>
-              <a:rPr lang="sk-SK" dirty="0" smtClean="0"/>
+              <a:rPr lang="sk-SK" dirty="0"/>
               <a:t> </a:t>
             </a:r>
             <a:r>
-              <a:rPr lang="sk-SK" dirty="0" err="1" smtClean="0"/>
+              <a:rPr lang="sk-SK" dirty="0" err="1"/>
               <a:t>patterns</a:t>
             </a:r>
             <a:r>
-              <a:rPr lang="sk-SK" dirty="0" smtClean="0"/>
+              <a:rPr lang="sk-SK" dirty="0"/>
               <a:t>)</a:t>
             </a:r>
           </a:p>
           <a:p>
             <a:r>
-              <a:rPr lang="sk-SK" dirty="0" smtClean="0"/>
+              <a:rPr lang="sk-SK" dirty="0"/>
               <a:t>Štrukturálne vzory (</a:t>
             </a:r>
             <a:r>
-              <a:rPr lang="sk-SK" dirty="0" err="1" smtClean="0"/>
+              <a:rPr lang="sk-SK" dirty="0" err="1"/>
               <a:t>structural</a:t>
             </a:r>
             <a:r>
-              <a:rPr lang="sk-SK" dirty="0" smtClean="0"/>
+              <a:rPr lang="sk-SK" dirty="0"/>
               <a:t> </a:t>
             </a:r>
             <a:r>
-              <a:rPr lang="sk-SK" dirty="0" err="1" smtClean="0"/>
+              <a:rPr lang="sk-SK" dirty="0" err="1"/>
               <a:t>patterns</a:t>
             </a:r>
             <a:r>
-              <a:rPr lang="sk-SK" dirty="0" smtClean="0"/>
+              <a:rPr lang="sk-SK" dirty="0"/>
               <a:t>)</a:t>
             </a:r>
           </a:p>
           <a:p>
             <a:r>
-              <a:rPr lang="sk-SK" b="1" dirty="0" smtClean="0"/>
+              <a:rPr lang="sk-SK" b="1" dirty="0"/>
               <a:t>Vzory správania (</a:t>
             </a:r>
             <a:r>
-              <a:rPr lang="sk-SK" b="1" dirty="0" err="1" smtClean="0"/>
+              <a:rPr lang="sk-SK" b="1" dirty="0" err="1"/>
               <a:t>behavioral</a:t>
             </a:r>
             <a:r>
-              <a:rPr lang="sk-SK" b="1" dirty="0" smtClean="0"/>
+              <a:rPr lang="sk-SK" b="1" dirty="0"/>
               <a:t> </a:t>
             </a:r>
             <a:r>
-              <a:rPr lang="sk-SK" b="1" dirty="0" err="1" smtClean="0"/>
+              <a:rPr lang="sk-SK" b="1" dirty="0" err="1"/>
               <a:t>patterns</a:t>
             </a:r>
             <a:r>
-              <a:rPr lang="sk-SK" b="1" dirty="0" smtClean="0"/>
+              <a:rPr lang="sk-SK" b="1" dirty="0"/>
               <a:t>)</a:t>
             </a:r>
-            <a:endParaRPr lang="sk-SK" b="1" dirty="0"/>
           </a:p>
         </p:txBody>
       </p:sp>
@@ -15556,13 +15840,6 @@
   <p:clrMapOvr>
     <a:overrideClrMapping bg1="dk1" tx1="lt1" bg2="dk2" tx2="lt2" accent1="accent1" accent2="accent2" accent3="accent3" accent4="accent4" accent5="accent5" accent6="accent6" hlink="hlink" folHlink="folHlink"/>
   </p:clrMapOvr>
-  <p:timing>
-    <p:tnLst>
-      <p:par>
-        <p:cTn id="1" dur="indefinite" restart="never" nodeType="tmRoot"/>
-      </p:par>
-    </p:tnLst>
-  </p:timing>
 </p:sld>
 </file>
 
@@ -15596,10 +15873,10 @@
           <p:cNvPr id="31" name="Rectangle 30">
             <a:extLst>
               <a:ext uri="{FF2B5EF4-FFF2-40B4-BE49-F238E27FC236}">
-                <a16:creationId xmlns:a16="http://schemas.microsoft.com/office/drawing/2014/main" xmlns="" id="{86C16C40-7C29-4ACC-B851-7E08E459B596}"/>
+                <a16:creationId xmlns:a16="http://schemas.microsoft.com/office/drawing/2014/main" id="{86C16C40-7C29-4ACC-B851-7E08E459B596}"/>
               </a:ext>
               <a:ext uri="{C183D7F6-B498-43B3-948B-1728B52AA6E4}">
-                <adec:decorative xmlns:adec="http://schemas.microsoft.com/office/drawing/2017/decorative" xmlns="" val="1"/>
+                <adec:decorative xmlns:adec="http://schemas.microsoft.com/office/drawing/2017/decorative" val="1"/>
               </a:ext>
             </a:extLst>
           </p:cNvPr>
@@ -15609,7 +15886,7 @@
           <p:nvPr>
             <p:extLst>
               <p:ext uri="{386F3935-93C4-4BCD-93E2-E3B085C9AB24}">
-                <p16:designElem xmlns:p16="http://schemas.microsoft.com/office/powerpoint/2015/main" xmlns="" val="1"/>
+                <p16:designElem xmlns:p16="http://schemas.microsoft.com/office/powerpoint/2015/main" val="1"/>
               </p:ext>
             </p:extLst>
           </p:nvPr>
@@ -15656,10 +15933,10 @@
           <p:cNvPr id="33" name="Group 32">
             <a:extLst>
               <a:ext uri="{FF2B5EF4-FFF2-40B4-BE49-F238E27FC236}">
-                <a16:creationId xmlns:a16="http://schemas.microsoft.com/office/drawing/2014/main" xmlns="" id="{648049AD-9827-49E8-8BF5-32E175C8EA8A}"/>
+                <a16:creationId xmlns:a16="http://schemas.microsoft.com/office/drawing/2014/main" id="{648049AD-9827-49E8-8BF5-32E175C8EA8A}"/>
               </a:ext>
               <a:ext uri="{C183D7F6-B498-43B3-948B-1728B52AA6E4}">
-                <adec:decorative xmlns:adec="http://schemas.microsoft.com/office/drawing/2017/decorative" xmlns="" val="1"/>
+                <adec:decorative xmlns:adec="http://schemas.microsoft.com/office/drawing/2017/decorative" val="1"/>
               </a:ext>
             </a:extLst>
           </p:cNvPr>
@@ -15669,7 +15946,7 @@
           <p:nvPr>
             <p:extLst>
               <p:ext uri="{386F3935-93C4-4BCD-93E2-E3B085C9AB24}">
-                <p16:designElem xmlns:p16="http://schemas.microsoft.com/office/powerpoint/2015/main" xmlns="" val="1"/>
+                <p16:designElem xmlns:p16="http://schemas.microsoft.com/office/powerpoint/2015/main" val="1"/>
               </p:ext>
             </p:extLst>
           </p:nvPr>
@@ -15687,10 +15964,10 @@
             <p:cNvPr id="34" name="Straight Connector 33">
               <a:extLst>
                 <a:ext uri="{FF2B5EF4-FFF2-40B4-BE49-F238E27FC236}">
-                  <a16:creationId xmlns:a16="http://schemas.microsoft.com/office/drawing/2014/main" xmlns="" id="{3AA99CFD-13BA-4D43-8274-E720ACDBED4B}"/>
+                  <a16:creationId xmlns:a16="http://schemas.microsoft.com/office/drawing/2014/main" id="{3AA99CFD-13BA-4D43-8274-E720ACDBED4B}"/>
                 </a:ext>
                 <a:ext uri="{C183D7F6-B498-43B3-948B-1728B52AA6E4}">
-                  <adec:decorative xmlns:adec="http://schemas.microsoft.com/office/drawing/2017/decorative" xmlns="" val="1"/>
+                  <adec:decorative xmlns:adec="http://schemas.microsoft.com/office/drawing/2017/decorative" val="1"/>
                 </a:ext>
               </a:extLst>
             </p:cNvPr>
@@ -15698,7 +15975,7 @@
             <p:nvPr>
               <p:extLst>
                 <p:ext uri="{386F3935-93C4-4BCD-93E2-E3B085C9AB24}">
-                  <p16:designElem xmlns:p16="http://schemas.microsoft.com/office/powerpoint/2015/main" xmlns="" val="1"/>
+                  <p16:designElem xmlns:p16="http://schemas.microsoft.com/office/powerpoint/2015/main" val="1"/>
                 </p:ext>
               </p:extLst>
             </p:nvPr>
@@ -15739,10 +16016,10 @@
             <p:cNvPr id="35" name="Straight Connector 34">
               <a:extLst>
                 <a:ext uri="{FF2B5EF4-FFF2-40B4-BE49-F238E27FC236}">
-                  <a16:creationId xmlns:a16="http://schemas.microsoft.com/office/drawing/2014/main" xmlns="" id="{946D58D6-64B0-4752-8159-24114F47A5FF}"/>
+                  <a16:creationId xmlns:a16="http://schemas.microsoft.com/office/drawing/2014/main" id="{946D58D6-64B0-4752-8159-24114F47A5FF}"/>
                 </a:ext>
                 <a:ext uri="{C183D7F6-B498-43B3-948B-1728B52AA6E4}">
-                  <adec:decorative xmlns:adec="http://schemas.microsoft.com/office/drawing/2017/decorative" xmlns="" val="1"/>
+                  <adec:decorative xmlns:adec="http://schemas.microsoft.com/office/drawing/2017/decorative" val="1"/>
                 </a:ext>
               </a:extLst>
             </p:cNvPr>
@@ -15750,7 +16027,7 @@
             <p:nvPr>
               <p:extLst>
                 <p:ext uri="{386F3935-93C4-4BCD-93E2-E3B085C9AB24}">
-                  <p16:designElem xmlns:p16="http://schemas.microsoft.com/office/powerpoint/2015/main" xmlns="" val="1"/>
+                  <p16:designElem xmlns:p16="http://schemas.microsoft.com/office/powerpoint/2015/main" val="1"/>
                 </p:ext>
               </p:extLst>
             </p:nvPr>
@@ -15791,10 +16068,10 @@
             <p:cNvPr id="36" name="Rectangle 23">
               <a:extLst>
                 <a:ext uri="{FF2B5EF4-FFF2-40B4-BE49-F238E27FC236}">
-                  <a16:creationId xmlns:a16="http://schemas.microsoft.com/office/drawing/2014/main" xmlns="" id="{C16801F7-F15E-4355-8767-26487BA8B6C5}"/>
+                  <a16:creationId xmlns:a16="http://schemas.microsoft.com/office/drawing/2014/main" id="{C16801F7-F15E-4355-8767-26487BA8B6C5}"/>
                 </a:ext>
                 <a:ext uri="{C183D7F6-B498-43B3-948B-1728B52AA6E4}">
-                  <adec:decorative xmlns:adec="http://schemas.microsoft.com/office/drawing/2017/decorative" xmlns="" val="1"/>
+                  <adec:decorative xmlns:adec="http://schemas.microsoft.com/office/drawing/2017/decorative" val="1"/>
                 </a:ext>
               </a:extLst>
             </p:cNvPr>
@@ -15802,7 +16079,7 @@
             <p:nvPr>
               <p:extLst>
                 <p:ext uri="{386F3935-93C4-4BCD-93E2-E3B085C9AB24}">
-                  <p16:designElem xmlns:p16="http://schemas.microsoft.com/office/powerpoint/2015/main" xmlns="" val="1"/>
+                  <p16:designElem xmlns:p16="http://schemas.microsoft.com/office/powerpoint/2015/main" val="1"/>
                 </p:ext>
               </p:extLst>
             </p:nvPr>
@@ -15869,10 +16146,10 @@
             <p:cNvPr id="37" name="Rectangle 25">
               <a:extLst>
                 <a:ext uri="{FF2B5EF4-FFF2-40B4-BE49-F238E27FC236}">
-                  <a16:creationId xmlns:a16="http://schemas.microsoft.com/office/drawing/2014/main" xmlns="" id="{14FF0578-E224-4225-8396-B99D4881FF8F}"/>
+                  <a16:creationId xmlns:a16="http://schemas.microsoft.com/office/drawing/2014/main" id="{14FF0578-E224-4225-8396-B99D4881FF8F}"/>
                 </a:ext>
                 <a:ext uri="{C183D7F6-B498-43B3-948B-1728B52AA6E4}">
-                  <adec:decorative xmlns:adec="http://schemas.microsoft.com/office/drawing/2017/decorative" xmlns="" val="1"/>
+                  <adec:decorative xmlns:adec="http://schemas.microsoft.com/office/drawing/2017/decorative" val="1"/>
                 </a:ext>
               </a:extLst>
             </p:cNvPr>
@@ -15880,7 +16157,7 @@
             <p:nvPr>
               <p:extLst>
                 <p:ext uri="{386F3935-93C4-4BCD-93E2-E3B085C9AB24}">
-                  <p16:designElem xmlns:p16="http://schemas.microsoft.com/office/powerpoint/2015/main" xmlns="" val="1"/>
+                  <p16:designElem xmlns:p16="http://schemas.microsoft.com/office/powerpoint/2015/main" val="1"/>
                 </p:ext>
               </p:extLst>
             </p:nvPr>
@@ -15947,10 +16224,10 @@
             <p:cNvPr id="38" name="Isosceles Triangle 37">
               <a:extLst>
                 <a:ext uri="{FF2B5EF4-FFF2-40B4-BE49-F238E27FC236}">
-                  <a16:creationId xmlns:a16="http://schemas.microsoft.com/office/drawing/2014/main" xmlns="" id="{4642C0E0-9644-41F1-8CF3-33779AA8A3F8}"/>
+                  <a16:creationId xmlns:a16="http://schemas.microsoft.com/office/drawing/2014/main" id="{4642C0E0-9644-41F1-8CF3-33779AA8A3F8}"/>
                 </a:ext>
                 <a:ext uri="{C183D7F6-B498-43B3-948B-1728B52AA6E4}">
-                  <adec:decorative xmlns:adec="http://schemas.microsoft.com/office/drawing/2017/decorative" xmlns="" val="1"/>
+                  <adec:decorative xmlns:adec="http://schemas.microsoft.com/office/drawing/2017/decorative" val="1"/>
                 </a:ext>
               </a:extLst>
             </p:cNvPr>
@@ -15958,7 +16235,7 @@
             <p:nvPr>
               <p:extLst>
                 <p:ext uri="{386F3935-93C4-4BCD-93E2-E3B085C9AB24}">
-                  <p16:designElem xmlns:p16="http://schemas.microsoft.com/office/powerpoint/2015/main" xmlns="" val="1"/>
+                  <p16:designElem xmlns:p16="http://schemas.microsoft.com/office/powerpoint/2015/main" val="1"/>
                 </p:ext>
               </p:extLst>
             </p:nvPr>
@@ -16004,10 +16281,10 @@
             <p:cNvPr id="39" name="Rectangle 27">
               <a:extLst>
                 <a:ext uri="{FF2B5EF4-FFF2-40B4-BE49-F238E27FC236}">
-                  <a16:creationId xmlns:a16="http://schemas.microsoft.com/office/drawing/2014/main" xmlns="" id="{5F77D9D3-628A-4607-B307-91AAA5603450}"/>
+                  <a16:creationId xmlns:a16="http://schemas.microsoft.com/office/drawing/2014/main" id="{5F77D9D3-628A-4607-B307-91AAA5603450}"/>
                 </a:ext>
                 <a:ext uri="{C183D7F6-B498-43B3-948B-1728B52AA6E4}">
-                  <adec:decorative xmlns:adec="http://schemas.microsoft.com/office/drawing/2017/decorative" xmlns="" val="1"/>
+                  <adec:decorative xmlns:adec="http://schemas.microsoft.com/office/drawing/2017/decorative" val="1"/>
                 </a:ext>
               </a:extLst>
             </p:cNvPr>
@@ -16015,7 +16292,7 @@
             <p:nvPr>
               <p:extLst>
                 <p:ext uri="{386F3935-93C4-4BCD-93E2-E3B085C9AB24}">
-                  <p16:designElem xmlns:p16="http://schemas.microsoft.com/office/powerpoint/2015/main" xmlns="" val="1"/>
+                  <p16:designElem xmlns:p16="http://schemas.microsoft.com/office/powerpoint/2015/main" val="1"/>
                 </p:ext>
               </p:extLst>
             </p:nvPr>
@@ -16083,10 +16360,10 @@
             <p:cNvPr id="40" name="Rectangle 28">
               <a:extLst>
                 <a:ext uri="{FF2B5EF4-FFF2-40B4-BE49-F238E27FC236}">
-                  <a16:creationId xmlns:a16="http://schemas.microsoft.com/office/drawing/2014/main" xmlns="" id="{0600759E-C22E-4F3D-8569-0DE8F1D4934F}"/>
+                  <a16:creationId xmlns:a16="http://schemas.microsoft.com/office/drawing/2014/main" id="{0600759E-C22E-4F3D-8569-0DE8F1D4934F}"/>
                 </a:ext>
                 <a:ext uri="{C183D7F6-B498-43B3-948B-1728B52AA6E4}">
-                  <adec:decorative xmlns:adec="http://schemas.microsoft.com/office/drawing/2017/decorative" xmlns="" val="1"/>
+                  <adec:decorative xmlns:adec="http://schemas.microsoft.com/office/drawing/2017/decorative" val="1"/>
                 </a:ext>
               </a:extLst>
             </p:cNvPr>
@@ -16094,7 +16371,7 @@
             <p:nvPr>
               <p:extLst>
                 <p:ext uri="{386F3935-93C4-4BCD-93E2-E3B085C9AB24}">
-                  <p16:designElem xmlns:p16="http://schemas.microsoft.com/office/powerpoint/2015/main" xmlns="" val="1"/>
+                  <p16:designElem xmlns:p16="http://schemas.microsoft.com/office/powerpoint/2015/main" val="1"/>
                 </p:ext>
               </p:extLst>
             </p:nvPr>
@@ -16161,10 +16438,10 @@
             <p:cNvPr id="41" name="Rectangle 29">
               <a:extLst>
                 <a:ext uri="{FF2B5EF4-FFF2-40B4-BE49-F238E27FC236}">
-                  <a16:creationId xmlns:a16="http://schemas.microsoft.com/office/drawing/2014/main" xmlns="" id="{9A4E951D-EAB0-4F6B-84AE-B5B25684FD61}"/>
+                  <a16:creationId xmlns:a16="http://schemas.microsoft.com/office/drawing/2014/main" id="{9A4E951D-EAB0-4F6B-84AE-B5B25684FD61}"/>
                 </a:ext>
                 <a:ext uri="{C183D7F6-B498-43B3-948B-1728B52AA6E4}">
-                  <adec:decorative xmlns:adec="http://schemas.microsoft.com/office/drawing/2017/decorative" xmlns="" val="1"/>
+                  <adec:decorative xmlns:adec="http://schemas.microsoft.com/office/drawing/2017/decorative" val="1"/>
                 </a:ext>
               </a:extLst>
             </p:cNvPr>
@@ -16172,7 +16449,7 @@
             <p:nvPr>
               <p:extLst>
                 <p:ext uri="{386F3935-93C4-4BCD-93E2-E3B085C9AB24}">
-                  <p16:designElem xmlns:p16="http://schemas.microsoft.com/office/powerpoint/2015/main" xmlns="" val="1"/>
+                  <p16:designElem xmlns:p16="http://schemas.microsoft.com/office/powerpoint/2015/main" val="1"/>
                 </p:ext>
               </p:extLst>
             </p:nvPr>
@@ -16240,10 +16517,10 @@
             <p:cNvPr id="42" name="Isosceles Triangle 41">
               <a:extLst>
                 <a:ext uri="{FF2B5EF4-FFF2-40B4-BE49-F238E27FC236}">
-                  <a16:creationId xmlns:a16="http://schemas.microsoft.com/office/drawing/2014/main" xmlns="" id="{B953BEA8-1B45-419E-BACD-49DB8888B1DE}"/>
+                  <a16:creationId xmlns:a16="http://schemas.microsoft.com/office/drawing/2014/main" id="{B953BEA8-1B45-419E-BACD-49DB8888B1DE}"/>
                 </a:ext>
                 <a:ext uri="{C183D7F6-B498-43B3-948B-1728B52AA6E4}">
-                  <adec:decorative xmlns:adec="http://schemas.microsoft.com/office/drawing/2017/decorative" xmlns="" val="1"/>
+                  <adec:decorative xmlns:adec="http://schemas.microsoft.com/office/drawing/2017/decorative" val="1"/>
                 </a:ext>
               </a:extLst>
             </p:cNvPr>
@@ -16251,7 +16528,7 @@
             <p:nvPr>
               <p:extLst>
                 <p:ext uri="{386F3935-93C4-4BCD-93E2-E3B085C9AB24}">
-                  <p16:designElem xmlns:p16="http://schemas.microsoft.com/office/powerpoint/2015/main" xmlns="" val="1"/>
+                  <p16:designElem xmlns:p16="http://schemas.microsoft.com/office/powerpoint/2015/main" val="1"/>
                 </p:ext>
               </p:extLst>
             </p:nvPr>
@@ -16297,10 +16574,10 @@
             <p:cNvPr id="43" name="Isosceles Triangle 42">
               <a:extLst>
                 <a:ext uri="{FF2B5EF4-FFF2-40B4-BE49-F238E27FC236}">
-                  <a16:creationId xmlns:a16="http://schemas.microsoft.com/office/drawing/2014/main" xmlns="" id="{72B7FA08-1FF3-4AED-B4E9-587D81D6B1B9}"/>
+                  <a16:creationId xmlns:a16="http://schemas.microsoft.com/office/drawing/2014/main" id="{72B7FA08-1FF3-4AED-B4E9-587D81D6B1B9}"/>
                 </a:ext>
                 <a:ext uri="{C183D7F6-B498-43B3-948B-1728B52AA6E4}">
-                  <adec:decorative xmlns:adec="http://schemas.microsoft.com/office/drawing/2017/decorative" xmlns="" val="1"/>
+                  <adec:decorative xmlns:adec="http://schemas.microsoft.com/office/drawing/2017/decorative" val="1"/>
                 </a:ext>
               </a:extLst>
             </p:cNvPr>
@@ -16308,7 +16585,7 @@
             <p:nvPr>
               <p:extLst>
                 <p:ext uri="{386F3935-93C4-4BCD-93E2-E3B085C9AB24}">
-                  <p16:designElem xmlns:p16="http://schemas.microsoft.com/office/powerpoint/2015/main" xmlns="" val="1"/>
+                  <p16:designElem xmlns:p16="http://schemas.microsoft.com/office/powerpoint/2015/main" val="1"/>
                 </p:ext>
               </p:extLst>
             </p:nvPr>
@@ -16354,7 +16631,7 @@
           <p:cNvPr id="2" name="Nadpis 1">
             <a:extLst>
               <a:ext uri="{FF2B5EF4-FFF2-40B4-BE49-F238E27FC236}">
-                <a16:creationId xmlns:a16="http://schemas.microsoft.com/office/drawing/2014/main" xmlns="" id="{8EDA3E3B-1AFC-21ED-0262-96F73C5421C5}"/>
+                <a16:creationId xmlns:a16="http://schemas.microsoft.com/office/drawing/2014/main" id="{8EDA3E3B-1AFC-21ED-0262-96F73C5421C5}"/>
               </a:ext>
             </a:extLst>
           </p:cNvPr>
@@ -16378,10 +16655,9 @@
           <a:lstStyle/>
           <a:p>
             <a:r>
-              <a:rPr lang="sk-SK" dirty="0" smtClean="0"/>
+              <a:rPr lang="sk-SK" dirty="0"/>
               <a:t>Vzory správania</a:t>
             </a:r>
-            <a:endParaRPr lang="sk-SK" dirty="0"/>
           </a:p>
         </p:txBody>
       </p:sp>
@@ -16390,7 +16666,7 @@
           <p:cNvPr id="3" name="Zástupný objekt pre obsah 2">
             <a:extLst>
               <a:ext uri="{FF2B5EF4-FFF2-40B4-BE49-F238E27FC236}">
-                <a16:creationId xmlns:a16="http://schemas.microsoft.com/office/drawing/2014/main" xmlns="" id="{32EAF71E-D295-194B-17BB-4829E098D692}"/>
+                <a16:creationId xmlns:a16="http://schemas.microsoft.com/office/drawing/2014/main" id="{32EAF71E-D295-194B-17BB-4829E098D692}"/>
               </a:ext>
             </a:extLst>
           </p:cNvPr>
@@ -16414,40 +16690,40 @@
           <a:lstStyle/>
           <a:p>
             <a:r>
-              <a:rPr lang="sk-SK" dirty="0" smtClean="0"/>
+              <a:rPr lang="sk-SK" dirty="0"/>
               <a:t>Na čo sa používajú</a:t>
             </a:r>
           </a:p>
           <a:p>
             <a:r>
-              <a:rPr lang="sk-SK" dirty="0" smtClean="0"/>
+              <a:rPr lang="sk-SK" dirty="0"/>
               <a:t>Na čom sú založené</a:t>
             </a:r>
           </a:p>
           <a:p>
             <a:pPr lvl="1"/>
             <a:r>
-              <a:rPr lang="sk-SK" dirty="0" smtClean="0"/>
+              <a:rPr lang="sk-SK" dirty="0"/>
               <a:t>Princíp dedičnosti</a:t>
             </a:r>
           </a:p>
           <a:p>
             <a:pPr lvl="1"/>
             <a:r>
-              <a:rPr lang="sk-SK" dirty="0" smtClean="0"/>
+              <a:rPr lang="sk-SK" dirty="0"/>
               <a:t>Relácie medzi objektmi</a:t>
             </a:r>
           </a:p>
           <a:p>
             <a:r>
-              <a:rPr lang="sk-SK" dirty="0" smtClean="0"/>
+              <a:rPr lang="sk-SK" dirty="0"/>
               <a:t>4 najznámejšie vzory správania</a:t>
             </a:r>
           </a:p>
           <a:p>
             <a:pPr lvl="1"/>
             <a:r>
-              <a:rPr lang="sk-SK" dirty="0" err="1" smtClean="0"/>
+              <a:rPr lang="sk-SK" dirty="0" err="1"/>
               <a:t>Chain</a:t>
             </a:r>
             <a:r>
@@ -16463,33 +16739,33 @@
               <a:t> </a:t>
             </a:r>
             <a:r>
-              <a:rPr lang="sk-SK" dirty="0" err="1" smtClean="0"/>
+              <a:rPr lang="sk-SK" dirty="0" err="1"/>
               <a:t>responsibility</a:t>
             </a:r>
-            <a:endParaRPr lang="sk-SK" dirty="0" smtClean="0"/>
+            <a:endParaRPr lang="sk-SK" dirty="0"/>
           </a:p>
           <a:p>
             <a:pPr lvl="1"/>
             <a:r>
-              <a:rPr lang="sk-SK" dirty="0" err="1" smtClean="0"/>
+              <a:rPr lang="sk-SK" dirty="0" err="1"/>
               <a:t>Command</a:t>
             </a:r>
-            <a:endParaRPr lang="sk-SK" dirty="0" smtClean="0"/>
+            <a:endParaRPr lang="sk-SK" dirty="0"/>
           </a:p>
           <a:p>
             <a:pPr lvl="1"/>
             <a:r>
-              <a:rPr lang="sk-SK" dirty="0" smtClean="0"/>
+              <a:rPr lang="sk-SK" dirty="0"/>
               <a:t>Interpreter</a:t>
             </a:r>
           </a:p>
           <a:p>
             <a:pPr lvl="1"/>
             <a:r>
-              <a:rPr lang="sk-SK" dirty="0" err="1" smtClean="0"/>
+              <a:rPr lang="sk-SK" dirty="0" err="1"/>
               <a:t>Iterator</a:t>
             </a:r>
-            <a:endParaRPr lang="sk-SK" dirty="0" smtClean="0"/>
+            <a:endParaRPr lang="sk-SK" dirty="0"/>
           </a:p>
         </p:txBody>
       </p:sp>
@@ -16553,13 +16829,6 @@
   <p:clrMapOvr>
     <a:overrideClrMapping bg1="dk1" tx1="lt1" bg2="dk2" tx2="lt2" accent1="accent1" accent2="accent2" accent3="accent3" accent4="accent4" accent5="accent5" accent6="accent6" hlink="hlink" folHlink="folHlink"/>
   </p:clrMapOvr>
-  <p:timing>
-    <p:tnLst>
-      <p:par>
-        <p:cTn id="1" dur="indefinite" restart="never" nodeType="tmRoot"/>
-      </p:par>
-    </p:tnLst>
-  </p:timing>
 </p:sld>
 </file>
 
@@ -16593,10 +16862,10 @@
           <p:cNvPr id="12" name="Group 11">
             <a:extLst>
               <a:ext uri="{FF2B5EF4-FFF2-40B4-BE49-F238E27FC236}">
-                <a16:creationId xmlns:a16="http://schemas.microsoft.com/office/drawing/2014/main" xmlns="" id="{D6280969-F024-466D-A1DB-4F848C51DEF6}"/>
+                <a16:creationId xmlns:a16="http://schemas.microsoft.com/office/drawing/2014/main" id="{D6280969-F024-466D-A1DB-4F848C51DEF6}"/>
               </a:ext>
               <a:ext uri="{C183D7F6-B498-43B3-948B-1728B52AA6E4}">
-                <adec:decorative xmlns:adec="http://schemas.microsoft.com/office/drawing/2017/decorative" xmlns="" val="1"/>
+                <adec:decorative xmlns:adec="http://schemas.microsoft.com/office/drawing/2017/decorative" val="1"/>
               </a:ext>
             </a:extLst>
           </p:cNvPr>
@@ -16606,7 +16875,7 @@
           <p:nvPr>
             <p:extLst>
               <p:ext uri="{386F3935-93C4-4BCD-93E2-E3B085C9AB24}">
-                <p16:designElem xmlns:p16="http://schemas.microsoft.com/office/powerpoint/2015/main" xmlns="" val="1"/>
+                <p16:designElem xmlns:p16="http://schemas.microsoft.com/office/powerpoint/2015/main" val="1"/>
               </p:ext>
             </p:extLst>
           </p:nvPr>
@@ -16624,10 +16893,10 @@
             <p:cNvPr id="13" name="Straight Connector 12">
               <a:extLst>
                 <a:ext uri="{FF2B5EF4-FFF2-40B4-BE49-F238E27FC236}">
-                  <a16:creationId xmlns:a16="http://schemas.microsoft.com/office/drawing/2014/main" xmlns="" id="{63FDD802-E6D8-4979-A1B9-BA705AE4DA87}"/>
+                  <a16:creationId xmlns:a16="http://schemas.microsoft.com/office/drawing/2014/main" id="{63FDD802-E6D8-4979-A1B9-BA705AE4DA87}"/>
                 </a:ext>
                 <a:ext uri="{C183D7F6-B498-43B3-948B-1728B52AA6E4}">
-                  <adec:decorative xmlns:adec="http://schemas.microsoft.com/office/drawing/2017/decorative" xmlns="" val="1"/>
+                  <adec:decorative xmlns:adec="http://schemas.microsoft.com/office/drawing/2017/decorative" val="1"/>
                 </a:ext>
               </a:extLst>
             </p:cNvPr>
@@ -16635,7 +16904,7 @@
             <p:nvPr>
               <p:extLst>
                 <p:ext uri="{386F3935-93C4-4BCD-93E2-E3B085C9AB24}">
-                  <p16:designElem xmlns:p16="http://schemas.microsoft.com/office/powerpoint/2015/main" xmlns="" val="1"/>
+                  <p16:designElem xmlns:p16="http://schemas.microsoft.com/office/powerpoint/2015/main" val="1"/>
                 </p:ext>
               </p:extLst>
             </p:nvPr>
@@ -16676,10 +16945,10 @@
             <p:cNvPr id="14" name="Straight Connector 13">
               <a:extLst>
                 <a:ext uri="{FF2B5EF4-FFF2-40B4-BE49-F238E27FC236}">
-                  <a16:creationId xmlns:a16="http://schemas.microsoft.com/office/drawing/2014/main" xmlns="" id="{BDE509DD-4B76-45F0-8144-02F1D7E1AE0C}"/>
+                  <a16:creationId xmlns:a16="http://schemas.microsoft.com/office/drawing/2014/main" id="{BDE509DD-4B76-45F0-8144-02F1D7E1AE0C}"/>
                 </a:ext>
                 <a:ext uri="{C183D7F6-B498-43B3-948B-1728B52AA6E4}">
-                  <adec:decorative xmlns:adec="http://schemas.microsoft.com/office/drawing/2017/decorative" xmlns="" val="1"/>
+                  <adec:decorative xmlns:adec="http://schemas.microsoft.com/office/drawing/2017/decorative" val="1"/>
                 </a:ext>
               </a:extLst>
             </p:cNvPr>
@@ -16687,7 +16956,7 @@
             <p:nvPr>
               <p:extLst>
                 <p:ext uri="{386F3935-93C4-4BCD-93E2-E3B085C9AB24}">
-                  <p16:designElem xmlns:p16="http://schemas.microsoft.com/office/powerpoint/2015/main" xmlns="" val="1"/>
+                  <p16:designElem xmlns:p16="http://schemas.microsoft.com/office/powerpoint/2015/main" val="1"/>
                 </p:ext>
               </p:extLst>
             </p:nvPr>
@@ -16728,10 +16997,10 @@
             <p:cNvPr id="15" name="Rectangle 23">
               <a:extLst>
                 <a:ext uri="{FF2B5EF4-FFF2-40B4-BE49-F238E27FC236}">
-                  <a16:creationId xmlns:a16="http://schemas.microsoft.com/office/drawing/2014/main" xmlns="" id="{FEAEFD53-0220-48B1-9EA8-3EAE151E84E1}"/>
+                  <a16:creationId xmlns:a16="http://schemas.microsoft.com/office/drawing/2014/main" id="{FEAEFD53-0220-48B1-9EA8-3EAE151E84E1}"/>
                 </a:ext>
                 <a:ext uri="{C183D7F6-B498-43B3-948B-1728B52AA6E4}">
-                  <adec:decorative xmlns:adec="http://schemas.microsoft.com/office/drawing/2017/decorative" xmlns="" val="1"/>
+                  <adec:decorative xmlns:adec="http://schemas.microsoft.com/office/drawing/2017/decorative" val="1"/>
                 </a:ext>
               </a:extLst>
             </p:cNvPr>
@@ -16739,7 +17008,7 @@
             <p:nvPr>
               <p:extLst>
                 <p:ext uri="{386F3935-93C4-4BCD-93E2-E3B085C9AB24}">
-                  <p16:designElem xmlns:p16="http://schemas.microsoft.com/office/powerpoint/2015/main" xmlns="" val="1"/>
+                  <p16:designElem xmlns:p16="http://schemas.microsoft.com/office/powerpoint/2015/main" val="1"/>
                 </p:ext>
               </p:extLst>
             </p:nvPr>
@@ -16806,10 +17075,10 @@
             <p:cNvPr id="16" name="Rectangle 25">
               <a:extLst>
                 <a:ext uri="{FF2B5EF4-FFF2-40B4-BE49-F238E27FC236}">
-                  <a16:creationId xmlns:a16="http://schemas.microsoft.com/office/drawing/2014/main" xmlns="" id="{92E7FABD-916D-4FF9-B5F3-44E53AFD39EB}"/>
+                  <a16:creationId xmlns:a16="http://schemas.microsoft.com/office/drawing/2014/main" id="{92E7FABD-916D-4FF9-B5F3-44E53AFD39EB}"/>
                 </a:ext>
                 <a:ext uri="{C183D7F6-B498-43B3-948B-1728B52AA6E4}">
-                  <adec:decorative xmlns:adec="http://schemas.microsoft.com/office/drawing/2017/decorative" xmlns="" val="1"/>
+                  <adec:decorative xmlns:adec="http://schemas.microsoft.com/office/drawing/2017/decorative" val="1"/>
                 </a:ext>
               </a:extLst>
             </p:cNvPr>
@@ -16817,7 +17086,7 @@
             <p:nvPr>
               <p:extLst>
                 <p:ext uri="{386F3935-93C4-4BCD-93E2-E3B085C9AB24}">
-                  <p16:designElem xmlns:p16="http://schemas.microsoft.com/office/powerpoint/2015/main" xmlns="" val="1"/>
+                  <p16:designElem xmlns:p16="http://schemas.microsoft.com/office/powerpoint/2015/main" val="1"/>
                 </p:ext>
               </p:extLst>
             </p:nvPr>
@@ -16884,10 +17153,10 @@
             <p:cNvPr id="17" name="Isosceles Triangle 16">
               <a:extLst>
                 <a:ext uri="{FF2B5EF4-FFF2-40B4-BE49-F238E27FC236}">
-                  <a16:creationId xmlns:a16="http://schemas.microsoft.com/office/drawing/2014/main" xmlns="" id="{826F9772-AEFE-4C6D-82B6-1207069B86DC}"/>
+                  <a16:creationId xmlns:a16="http://schemas.microsoft.com/office/drawing/2014/main" id="{826F9772-AEFE-4C6D-82B6-1207069B86DC}"/>
                 </a:ext>
                 <a:ext uri="{C183D7F6-B498-43B3-948B-1728B52AA6E4}">
-                  <adec:decorative xmlns:adec="http://schemas.microsoft.com/office/drawing/2017/decorative" xmlns="" val="1"/>
+                  <adec:decorative xmlns:adec="http://schemas.microsoft.com/office/drawing/2017/decorative" val="1"/>
                 </a:ext>
               </a:extLst>
             </p:cNvPr>
@@ -16895,7 +17164,7 @@
             <p:nvPr>
               <p:extLst>
                 <p:ext uri="{386F3935-93C4-4BCD-93E2-E3B085C9AB24}">
-                  <p16:designElem xmlns:p16="http://schemas.microsoft.com/office/powerpoint/2015/main" xmlns="" val="1"/>
+                  <p16:designElem xmlns:p16="http://schemas.microsoft.com/office/powerpoint/2015/main" val="1"/>
                 </p:ext>
               </p:extLst>
             </p:nvPr>
@@ -16941,10 +17210,10 @@
             <p:cNvPr id="18" name="Rectangle 27">
               <a:extLst>
                 <a:ext uri="{FF2B5EF4-FFF2-40B4-BE49-F238E27FC236}">
-                  <a16:creationId xmlns:a16="http://schemas.microsoft.com/office/drawing/2014/main" xmlns="" id="{ACFBF3A9-B76A-4B4B-B6D7-CA4651F5C9DF}"/>
+                  <a16:creationId xmlns:a16="http://schemas.microsoft.com/office/drawing/2014/main" id="{ACFBF3A9-B76A-4B4B-B6D7-CA4651F5C9DF}"/>
                 </a:ext>
                 <a:ext uri="{C183D7F6-B498-43B3-948B-1728B52AA6E4}">
-                  <adec:decorative xmlns:adec="http://schemas.microsoft.com/office/drawing/2017/decorative" xmlns="" val="1"/>
+                  <adec:decorative xmlns:adec="http://schemas.microsoft.com/office/drawing/2017/decorative" val="1"/>
                 </a:ext>
               </a:extLst>
             </p:cNvPr>
@@ -16952,7 +17221,7 @@
             <p:nvPr>
               <p:extLst>
                 <p:ext uri="{386F3935-93C4-4BCD-93E2-E3B085C9AB24}">
-                  <p16:designElem xmlns:p16="http://schemas.microsoft.com/office/powerpoint/2015/main" xmlns="" val="1"/>
+                  <p16:designElem xmlns:p16="http://schemas.microsoft.com/office/powerpoint/2015/main" val="1"/>
                 </p:ext>
               </p:extLst>
             </p:nvPr>
@@ -17020,10 +17289,10 @@
             <p:cNvPr id="19" name="Rectangle 28">
               <a:extLst>
                 <a:ext uri="{FF2B5EF4-FFF2-40B4-BE49-F238E27FC236}">
-                  <a16:creationId xmlns:a16="http://schemas.microsoft.com/office/drawing/2014/main" xmlns="" id="{BF0FAA0A-B682-4A83-BDD8-BCE0AB41C2B4}"/>
+                  <a16:creationId xmlns:a16="http://schemas.microsoft.com/office/drawing/2014/main" id="{BF0FAA0A-B682-4A83-BDD8-BCE0AB41C2B4}"/>
                 </a:ext>
                 <a:ext uri="{C183D7F6-B498-43B3-948B-1728B52AA6E4}">
-                  <adec:decorative xmlns:adec="http://schemas.microsoft.com/office/drawing/2017/decorative" xmlns="" val="1"/>
+                  <adec:decorative xmlns:adec="http://schemas.microsoft.com/office/drawing/2017/decorative" val="1"/>
                 </a:ext>
               </a:extLst>
             </p:cNvPr>
@@ -17031,7 +17300,7 @@
             <p:nvPr>
               <p:extLst>
                 <p:ext uri="{386F3935-93C4-4BCD-93E2-E3B085C9AB24}">
-                  <p16:designElem xmlns:p16="http://schemas.microsoft.com/office/powerpoint/2015/main" xmlns="" val="1"/>
+                  <p16:designElem xmlns:p16="http://schemas.microsoft.com/office/powerpoint/2015/main" val="1"/>
                 </p:ext>
               </p:extLst>
             </p:nvPr>
@@ -17098,10 +17367,10 @@
             <p:cNvPr id="20" name="Rectangle 29">
               <a:extLst>
                 <a:ext uri="{FF2B5EF4-FFF2-40B4-BE49-F238E27FC236}">
-                  <a16:creationId xmlns:a16="http://schemas.microsoft.com/office/drawing/2014/main" xmlns="" id="{7874A013-E5E2-4AE1-8E93-029A2B41EB78}"/>
+                  <a16:creationId xmlns:a16="http://schemas.microsoft.com/office/drawing/2014/main" id="{7874A013-E5E2-4AE1-8E93-029A2B41EB78}"/>
                 </a:ext>
                 <a:ext uri="{C183D7F6-B498-43B3-948B-1728B52AA6E4}">
-                  <adec:decorative xmlns:adec="http://schemas.microsoft.com/office/drawing/2017/decorative" xmlns="" val="1"/>
+                  <adec:decorative xmlns:adec="http://schemas.microsoft.com/office/drawing/2017/decorative" val="1"/>
                 </a:ext>
               </a:extLst>
             </p:cNvPr>
@@ -17109,7 +17378,7 @@
             <p:nvPr>
               <p:extLst>
                 <p:ext uri="{386F3935-93C4-4BCD-93E2-E3B085C9AB24}">
-                  <p16:designElem xmlns:p16="http://schemas.microsoft.com/office/powerpoint/2015/main" xmlns="" val="1"/>
+                  <p16:designElem xmlns:p16="http://schemas.microsoft.com/office/powerpoint/2015/main" val="1"/>
                 </p:ext>
               </p:extLst>
             </p:nvPr>
@@ -17177,10 +17446,10 @@
             <p:cNvPr id="21" name="Isosceles Triangle 20">
               <a:extLst>
                 <a:ext uri="{FF2B5EF4-FFF2-40B4-BE49-F238E27FC236}">
-                  <a16:creationId xmlns:a16="http://schemas.microsoft.com/office/drawing/2014/main" xmlns="" id="{4355329E-E608-4F7A-B4EF-8FEF07D75522}"/>
+                  <a16:creationId xmlns:a16="http://schemas.microsoft.com/office/drawing/2014/main" id="{4355329E-E608-4F7A-B4EF-8FEF07D75522}"/>
                 </a:ext>
                 <a:ext uri="{C183D7F6-B498-43B3-948B-1728B52AA6E4}">
-                  <adec:decorative xmlns:adec="http://schemas.microsoft.com/office/drawing/2017/decorative" xmlns="" val="1"/>
+                  <adec:decorative xmlns:adec="http://schemas.microsoft.com/office/drawing/2017/decorative" val="1"/>
                 </a:ext>
               </a:extLst>
             </p:cNvPr>
@@ -17188,7 +17457,7 @@
             <p:nvPr>
               <p:extLst>
                 <p:ext uri="{386F3935-93C4-4BCD-93E2-E3B085C9AB24}">
-                  <p16:designElem xmlns:p16="http://schemas.microsoft.com/office/powerpoint/2015/main" xmlns="" val="1"/>
+                  <p16:designElem xmlns:p16="http://schemas.microsoft.com/office/powerpoint/2015/main" val="1"/>
                 </p:ext>
               </p:extLst>
             </p:nvPr>
@@ -17234,10 +17503,10 @@
             <p:cNvPr id="22" name="Isosceles Triangle 21">
               <a:extLst>
                 <a:ext uri="{FF2B5EF4-FFF2-40B4-BE49-F238E27FC236}">
-                  <a16:creationId xmlns:a16="http://schemas.microsoft.com/office/drawing/2014/main" xmlns="" id="{53D9BFDF-B250-44FF-9BD7-C204EFBFC193}"/>
+                  <a16:creationId xmlns:a16="http://schemas.microsoft.com/office/drawing/2014/main" id="{53D9BFDF-B250-44FF-9BD7-C204EFBFC193}"/>
                 </a:ext>
                 <a:ext uri="{C183D7F6-B498-43B3-948B-1728B52AA6E4}">
-                  <adec:decorative xmlns:adec="http://schemas.microsoft.com/office/drawing/2017/decorative" xmlns="" val="1"/>
+                  <adec:decorative xmlns:adec="http://schemas.microsoft.com/office/drawing/2017/decorative" val="1"/>
                 </a:ext>
               </a:extLst>
             </p:cNvPr>
@@ -17245,7 +17514,7 @@
             <p:nvPr>
               <p:extLst>
                 <p:ext uri="{386F3935-93C4-4BCD-93E2-E3B085C9AB24}">
-                  <p16:designElem xmlns:p16="http://schemas.microsoft.com/office/powerpoint/2015/main" xmlns="" val="1"/>
+                  <p16:designElem xmlns:p16="http://schemas.microsoft.com/office/powerpoint/2015/main" val="1"/>
                 </p:ext>
               </p:extLst>
             </p:nvPr>
@@ -17291,10 +17560,10 @@
           <p:cNvPr id="24" name="Rectangle 23">
             <a:extLst>
               <a:ext uri="{FF2B5EF4-FFF2-40B4-BE49-F238E27FC236}">
-                <a16:creationId xmlns:a16="http://schemas.microsoft.com/office/drawing/2014/main" xmlns="" id="{9F4444CE-BC8D-4D61-B303-4C05614E62AB}"/>
+                <a16:creationId xmlns:a16="http://schemas.microsoft.com/office/drawing/2014/main" id="{9F4444CE-BC8D-4D61-B303-4C05614E62AB}"/>
               </a:ext>
               <a:ext uri="{C183D7F6-B498-43B3-948B-1728B52AA6E4}">
-                <adec:decorative xmlns:adec="http://schemas.microsoft.com/office/drawing/2017/decorative" xmlns="" val="1"/>
+                <adec:decorative xmlns:adec="http://schemas.microsoft.com/office/drawing/2017/decorative" val="1"/>
               </a:ext>
             </a:extLst>
           </p:cNvPr>
@@ -17304,7 +17573,7 @@
           <p:nvPr>
             <p:extLst>
               <p:ext uri="{386F3935-93C4-4BCD-93E2-E3B085C9AB24}">
-                <p16:designElem xmlns:p16="http://schemas.microsoft.com/office/powerpoint/2015/main" xmlns="" val="1"/>
+                <p16:designElem xmlns:p16="http://schemas.microsoft.com/office/powerpoint/2015/main" val="1"/>
               </p:ext>
             </p:extLst>
           </p:nvPr>
@@ -17351,10 +17620,10 @@
           <p:cNvPr id="26" name="Rectangle 25">
             <a:extLst>
               <a:ext uri="{FF2B5EF4-FFF2-40B4-BE49-F238E27FC236}">
-                <a16:creationId xmlns:a16="http://schemas.microsoft.com/office/drawing/2014/main" xmlns="" id="{62423CA5-E2E1-4789-B759-9906C1C94063}"/>
+                <a16:creationId xmlns:a16="http://schemas.microsoft.com/office/drawing/2014/main" id="{62423CA5-E2E1-4789-B759-9906C1C94063}"/>
               </a:ext>
               <a:ext uri="{C183D7F6-B498-43B3-948B-1728B52AA6E4}">
-                <adec:decorative xmlns:adec="http://schemas.microsoft.com/office/drawing/2017/decorative" xmlns="" val="1"/>
+                <adec:decorative xmlns:adec="http://schemas.microsoft.com/office/drawing/2017/decorative" val="1"/>
               </a:ext>
             </a:extLst>
           </p:cNvPr>
@@ -17364,7 +17633,7 @@
           <p:nvPr>
             <p:extLst>
               <p:ext uri="{386F3935-93C4-4BCD-93E2-E3B085C9AB24}">
-                <p16:designElem xmlns:p16="http://schemas.microsoft.com/office/powerpoint/2015/main" xmlns="" val="1"/>
+                <p16:designElem xmlns:p16="http://schemas.microsoft.com/office/powerpoint/2015/main" val="1"/>
               </p:ext>
             </p:extLst>
           </p:nvPr>
@@ -17412,10 +17681,10 @@
           <p:cNvPr id="28" name="Isosceles Triangle 27">
             <a:extLst>
               <a:ext uri="{FF2B5EF4-FFF2-40B4-BE49-F238E27FC236}">
-                <a16:creationId xmlns:a16="http://schemas.microsoft.com/office/drawing/2014/main" xmlns="" id="{73772B81-181F-48B7-8826-4D9686D15DF5}"/>
+                <a16:creationId xmlns:a16="http://schemas.microsoft.com/office/drawing/2014/main" id="{73772B81-181F-48B7-8826-4D9686D15DF5}"/>
               </a:ext>
               <a:ext uri="{C183D7F6-B498-43B3-948B-1728B52AA6E4}">
-                <adec:decorative xmlns:adec="http://schemas.microsoft.com/office/drawing/2017/decorative" xmlns="" val="1"/>
+                <adec:decorative xmlns:adec="http://schemas.microsoft.com/office/drawing/2017/decorative" val="1"/>
               </a:ext>
             </a:extLst>
           </p:cNvPr>
@@ -17425,7 +17694,7 @@
           <p:nvPr>
             <p:extLst>
               <p:ext uri="{386F3935-93C4-4BCD-93E2-E3B085C9AB24}">
-                <p16:designElem xmlns:p16="http://schemas.microsoft.com/office/powerpoint/2015/main" xmlns="" val="1"/>
+                <p16:designElem xmlns:p16="http://schemas.microsoft.com/office/powerpoint/2015/main" val="1"/>
               </p:ext>
             </p:extLst>
           </p:nvPr>
@@ -17475,7 +17744,7 @@
           <p:cNvPr id="2" name="Nadpis 1">
             <a:extLst>
               <a:ext uri="{FF2B5EF4-FFF2-40B4-BE49-F238E27FC236}">
-                <a16:creationId xmlns:a16="http://schemas.microsoft.com/office/drawing/2014/main" xmlns="" id="{FB785D2E-9FFA-A451-C115-5E951CCAEF79}"/>
+                <a16:creationId xmlns:a16="http://schemas.microsoft.com/office/drawing/2014/main" id="{FB785D2E-9FFA-A451-C115-5E951CCAEF79}"/>
               </a:ext>
             </a:extLst>
           </p:cNvPr>
@@ -17515,7 +17784,7 @@
           <p:cNvPr id="3" name="Zástupný objekt pre obsah 2">
             <a:extLst>
               <a:ext uri="{FF2B5EF4-FFF2-40B4-BE49-F238E27FC236}">
-                <a16:creationId xmlns:a16="http://schemas.microsoft.com/office/drawing/2014/main" xmlns="" id="{51A1E01A-0B4D-F727-6EAB-04618A33647F}"/>
+                <a16:creationId xmlns:a16="http://schemas.microsoft.com/office/drawing/2014/main" id="{51A1E01A-0B4D-F727-6EAB-04618A33647F}"/>
               </a:ext>
             </a:extLst>
           </p:cNvPr>
@@ -17539,20 +17808,12 @@
           <a:lstStyle/>
           <a:p>
             <a:r>
-              <a:rPr lang="en-US" dirty="0" smtClean="0">
-                <a:solidFill>
-                  <a:schemeClr val="bg1"/>
-                </a:solidFill>
-              </a:rPr>
-              <a:t>Chain </a:t>
-            </a:r>
-            <a:r>
               <a:rPr lang="en-US" dirty="0">
                 <a:solidFill>
                   <a:schemeClr val="bg1"/>
                 </a:solidFill>
               </a:rPr>
-              <a:t>of Responsibility je Behavioral </a:t>
+              <a:t>Chain of Responsibility je Behavioral </a:t>
             </a:r>
             <a:r>
               <a:rPr lang="en-US" dirty="0" err="1">
@@ -17722,7 +17983,7 @@
           <p:cNvPr id="7" name="Picture 2" descr="Chain of Responsibility design pattern">
             <a:extLst>
               <a:ext uri="{FF2B5EF4-FFF2-40B4-BE49-F238E27FC236}">
-                <a16:creationId xmlns:a16="http://schemas.microsoft.com/office/drawing/2014/main" xmlns="" id="{CF61D327-7D3C-B267-964E-B974B07A25E8}"/>
+                <a16:creationId xmlns:a16="http://schemas.microsoft.com/office/drawing/2014/main" id="{CF61D327-7D3C-B267-964E-B974B07A25E8}"/>
               </a:ext>
             </a:extLst>
           </p:cNvPr>
@@ -17770,10 +18031,10 @@
           <p:cNvPr id="30" name="Isosceles Triangle 29">
             <a:extLst>
               <a:ext uri="{FF2B5EF4-FFF2-40B4-BE49-F238E27FC236}">
-                <a16:creationId xmlns:a16="http://schemas.microsoft.com/office/drawing/2014/main" xmlns="" id="{B2205F6E-03C6-4E92-877C-E2482F6599AA}"/>
+                <a16:creationId xmlns:a16="http://schemas.microsoft.com/office/drawing/2014/main" id="{B2205F6E-03C6-4E92-877C-E2482F6599AA}"/>
               </a:ext>
               <a:ext uri="{C183D7F6-B498-43B3-948B-1728B52AA6E4}">
-                <adec:decorative xmlns:adec="http://schemas.microsoft.com/office/drawing/2017/decorative" xmlns="" val="1"/>
+                <adec:decorative xmlns:adec="http://schemas.microsoft.com/office/drawing/2017/decorative" val="1"/>
               </a:ext>
             </a:extLst>
           </p:cNvPr>
@@ -17783,7 +18044,7 @@
           <p:nvPr>
             <p:extLst>
               <p:ext uri="{386F3935-93C4-4BCD-93E2-E3B085C9AB24}">
-                <p16:designElem xmlns:p16="http://schemas.microsoft.com/office/powerpoint/2015/main" xmlns="" val="1"/>
+                <p16:designElem xmlns:p16="http://schemas.microsoft.com/office/powerpoint/2015/main" val="1"/>
               </p:ext>
             </p:extLst>
           </p:nvPr>
@@ -17840,13 +18101,6 @@
   <p:clrMapOvr>
     <a:masterClrMapping/>
   </p:clrMapOvr>
-  <p:timing>
-    <p:tnLst>
-      <p:par>
-        <p:cTn id="1" dur="indefinite" restart="never" nodeType="tmRoot"/>
-      </p:par>
-    </p:tnLst>
-  </p:timing>
 </p:sld>
 </file>
 
@@ -17880,10 +18134,10 @@
           <p:cNvPr id="10" name="Group 9">
             <a:extLst>
               <a:ext uri="{FF2B5EF4-FFF2-40B4-BE49-F238E27FC236}">
-                <a16:creationId xmlns:a16="http://schemas.microsoft.com/office/drawing/2014/main" xmlns="" id="{D6280969-F024-466D-A1DB-4F848C51DEF6}"/>
+                <a16:creationId xmlns:a16="http://schemas.microsoft.com/office/drawing/2014/main" id="{D6280969-F024-466D-A1DB-4F848C51DEF6}"/>
               </a:ext>
               <a:ext uri="{C183D7F6-B498-43B3-948B-1728B52AA6E4}">
-                <adec:decorative xmlns:adec="http://schemas.microsoft.com/office/drawing/2017/decorative" xmlns="" val="1"/>
+                <adec:decorative xmlns:adec="http://schemas.microsoft.com/office/drawing/2017/decorative" val="1"/>
               </a:ext>
             </a:extLst>
           </p:cNvPr>
@@ -17893,7 +18147,7 @@
           <p:nvPr>
             <p:extLst>
               <p:ext uri="{386F3935-93C4-4BCD-93E2-E3B085C9AB24}">
-                <p16:designElem xmlns:p16="http://schemas.microsoft.com/office/powerpoint/2015/main" xmlns="" val="1"/>
+                <p16:designElem xmlns:p16="http://schemas.microsoft.com/office/powerpoint/2015/main" val="1"/>
               </p:ext>
             </p:extLst>
           </p:nvPr>
@@ -17911,10 +18165,10 @@
             <p:cNvPr id="11" name="Straight Connector 10">
               <a:extLst>
                 <a:ext uri="{FF2B5EF4-FFF2-40B4-BE49-F238E27FC236}">
-                  <a16:creationId xmlns:a16="http://schemas.microsoft.com/office/drawing/2014/main" xmlns="" id="{63FDD802-E6D8-4979-A1B9-BA705AE4DA87}"/>
+                  <a16:creationId xmlns:a16="http://schemas.microsoft.com/office/drawing/2014/main" id="{63FDD802-E6D8-4979-A1B9-BA705AE4DA87}"/>
                 </a:ext>
                 <a:ext uri="{C183D7F6-B498-43B3-948B-1728B52AA6E4}">
-                  <adec:decorative xmlns:adec="http://schemas.microsoft.com/office/drawing/2017/decorative" xmlns="" val="1"/>
+                  <adec:decorative xmlns:adec="http://schemas.microsoft.com/office/drawing/2017/decorative" val="1"/>
                 </a:ext>
               </a:extLst>
             </p:cNvPr>
@@ -17922,7 +18176,7 @@
             <p:nvPr>
               <p:extLst>
                 <p:ext uri="{386F3935-93C4-4BCD-93E2-E3B085C9AB24}">
-                  <p16:designElem xmlns:p16="http://schemas.microsoft.com/office/powerpoint/2015/main" xmlns="" val="1"/>
+                  <p16:designElem xmlns:p16="http://schemas.microsoft.com/office/powerpoint/2015/main" val="1"/>
                 </p:ext>
               </p:extLst>
             </p:nvPr>
@@ -17963,10 +18217,10 @@
             <p:cNvPr id="12" name="Straight Connector 11">
               <a:extLst>
                 <a:ext uri="{FF2B5EF4-FFF2-40B4-BE49-F238E27FC236}">
-                  <a16:creationId xmlns:a16="http://schemas.microsoft.com/office/drawing/2014/main" xmlns="" id="{BDE509DD-4B76-45F0-8144-02F1D7E1AE0C}"/>
+                  <a16:creationId xmlns:a16="http://schemas.microsoft.com/office/drawing/2014/main" id="{BDE509DD-4B76-45F0-8144-02F1D7E1AE0C}"/>
                 </a:ext>
                 <a:ext uri="{C183D7F6-B498-43B3-948B-1728B52AA6E4}">
-                  <adec:decorative xmlns:adec="http://schemas.microsoft.com/office/drawing/2017/decorative" xmlns="" val="1"/>
+                  <adec:decorative xmlns:adec="http://schemas.microsoft.com/office/drawing/2017/decorative" val="1"/>
                 </a:ext>
               </a:extLst>
             </p:cNvPr>
@@ -17974,7 +18228,7 @@
             <p:nvPr>
               <p:extLst>
                 <p:ext uri="{386F3935-93C4-4BCD-93E2-E3B085C9AB24}">
-                  <p16:designElem xmlns:p16="http://schemas.microsoft.com/office/powerpoint/2015/main" xmlns="" val="1"/>
+                  <p16:designElem xmlns:p16="http://schemas.microsoft.com/office/powerpoint/2015/main" val="1"/>
                 </p:ext>
               </p:extLst>
             </p:nvPr>
@@ -18015,10 +18269,10 @@
             <p:cNvPr id="13" name="Rectangle 23">
               <a:extLst>
                 <a:ext uri="{FF2B5EF4-FFF2-40B4-BE49-F238E27FC236}">
-                  <a16:creationId xmlns:a16="http://schemas.microsoft.com/office/drawing/2014/main" xmlns="" id="{FEAEFD53-0220-48B1-9EA8-3EAE151E84E1}"/>
+                  <a16:creationId xmlns:a16="http://schemas.microsoft.com/office/drawing/2014/main" id="{FEAEFD53-0220-48B1-9EA8-3EAE151E84E1}"/>
                 </a:ext>
                 <a:ext uri="{C183D7F6-B498-43B3-948B-1728B52AA6E4}">
-                  <adec:decorative xmlns:adec="http://schemas.microsoft.com/office/drawing/2017/decorative" xmlns="" val="1"/>
+                  <adec:decorative xmlns:adec="http://schemas.microsoft.com/office/drawing/2017/decorative" val="1"/>
                 </a:ext>
               </a:extLst>
             </p:cNvPr>
@@ -18026,7 +18280,7 @@
             <p:nvPr>
               <p:extLst>
                 <p:ext uri="{386F3935-93C4-4BCD-93E2-E3B085C9AB24}">
-                  <p16:designElem xmlns:p16="http://schemas.microsoft.com/office/powerpoint/2015/main" xmlns="" val="1"/>
+                  <p16:designElem xmlns:p16="http://schemas.microsoft.com/office/powerpoint/2015/main" val="1"/>
                 </p:ext>
               </p:extLst>
             </p:nvPr>
@@ -18093,10 +18347,10 @@
             <p:cNvPr id="14" name="Rectangle 25">
               <a:extLst>
                 <a:ext uri="{FF2B5EF4-FFF2-40B4-BE49-F238E27FC236}">
-                  <a16:creationId xmlns:a16="http://schemas.microsoft.com/office/drawing/2014/main" xmlns="" id="{92E7FABD-916D-4FF9-B5F3-44E53AFD39EB}"/>
+                  <a16:creationId xmlns:a16="http://schemas.microsoft.com/office/drawing/2014/main" id="{92E7FABD-916D-4FF9-B5F3-44E53AFD39EB}"/>
                 </a:ext>
                 <a:ext uri="{C183D7F6-B498-43B3-948B-1728B52AA6E4}">
-                  <adec:decorative xmlns:adec="http://schemas.microsoft.com/office/drawing/2017/decorative" xmlns="" val="1"/>
+                  <adec:decorative xmlns:adec="http://schemas.microsoft.com/office/drawing/2017/decorative" val="1"/>
                 </a:ext>
               </a:extLst>
             </p:cNvPr>
@@ -18104,7 +18358,7 @@
             <p:nvPr>
               <p:extLst>
                 <p:ext uri="{386F3935-93C4-4BCD-93E2-E3B085C9AB24}">
-                  <p16:designElem xmlns:p16="http://schemas.microsoft.com/office/powerpoint/2015/main" xmlns="" val="1"/>
+                  <p16:designElem xmlns:p16="http://schemas.microsoft.com/office/powerpoint/2015/main" val="1"/>
                 </p:ext>
               </p:extLst>
             </p:nvPr>
@@ -18171,10 +18425,10 @@
             <p:cNvPr id="15" name="Isosceles Triangle 14">
               <a:extLst>
                 <a:ext uri="{FF2B5EF4-FFF2-40B4-BE49-F238E27FC236}">
-                  <a16:creationId xmlns:a16="http://schemas.microsoft.com/office/drawing/2014/main" xmlns="" id="{826F9772-AEFE-4C6D-82B6-1207069B86DC}"/>
+                  <a16:creationId xmlns:a16="http://schemas.microsoft.com/office/drawing/2014/main" id="{826F9772-AEFE-4C6D-82B6-1207069B86DC}"/>
                 </a:ext>
                 <a:ext uri="{C183D7F6-B498-43B3-948B-1728B52AA6E4}">
-                  <adec:decorative xmlns:adec="http://schemas.microsoft.com/office/drawing/2017/decorative" xmlns="" val="1"/>
+                  <adec:decorative xmlns:adec="http://schemas.microsoft.com/office/drawing/2017/decorative" val="1"/>
                 </a:ext>
               </a:extLst>
             </p:cNvPr>
@@ -18182,7 +18436,7 @@
             <p:nvPr>
               <p:extLst>
                 <p:ext uri="{386F3935-93C4-4BCD-93E2-E3B085C9AB24}">
-                  <p16:designElem xmlns:p16="http://schemas.microsoft.com/office/powerpoint/2015/main" xmlns="" val="1"/>
+                  <p16:designElem xmlns:p16="http://schemas.microsoft.com/office/powerpoint/2015/main" val="1"/>
                 </p:ext>
               </p:extLst>
             </p:nvPr>
@@ -18228,10 +18482,10 @@
             <p:cNvPr id="16" name="Rectangle 27">
               <a:extLst>
                 <a:ext uri="{FF2B5EF4-FFF2-40B4-BE49-F238E27FC236}">
-                  <a16:creationId xmlns:a16="http://schemas.microsoft.com/office/drawing/2014/main" xmlns="" id="{ACFBF3A9-B76A-4B4B-B6D7-CA4651F5C9DF}"/>
+                  <a16:creationId xmlns:a16="http://schemas.microsoft.com/office/drawing/2014/main" id="{ACFBF3A9-B76A-4B4B-B6D7-CA4651F5C9DF}"/>
                 </a:ext>
                 <a:ext uri="{C183D7F6-B498-43B3-948B-1728B52AA6E4}">
-                  <adec:decorative xmlns:adec="http://schemas.microsoft.com/office/drawing/2017/decorative" xmlns="" val="1"/>
+                  <adec:decorative xmlns:adec="http://schemas.microsoft.com/office/drawing/2017/decorative" val="1"/>
                 </a:ext>
               </a:extLst>
             </p:cNvPr>
@@ -18239,7 +18493,7 @@
             <p:nvPr>
               <p:extLst>
                 <p:ext uri="{386F3935-93C4-4BCD-93E2-E3B085C9AB24}">
-                  <p16:designElem xmlns:p16="http://schemas.microsoft.com/office/powerpoint/2015/main" xmlns="" val="1"/>
+                  <p16:designElem xmlns:p16="http://schemas.microsoft.com/office/powerpoint/2015/main" val="1"/>
                 </p:ext>
               </p:extLst>
             </p:nvPr>
@@ -18307,10 +18561,10 @@
             <p:cNvPr id="17" name="Rectangle 28">
               <a:extLst>
                 <a:ext uri="{FF2B5EF4-FFF2-40B4-BE49-F238E27FC236}">
-                  <a16:creationId xmlns:a16="http://schemas.microsoft.com/office/drawing/2014/main" xmlns="" id="{BF0FAA0A-B682-4A83-BDD8-BCE0AB41C2B4}"/>
+                  <a16:creationId xmlns:a16="http://schemas.microsoft.com/office/drawing/2014/main" id="{BF0FAA0A-B682-4A83-BDD8-BCE0AB41C2B4}"/>
                 </a:ext>
                 <a:ext uri="{C183D7F6-B498-43B3-948B-1728B52AA6E4}">
-                  <adec:decorative xmlns:adec="http://schemas.microsoft.com/office/drawing/2017/decorative" xmlns="" val="1"/>
+                  <adec:decorative xmlns:adec="http://schemas.microsoft.com/office/drawing/2017/decorative" val="1"/>
                 </a:ext>
               </a:extLst>
             </p:cNvPr>
@@ -18318,7 +18572,7 @@
             <p:nvPr>
               <p:extLst>
                 <p:ext uri="{386F3935-93C4-4BCD-93E2-E3B085C9AB24}">
-                  <p16:designElem xmlns:p16="http://schemas.microsoft.com/office/powerpoint/2015/main" xmlns="" val="1"/>
+                  <p16:designElem xmlns:p16="http://schemas.microsoft.com/office/powerpoint/2015/main" val="1"/>
                 </p:ext>
               </p:extLst>
             </p:nvPr>
@@ -18385,10 +18639,10 @@
             <p:cNvPr id="18" name="Rectangle 29">
               <a:extLst>
                 <a:ext uri="{FF2B5EF4-FFF2-40B4-BE49-F238E27FC236}">
-                  <a16:creationId xmlns:a16="http://schemas.microsoft.com/office/drawing/2014/main" xmlns="" id="{7874A013-E5E2-4AE1-8E93-029A2B41EB78}"/>
+                  <a16:creationId xmlns:a16="http://schemas.microsoft.com/office/drawing/2014/main" id="{7874A013-E5E2-4AE1-8E93-029A2B41EB78}"/>
                 </a:ext>
                 <a:ext uri="{C183D7F6-B498-43B3-948B-1728B52AA6E4}">
-                  <adec:decorative xmlns:adec="http://schemas.microsoft.com/office/drawing/2017/decorative" xmlns="" val="1"/>
+                  <adec:decorative xmlns:adec="http://schemas.microsoft.com/office/drawing/2017/decorative" val="1"/>
                 </a:ext>
               </a:extLst>
             </p:cNvPr>
@@ -18396,7 +18650,7 @@
             <p:nvPr>
               <p:extLst>
                 <p:ext uri="{386F3935-93C4-4BCD-93E2-E3B085C9AB24}">
-                  <p16:designElem xmlns:p16="http://schemas.microsoft.com/office/powerpoint/2015/main" xmlns="" val="1"/>
+                  <p16:designElem xmlns:p16="http://schemas.microsoft.com/office/powerpoint/2015/main" val="1"/>
                 </p:ext>
               </p:extLst>
             </p:nvPr>
@@ -18464,10 +18718,10 @@
             <p:cNvPr id="19" name="Isosceles Triangle 18">
               <a:extLst>
                 <a:ext uri="{FF2B5EF4-FFF2-40B4-BE49-F238E27FC236}">
-                  <a16:creationId xmlns:a16="http://schemas.microsoft.com/office/drawing/2014/main" xmlns="" id="{4355329E-E608-4F7A-B4EF-8FEF07D75522}"/>
+                  <a16:creationId xmlns:a16="http://schemas.microsoft.com/office/drawing/2014/main" id="{4355329E-E608-4F7A-B4EF-8FEF07D75522}"/>
                 </a:ext>
                 <a:ext uri="{C183D7F6-B498-43B3-948B-1728B52AA6E4}">
-                  <adec:decorative xmlns:adec="http://schemas.microsoft.com/office/drawing/2017/decorative" xmlns="" val="1"/>
+                  <adec:decorative xmlns:adec="http://schemas.microsoft.com/office/drawing/2017/decorative" val="1"/>
                 </a:ext>
               </a:extLst>
             </p:cNvPr>
@@ -18475,7 +18729,7 @@
             <p:nvPr>
               <p:extLst>
                 <p:ext uri="{386F3935-93C4-4BCD-93E2-E3B085C9AB24}">
-                  <p16:designElem xmlns:p16="http://schemas.microsoft.com/office/powerpoint/2015/main" xmlns="" val="1"/>
+                  <p16:designElem xmlns:p16="http://schemas.microsoft.com/office/powerpoint/2015/main" val="1"/>
                 </p:ext>
               </p:extLst>
             </p:nvPr>
@@ -18521,10 +18775,10 @@
             <p:cNvPr id="20" name="Isosceles Triangle 19">
               <a:extLst>
                 <a:ext uri="{FF2B5EF4-FFF2-40B4-BE49-F238E27FC236}">
-                  <a16:creationId xmlns:a16="http://schemas.microsoft.com/office/drawing/2014/main" xmlns="" id="{53D9BFDF-B250-44FF-9BD7-C204EFBFC193}"/>
+                  <a16:creationId xmlns:a16="http://schemas.microsoft.com/office/drawing/2014/main" id="{53D9BFDF-B250-44FF-9BD7-C204EFBFC193}"/>
                 </a:ext>
                 <a:ext uri="{C183D7F6-B498-43B3-948B-1728B52AA6E4}">
-                  <adec:decorative xmlns:adec="http://schemas.microsoft.com/office/drawing/2017/decorative" xmlns="" val="1"/>
+                  <adec:decorative xmlns:adec="http://schemas.microsoft.com/office/drawing/2017/decorative" val="1"/>
                 </a:ext>
               </a:extLst>
             </p:cNvPr>
@@ -18532,7 +18786,7 @@
             <p:nvPr>
               <p:extLst>
                 <p:ext uri="{386F3935-93C4-4BCD-93E2-E3B085C9AB24}">
-                  <p16:designElem xmlns:p16="http://schemas.microsoft.com/office/powerpoint/2015/main" xmlns="" val="1"/>
+                  <p16:designElem xmlns:p16="http://schemas.microsoft.com/office/powerpoint/2015/main" val="1"/>
                 </p:ext>
               </p:extLst>
             </p:nvPr>
@@ -18578,10 +18832,10 @@
           <p:cNvPr id="22" name="Rectangle 21">
             <a:extLst>
               <a:ext uri="{FF2B5EF4-FFF2-40B4-BE49-F238E27FC236}">
-                <a16:creationId xmlns:a16="http://schemas.microsoft.com/office/drawing/2014/main" xmlns="" id="{9F4444CE-BC8D-4D61-B303-4C05614E62AB}"/>
+                <a16:creationId xmlns:a16="http://schemas.microsoft.com/office/drawing/2014/main" id="{9F4444CE-BC8D-4D61-B303-4C05614E62AB}"/>
               </a:ext>
               <a:ext uri="{C183D7F6-B498-43B3-948B-1728B52AA6E4}">
-                <adec:decorative xmlns:adec="http://schemas.microsoft.com/office/drawing/2017/decorative" xmlns="" val="1"/>
+                <adec:decorative xmlns:adec="http://schemas.microsoft.com/office/drawing/2017/decorative" val="1"/>
               </a:ext>
             </a:extLst>
           </p:cNvPr>
@@ -18591,7 +18845,7 @@
           <p:nvPr>
             <p:extLst>
               <p:ext uri="{386F3935-93C4-4BCD-93E2-E3B085C9AB24}">
-                <p16:designElem xmlns:p16="http://schemas.microsoft.com/office/powerpoint/2015/main" xmlns="" val="1"/>
+                <p16:designElem xmlns:p16="http://schemas.microsoft.com/office/powerpoint/2015/main" val="1"/>
               </p:ext>
             </p:extLst>
           </p:nvPr>
@@ -18667,10 +18921,10 @@
           <p:cNvPr id="24" name="Rectangle 23">
             <a:extLst>
               <a:ext uri="{FF2B5EF4-FFF2-40B4-BE49-F238E27FC236}">
-                <a16:creationId xmlns:a16="http://schemas.microsoft.com/office/drawing/2014/main" xmlns="" id="{62423CA5-E2E1-4789-B759-9906C1C94063}"/>
+                <a16:creationId xmlns:a16="http://schemas.microsoft.com/office/drawing/2014/main" id="{62423CA5-E2E1-4789-B759-9906C1C94063}"/>
               </a:ext>
               <a:ext uri="{C183D7F6-B498-43B3-948B-1728B52AA6E4}">
-                <adec:decorative xmlns:adec="http://schemas.microsoft.com/office/drawing/2017/decorative" xmlns="" val="1"/>
+                <adec:decorative xmlns:adec="http://schemas.microsoft.com/office/drawing/2017/decorative" val="1"/>
               </a:ext>
             </a:extLst>
           </p:cNvPr>
@@ -18680,7 +18934,7 @@
           <p:nvPr>
             <p:extLst>
               <p:ext uri="{386F3935-93C4-4BCD-93E2-E3B085C9AB24}">
-                <p16:designElem xmlns:p16="http://schemas.microsoft.com/office/powerpoint/2015/main" xmlns="" val="1"/>
+                <p16:designElem xmlns:p16="http://schemas.microsoft.com/office/powerpoint/2015/main" val="1"/>
               </p:ext>
             </p:extLst>
           </p:nvPr>
@@ -18758,10 +19012,10 @@
           <p:cNvPr id="26" name="Isosceles Triangle 25">
             <a:extLst>
               <a:ext uri="{FF2B5EF4-FFF2-40B4-BE49-F238E27FC236}">
-                <a16:creationId xmlns:a16="http://schemas.microsoft.com/office/drawing/2014/main" xmlns="" id="{73772B81-181F-48B7-8826-4D9686D15DF5}"/>
+                <a16:creationId xmlns:a16="http://schemas.microsoft.com/office/drawing/2014/main" id="{73772B81-181F-48B7-8826-4D9686D15DF5}"/>
               </a:ext>
               <a:ext uri="{C183D7F6-B498-43B3-948B-1728B52AA6E4}">
-                <adec:decorative xmlns:adec="http://schemas.microsoft.com/office/drawing/2017/decorative" xmlns="" val="1"/>
+                <adec:decorative xmlns:adec="http://schemas.microsoft.com/office/drawing/2017/decorative" val="1"/>
               </a:ext>
             </a:extLst>
           </p:cNvPr>
@@ -18771,7 +19025,7 @@
           <p:nvPr>
             <p:extLst>
               <p:ext uri="{386F3935-93C4-4BCD-93E2-E3B085C9AB24}">
-                <p16:designElem xmlns:p16="http://schemas.microsoft.com/office/powerpoint/2015/main" xmlns="" val="1"/>
+                <p16:designElem xmlns:p16="http://schemas.microsoft.com/office/powerpoint/2015/main" val="1"/>
               </p:ext>
             </p:extLst>
           </p:nvPr>
@@ -18851,7 +19105,7 @@
           <p:cNvPr id="2" name="Nadpis 1">
             <a:extLst>
               <a:ext uri="{FF2B5EF4-FFF2-40B4-BE49-F238E27FC236}">
-                <a16:creationId xmlns:a16="http://schemas.microsoft.com/office/drawing/2014/main" xmlns="" id="{D5F874AE-92FA-42AE-2E70-B55EACE0C072}"/>
+                <a16:creationId xmlns:a16="http://schemas.microsoft.com/office/drawing/2014/main" id="{D5F874AE-92FA-42AE-2E70-B55EACE0C072}"/>
               </a:ext>
             </a:extLst>
           </p:cNvPr>
@@ -18887,7 +19141,7 @@
           <p:cNvPr id="3" name="Zástupný objekt pre obsah 2">
             <a:extLst>
               <a:ext uri="{FF2B5EF4-FFF2-40B4-BE49-F238E27FC236}">
-                <a16:creationId xmlns:a16="http://schemas.microsoft.com/office/drawing/2014/main" xmlns="" id="{5362B90A-1453-1476-CED7-74125A7D780B}"/>
+                <a16:creationId xmlns:a16="http://schemas.microsoft.com/office/drawing/2014/main" id="{5362B90A-1453-1476-CED7-74125A7D780B}"/>
               </a:ext>
             </a:extLst>
           </p:cNvPr>
@@ -18951,7 +19205,7 @@
           <p:cNvPr id="5" name="Picture 2" descr="Problem, solved by Chain of Responsibility">
             <a:extLst>
               <a:ext uri="{FF2B5EF4-FFF2-40B4-BE49-F238E27FC236}">
-                <a16:creationId xmlns:a16="http://schemas.microsoft.com/office/drawing/2014/main" xmlns="" id="{3E43F27F-88F6-E970-6833-B368E9C94F57}"/>
+                <a16:creationId xmlns:a16="http://schemas.microsoft.com/office/drawing/2014/main" id="{3E43F27F-88F6-E970-6833-B368E9C94F57}"/>
               </a:ext>
             </a:extLst>
           </p:cNvPr>
@@ -18999,10 +19253,10 @@
           <p:cNvPr id="28" name="Isosceles Triangle 27">
             <a:extLst>
               <a:ext uri="{FF2B5EF4-FFF2-40B4-BE49-F238E27FC236}">
-                <a16:creationId xmlns:a16="http://schemas.microsoft.com/office/drawing/2014/main" xmlns="" id="{B2205F6E-03C6-4E92-877C-E2482F6599AA}"/>
+                <a16:creationId xmlns:a16="http://schemas.microsoft.com/office/drawing/2014/main" id="{B2205F6E-03C6-4E92-877C-E2482F6599AA}"/>
               </a:ext>
               <a:ext uri="{C183D7F6-B498-43B3-948B-1728B52AA6E4}">
-                <adec:decorative xmlns:adec="http://schemas.microsoft.com/office/drawing/2017/decorative" xmlns="" val="1"/>
+                <adec:decorative xmlns:adec="http://schemas.microsoft.com/office/drawing/2017/decorative" val="1"/>
               </a:ext>
             </a:extLst>
           </p:cNvPr>
@@ -19012,7 +19266,7 @@
           <p:nvPr>
             <p:extLst>
               <p:ext uri="{386F3935-93C4-4BCD-93E2-E3B085C9AB24}">
-                <p16:designElem xmlns:p16="http://schemas.microsoft.com/office/powerpoint/2015/main" xmlns="" val="1"/>
+                <p16:designElem xmlns:p16="http://schemas.microsoft.com/office/powerpoint/2015/main" val="1"/>
               </p:ext>
             </p:extLst>
           </p:nvPr>
@@ -19099,13 +19353,6 @@
   <p:clrMapOvr>
     <a:masterClrMapping/>
   </p:clrMapOvr>
-  <p:timing>
-    <p:tnLst>
-      <p:par>
-        <p:cTn id="1" dur="indefinite" restart="never" nodeType="tmRoot"/>
-      </p:par>
-    </p:tnLst>
-  </p:timing>
 </p:sld>
 </file>
 
@@ -19139,10 +19386,10 @@
           <p:cNvPr id="10" name="Group 9">
             <a:extLst>
               <a:ext uri="{FF2B5EF4-FFF2-40B4-BE49-F238E27FC236}">
-                <a16:creationId xmlns:a16="http://schemas.microsoft.com/office/drawing/2014/main" xmlns="" id="{D6280969-F024-466D-A1DB-4F848C51DEF6}"/>
+                <a16:creationId xmlns:a16="http://schemas.microsoft.com/office/drawing/2014/main" id="{D6280969-F024-466D-A1DB-4F848C51DEF6}"/>
               </a:ext>
               <a:ext uri="{C183D7F6-B498-43B3-948B-1728B52AA6E4}">
-                <adec:decorative xmlns:adec="http://schemas.microsoft.com/office/drawing/2017/decorative" xmlns="" val="1"/>
+                <adec:decorative xmlns:adec="http://schemas.microsoft.com/office/drawing/2017/decorative" val="1"/>
               </a:ext>
             </a:extLst>
           </p:cNvPr>
@@ -19152,7 +19399,7 @@
           <p:nvPr>
             <p:extLst>
               <p:ext uri="{386F3935-93C4-4BCD-93E2-E3B085C9AB24}">
-                <p16:designElem xmlns:p16="http://schemas.microsoft.com/office/powerpoint/2015/main" xmlns="" val="1"/>
+                <p16:designElem xmlns:p16="http://schemas.microsoft.com/office/powerpoint/2015/main" val="1"/>
               </p:ext>
             </p:extLst>
           </p:nvPr>
@@ -19170,10 +19417,10 @@
             <p:cNvPr id="11" name="Straight Connector 10">
               <a:extLst>
                 <a:ext uri="{FF2B5EF4-FFF2-40B4-BE49-F238E27FC236}">
-                  <a16:creationId xmlns:a16="http://schemas.microsoft.com/office/drawing/2014/main" xmlns="" id="{63FDD802-E6D8-4979-A1B9-BA705AE4DA87}"/>
+                  <a16:creationId xmlns:a16="http://schemas.microsoft.com/office/drawing/2014/main" id="{63FDD802-E6D8-4979-A1B9-BA705AE4DA87}"/>
                 </a:ext>
                 <a:ext uri="{C183D7F6-B498-43B3-948B-1728B52AA6E4}">
-                  <adec:decorative xmlns:adec="http://schemas.microsoft.com/office/drawing/2017/decorative" xmlns="" val="1"/>
+                  <adec:decorative xmlns:adec="http://schemas.microsoft.com/office/drawing/2017/decorative" val="1"/>
                 </a:ext>
               </a:extLst>
             </p:cNvPr>
@@ -19181,7 +19428,7 @@
             <p:nvPr>
               <p:extLst>
                 <p:ext uri="{386F3935-93C4-4BCD-93E2-E3B085C9AB24}">
-                  <p16:designElem xmlns:p16="http://schemas.microsoft.com/office/powerpoint/2015/main" xmlns="" val="1"/>
+                  <p16:designElem xmlns:p16="http://schemas.microsoft.com/office/powerpoint/2015/main" val="1"/>
                 </p:ext>
               </p:extLst>
             </p:nvPr>
@@ -19222,10 +19469,10 @@
             <p:cNvPr id="12" name="Straight Connector 11">
               <a:extLst>
                 <a:ext uri="{FF2B5EF4-FFF2-40B4-BE49-F238E27FC236}">
-                  <a16:creationId xmlns:a16="http://schemas.microsoft.com/office/drawing/2014/main" xmlns="" id="{BDE509DD-4B76-45F0-8144-02F1D7E1AE0C}"/>
+                  <a16:creationId xmlns:a16="http://schemas.microsoft.com/office/drawing/2014/main" id="{BDE509DD-4B76-45F0-8144-02F1D7E1AE0C}"/>
                 </a:ext>
                 <a:ext uri="{C183D7F6-B498-43B3-948B-1728B52AA6E4}">
-                  <adec:decorative xmlns:adec="http://schemas.microsoft.com/office/drawing/2017/decorative" xmlns="" val="1"/>
+                  <adec:decorative xmlns:adec="http://schemas.microsoft.com/office/drawing/2017/decorative" val="1"/>
                 </a:ext>
               </a:extLst>
             </p:cNvPr>
@@ -19233,7 +19480,7 @@
             <p:nvPr>
               <p:extLst>
                 <p:ext uri="{386F3935-93C4-4BCD-93E2-E3B085C9AB24}">
-                  <p16:designElem xmlns:p16="http://schemas.microsoft.com/office/powerpoint/2015/main" xmlns="" val="1"/>
+                  <p16:designElem xmlns:p16="http://schemas.microsoft.com/office/powerpoint/2015/main" val="1"/>
                 </p:ext>
               </p:extLst>
             </p:nvPr>
@@ -19274,10 +19521,10 @@
             <p:cNvPr id="13" name="Rectangle 23">
               <a:extLst>
                 <a:ext uri="{FF2B5EF4-FFF2-40B4-BE49-F238E27FC236}">
-                  <a16:creationId xmlns:a16="http://schemas.microsoft.com/office/drawing/2014/main" xmlns="" id="{FEAEFD53-0220-48B1-9EA8-3EAE151E84E1}"/>
+                  <a16:creationId xmlns:a16="http://schemas.microsoft.com/office/drawing/2014/main" id="{FEAEFD53-0220-48B1-9EA8-3EAE151E84E1}"/>
                 </a:ext>
                 <a:ext uri="{C183D7F6-B498-43B3-948B-1728B52AA6E4}">
-                  <adec:decorative xmlns:adec="http://schemas.microsoft.com/office/drawing/2017/decorative" xmlns="" val="1"/>
+                  <adec:decorative xmlns:adec="http://schemas.microsoft.com/office/drawing/2017/decorative" val="1"/>
                 </a:ext>
               </a:extLst>
             </p:cNvPr>
@@ -19285,7 +19532,7 @@
             <p:nvPr>
               <p:extLst>
                 <p:ext uri="{386F3935-93C4-4BCD-93E2-E3B085C9AB24}">
-                  <p16:designElem xmlns:p16="http://schemas.microsoft.com/office/powerpoint/2015/main" xmlns="" val="1"/>
+                  <p16:designElem xmlns:p16="http://schemas.microsoft.com/office/powerpoint/2015/main" val="1"/>
                 </p:ext>
               </p:extLst>
             </p:nvPr>
@@ -19352,10 +19599,10 @@
             <p:cNvPr id="14" name="Rectangle 25">
               <a:extLst>
                 <a:ext uri="{FF2B5EF4-FFF2-40B4-BE49-F238E27FC236}">
-                  <a16:creationId xmlns:a16="http://schemas.microsoft.com/office/drawing/2014/main" xmlns="" id="{92E7FABD-916D-4FF9-B5F3-44E53AFD39EB}"/>
+                  <a16:creationId xmlns:a16="http://schemas.microsoft.com/office/drawing/2014/main" id="{92E7FABD-916D-4FF9-B5F3-44E53AFD39EB}"/>
                 </a:ext>
                 <a:ext uri="{C183D7F6-B498-43B3-948B-1728B52AA6E4}">
-                  <adec:decorative xmlns:adec="http://schemas.microsoft.com/office/drawing/2017/decorative" xmlns="" val="1"/>
+                  <adec:decorative xmlns:adec="http://schemas.microsoft.com/office/drawing/2017/decorative" val="1"/>
                 </a:ext>
               </a:extLst>
             </p:cNvPr>
@@ -19363,7 +19610,7 @@
             <p:nvPr>
               <p:extLst>
                 <p:ext uri="{386F3935-93C4-4BCD-93E2-E3B085C9AB24}">
-                  <p16:designElem xmlns:p16="http://schemas.microsoft.com/office/powerpoint/2015/main" xmlns="" val="1"/>
+                  <p16:designElem xmlns:p16="http://schemas.microsoft.com/office/powerpoint/2015/main" val="1"/>
                 </p:ext>
               </p:extLst>
             </p:nvPr>
@@ -19430,10 +19677,10 @@
             <p:cNvPr id="15" name="Isosceles Triangle 14">
               <a:extLst>
                 <a:ext uri="{FF2B5EF4-FFF2-40B4-BE49-F238E27FC236}">
-                  <a16:creationId xmlns:a16="http://schemas.microsoft.com/office/drawing/2014/main" xmlns="" id="{826F9772-AEFE-4C6D-82B6-1207069B86DC}"/>
+                  <a16:creationId xmlns:a16="http://schemas.microsoft.com/office/drawing/2014/main" id="{826F9772-AEFE-4C6D-82B6-1207069B86DC}"/>
                 </a:ext>
                 <a:ext uri="{C183D7F6-B498-43B3-948B-1728B52AA6E4}">
-                  <adec:decorative xmlns:adec="http://schemas.microsoft.com/office/drawing/2017/decorative" xmlns="" val="1"/>
+                  <adec:decorative xmlns:adec="http://schemas.microsoft.com/office/drawing/2017/decorative" val="1"/>
                 </a:ext>
               </a:extLst>
             </p:cNvPr>
@@ -19441,7 +19688,7 @@
             <p:nvPr>
               <p:extLst>
                 <p:ext uri="{386F3935-93C4-4BCD-93E2-E3B085C9AB24}">
-                  <p16:designElem xmlns:p16="http://schemas.microsoft.com/office/powerpoint/2015/main" xmlns="" val="1"/>
+                  <p16:designElem xmlns:p16="http://schemas.microsoft.com/office/powerpoint/2015/main" val="1"/>
                 </p:ext>
               </p:extLst>
             </p:nvPr>
@@ -19487,10 +19734,10 @@
             <p:cNvPr id="16" name="Rectangle 27">
               <a:extLst>
                 <a:ext uri="{FF2B5EF4-FFF2-40B4-BE49-F238E27FC236}">
-                  <a16:creationId xmlns:a16="http://schemas.microsoft.com/office/drawing/2014/main" xmlns="" id="{ACFBF3A9-B76A-4B4B-B6D7-CA4651F5C9DF}"/>
+                  <a16:creationId xmlns:a16="http://schemas.microsoft.com/office/drawing/2014/main" id="{ACFBF3A9-B76A-4B4B-B6D7-CA4651F5C9DF}"/>
                 </a:ext>
                 <a:ext uri="{C183D7F6-B498-43B3-948B-1728B52AA6E4}">
-                  <adec:decorative xmlns:adec="http://schemas.microsoft.com/office/drawing/2017/decorative" xmlns="" val="1"/>
+                  <adec:decorative xmlns:adec="http://schemas.microsoft.com/office/drawing/2017/decorative" val="1"/>
                 </a:ext>
               </a:extLst>
             </p:cNvPr>
@@ -19498,7 +19745,7 @@
             <p:nvPr>
               <p:extLst>
                 <p:ext uri="{386F3935-93C4-4BCD-93E2-E3B085C9AB24}">
-                  <p16:designElem xmlns:p16="http://schemas.microsoft.com/office/powerpoint/2015/main" xmlns="" val="1"/>
+                  <p16:designElem xmlns:p16="http://schemas.microsoft.com/office/powerpoint/2015/main" val="1"/>
                 </p:ext>
               </p:extLst>
             </p:nvPr>
@@ -19566,10 +19813,10 @@
             <p:cNvPr id="17" name="Rectangle 28">
               <a:extLst>
                 <a:ext uri="{FF2B5EF4-FFF2-40B4-BE49-F238E27FC236}">
-                  <a16:creationId xmlns:a16="http://schemas.microsoft.com/office/drawing/2014/main" xmlns="" id="{BF0FAA0A-B682-4A83-BDD8-BCE0AB41C2B4}"/>
+                  <a16:creationId xmlns:a16="http://schemas.microsoft.com/office/drawing/2014/main" id="{BF0FAA0A-B682-4A83-BDD8-BCE0AB41C2B4}"/>
                 </a:ext>
                 <a:ext uri="{C183D7F6-B498-43B3-948B-1728B52AA6E4}">
-                  <adec:decorative xmlns:adec="http://schemas.microsoft.com/office/drawing/2017/decorative" xmlns="" val="1"/>
+                  <adec:decorative xmlns:adec="http://schemas.microsoft.com/office/drawing/2017/decorative" val="1"/>
                 </a:ext>
               </a:extLst>
             </p:cNvPr>
@@ -19577,7 +19824,7 @@
             <p:nvPr>
               <p:extLst>
                 <p:ext uri="{386F3935-93C4-4BCD-93E2-E3B085C9AB24}">
-                  <p16:designElem xmlns:p16="http://schemas.microsoft.com/office/powerpoint/2015/main" xmlns="" val="1"/>
+                  <p16:designElem xmlns:p16="http://schemas.microsoft.com/office/powerpoint/2015/main" val="1"/>
                 </p:ext>
               </p:extLst>
             </p:nvPr>
@@ -19644,10 +19891,10 @@
             <p:cNvPr id="18" name="Rectangle 29">
               <a:extLst>
                 <a:ext uri="{FF2B5EF4-FFF2-40B4-BE49-F238E27FC236}">
-                  <a16:creationId xmlns:a16="http://schemas.microsoft.com/office/drawing/2014/main" xmlns="" id="{7874A013-E5E2-4AE1-8E93-029A2B41EB78}"/>
+                  <a16:creationId xmlns:a16="http://schemas.microsoft.com/office/drawing/2014/main" id="{7874A013-E5E2-4AE1-8E93-029A2B41EB78}"/>
                 </a:ext>
                 <a:ext uri="{C183D7F6-B498-43B3-948B-1728B52AA6E4}">
-                  <adec:decorative xmlns:adec="http://schemas.microsoft.com/office/drawing/2017/decorative" xmlns="" val="1"/>
+                  <adec:decorative xmlns:adec="http://schemas.microsoft.com/office/drawing/2017/decorative" val="1"/>
                 </a:ext>
               </a:extLst>
             </p:cNvPr>
@@ -19655,7 +19902,7 @@
             <p:nvPr>
               <p:extLst>
                 <p:ext uri="{386F3935-93C4-4BCD-93E2-E3B085C9AB24}">
-                  <p16:designElem xmlns:p16="http://schemas.microsoft.com/office/powerpoint/2015/main" xmlns="" val="1"/>
+                  <p16:designElem xmlns:p16="http://schemas.microsoft.com/office/powerpoint/2015/main" val="1"/>
                 </p:ext>
               </p:extLst>
             </p:nvPr>
@@ -19723,10 +19970,10 @@
             <p:cNvPr id="19" name="Isosceles Triangle 18">
               <a:extLst>
                 <a:ext uri="{FF2B5EF4-FFF2-40B4-BE49-F238E27FC236}">
-                  <a16:creationId xmlns:a16="http://schemas.microsoft.com/office/drawing/2014/main" xmlns="" id="{4355329E-E608-4F7A-B4EF-8FEF07D75522}"/>
+                  <a16:creationId xmlns:a16="http://schemas.microsoft.com/office/drawing/2014/main" id="{4355329E-E608-4F7A-B4EF-8FEF07D75522}"/>
                 </a:ext>
                 <a:ext uri="{C183D7F6-B498-43B3-948B-1728B52AA6E4}">
-                  <adec:decorative xmlns:adec="http://schemas.microsoft.com/office/drawing/2017/decorative" xmlns="" val="1"/>
+                  <adec:decorative xmlns:adec="http://schemas.microsoft.com/office/drawing/2017/decorative" val="1"/>
                 </a:ext>
               </a:extLst>
             </p:cNvPr>
@@ -19734,7 +19981,7 @@
             <p:nvPr>
               <p:extLst>
                 <p:ext uri="{386F3935-93C4-4BCD-93E2-E3B085C9AB24}">
-                  <p16:designElem xmlns:p16="http://schemas.microsoft.com/office/powerpoint/2015/main" xmlns="" val="1"/>
+                  <p16:designElem xmlns:p16="http://schemas.microsoft.com/office/powerpoint/2015/main" val="1"/>
                 </p:ext>
               </p:extLst>
             </p:nvPr>
@@ -19780,10 +20027,10 @@
             <p:cNvPr id="20" name="Isosceles Triangle 19">
               <a:extLst>
                 <a:ext uri="{FF2B5EF4-FFF2-40B4-BE49-F238E27FC236}">
-                  <a16:creationId xmlns:a16="http://schemas.microsoft.com/office/drawing/2014/main" xmlns="" id="{53D9BFDF-B250-44FF-9BD7-C204EFBFC193}"/>
+                  <a16:creationId xmlns:a16="http://schemas.microsoft.com/office/drawing/2014/main" id="{53D9BFDF-B250-44FF-9BD7-C204EFBFC193}"/>
                 </a:ext>
                 <a:ext uri="{C183D7F6-B498-43B3-948B-1728B52AA6E4}">
-                  <adec:decorative xmlns:adec="http://schemas.microsoft.com/office/drawing/2017/decorative" xmlns="" val="1"/>
+                  <adec:decorative xmlns:adec="http://schemas.microsoft.com/office/drawing/2017/decorative" val="1"/>
                 </a:ext>
               </a:extLst>
             </p:cNvPr>
@@ -19791,7 +20038,7 @@
             <p:nvPr>
               <p:extLst>
                 <p:ext uri="{386F3935-93C4-4BCD-93E2-E3B085C9AB24}">
-                  <p16:designElem xmlns:p16="http://schemas.microsoft.com/office/powerpoint/2015/main" xmlns="" val="1"/>
+                  <p16:designElem xmlns:p16="http://schemas.microsoft.com/office/powerpoint/2015/main" val="1"/>
                 </p:ext>
               </p:extLst>
             </p:nvPr>
@@ -19837,10 +20084,10 @@
           <p:cNvPr id="22" name="Rectangle 21">
             <a:extLst>
               <a:ext uri="{FF2B5EF4-FFF2-40B4-BE49-F238E27FC236}">
-                <a16:creationId xmlns:a16="http://schemas.microsoft.com/office/drawing/2014/main" xmlns="" id="{9F4444CE-BC8D-4D61-B303-4C05614E62AB}"/>
+                <a16:creationId xmlns:a16="http://schemas.microsoft.com/office/drawing/2014/main" id="{9F4444CE-BC8D-4D61-B303-4C05614E62AB}"/>
               </a:ext>
               <a:ext uri="{C183D7F6-B498-43B3-948B-1728B52AA6E4}">
-                <adec:decorative xmlns:adec="http://schemas.microsoft.com/office/drawing/2017/decorative" xmlns="" val="1"/>
+                <adec:decorative xmlns:adec="http://schemas.microsoft.com/office/drawing/2017/decorative" val="1"/>
               </a:ext>
             </a:extLst>
           </p:cNvPr>
@@ -19850,7 +20097,7 @@
           <p:nvPr>
             <p:extLst>
               <p:ext uri="{386F3935-93C4-4BCD-93E2-E3B085C9AB24}">
-                <p16:designElem xmlns:p16="http://schemas.microsoft.com/office/powerpoint/2015/main" xmlns="" val="1"/>
+                <p16:designElem xmlns:p16="http://schemas.microsoft.com/office/powerpoint/2015/main" val="1"/>
               </p:ext>
             </p:extLst>
           </p:nvPr>
@@ -19926,10 +20173,10 @@
           <p:cNvPr id="24" name="Rectangle 23">
             <a:extLst>
               <a:ext uri="{FF2B5EF4-FFF2-40B4-BE49-F238E27FC236}">
-                <a16:creationId xmlns:a16="http://schemas.microsoft.com/office/drawing/2014/main" xmlns="" id="{62423CA5-E2E1-4789-B759-9906C1C94063}"/>
+                <a16:creationId xmlns:a16="http://schemas.microsoft.com/office/drawing/2014/main" id="{62423CA5-E2E1-4789-B759-9906C1C94063}"/>
               </a:ext>
               <a:ext uri="{C183D7F6-B498-43B3-948B-1728B52AA6E4}">
-                <adec:decorative xmlns:adec="http://schemas.microsoft.com/office/drawing/2017/decorative" xmlns="" val="1"/>
+                <adec:decorative xmlns:adec="http://schemas.microsoft.com/office/drawing/2017/decorative" val="1"/>
               </a:ext>
             </a:extLst>
           </p:cNvPr>
@@ -19939,7 +20186,7 @@
           <p:nvPr>
             <p:extLst>
               <p:ext uri="{386F3935-93C4-4BCD-93E2-E3B085C9AB24}">
-                <p16:designElem xmlns:p16="http://schemas.microsoft.com/office/powerpoint/2015/main" xmlns="" val="1"/>
+                <p16:designElem xmlns:p16="http://schemas.microsoft.com/office/powerpoint/2015/main" val="1"/>
               </p:ext>
             </p:extLst>
           </p:nvPr>
@@ -20017,10 +20264,10 @@
           <p:cNvPr id="26" name="Isosceles Triangle 25">
             <a:extLst>
               <a:ext uri="{FF2B5EF4-FFF2-40B4-BE49-F238E27FC236}">
-                <a16:creationId xmlns:a16="http://schemas.microsoft.com/office/drawing/2014/main" xmlns="" id="{73772B81-181F-48B7-8826-4D9686D15DF5}"/>
+                <a16:creationId xmlns:a16="http://schemas.microsoft.com/office/drawing/2014/main" id="{73772B81-181F-48B7-8826-4D9686D15DF5}"/>
               </a:ext>
               <a:ext uri="{C183D7F6-B498-43B3-948B-1728B52AA6E4}">
-                <adec:decorative xmlns:adec="http://schemas.microsoft.com/office/drawing/2017/decorative" xmlns="" val="1"/>
+                <adec:decorative xmlns:adec="http://schemas.microsoft.com/office/drawing/2017/decorative" val="1"/>
               </a:ext>
             </a:extLst>
           </p:cNvPr>
@@ -20030,7 +20277,7 @@
           <p:nvPr>
             <p:extLst>
               <p:ext uri="{386F3935-93C4-4BCD-93E2-E3B085C9AB24}">
-                <p16:designElem xmlns:p16="http://schemas.microsoft.com/office/powerpoint/2015/main" xmlns="" val="1"/>
+                <p16:designElem xmlns:p16="http://schemas.microsoft.com/office/powerpoint/2015/main" val="1"/>
               </p:ext>
             </p:extLst>
           </p:nvPr>
@@ -20110,7 +20357,7 @@
           <p:cNvPr id="2" name="Nadpis 1">
             <a:extLst>
               <a:ext uri="{FF2B5EF4-FFF2-40B4-BE49-F238E27FC236}">
-                <a16:creationId xmlns:a16="http://schemas.microsoft.com/office/drawing/2014/main" xmlns="" id="{8E843852-2A7D-518F-92FF-3FF42D56E201}"/>
+                <a16:creationId xmlns:a16="http://schemas.microsoft.com/office/drawing/2014/main" id="{8E843852-2A7D-518F-92FF-3FF42D56E201}"/>
               </a:ext>
             </a:extLst>
           </p:cNvPr>
@@ -20146,7 +20393,7 @@
           <p:cNvPr id="3" name="Zástupný objekt pre obsah 2">
             <a:extLst>
               <a:ext uri="{FF2B5EF4-FFF2-40B4-BE49-F238E27FC236}">
-                <a16:creationId xmlns:a16="http://schemas.microsoft.com/office/drawing/2014/main" xmlns="" id="{E3356E38-3334-5AEC-346F-E8BC512D01C3}"/>
+                <a16:creationId xmlns:a16="http://schemas.microsoft.com/office/drawing/2014/main" id="{E3356E38-3334-5AEC-346F-E8BC512D01C3}"/>
               </a:ext>
             </a:extLst>
           </p:cNvPr>
@@ -20391,7 +20638,7 @@
           <p:cNvPr id="5" name="Picture 2" descr="With each new check the code became bigger, messier, and uglier">
             <a:extLst>
               <a:ext uri="{FF2B5EF4-FFF2-40B4-BE49-F238E27FC236}">
-                <a16:creationId xmlns:a16="http://schemas.microsoft.com/office/drawing/2014/main" xmlns="" id="{6C0150AF-4224-D82C-01B1-8C03365768EF}"/>
+                <a16:creationId xmlns:a16="http://schemas.microsoft.com/office/drawing/2014/main" id="{6C0150AF-4224-D82C-01B1-8C03365768EF}"/>
               </a:ext>
             </a:extLst>
           </p:cNvPr>
@@ -20439,10 +20686,10 @@
           <p:cNvPr id="28" name="Isosceles Triangle 27">
             <a:extLst>
               <a:ext uri="{FF2B5EF4-FFF2-40B4-BE49-F238E27FC236}">
-                <a16:creationId xmlns:a16="http://schemas.microsoft.com/office/drawing/2014/main" xmlns="" id="{B2205F6E-03C6-4E92-877C-E2482F6599AA}"/>
+                <a16:creationId xmlns:a16="http://schemas.microsoft.com/office/drawing/2014/main" id="{B2205F6E-03C6-4E92-877C-E2482F6599AA}"/>
               </a:ext>
               <a:ext uri="{C183D7F6-B498-43B3-948B-1728B52AA6E4}">
-                <adec:decorative xmlns:adec="http://schemas.microsoft.com/office/drawing/2017/decorative" xmlns="" val="1"/>
+                <adec:decorative xmlns:adec="http://schemas.microsoft.com/office/drawing/2017/decorative" val="1"/>
               </a:ext>
             </a:extLst>
           </p:cNvPr>
@@ -20452,7 +20699,7 @@
           <p:nvPr>
             <p:extLst>
               <p:ext uri="{386F3935-93C4-4BCD-93E2-E3B085C9AB24}">
-                <p16:designElem xmlns:p16="http://schemas.microsoft.com/office/powerpoint/2015/main" xmlns="" val="1"/>
+                <p16:designElem xmlns:p16="http://schemas.microsoft.com/office/powerpoint/2015/main" val="1"/>
               </p:ext>
             </p:extLst>
           </p:nvPr>
@@ -20539,13 +20786,6 @@
   <p:clrMapOvr>
     <a:masterClrMapping/>
   </p:clrMapOvr>
-  <p:timing>
-    <p:tnLst>
-      <p:par>
-        <p:cTn id="1" dur="indefinite" restart="never" nodeType="tmRoot"/>
-      </p:par>
-    </p:tnLst>
-  </p:timing>
 </p:sld>
 </file>
 
@@ -20579,10 +20819,10 @@
           <p:cNvPr id="84" name="Group 9">
             <a:extLst>
               <a:ext uri="{FF2B5EF4-FFF2-40B4-BE49-F238E27FC236}">
-                <a16:creationId xmlns:a16="http://schemas.microsoft.com/office/drawing/2014/main" xmlns="" id="{D6280969-F024-466D-A1DB-4F848C51DEF6}"/>
+                <a16:creationId xmlns:a16="http://schemas.microsoft.com/office/drawing/2014/main" id="{D6280969-F024-466D-A1DB-4F848C51DEF6}"/>
               </a:ext>
               <a:ext uri="{C183D7F6-B498-43B3-948B-1728B52AA6E4}">
-                <adec:decorative xmlns:adec="http://schemas.microsoft.com/office/drawing/2017/decorative" xmlns="" val="1"/>
+                <adec:decorative xmlns:adec="http://schemas.microsoft.com/office/drawing/2017/decorative" val="1"/>
               </a:ext>
             </a:extLst>
           </p:cNvPr>
@@ -20592,7 +20832,7 @@
           <p:nvPr>
             <p:extLst>
               <p:ext uri="{386F3935-93C4-4BCD-93E2-E3B085C9AB24}">
-                <p16:designElem xmlns:p16="http://schemas.microsoft.com/office/powerpoint/2015/main" xmlns="" val="1"/>
+                <p16:designElem xmlns:p16="http://schemas.microsoft.com/office/powerpoint/2015/main" val="1"/>
               </p:ext>
             </p:extLst>
           </p:nvPr>
@@ -20610,10 +20850,10 @@
             <p:cNvPr id="11" name="Straight Connector 10">
               <a:extLst>
                 <a:ext uri="{FF2B5EF4-FFF2-40B4-BE49-F238E27FC236}">
-                  <a16:creationId xmlns:a16="http://schemas.microsoft.com/office/drawing/2014/main" xmlns="" id="{63FDD802-E6D8-4979-A1B9-BA705AE4DA87}"/>
+                  <a16:creationId xmlns:a16="http://schemas.microsoft.com/office/drawing/2014/main" id="{63FDD802-E6D8-4979-A1B9-BA705AE4DA87}"/>
                 </a:ext>
                 <a:ext uri="{C183D7F6-B498-43B3-948B-1728B52AA6E4}">
-                  <adec:decorative xmlns:adec="http://schemas.microsoft.com/office/drawing/2017/decorative" xmlns="" val="1"/>
+                  <adec:decorative xmlns:adec="http://schemas.microsoft.com/office/drawing/2017/decorative" val="1"/>
                 </a:ext>
               </a:extLst>
             </p:cNvPr>
@@ -20621,7 +20861,7 @@
             <p:nvPr>
               <p:extLst>
                 <p:ext uri="{386F3935-93C4-4BCD-93E2-E3B085C9AB24}">
-                  <p16:designElem xmlns:p16="http://schemas.microsoft.com/office/powerpoint/2015/main" xmlns="" val="1"/>
+                  <p16:designElem xmlns:p16="http://schemas.microsoft.com/office/powerpoint/2015/main" val="1"/>
                 </p:ext>
               </p:extLst>
             </p:nvPr>
@@ -20662,10 +20902,10 @@
             <p:cNvPr id="12" name="Straight Connector 11">
               <a:extLst>
                 <a:ext uri="{FF2B5EF4-FFF2-40B4-BE49-F238E27FC236}">
-                  <a16:creationId xmlns:a16="http://schemas.microsoft.com/office/drawing/2014/main" xmlns="" id="{BDE509DD-4B76-45F0-8144-02F1D7E1AE0C}"/>
+                  <a16:creationId xmlns:a16="http://schemas.microsoft.com/office/drawing/2014/main" id="{BDE509DD-4B76-45F0-8144-02F1D7E1AE0C}"/>
                 </a:ext>
                 <a:ext uri="{C183D7F6-B498-43B3-948B-1728B52AA6E4}">
-                  <adec:decorative xmlns:adec="http://schemas.microsoft.com/office/drawing/2017/decorative" xmlns="" val="1"/>
+                  <adec:decorative xmlns:adec="http://schemas.microsoft.com/office/drawing/2017/decorative" val="1"/>
                 </a:ext>
               </a:extLst>
             </p:cNvPr>
@@ -20673,7 +20913,7 @@
             <p:nvPr>
               <p:extLst>
                 <p:ext uri="{386F3935-93C4-4BCD-93E2-E3B085C9AB24}">
-                  <p16:designElem xmlns:p16="http://schemas.microsoft.com/office/powerpoint/2015/main" xmlns="" val="1"/>
+                  <p16:designElem xmlns:p16="http://schemas.microsoft.com/office/powerpoint/2015/main" val="1"/>
                 </p:ext>
               </p:extLst>
             </p:nvPr>
@@ -20714,10 +20954,10 @@
             <p:cNvPr id="85" name="Rectangle 23">
               <a:extLst>
                 <a:ext uri="{FF2B5EF4-FFF2-40B4-BE49-F238E27FC236}">
-                  <a16:creationId xmlns:a16="http://schemas.microsoft.com/office/drawing/2014/main" xmlns="" id="{FEAEFD53-0220-48B1-9EA8-3EAE151E84E1}"/>
+                  <a16:creationId xmlns:a16="http://schemas.microsoft.com/office/drawing/2014/main" id="{FEAEFD53-0220-48B1-9EA8-3EAE151E84E1}"/>
                 </a:ext>
                 <a:ext uri="{C183D7F6-B498-43B3-948B-1728B52AA6E4}">
-                  <adec:decorative xmlns:adec="http://schemas.microsoft.com/office/drawing/2017/decorative" xmlns="" val="1"/>
+                  <adec:decorative xmlns:adec="http://schemas.microsoft.com/office/drawing/2017/decorative" val="1"/>
                 </a:ext>
               </a:extLst>
             </p:cNvPr>
@@ -20725,7 +20965,7 @@
             <p:nvPr>
               <p:extLst>
                 <p:ext uri="{386F3935-93C4-4BCD-93E2-E3B085C9AB24}">
-                  <p16:designElem xmlns:p16="http://schemas.microsoft.com/office/powerpoint/2015/main" xmlns="" val="1"/>
+                  <p16:designElem xmlns:p16="http://schemas.microsoft.com/office/powerpoint/2015/main" val="1"/>
                 </p:ext>
               </p:extLst>
             </p:nvPr>
@@ -20792,10 +21032,10 @@
             <p:cNvPr id="86" name="Rectangle 25">
               <a:extLst>
                 <a:ext uri="{FF2B5EF4-FFF2-40B4-BE49-F238E27FC236}">
-                  <a16:creationId xmlns:a16="http://schemas.microsoft.com/office/drawing/2014/main" xmlns="" id="{92E7FABD-916D-4FF9-B5F3-44E53AFD39EB}"/>
+                  <a16:creationId xmlns:a16="http://schemas.microsoft.com/office/drawing/2014/main" id="{92E7FABD-916D-4FF9-B5F3-44E53AFD39EB}"/>
                 </a:ext>
                 <a:ext uri="{C183D7F6-B498-43B3-948B-1728B52AA6E4}">
-                  <adec:decorative xmlns:adec="http://schemas.microsoft.com/office/drawing/2017/decorative" xmlns="" val="1"/>
+                  <adec:decorative xmlns:adec="http://schemas.microsoft.com/office/drawing/2017/decorative" val="1"/>
                 </a:ext>
               </a:extLst>
             </p:cNvPr>
@@ -20803,7 +21043,7 @@
             <p:nvPr>
               <p:extLst>
                 <p:ext uri="{386F3935-93C4-4BCD-93E2-E3B085C9AB24}">
-                  <p16:designElem xmlns:p16="http://schemas.microsoft.com/office/powerpoint/2015/main" xmlns="" val="1"/>
+                  <p16:designElem xmlns:p16="http://schemas.microsoft.com/office/powerpoint/2015/main" val="1"/>
                 </p:ext>
               </p:extLst>
             </p:nvPr>
@@ -20870,10 +21110,10 @@
             <p:cNvPr id="87" name="Isosceles Triangle 14">
               <a:extLst>
                 <a:ext uri="{FF2B5EF4-FFF2-40B4-BE49-F238E27FC236}">
-                  <a16:creationId xmlns:a16="http://schemas.microsoft.com/office/drawing/2014/main" xmlns="" id="{826F9772-AEFE-4C6D-82B6-1207069B86DC}"/>
+                  <a16:creationId xmlns:a16="http://schemas.microsoft.com/office/drawing/2014/main" id="{826F9772-AEFE-4C6D-82B6-1207069B86DC}"/>
                 </a:ext>
                 <a:ext uri="{C183D7F6-B498-43B3-948B-1728B52AA6E4}">
-                  <adec:decorative xmlns:adec="http://schemas.microsoft.com/office/drawing/2017/decorative" xmlns="" val="1"/>
+                  <adec:decorative xmlns:adec="http://schemas.microsoft.com/office/drawing/2017/decorative" val="1"/>
                 </a:ext>
               </a:extLst>
             </p:cNvPr>
@@ -20881,7 +21121,7 @@
             <p:nvPr>
               <p:extLst>
                 <p:ext uri="{386F3935-93C4-4BCD-93E2-E3B085C9AB24}">
-                  <p16:designElem xmlns:p16="http://schemas.microsoft.com/office/powerpoint/2015/main" xmlns="" val="1"/>
+                  <p16:designElem xmlns:p16="http://schemas.microsoft.com/office/powerpoint/2015/main" val="1"/>
                 </p:ext>
               </p:extLst>
             </p:nvPr>
@@ -20927,10 +21167,10 @@
             <p:cNvPr id="88" name="Rectangle 27">
               <a:extLst>
                 <a:ext uri="{FF2B5EF4-FFF2-40B4-BE49-F238E27FC236}">
-                  <a16:creationId xmlns:a16="http://schemas.microsoft.com/office/drawing/2014/main" xmlns="" id="{ACFBF3A9-B76A-4B4B-B6D7-CA4651F5C9DF}"/>
+                  <a16:creationId xmlns:a16="http://schemas.microsoft.com/office/drawing/2014/main" id="{ACFBF3A9-B76A-4B4B-B6D7-CA4651F5C9DF}"/>
                 </a:ext>
                 <a:ext uri="{C183D7F6-B498-43B3-948B-1728B52AA6E4}">
-                  <adec:decorative xmlns:adec="http://schemas.microsoft.com/office/drawing/2017/decorative" xmlns="" val="1"/>
+                  <adec:decorative xmlns:adec="http://schemas.microsoft.com/office/drawing/2017/decorative" val="1"/>
                 </a:ext>
               </a:extLst>
             </p:cNvPr>
@@ -20938,7 +21178,7 @@
             <p:nvPr>
               <p:extLst>
                 <p:ext uri="{386F3935-93C4-4BCD-93E2-E3B085C9AB24}">
-                  <p16:designElem xmlns:p16="http://schemas.microsoft.com/office/powerpoint/2015/main" xmlns="" val="1"/>
+                  <p16:designElem xmlns:p16="http://schemas.microsoft.com/office/powerpoint/2015/main" val="1"/>
                 </p:ext>
               </p:extLst>
             </p:nvPr>
@@ -21006,10 +21246,10 @@
             <p:cNvPr id="89" name="Rectangle 28">
               <a:extLst>
                 <a:ext uri="{FF2B5EF4-FFF2-40B4-BE49-F238E27FC236}">
-                  <a16:creationId xmlns:a16="http://schemas.microsoft.com/office/drawing/2014/main" xmlns="" id="{BF0FAA0A-B682-4A83-BDD8-BCE0AB41C2B4}"/>
+                  <a16:creationId xmlns:a16="http://schemas.microsoft.com/office/drawing/2014/main" id="{BF0FAA0A-B682-4A83-BDD8-BCE0AB41C2B4}"/>
                 </a:ext>
                 <a:ext uri="{C183D7F6-B498-43B3-948B-1728B52AA6E4}">
-                  <adec:decorative xmlns:adec="http://schemas.microsoft.com/office/drawing/2017/decorative" xmlns="" val="1"/>
+                  <adec:decorative xmlns:adec="http://schemas.microsoft.com/office/drawing/2017/decorative" val="1"/>
                 </a:ext>
               </a:extLst>
             </p:cNvPr>
@@ -21017,7 +21257,7 @@
             <p:nvPr>
               <p:extLst>
                 <p:ext uri="{386F3935-93C4-4BCD-93E2-E3B085C9AB24}">
-                  <p16:designElem xmlns:p16="http://schemas.microsoft.com/office/powerpoint/2015/main" xmlns="" val="1"/>
+                  <p16:designElem xmlns:p16="http://schemas.microsoft.com/office/powerpoint/2015/main" val="1"/>
                 </p:ext>
               </p:extLst>
             </p:nvPr>
@@ -21084,10 +21324,10 @@
             <p:cNvPr id="90" name="Rectangle 29">
               <a:extLst>
                 <a:ext uri="{FF2B5EF4-FFF2-40B4-BE49-F238E27FC236}">
-                  <a16:creationId xmlns:a16="http://schemas.microsoft.com/office/drawing/2014/main" xmlns="" id="{7874A013-E5E2-4AE1-8E93-029A2B41EB78}"/>
+                  <a16:creationId xmlns:a16="http://schemas.microsoft.com/office/drawing/2014/main" id="{7874A013-E5E2-4AE1-8E93-029A2B41EB78}"/>
                 </a:ext>
                 <a:ext uri="{C183D7F6-B498-43B3-948B-1728B52AA6E4}">
-                  <adec:decorative xmlns:adec="http://schemas.microsoft.com/office/drawing/2017/decorative" xmlns="" val="1"/>
+                  <adec:decorative xmlns:adec="http://schemas.microsoft.com/office/drawing/2017/decorative" val="1"/>
                 </a:ext>
               </a:extLst>
             </p:cNvPr>
@@ -21095,7 +21335,7 @@
             <p:nvPr>
               <p:extLst>
                 <p:ext uri="{386F3935-93C4-4BCD-93E2-E3B085C9AB24}">
-                  <p16:designElem xmlns:p16="http://schemas.microsoft.com/office/powerpoint/2015/main" xmlns="" val="1"/>
+                  <p16:designElem xmlns:p16="http://schemas.microsoft.com/office/powerpoint/2015/main" val="1"/>
                 </p:ext>
               </p:extLst>
             </p:nvPr>
@@ -21163,10 +21403,10 @@
             <p:cNvPr id="91" name="Isosceles Triangle 18">
               <a:extLst>
                 <a:ext uri="{FF2B5EF4-FFF2-40B4-BE49-F238E27FC236}">
-                  <a16:creationId xmlns:a16="http://schemas.microsoft.com/office/drawing/2014/main" xmlns="" id="{4355329E-E608-4F7A-B4EF-8FEF07D75522}"/>
+                  <a16:creationId xmlns:a16="http://schemas.microsoft.com/office/drawing/2014/main" id="{4355329E-E608-4F7A-B4EF-8FEF07D75522}"/>
                 </a:ext>
                 <a:ext uri="{C183D7F6-B498-43B3-948B-1728B52AA6E4}">
-                  <adec:decorative xmlns:adec="http://schemas.microsoft.com/office/drawing/2017/decorative" xmlns="" val="1"/>
+                  <adec:decorative xmlns:adec="http://schemas.microsoft.com/office/drawing/2017/decorative" val="1"/>
                 </a:ext>
               </a:extLst>
             </p:cNvPr>
@@ -21174,7 +21414,7 @@
             <p:nvPr>
               <p:extLst>
                 <p:ext uri="{386F3935-93C4-4BCD-93E2-E3B085C9AB24}">
-                  <p16:designElem xmlns:p16="http://schemas.microsoft.com/office/powerpoint/2015/main" xmlns="" val="1"/>
+                  <p16:designElem xmlns:p16="http://schemas.microsoft.com/office/powerpoint/2015/main" val="1"/>
                 </p:ext>
               </p:extLst>
             </p:nvPr>
@@ -21220,10 +21460,10 @@
             <p:cNvPr id="92" name="Isosceles Triangle 19">
               <a:extLst>
                 <a:ext uri="{FF2B5EF4-FFF2-40B4-BE49-F238E27FC236}">
-                  <a16:creationId xmlns:a16="http://schemas.microsoft.com/office/drawing/2014/main" xmlns="" id="{53D9BFDF-B250-44FF-9BD7-C204EFBFC193}"/>
+                  <a16:creationId xmlns:a16="http://schemas.microsoft.com/office/drawing/2014/main" id="{53D9BFDF-B250-44FF-9BD7-C204EFBFC193}"/>
                 </a:ext>
                 <a:ext uri="{C183D7F6-B498-43B3-948B-1728B52AA6E4}">
-                  <adec:decorative xmlns:adec="http://schemas.microsoft.com/office/drawing/2017/decorative" xmlns="" val="1"/>
+                  <adec:decorative xmlns:adec="http://schemas.microsoft.com/office/drawing/2017/decorative" val="1"/>
                 </a:ext>
               </a:extLst>
             </p:cNvPr>
@@ -21231,7 +21471,7 @@
             <p:nvPr>
               <p:extLst>
                 <p:ext uri="{386F3935-93C4-4BCD-93E2-E3B085C9AB24}">
-                  <p16:designElem xmlns:p16="http://schemas.microsoft.com/office/powerpoint/2015/main" xmlns="" val="1"/>
+                  <p16:designElem xmlns:p16="http://schemas.microsoft.com/office/powerpoint/2015/main" val="1"/>
                 </p:ext>
               </p:extLst>
             </p:nvPr>
@@ -21277,10 +21517,10 @@
           <p:cNvPr id="93" name="Rectangle 21">
             <a:extLst>
               <a:ext uri="{FF2B5EF4-FFF2-40B4-BE49-F238E27FC236}">
-                <a16:creationId xmlns:a16="http://schemas.microsoft.com/office/drawing/2014/main" xmlns="" id="{9F4444CE-BC8D-4D61-B303-4C05614E62AB}"/>
+                <a16:creationId xmlns:a16="http://schemas.microsoft.com/office/drawing/2014/main" id="{9F4444CE-BC8D-4D61-B303-4C05614E62AB}"/>
               </a:ext>
               <a:ext uri="{C183D7F6-B498-43B3-948B-1728B52AA6E4}">
-                <adec:decorative xmlns:adec="http://schemas.microsoft.com/office/drawing/2017/decorative" xmlns="" val="1"/>
+                <adec:decorative xmlns:adec="http://schemas.microsoft.com/office/drawing/2017/decorative" val="1"/>
               </a:ext>
             </a:extLst>
           </p:cNvPr>
@@ -21290,7 +21530,7 @@
           <p:nvPr>
             <p:extLst>
               <p:ext uri="{386F3935-93C4-4BCD-93E2-E3B085C9AB24}">
-                <p16:designElem xmlns:p16="http://schemas.microsoft.com/office/powerpoint/2015/main" xmlns="" val="1"/>
+                <p16:designElem xmlns:p16="http://schemas.microsoft.com/office/powerpoint/2015/main" val="1"/>
               </p:ext>
             </p:extLst>
           </p:nvPr>
@@ -21337,10 +21577,10 @@
           <p:cNvPr id="94" name="Rectangle 23">
             <a:extLst>
               <a:ext uri="{FF2B5EF4-FFF2-40B4-BE49-F238E27FC236}">
-                <a16:creationId xmlns:a16="http://schemas.microsoft.com/office/drawing/2014/main" xmlns="" id="{62423CA5-E2E1-4789-B759-9906C1C94063}"/>
+                <a16:creationId xmlns:a16="http://schemas.microsoft.com/office/drawing/2014/main" id="{62423CA5-E2E1-4789-B759-9906C1C94063}"/>
               </a:ext>
               <a:ext uri="{C183D7F6-B498-43B3-948B-1728B52AA6E4}">
-                <adec:decorative xmlns:adec="http://schemas.microsoft.com/office/drawing/2017/decorative" xmlns="" val="1"/>
+                <adec:decorative xmlns:adec="http://schemas.microsoft.com/office/drawing/2017/decorative" val="1"/>
               </a:ext>
             </a:extLst>
           </p:cNvPr>
@@ -21350,7 +21590,7 @@
           <p:nvPr>
             <p:extLst>
               <p:ext uri="{386F3935-93C4-4BCD-93E2-E3B085C9AB24}">
-                <p16:designElem xmlns:p16="http://schemas.microsoft.com/office/powerpoint/2015/main" xmlns="" val="1"/>
+                <p16:designElem xmlns:p16="http://schemas.microsoft.com/office/powerpoint/2015/main" val="1"/>
               </p:ext>
             </p:extLst>
           </p:nvPr>
@@ -21398,10 +21638,10 @@
           <p:cNvPr id="95" name="Isosceles Triangle 25">
             <a:extLst>
               <a:ext uri="{FF2B5EF4-FFF2-40B4-BE49-F238E27FC236}">
-                <a16:creationId xmlns:a16="http://schemas.microsoft.com/office/drawing/2014/main" xmlns="" id="{73772B81-181F-48B7-8826-4D9686D15DF5}"/>
+                <a16:creationId xmlns:a16="http://schemas.microsoft.com/office/drawing/2014/main" id="{73772B81-181F-48B7-8826-4D9686D15DF5}"/>
               </a:ext>
               <a:ext uri="{C183D7F6-B498-43B3-948B-1728B52AA6E4}">
-                <adec:decorative xmlns:adec="http://schemas.microsoft.com/office/drawing/2017/decorative" xmlns="" val="1"/>
+                <adec:decorative xmlns:adec="http://schemas.microsoft.com/office/drawing/2017/decorative" val="1"/>
               </a:ext>
             </a:extLst>
           </p:cNvPr>
@@ -21411,7 +21651,7 @@
           <p:nvPr>
             <p:extLst>
               <p:ext uri="{386F3935-93C4-4BCD-93E2-E3B085C9AB24}">
-                <p16:designElem xmlns:p16="http://schemas.microsoft.com/office/powerpoint/2015/main" xmlns="" val="1"/>
+                <p16:designElem xmlns:p16="http://schemas.microsoft.com/office/powerpoint/2015/main" val="1"/>
               </p:ext>
             </p:extLst>
           </p:nvPr>
@@ -21461,7 +21701,7 @@
           <p:cNvPr id="2" name="Nadpis 1">
             <a:extLst>
               <a:ext uri="{FF2B5EF4-FFF2-40B4-BE49-F238E27FC236}">
-                <a16:creationId xmlns:a16="http://schemas.microsoft.com/office/drawing/2014/main" xmlns="" id="{82CF5F5A-D129-651E-A723-5533D63F7E67}"/>
+                <a16:creationId xmlns:a16="http://schemas.microsoft.com/office/drawing/2014/main" id="{82CF5F5A-D129-651E-A723-5533D63F7E67}"/>
               </a:ext>
             </a:extLst>
           </p:cNvPr>
@@ -21497,7 +21737,7 @@
           <p:cNvPr id="3" name="Zástupný objekt pre obsah 2">
             <a:extLst>
               <a:ext uri="{FF2B5EF4-FFF2-40B4-BE49-F238E27FC236}">
-                <a16:creationId xmlns:a16="http://schemas.microsoft.com/office/drawing/2014/main" xmlns="" id="{983E1281-FF60-EA29-ED45-6A9414198597}"/>
+                <a16:creationId xmlns:a16="http://schemas.microsoft.com/office/drawing/2014/main" id="{983E1281-FF60-EA29-ED45-6A9414198597}"/>
               </a:ext>
             </a:extLst>
           </p:cNvPr>
@@ -21571,7 +21811,7 @@
           <p:cNvPr id="5" name="Picture 2" descr="Handlers are lined-up one by one, forming a chain">
             <a:extLst>
               <a:ext uri="{FF2B5EF4-FFF2-40B4-BE49-F238E27FC236}">
-                <a16:creationId xmlns:a16="http://schemas.microsoft.com/office/drawing/2014/main" xmlns="" id="{4EB32ABB-B0AC-E86B-D980-57360BDAA07C}"/>
+                <a16:creationId xmlns:a16="http://schemas.microsoft.com/office/drawing/2014/main" id="{4EB32ABB-B0AC-E86B-D980-57360BDAA07C}"/>
               </a:ext>
             </a:extLst>
           </p:cNvPr>
@@ -21619,10 +21859,10 @@
           <p:cNvPr id="96" name="Isosceles Triangle 27">
             <a:extLst>
               <a:ext uri="{FF2B5EF4-FFF2-40B4-BE49-F238E27FC236}">
-                <a16:creationId xmlns:a16="http://schemas.microsoft.com/office/drawing/2014/main" xmlns="" id="{B2205F6E-03C6-4E92-877C-E2482F6599AA}"/>
+                <a16:creationId xmlns:a16="http://schemas.microsoft.com/office/drawing/2014/main" id="{B2205F6E-03C6-4E92-877C-E2482F6599AA}"/>
               </a:ext>
               <a:ext uri="{C183D7F6-B498-43B3-948B-1728B52AA6E4}">
-                <adec:decorative xmlns:adec="http://schemas.microsoft.com/office/drawing/2017/decorative" xmlns="" val="1"/>
+                <adec:decorative xmlns:adec="http://schemas.microsoft.com/office/drawing/2017/decorative" val="1"/>
               </a:ext>
             </a:extLst>
           </p:cNvPr>
@@ -21632,7 +21872,7 @@
           <p:nvPr>
             <p:extLst>
               <p:ext uri="{386F3935-93C4-4BCD-93E2-E3B085C9AB24}">
-                <p16:designElem xmlns:p16="http://schemas.microsoft.com/office/powerpoint/2015/main" xmlns="" val="1"/>
+                <p16:designElem xmlns:p16="http://schemas.microsoft.com/office/powerpoint/2015/main" val="1"/>
               </p:ext>
             </p:extLst>
           </p:nvPr>
@@ -21689,13 +21929,6 @@
   <p:clrMapOvr>
     <a:masterClrMapping/>
   </p:clrMapOvr>
-  <p:timing>
-    <p:tnLst>
-      <p:par>
-        <p:cTn id="1" dur="indefinite" restart="never" nodeType="tmRoot"/>
-      </p:par>
-    </p:tnLst>
-  </p:timing>
 </p:sld>
 </file>
 
@@ -21950,7 +22183,7 @@
   <a:extraClrSchemeLst/>
   <a:extLst>
     <a:ext uri="{05A4C25C-085E-4340-85A3-A5531E510DB2}">
-      <thm15:themeFamily xmlns:thm15="http://schemas.microsoft.com/office/thememl/2012/main" xmlns="" name="Facet" id="{C0C680CD-088A-49FC-A102-D699147F32B2}" vid="{0B5AB586-D108-4FC1-8368-649FE654B894}"/>
+      <thm15:themeFamily xmlns:thm15="http://schemas.microsoft.com/office/thememl/2012/main" name="Facet" id="{C0C680CD-088A-49FC-A102-D699147F32B2}" vid="{0B5AB586-D108-4FC1-8368-649FE654B894}"/>
     </a:ext>
   </a:extLst>
 </a:theme>

--- a/Behavioral_Design_Patterns.pptx
+++ b/Behavioral_Design_Patterns.pptx
@@ -7428,9 +7428,7 @@
     <p:bg>
       <p:bgPr>
         <a:solidFill>
-          <a:schemeClr val="tx2">
-            <a:lumMod val="75000"/>
-          </a:schemeClr>
+          <a:schemeClr val="bg1"/>
         </a:solidFill>
         <a:effectLst/>
       </p:bgPr>
@@ -7516,13 +7514,7 @@
             <a:avLst/>
           </a:prstGeom>
           <a:noFill/>
-          <a:effectLst>
-            <a:glow rad="127000">
-              <a:schemeClr val="bg1">
-                <a:lumMod val="65000"/>
-              </a:schemeClr>
-            </a:glow>
-          </a:effectLst>
+          <a:effectLst/>
           <a:extLst>
             <a:ext uri="{909E8E84-426E-40DD-AFC4-6F175D3DCCD1}">
               <a14:hiddenFill xmlns:a14="http://schemas.microsoft.com/office/drawing/2010/main">
@@ -8234,9 +8226,7 @@
     <p:bg>
       <p:bgPr>
         <a:solidFill>
-          <a:schemeClr val="tx2">
-            <a:lumMod val="75000"/>
-          </a:schemeClr>
+          <a:schemeClr val="bg1"/>
         </a:solidFill>
         <a:effectLst/>
       </p:bgPr>
@@ -9607,9 +9597,7 @@
     <p:bg>
       <p:bgPr>
         <a:solidFill>
-          <a:schemeClr val="tx2">
-            <a:lumMod val="75000"/>
-          </a:schemeClr>
+          <a:schemeClr val="bg1"/>
         </a:solidFill>
         <a:effectLst/>
       </p:bgPr>
@@ -9752,9 +9740,7 @@
     <p:bg>
       <p:bgPr>
         <a:solidFill>
-          <a:schemeClr val="tx2">
-            <a:lumMod val="75000"/>
-          </a:schemeClr>
+          <a:schemeClr val="bg1"/>
         </a:solidFill>
         <a:effectLst/>
       </p:bgPr>
@@ -9876,13 +9862,7 @@
           <a:prstGeom prst="rect">
             <a:avLst/>
           </a:prstGeom>
-          <a:effectLst>
-            <a:glow rad="127000">
-              <a:schemeClr val="bg1">
-                <a:lumMod val="65000"/>
-              </a:schemeClr>
-            </a:glow>
-          </a:effectLst>
+          <a:effectLst/>
         </p:spPr>
       </p:pic>
     </p:spTree>
@@ -13074,9 +13054,7 @@
     <p:bg>
       <p:bgPr>
         <a:solidFill>
-          <a:schemeClr val="tx2">
-            <a:lumMod val="75000"/>
-          </a:schemeClr>
+          <a:schemeClr val="bg1"/>
         </a:solidFill>
         <a:effectLst/>
       </p:bgPr>
@@ -13182,9 +13160,7 @@
     <p:bg>
       <p:bgPr>
         <a:solidFill>
-          <a:schemeClr val="tx2">
-            <a:lumMod val="75000"/>
-          </a:schemeClr>
+          <a:schemeClr val="bg1"/>
         </a:solidFill>
         <a:effectLst/>
       </p:bgPr>
@@ -13269,13 +13245,7 @@
             <a:off x="2809285" y="1930400"/>
             <a:ext cx="4332766" cy="3881437"/>
           </a:xfrm>
-          <a:effectLst>
-            <a:glow rad="127000">
-              <a:schemeClr val="bg1">
-                <a:lumMod val="65000"/>
-              </a:schemeClr>
-            </a:glow>
-          </a:effectLst>
+          <a:effectLst/>
         </p:spPr>
       </p:pic>
     </p:spTree>
@@ -13297,9 +13267,7 @@
     <p:bg>
       <p:bgPr>
         <a:solidFill>
-          <a:schemeClr val="tx2">
-            <a:lumMod val="75000"/>
-          </a:schemeClr>
+          <a:schemeClr val="bg1"/>
         </a:solidFill>
         <a:effectLst/>
       </p:bgPr>

--- a/Behavioral_Design_Patterns.pptx
+++ b/Behavioral_Design_Patterns.pptx
@@ -33,6 +33,7 @@
     <p:sldId id="291" r:id="rId27"/>
     <p:sldId id="278" r:id="rId28"/>
     <p:sldId id="279" r:id="rId29"/>
+    <p:sldId id="292" r:id="rId30"/>
   </p:sldIdLst>
   <p:sldSz cx="12192000" cy="6858000"/>
   <p:notesSz cx="6858000" cy="9144000"/>
@@ -13811,6 +13812,298 @@
 </p:sld>
 </file>
 
+<file path=ppt/slides/slide29.xml><?xml version="1.0" encoding="utf-8"?>
+<p:sld xmlns:a="http://schemas.openxmlformats.org/drawingml/2006/main" xmlns:r="http://schemas.openxmlformats.org/officeDocument/2006/relationships" xmlns:p="http://schemas.openxmlformats.org/presentationml/2006/main">
+  <p:cSld>
+    <p:bg>
+      <p:bgPr>
+        <a:solidFill>
+          <a:schemeClr val="tx2">
+            <a:lumMod val="75000"/>
+          </a:schemeClr>
+        </a:solidFill>
+        <a:effectLst/>
+      </p:bgPr>
+    </p:bg>
+    <p:spTree>
+      <p:nvGrpSpPr>
+        <p:cNvPr id="1" name=""/>
+        <p:cNvGrpSpPr/>
+        <p:nvPr/>
+      </p:nvGrpSpPr>
+      <p:grpSpPr>
+        <a:xfrm>
+          <a:off x="0" y="0"/>
+          <a:ext cx="0" cy="0"/>
+          <a:chOff x="0" y="0"/>
+          <a:chExt cx="0" cy="0"/>
+        </a:xfrm>
+      </p:grpSpPr>
+      <p:sp>
+        <p:nvSpPr>
+          <p:cNvPr id="2" name="Nadpis 1">
+            <a:extLst>
+              <a:ext uri="{FF2B5EF4-FFF2-40B4-BE49-F238E27FC236}">
+                <a16:creationId xmlns:a16="http://schemas.microsoft.com/office/drawing/2014/main" id="{3AE5A288-E3F8-0351-FF0C-163ADC355D1D}"/>
+              </a:ext>
+            </a:extLst>
+          </p:cNvPr>
+          <p:cNvSpPr>
+            <a:spLocks noGrp="1"/>
+          </p:cNvSpPr>
+          <p:nvPr>
+            <p:ph type="title"/>
+          </p:nvPr>
+        </p:nvSpPr>
+        <p:spPr/>
+        <p:txBody>
+          <a:bodyPr/>
+          <a:lstStyle/>
+          <a:p>
+            <a:r>
+              <a:rPr lang="sk-SK" dirty="0"/>
+              <a:t>Otázka na skúšku	</a:t>
+            </a:r>
+          </a:p>
+        </p:txBody>
+      </p:sp>
+      <p:sp>
+        <p:nvSpPr>
+          <p:cNvPr id="3" name="Zástupný objekt pre obsah 2">
+            <a:extLst>
+              <a:ext uri="{FF2B5EF4-FFF2-40B4-BE49-F238E27FC236}">
+                <a16:creationId xmlns:a16="http://schemas.microsoft.com/office/drawing/2014/main" id="{8DE11AB9-113E-EF93-3A46-2B78ECC39F8A}"/>
+              </a:ext>
+            </a:extLst>
+          </p:cNvPr>
+          <p:cNvSpPr>
+            <a:spLocks noGrp="1"/>
+          </p:cNvSpPr>
+          <p:nvPr>
+            <p:ph idx="1"/>
+          </p:nvPr>
+        </p:nvSpPr>
+        <p:spPr/>
+        <p:txBody>
+          <a:bodyPr/>
+          <a:lstStyle/>
+          <a:p>
+            <a:r>
+              <a:rPr lang="sk-SK" dirty="0">
+                <a:solidFill>
+                  <a:schemeClr val="bg1"/>
+                </a:solidFill>
+              </a:rPr>
+              <a:t>Čo nepatrí do štruktúry </a:t>
+            </a:r>
+            <a:r>
+              <a:rPr lang="sk-SK" dirty="0" err="1">
+                <a:solidFill>
+                  <a:schemeClr val="bg1"/>
+                </a:solidFill>
+              </a:rPr>
+              <a:t>Iterator</a:t>
+            </a:r>
+            <a:r>
+              <a:rPr lang="sk-SK" dirty="0">
+                <a:solidFill>
+                  <a:schemeClr val="bg1"/>
+                </a:solidFill>
+              </a:rPr>
+              <a:t> ?</a:t>
+            </a:r>
+          </a:p>
+          <a:p>
+            <a:pPr marL="0" indent="0">
+              <a:buNone/>
+            </a:pPr>
+            <a:r>
+              <a:rPr lang="sk-SK" dirty="0">
+                <a:solidFill>
+                  <a:schemeClr val="bg1"/>
+                </a:solidFill>
+              </a:rPr>
+              <a:t>	a) </a:t>
+            </a:r>
+            <a:r>
+              <a:rPr lang="sk-SK" dirty="0" err="1">
+                <a:solidFill>
+                  <a:schemeClr val="bg1"/>
+                </a:solidFill>
+              </a:rPr>
+              <a:t>Iterator</a:t>
+            </a:r>
+            <a:endParaRPr lang="sk-SK" dirty="0">
+              <a:solidFill>
+                <a:schemeClr val="bg1"/>
+              </a:solidFill>
+            </a:endParaRPr>
+          </a:p>
+          <a:p>
+            <a:pPr marL="0" indent="0">
+              <a:buNone/>
+            </a:pPr>
+            <a:r>
+              <a:rPr lang="sk-SK" dirty="0">
+                <a:solidFill>
+                  <a:schemeClr val="bg1"/>
+                </a:solidFill>
+              </a:rPr>
+              <a:t>	b) </a:t>
+            </a:r>
+            <a:r>
+              <a:rPr lang="sk-SK" dirty="0" err="1">
+                <a:solidFill>
+                  <a:schemeClr val="bg1"/>
+                </a:solidFill>
+              </a:rPr>
+              <a:t>Iterator</a:t>
+            </a:r>
+            <a:r>
+              <a:rPr lang="sk-SK" dirty="0">
+                <a:solidFill>
+                  <a:schemeClr val="bg1"/>
+                </a:solidFill>
+              </a:rPr>
+              <a:t> </a:t>
+            </a:r>
+            <a:r>
+              <a:rPr lang="sk-SK" dirty="0" err="1">
+                <a:solidFill>
+                  <a:schemeClr val="bg1"/>
+                </a:solidFill>
+              </a:rPr>
+              <a:t>Collection</a:t>
+            </a:r>
+            <a:endParaRPr lang="sk-SK" dirty="0">
+              <a:solidFill>
+                <a:schemeClr val="bg1"/>
+              </a:solidFill>
+            </a:endParaRPr>
+          </a:p>
+          <a:p>
+            <a:pPr marL="0" indent="0">
+              <a:buNone/>
+            </a:pPr>
+            <a:r>
+              <a:rPr lang="sk-SK" dirty="0">
+                <a:solidFill>
+                  <a:schemeClr val="bg1"/>
+                </a:solidFill>
+              </a:rPr>
+              <a:t>	</a:t>
+            </a:r>
+            <a:r>
+              <a:rPr lang="sk-SK" b="1" dirty="0">
+                <a:solidFill>
+                  <a:srgbClr val="00B050"/>
+                </a:solidFill>
+              </a:rPr>
+              <a:t>c) </a:t>
+            </a:r>
+            <a:r>
+              <a:rPr lang="sk-SK" b="1" dirty="0" err="1">
+                <a:solidFill>
+                  <a:srgbClr val="00B050"/>
+                </a:solidFill>
+              </a:rPr>
+              <a:t>Product</a:t>
+            </a:r>
+            <a:r>
+              <a:rPr lang="sk-SK" b="1" dirty="0">
+                <a:solidFill>
+                  <a:srgbClr val="00B050"/>
+                </a:solidFill>
+              </a:rPr>
+              <a:t> ✓</a:t>
+            </a:r>
+          </a:p>
+          <a:p>
+            <a:pPr marL="0" indent="0">
+              <a:buNone/>
+            </a:pPr>
+            <a:r>
+              <a:rPr lang="sk-SK" dirty="0">
+                <a:solidFill>
+                  <a:schemeClr val="bg1"/>
+                </a:solidFill>
+              </a:rPr>
+              <a:t>	d) </a:t>
+            </a:r>
+            <a:r>
+              <a:rPr lang="sk-SK" dirty="0" err="1">
+                <a:solidFill>
+                  <a:schemeClr val="bg1"/>
+                </a:solidFill>
+              </a:rPr>
+              <a:t>Client</a:t>
+            </a:r>
+            <a:r>
+              <a:rPr lang="sk-SK" dirty="0">
+                <a:solidFill>
+                  <a:schemeClr val="bg1"/>
+                </a:solidFill>
+              </a:rPr>
+              <a:t>	</a:t>
+            </a:r>
+          </a:p>
+          <a:p>
+            <a:pPr marL="0" indent="0">
+              <a:buNone/>
+            </a:pPr>
+            <a:r>
+              <a:rPr lang="sk-SK" dirty="0">
+                <a:solidFill>
+                  <a:schemeClr val="bg1"/>
+                </a:solidFill>
+              </a:rPr>
+              <a:t>	e) </a:t>
+            </a:r>
+            <a:r>
+              <a:rPr lang="sk-SK" dirty="0" err="1">
+                <a:solidFill>
+                  <a:schemeClr val="bg1"/>
+                </a:solidFill>
+              </a:rPr>
+              <a:t>Concrete</a:t>
+            </a:r>
+            <a:r>
+              <a:rPr lang="sk-SK" dirty="0">
+                <a:solidFill>
+                  <a:schemeClr val="bg1"/>
+                </a:solidFill>
+              </a:rPr>
+              <a:t> </a:t>
+            </a:r>
+            <a:r>
+              <a:rPr lang="sk-SK" dirty="0" err="1">
+                <a:solidFill>
+                  <a:schemeClr val="bg1"/>
+                </a:solidFill>
+              </a:rPr>
+              <a:t>Collection</a:t>
+            </a:r>
+            <a:endParaRPr lang="sk-SK" dirty="0">
+              <a:solidFill>
+                <a:schemeClr val="bg1"/>
+              </a:solidFill>
+            </a:endParaRPr>
+          </a:p>
+        </p:txBody>
+      </p:sp>
+    </p:spTree>
+    <p:extLst>
+      <p:ext uri="{BB962C8B-B14F-4D97-AF65-F5344CB8AC3E}">
+        <p14:creationId xmlns:p14="http://schemas.microsoft.com/office/powerpoint/2010/main" val="3024849562"/>
+      </p:ext>
+    </p:extLst>
+  </p:cSld>
+  <p:clrMapOvr>
+    <a:masterClrMapping/>
+  </p:clrMapOvr>
+</p:sld>
+</file>
+
 <file path=ppt/slides/slide3.xml><?xml version="1.0" encoding="utf-8"?>
 <p:sld xmlns:a="http://schemas.openxmlformats.org/drawingml/2006/main" xmlns:r="http://schemas.openxmlformats.org/officeDocument/2006/relationships" xmlns:p="http://schemas.openxmlformats.org/presentationml/2006/main">
   <p:cSld>

--- a/Behavioral_Design_Patterns.pptx
+++ b/Behavioral_Design_Patterns.pptx
@@ -24,16 +24,17 @@
     <p:sldId id="268" r:id="rId18"/>
     <p:sldId id="269" r:id="rId19"/>
     <p:sldId id="270" r:id="rId20"/>
-    <p:sldId id="271" r:id="rId21"/>
-    <p:sldId id="272" r:id="rId22"/>
-    <p:sldId id="273" r:id="rId23"/>
-    <p:sldId id="274" r:id="rId24"/>
-    <p:sldId id="276" r:id="rId25"/>
-    <p:sldId id="277" r:id="rId26"/>
-    <p:sldId id="291" r:id="rId27"/>
-    <p:sldId id="278" r:id="rId28"/>
-    <p:sldId id="279" r:id="rId29"/>
-    <p:sldId id="292" r:id="rId30"/>
+    <p:sldId id="293" r:id="rId21"/>
+    <p:sldId id="271" r:id="rId22"/>
+    <p:sldId id="272" r:id="rId23"/>
+    <p:sldId id="273" r:id="rId24"/>
+    <p:sldId id="274" r:id="rId25"/>
+    <p:sldId id="276" r:id="rId26"/>
+    <p:sldId id="277" r:id="rId27"/>
+    <p:sldId id="291" r:id="rId28"/>
+    <p:sldId id="278" r:id="rId29"/>
+    <p:sldId id="279" r:id="rId30"/>
+    <p:sldId id="292" r:id="rId31"/>
   </p:sldIdLst>
   <p:sldSz cx="12192000" cy="6858000"/>
   <p:notesSz cx="6858000" cy="9144000"/>
@@ -10821,6 +10822,207 @@
     <p:bg>
       <p:bgPr>
         <a:solidFill>
+          <a:schemeClr val="bg1"/>
+        </a:solidFill>
+        <a:effectLst/>
+      </p:bgPr>
+    </p:bg>
+    <p:spTree>
+      <p:nvGrpSpPr>
+        <p:cNvPr id="1" name=""/>
+        <p:cNvGrpSpPr/>
+        <p:nvPr/>
+      </p:nvGrpSpPr>
+      <p:grpSpPr>
+        <a:xfrm>
+          <a:off x="0" y="0"/>
+          <a:ext cx="0" cy="0"/>
+          <a:chOff x="0" y="0"/>
+          <a:chExt cx="0" cy="0"/>
+        </a:xfrm>
+      </p:grpSpPr>
+      <p:sp>
+        <p:nvSpPr>
+          <p:cNvPr id="2" name="Title 1">
+            <a:extLst>
+              <a:ext uri="{FF2B5EF4-FFF2-40B4-BE49-F238E27FC236}">
+                <a16:creationId xmlns:a16="http://schemas.microsoft.com/office/drawing/2014/main" id="{DCD84134-5E9E-4D7C-95CC-F3BC1CA1D5EC}"/>
+              </a:ext>
+            </a:extLst>
+          </p:cNvPr>
+          <p:cNvSpPr>
+            <a:spLocks noGrp="1"/>
+          </p:cNvSpPr>
+          <p:nvPr>
+            <p:ph type="title"/>
+          </p:nvPr>
+        </p:nvSpPr>
+        <p:spPr>
+          <a:xfrm>
+            <a:off x="677334" y="609600"/>
+            <a:ext cx="8596668" cy="866862"/>
+          </a:xfrm>
+        </p:spPr>
+        <p:txBody>
+          <a:bodyPr/>
+          <a:lstStyle/>
+          <a:p>
+            <a:r>
+              <a:rPr lang="sk-SK" dirty="0"/>
+              <a:t>Príklad implementácie</a:t>
+            </a:r>
+            <a:r>
+              <a:rPr lang="en-US" dirty="0"/>
+              <a:t> Command</a:t>
+            </a:r>
+          </a:p>
+        </p:txBody>
+      </p:sp>
+      <p:sp>
+        <p:nvSpPr>
+          <p:cNvPr id="3" name="Content Placeholder 2">
+            <a:extLst>
+              <a:ext uri="{FF2B5EF4-FFF2-40B4-BE49-F238E27FC236}">
+                <a16:creationId xmlns:a16="http://schemas.microsoft.com/office/drawing/2014/main" id="{8FD20D94-A8A5-4E19-9EEA-AC7D02A3ED28}"/>
+              </a:ext>
+            </a:extLst>
+          </p:cNvPr>
+          <p:cNvSpPr>
+            <a:spLocks noGrp="1"/>
+          </p:cNvSpPr>
+          <p:nvPr>
+            <p:ph idx="1"/>
+          </p:nvPr>
+        </p:nvSpPr>
+        <p:spPr>
+          <a:xfrm>
+            <a:off x="803169" y="2303202"/>
+            <a:ext cx="8596668" cy="3880773"/>
+          </a:xfrm>
+        </p:spPr>
+        <p:txBody>
+          <a:bodyPr/>
+          <a:lstStyle/>
+          <a:p>
+            <a:pPr marL="0" indent="0">
+              <a:buNone/>
+            </a:pPr>
+            <a:endParaRPr lang="en-US" dirty="0"/>
+          </a:p>
+          <a:p>
+            <a:endParaRPr lang="en-US" dirty="0"/>
+          </a:p>
+        </p:txBody>
+      </p:sp>
+      <p:pic>
+        <p:nvPicPr>
+          <p:cNvPr id="8" name="Picture 7">
+            <a:extLst>
+              <a:ext uri="{FF2B5EF4-FFF2-40B4-BE49-F238E27FC236}">
+                <a16:creationId xmlns:a16="http://schemas.microsoft.com/office/drawing/2014/main" id="{5EB614FA-6CFA-4F34-8649-FF64AE051300}"/>
+              </a:ext>
+            </a:extLst>
+          </p:cNvPr>
+          <p:cNvPicPr>
+            <a:picLocks noChangeAspect="1"/>
+          </p:cNvPicPr>
+          <p:nvPr/>
+        </p:nvPicPr>
+        <p:blipFill>
+          <a:blip r:embed="rId2"/>
+          <a:stretch>
+            <a:fillRect/>
+          </a:stretch>
+        </p:blipFill>
+        <p:spPr>
+          <a:xfrm>
+            <a:off x="539000" y="1374254"/>
+            <a:ext cx="3680043" cy="3880773"/>
+          </a:xfrm>
+          <a:prstGeom prst="rect">
+            <a:avLst/>
+          </a:prstGeom>
+        </p:spPr>
+      </p:pic>
+      <p:pic>
+        <p:nvPicPr>
+          <p:cNvPr id="10" name="Picture 9">
+            <a:extLst>
+              <a:ext uri="{FF2B5EF4-FFF2-40B4-BE49-F238E27FC236}">
+                <a16:creationId xmlns:a16="http://schemas.microsoft.com/office/drawing/2014/main" id="{EF6E4BC5-C979-44E2-9A8E-ED653844F570}"/>
+              </a:ext>
+            </a:extLst>
+          </p:cNvPr>
+          <p:cNvPicPr>
+            <a:picLocks noChangeAspect="1"/>
+          </p:cNvPicPr>
+          <p:nvPr/>
+        </p:nvPicPr>
+        <p:blipFill>
+          <a:blip r:embed="rId3"/>
+          <a:stretch>
+            <a:fillRect/>
+          </a:stretch>
+        </p:blipFill>
+        <p:spPr>
+          <a:xfrm>
+            <a:off x="4674806" y="1374254"/>
+            <a:ext cx="2842387" cy="4790121"/>
+          </a:xfrm>
+          <a:prstGeom prst="rect">
+            <a:avLst/>
+          </a:prstGeom>
+        </p:spPr>
+      </p:pic>
+      <p:pic>
+        <p:nvPicPr>
+          <p:cNvPr id="12" name="Picture 11">
+            <a:extLst>
+              <a:ext uri="{FF2B5EF4-FFF2-40B4-BE49-F238E27FC236}">
+                <a16:creationId xmlns:a16="http://schemas.microsoft.com/office/drawing/2014/main" id="{A0C5DA6B-68BF-4AE9-B231-1F2A850FF913}"/>
+              </a:ext>
+            </a:extLst>
+          </p:cNvPr>
+          <p:cNvPicPr>
+            <a:picLocks noChangeAspect="1"/>
+          </p:cNvPicPr>
+          <p:nvPr/>
+        </p:nvPicPr>
+        <p:blipFill>
+          <a:blip r:embed="rId4"/>
+          <a:stretch>
+            <a:fillRect/>
+          </a:stretch>
+        </p:blipFill>
+        <p:spPr>
+          <a:xfrm>
+            <a:off x="7852808" y="1374254"/>
+            <a:ext cx="2842388" cy="5359489"/>
+          </a:xfrm>
+          <a:prstGeom prst="rect">
+            <a:avLst/>
+          </a:prstGeom>
+        </p:spPr>
+      </p:pic>
+    </p:spTree>
+    <p:extLst>
+      <p:ext uri="{BB962C8B-B14F-4D97-AF65-F5344CB8AC3E}">
+        <p14:creationId xmlns:p14="http://schemas.microsoft.com/office/powerpoint/2010/main" val="570380461"/>
+      </p:ext>
+    </p:extLst>
+  </p:cSld>
+  <p:clrMapOvr>
+    <a:masterClrMapping/>
+  </p:clrMapOvr>
+</p:sld>
+</file>
+
+<file path=ppt/slides/slide21.xml><?xml version="1.0" encoding="utf-8"?>
+<p:sld xmlns:a="http://schemas.openxmlformats.org/drawingml/2006/main" xmlns:r="http://schemas.openxmlformats.org/officeDocument/2006/relationships" xmlns:p="http://schemas.openxmlformats.org/presentationml/2006/main">
+  <p:cSld>
+    <p:bg>
+      <p:bgPr>
+        <a:solidFill>
           <a:schemeClr val="bg2"/>
         </a:solidFill>
         <a:effectLst/>
@@ -11807,7 +12009,7 @@
 </p:sld>
 </file>
 
-<file path=ppt/slides/slide21.xml><?xml version="1.0" encoding="utf-8"?>
+<file path=ppt/slides/slide22.xml><?xml version="1.0" encoding="utf-8"?>
 <p:sld xmlns:a="http://schemas.openxmlformats.org/drawingml/2006/main" xmlns:r="http://schemas.openxmlformats.org/officeDocument/2006/relationships" xmlns:p="http://schemas.openxmlformats.org/presentationml/2006/main">
   <p:cSld>
     <p:bg>
@@ -12211,7 +12413,7 @@
 </p:sld>
 </file>
 
-<file path=ppt/slides/slide22.xml><?xml version="1.0" encoding="utf-8"?>
+<file path=ppt/slides/slide23.xml><?xml version="1.0" encoding="utf-8"?>
 <p:sld xmlns:a="http://schemas.openxmlformats.org/drawingml/2006/main" xmlns:r="http://schemas.openxmlformats.org/officeDocument/2006/relationships" xmlns:p="http://schemas.openxmlformats.org/presentationml/2006/main">
   <p:cSld>
     <p:bg>
@@ -12630,7 +12832,7 @@
 </p:sld>
 </file>
 
-<file path=ppt/slides/slide23.xml><?xml version="1.0" encoding="utf-8"?>
+<file path=ppt/slides/slide24.xml><?xml version="1.0" encoding="utf-8"?>
 <p:sld xmlns:a="http://schemas.openxmlformats.org/drawingml/2006/main" xmlns:r="http://schemas.openxmlformats.org/officeDocument/2006/relationships" xmlns:p="http://schemas.openxmlformats.org/presentationml/2006/main">
   <p:cSld>
     <p:bg>
@@ -13049,7 +13251,7 @@
 </p:sld>
 </file>
 
-<file path=ppt/slides/slide24.xml><?xml version="1.0" encoding="utf-8"?>
+<file path=ppt/slides/slide25.xml><?xml version="1.0" encoding="utf-8"?>
 <p:sld xmlns:a="http://schemas.openxmlformats.org/drawingml/2006/main" xmlns:r="http://schemas.openxmlformats.org/officeDocument/2006/relationships" xmlns:p="http://schemas.openxmlformats.org/presentationml/2006/main">
   <p:cSld>
     <p:bg>
@@ -13155,7 +13357,7 @@
 </p:sld>
 </file>
 
-<file path=ppt/slides/slide25.xml><?xml version="1.0" encoding="utf-8"?>
+<file path=ppt/slides/slide26.xml><?xml version="1.0" encoding="utf-8"?>
 <p:sld xmlns:a="http://schemas.openxmlformats.org/drawingml/2006/main" xmlns:r="http://schemas.openxmlformats.org/officeDocument/2006/relationships" xmlns:p="http://schemas.openxmlformats.org/presentationml/2006/main">
   <p:cSld>
     <p:bg>
@@ -13262,7 +13464,7 @@
 </p:sld>
 </file>
 
-<file path=ppt/slides/slide26.xml><?xml version="1.0" encoding="utf-8"?>
+<file path=ppt/slides/slide27.xml><?xml version="1.0" encoding="utf-8"?>
 <p:sld xmlns:a="http://schemas.openxmlformats.org/drawingml/2006/main" xmlns:r="http://schemas.openxmlformats.org/officeDocument/2006/relationships" xmlns:p="http://schemas.openxmlformats.org/presentationml/2006/main">
   <p:cSld>
     <p:bg>
@@ -13418,7 +13620,7 @@
 </p:sld>
 </file>
 
-<file path=ppt/slides/slide27.xml><?xml version="1.0" encoding="utf-8"?>
+<file path=ppt/slides/slide28.xml><?xml version="1.0" encoding="utf-8"?>
 <p:sld xmlns:a="http://schemas.openxmlformats.org/drawingml/2006/main" xmlns:r="http://schemas.openxmlformats.org/officeDocument/2006/relationships" xmlns:p="http://schemas.openxmlformats.org/presentationml/2006/main">
   <p:cSld>
     <p:bg>
@@ -13538,7 +13740,7 @@
 </p:sld>
 </file>
 
-<file path=ppt/slides/slide28.xml><?xml version="1.0" encoding="utf-8"?>
+<file path=ppt/slides/slide29.xml><?xml version="1.0" encoding="utf-8"?>
 <p:sld xmlns:a="http://schemas.openxmlformats.org/drawingml/2006/main" xmlns:r="http://schemas.openxmlformats.org/officeDocument/2006/relationships" xmlns:p="http://schemas.openxmlformats.org/presentationml/2006/main">
   <p:cSld>
     <p:bg>
@@ -13803,298 +14005,6 @@
     <p:extLst>
       <p:ext uri="{BB962C8B-B14F-4D97-AF65-F5344CB8AC3E}">
         <p14:creationId xmlns:p14="http://schemas.microsoft.com/office/powerpoint/2010/main" val="1504870091"/>
-      </p:ext>
-    </p:extLst>
-  </p:cSld>
-  <p:clrMapOvr>
-    <a:masterClrMapping/>
-  </p:clrMapOvr>
-</p:sld>
-</file>
-
-<file path=ppt/slides/slide29.xml><?xml version="1.0" encoding="utf-8"?>
-<p:sld xmlns:a="http://schemas.openxmlformats.org/drawingml/2006/main" xmlns:r="http://schemas.openxmlformats.org/officeDocument/2006/relationships" xmlns:p="http://schemas.openxmlformats.org/presentationml/2006/main">
-  <p:cSld>
-    <p:bg>
-      <p:bgPr>
-        <a:solidFill>
-          <a:schemeClr val="tx2">
-            <a:lumMod val="75000"/>
-          </a:schemeClr>
-        </a:solidFill>
-        <a:effectLst/>
-      </p:bgPr>
-    </p:bg>
-    <p:spTree>
-      <p:nvGrpSpPr>
-        <p:cNvPr id="1" name=""/>
-        <p:cNvGrpSpPr/>
-        <p:nvPr/>
-      </p:nvGrpSpPr>
-      <p:grpSpPr>
-        <a:xfrm>
-          <a:off x="0" y="0"/>
-          <a:ext cx="0" cy="0"/>
-          <a:chOff x="0" y="0"/>
-          <a:chExt cx="0" cy="0"/>
-        </a:xfrm>
-      </p:grpSpPr>
-      <p:sp>
-        <p:nvSpPr>
-          <p:cNvPr id="2" name="Nadpis 1">
-            <a:extLst>
-              <a:ext uri="{FF2B5EF4-FFF2-40B4-BE49-F238E27FC236}">
-                <a16:creationId xmlns:a16="http://schemas.microsoft.com/office/drawing/2014/main" id="{3AE5A288-E3F8-0351-FF0C-163ADC355D1D}"/>
-              </a:ext>
-            </a:extLst>
-          </p:cNvPr>
-          <p:cNvSpPr>
-            <a:spLocks noGrp="1"/>
-          </p:cNvSpPr>
-          <p:nvPr>
-            <p:ph type="title"/>
-          </p:nvPr>
-        </p:nvSpPr>
-        <p:spPr/>
-        <p:txBody>
-          <a:bodyPr/>
-          <a:lstStyle/>
-          <a:p>
-            <a:r>
-              <a:rPr lang="sk-SK" dirty="0"/>
-              <a:t>Otázka na skúšku	</a:t>
-            </a:r>
-          </a:p>
-        </p:txBody>
-      </p:sp>
-      <p:sp>
-        <p:nvSpPr>
-          <p:cNvPr id="3" name="Zástupný objekt pre obsah 2">
-            <a:extLst>
-              <a:ext uri="{FF2B5EF4-FFF2-40B4-BE49-F238E27FC236}">
-                <a16:creationId xmlns:a16="http://schemas.microsoft.com/office/drawing/2014/main" id="{8DE11AB9-113E-EF93-3A46-2B78ECC39F8A}"/>
-              </a:ext>
-            </a:extLst>
-          </p:cNvPr>
-          <p:cNvSpPr>
-            <a:spLocks noGrp="1"/>
-          </p:cNvSpPr>
-          <p:nvPr>
-            <p:ph idx="1"/>
-          </p:nvPr>
-        </p:nvSpPr>
-        <p:spPr/>
-        <p:txBody>
-          <a:bodyPr/>
-          <a:lstStyle/>
-          <a:p>
-            <a:r>
-              <a:rPr lang="sk-SK" dirty="0">
-                <a:solidFill>
-                  <a:schemeClr val="bg1"/>
-                </a:solidFill>
-              </a:rPr>
-              <a:t>Čo nepatrí do štruktúry </a:t>
-            </a:r>
-            <a:r>
-              <a:rPr lang="sk-SK" dirty="0" err="1">
-                <a:solidFill>
-                  <a:schemeClr val="bg1"/>
-                </a:solidFill>
-              </a:rPr>
-              <a:t>Iterator</a:t>
-            </a:r>
-            <a:r>
-              <a:rPr lang="sk-SK" dirty="0">
-                <a:solidFill>
-                  <a:schemeClr val="bg1"/>
-                </a:solidFill>
-              </a:rPr>
-              <a:t> ?</a:t>
-            </a:r>
-          </a:p>
-          <a:p>
-            <a:pPr marL="0" indent="0">
-              <a:buNone/>
-            </a:pPr>
-            <a:r>
-              <a:rPr lang="sk-SK" dirty="0">
-                <a:solidFill>
-                  <a:schemeClr val="bg1"/>
-                </a:solidFill>
-              </a:rPr>
-              <a:t>	a) </a:t>
-            </a:r>
-            <a:r>
-              <a:rPr lang="sk-SK" dirty="0" err="1">
-                <a:solidFill>
-                  <a:schemeClr val="bg1"/>
-                </a:solidFill>
-              </a:rPr>
-              <a:t>Iterator</a:t>
-            </a:r>
-            <a:endParaRPr lang="sk-SK" dirty="0">
-              <a:solidFill>
-                <a:schemeClr val="bg1"/>
-              </a:solidFill>
-            </a:endParaRPr>
-          </a:p>
-          <a:p>
-            <a:pPr marL="0" indent="0">
-              <a:buNone/>
-            </a:pPr>
-            <a:r>
-              <a:rPr lang="sk-SK" dirty="0">
-                <a:solidFill>
-                  <a:schemeClr val="bg1"/>
-                </a:solidFill>
-              </a:rPr>
-              <a:t>	b) </a:t>
-            </a:r>
-            <a:r>
-              <a:rPr lang="sk-SK" dirty="0" err="1">
-                <a:solidFill>
-                  <a:schemeClr val="bg1"/>
-                </a:solidFill>
-              </a:rPr>
-              <a:t>Iterator</a:t>
-            </a:r>
-            <a:r>
-              <a:rPr lang="sk-SK" dirty="0">
-                <a:solidFill>
-                  <a:schemeClr val="bg1"/>
-                </a:solidFill>
-              </a:rPr>
-              <a:t> </a:t>
-            </a:r>
-            <a:r>
-              <a:rPr lang="sk-SK" dirty="0" err="1">
-                <a:solidFill>
-                  <a:schemeClr val="bg1"/>
-                </a:solidFill>
-              </a:rPr>
-              <a:t>Collection</a:t>
-            </a:r>
-            <a:endParaRPr lang="sk-SK" dirty="0">
-              <a:solidFill>
-                <a:schemeClr val="bg1"/>
-              </a:solidFill>
-            </a:endParaRPr>
-          </a:p>
-          <a:p>
-            <a:pPr marL="0" indent="0">
-              <a:buNone/>
-            </a:pPr>
-            <a:r>
-              <a:rPr lang="sk-SK" dirty="0">
-                <a:solidFill>
-                  <a:schemeClr val="bg1"/>
-                </a:solidFill>
-              </a:rPr>
-              <a:t>	</a:t>
-            </a:r>
-            <a:r>
-              <a:rPr lang="sk-SK" b="1" dirty="0">
-                <a:solidFill>
-                  <a:srgbClr val="00B050"/>
-                </a:solidFill>
-              </a:rPr>
-              <a:t>c) </a:t>
-            </a:r>
-            <a:r>
-              <a:rPr lang="sk-SK" b="1" dirty="0" err="1">
-                <a:solidFill>
-                  <a:srgbClr val="00B050"/>
-                </a:solidFill>
-              </a:rPr>
-              <a:t>Product</a:t>
-            </a:r>
-            <a:r>
-              <a:rPr lang="sk-SK" b="1" dirty="0">
-                <a:solidFill>
-                  <a:srgbClr val="00B050"/>
-                </a:solidFill>
-              </a:rPr>
-              <a:t> ✓</a:t>
-            </a:r>
-          </a:p>
-          <a:p>
-            <a:pPr marL="0" indent="0">
-              <a:buNone/>
-            </a:pPr>
-            <a:r>
-              <a:rPr lang="sk-SK" dirty="0">
-                <a:solidFill>
-                  <a:schemeClr val="bg1"/>
-                </a:solidFill>
-              </a:rPr>
-              <a:t>	d) </a:t>
-            </a:r>
-            <a:r>
-              <a:rPr lang="sk-SK" dirty="0" err="1">
-                <a:solidFill>
-                  <a:schemeClr val="bg1"/>
-                </a:solidFill>
-              </a:rPr>
-              <a:t>Client</a:t>
-            </a:r>
-            <a:r>
-              <a:rPr lang="sk-SK" dirty="0">
-                <a:solidFill>
-                  <a:schemeClr val="bg1"/>
-                </a:solidFill>
-              </a:rPr>
-              <a:t>	</a:t>
-            </a:r>
-          </a:p>
-          <a:p>
-            <a:pPr marL="0" indent="0">
-              <a:buNone/>
-            </a:pPr>
-            <a:r>
-              <a:rPr lang="sk-SK" dirty="0">
-                <a:solidFill>
-                  <a:schemeClr val="bg1"/>
-                </a:solidFill>
-              </a:rPr>
-              <a:t>	e) </a:t>
-            </a:r>
-            <a:r>
-              <a:rPr lang="sk-SK" dirty="0" err="1">
-                <a:solidFill>
-                  <a:schemeClr val="bg1"/>
-                </a:solidFill>
-              </a:rPr>
-              <a:t>Concrete</a:t>
-            </a:r>
-            <a:r>
-              <a:rPr lang="sk-SK" dirty="0">
-                <a:solidFill>
-                  <a:schemeClr val="bg1"/>
-                </a:solidFill>
-              </a:rPr>
-              <a:t> </a:t>
-            </a:r>
-            <a:r>
-              <a:rPr lang="sk-SK" dirty="0" err="1">
-                <a:solidFill>
-                  <a:schemeClr val="bg1"/>
-                </a:solidFill>
-              </a:rPr>
-              <a:t>Collection</a:t>
-            </a:r>
-            <a:endParaRPr lang="sk-SK" dirty="0">
-              <a:solidFill>
-                <a:schemeClr val="bg1"/>
-              </a:solidFill>
-            </a:endParaRPr>
-          </a:p>
-        </p:txBody>
-      </p:sp>
-    </p:spTree>
-    <p:extLst>
-      <p:ext uri="{BB962C8B-B14F-4D97-AF65-F5344CB8AC3E}">
-        <p14:creationId xmlns:p14="http://schemas.microsoft.com/office/powerpoint/2010/main" val="3024849562"/>
       </p:ext>
     </p:extLst>
   </p:cSld>
@@ -15124,6 +15034,298 @@
   </p:cSld>
   <p:clrMapOvr>
     <a:overrideClrMapping bg1="dk1" tx1="lt1" bg2="dk2" tx2="lt2" accent1="accent1" accent2="accent2" accent3="accent3" accent4="accent4" accent5="accent5" accent6="accent6" hlink="hlink" folHlink="folHlink"/>
+  </p:clrMapOvr>
+</p:sld>
+</file>
+
+<file path=ppt/slides/slide30.xml><?xml version="1.0" encoding="utf-8"?>
+<p:sld xmlns:a="http://schemas.openxmlformats.org/drawingml/2006/main" xmlns:r="http://schemas.openxmlformats.org/officeDocument/2006/relationships" xmlns:p="http://schemas.openxmlformats.org/presentationml/2006/main">
+  <p:cSld>
+    <p:bg>
+      <p:bgPr>
+        <a:solidFill>
+          <a:schemeClr val="tx2">
+            <a:lumMod val="75000"/>
+          </a:schemeClr>
+        </a:solidFill>
+        <a:effectLst/>
+      </p:bgPr>
+    </p:bg>
+    <p:spTree>
+      <p:nvGrpSpPr>
+        <p:cNvPr id="1" name=""/>
+        <p:cNvGrpSpPr/>
+        <p:nvPr/>
+      </p:nvGrpSpPr>
+      <p:grpSpPr>
+        <a:xfrm>
+          <a:off x="0" y="0"/>
+          <a:ext cx="0" cy="0"/>
+          <a:chOff x="0" y="0"/>
+          <a:chExt cx="0" cy="0"/>
+        </a:xfrm>
+      </p:grpSpPr>
+      <p:sp>
+        <p:nvSpPr>
+          <p:cNvPr id="2" name="Nadpis 1">
+            <a:extLst>
+              <a:ext uri="{FF2B5EF4-FFF2-40B4-BE49-F238E27FC236}">
+                <a16:creationId xmlns:a16="http://schemas.microsoft.com/office/drawing/2014/main" id="{3AE5A288-E3F8-0351-FF0C-163ADC355D1D}"/>
+              </a:ext>
+            </a:extLst>
+          </p:cNvPr>
+          <p:cNvSpPr>
+            <a:spLocks noGrp="1"/>
+          </p:cNvSpPr>
+          <p:nvPr>
+            <p:ph type="title"/>
+          </p:nvPr>
+        </p:nvSpPr>
+        <p:spPr/>
+        <p:txBody>
+          <a:bodyPr/>
+          <a:lstStyle/>
+          <a:p>
+            <a:r>
+              <a:rPr lang="sk-SK" dirty="0"/>
+              <a:t>Otázka na skúšku	</a:t>
+            </a:r>
+          </a:p>
+        </p:txBody>
+      </p:sp>
+      <p:sp>
+        <p:nvSpPr>
+          <p:cNvPr id="3" name="Zástupný objekt pre obsah 2">
+            <a:extLst>
+              <a:ext uri="{FF2B5EF4-FFF2-40B4-BE49-F238E27FC236}">
+                <a16:creationId xmlns:a16="http://schemas.microsoft.com/office/drawing/2014/main" id="{8DE11AB9-113E-EF93-3A46-2B78ECC39F8A}"/>
+              </a:ext>
+            </a:extLst>
+          </p:cNvPr>
+          <p:cNvSpPr>
+            <a:spLocks noGrp="1"/>
+          </p:cNvSpPr>
+          <p:nvPr>
+            <p:ph idx="1"/>
+          </p:nvPr>
+        </p:nvSpPr>
+        <p:spPr/>
+        <p:txBody>
+          <a:bodyPr/>
+          <a:lstStyle/>
+          <a:p>
+            <a:r>
+              <a:rPr lang="sk-SK" dirty="0">
+                <a:solidFill>
+                  <a:schemeClr val="bg1"/>
+                </a:solidFill>
+              </a:rPr>
+              <a:t>Čo nepatrí do štruktúry </a:t>
+            </a:r>
+            <a:r>
+              <a:rPr lang="sk-SK" dirty="0" err="1">
+                <a:solidFill>
+                  <a:schemeClr val="bg1"/>
+                </a:solidFill>
+              </a:rPr>
+              <a:t>Iterator</a:t>
+            </a:r>
+            <a:r>
+              <a:rPr lang="sk-SK" dirty="0">
+                <a:solidFill>
+                  <a:schemeClr val="bg1"/>
+                </a:solidFill>
+              </a:rPr>
+              <a:t> ?</a:t>
+            </a:r>
+          </a:p>
+          <a:p>
+            <a:pPr marL="0" indent="0">
+              <a:buNone/>
+            </a:pPr>
+            <a:r>
+              <a:rPr lang="sk-SK" dirty="0">
+                <a:solidFill>
+                  <a:schemeClr val="bg1"/>
+                </a:solidFill>
+              </a:rPr>
+              <a:t>	a) </a:t>
+            </a:r>
+            <a:r>
+              <a:rPr lang="sk-SK" dirty="0" err="1">
+                <a:solidFill>
+                  <a:schemeClr val="bg1"/>
+                </a:solidFill>
+              </a:rPr>
+              <a:t>Iterator</a:t>
+            </a:r>
+            <a:endParaRPr lang="sk-SK" dirty="0">
+              <a:solidFill>
+                <a:schemeClr val="bg1"/>
+              </a:solidFill>
+            </a:endParaRPr>
+          </a:p>
+          <a:p>
+            <a:pPr marL="0" indent="0">
+              <a:buNone/>
+            </a:pPr>
+            <a:r>
+              <a:rPr lang="sk-SK" dirty="0">
+                <a:solidFill>
+                  <a:schemeClr val="bg1"/>
+                </a:solidFill>
+              </a:rPr>
+              <a:t>	b) </a:t>
+            </a:r>
+            <a:r>
+              <a:rPr lang="sk-SK" dirty="0" err="1">
+                <a:solidFill>
+                  <a:schemeClr val="bg1"/>
+                </a:solidFill>
+              </a:rPr>
+              <a:t>Iterator</a:t>
+            </a:r>
+            <a:r>
+              <a:rPr lang="sk-SK" dirty="0">
+                <a:solidFill>
+                  <a:schemeClr val="bg1"/>
+                </a:solidFill>
+              </a:rPr>
+              <a:t> </a:t>
+            </a:r>
+            <a:r>
+              <a:rPr lang="sk-SK" dirty="0" err="1">
+                <a:solidFill>
+                  <a:schemeClr val="bg1"/>
+                </a:solidFill>
+              </a:rPr>
+              <a:t>Collection</a:t>
+            </a:r>
+            <a:endParaRPr lang="sk-SK" dirty="0">
+              <a:solidFill>
+                <a:schemeClr val="bg1"/>
+              </a:solidFill>
+            </a:endParaRPr>
+          </a:p>
+          <a:p>
+            <a:pPr marL="0" indent="0">
+              <a:buNone/>
+            </a:pPr>
+            <a:r>
+              <a:rPr lang="sk-SK" dirty="0">
+                <a:solidFill>
+                  <a:schemeClr val="bg1"/>
+                </a:solidFill>
+              </a:rPr>
+              <a:t>	</a:t>
+            </a:r>
+            <a:r>
+              <a:rPr lang="sk-SK" b="1" dirty="0">
+                <a:solidFill>
+                  <a:srgbClr val="00B050"/>
+                </a:solidFill>
+              </a:rPr>
+              <a:t>c) </a:t>
+            </a:r>
+            <a:r>
+              <a:rPr lang="sk-SK" b="1" dirty="0" err="1">
+                <a:solidFill>
+                  <a:srgbClr val="00B050"/>
+                </a:solidFill>
+              </a:rPr>
+              <a:t>Product</a:t>
+            </a:r>
+            <a:r>
+              <a:rPr lang="sk-SK" b="1" dirty="0">
+                <a:solidFill>
+                  <a:srgbClr val="00B050"/>
+                </a:solidFill>
+              </a:rPr>
+              <a:t> ✓</a:t>
+            </a:r>
+          </a:p>
+          <a:p>
+            <a:pPr marL="0" indent="0">
+              <a:buNone/>
+            </a:pPr>
+            <a:r>
+              <a:rPr lang="sk-SK" dirty="0">
+                <a:solidFill>
+                  <a:schemeClr val="bg1"/>
+                </a:solidFill>
+              </a:rPr>
+              <a:t>	d) </a:t>
+            </a:r>
+            <a:r>
+              <a:rPr lang="sk-SK" dirty="0" err="1">
+                <a:solidFill>
+                  <a:schemeClr val="bg1"/>
+                </a:solidFill>
+              </a:rPr>
+              <a:t>Client</a:t>
+            </a:r>
+            <a:r>
+              <a:rPr lang="sk-SK" dirty="0">
+                <a:solidFill>
+                  <a:schemeClr val="bg1"/>
+                </a:solidFill>
+              </a:rPr>
+              <a:t>	</a:t>
+            </a:r>
+          </a:p>
+          <a:p>
+            <a:pPr marL="0" indent="0">
+              <a:buNone/>
+            </a:pPr>
+            <a:r>
+              <a:rPr lang="sk-SK" dirty="0">
+                <a:solidFill>
+                  <a:schemeClr val="bg1"/>
+                </a:solidFill>
+              </a:rPr>
+              <a:t>	e) </a:t>
+            </a:r>
+            <a:r>
+              <a:rPr lang="sk-SK" dirty="0" err="1">
+                <a:solidFill>
+                  <a:schemeClr val="bg1"/>
+                </a:solidFill>
+              </a:rPr>
+              <a:t>Concrete</a:t>
+            </a:r>
+            <a:r>
+              <a:rPr lang="sk-SK" dirty="0">
+                <a:solidFill>
+                  <a:schemeClr val="bg1"/>
+                </a:solidFill>
+              </a:rPr>
+              <a:t> </a:t>
+            </a:r>
+            <a:r>
+              <a:rPr lang="sk-SK" dirty="0" err="1">
+                <a:solidFill>
+                  <a:schemeClr val="bg1"/>
+                </a:solidFill>
+              </a:rPr>
+              <a:t>Collection</a:t>
+            </a:r>
+            <a:endParaRPr lang="sk-SK" dirty="0">
+              <a:solidFill>
+                <a:schemeClr val="bg1"/>
+              </a:solidFill>
+            </a:endParaRPr>
+          </a:p>
+        </p:txBody>
+      </p:sp>
+    </p:spTree>
+    <p:extLst>
+      <p:ext uri="{BB962C8B-B14F-4D97-AF65-F5344CB8AC3E}">
+        <p14:creationId xmlns:p14="http://schemas.microsoft.com/office/powerpoint/2010/main" val="3024849562"/>
+      </p:ext>
+    </p:extLst>
+  </p:cSld>
+  <p:clrMapOvr>
+    <a:masterClrMapping/>
   </p:clrMapOvr>
 </p:sld>
 </file>
